--- a/media/ideas/Alpha and Omega.pptx
+++ b/media/ideas/Alpha and Omega.pptx
@@ -5,12 +5,13 @@
     <p:sldMasterId id="2147483660" r:id="rId1"/>
   </p:sldMasterIdLst>
   <p:notesMasterIdLst>
-    <p:notesMasterId r:id="rId5"/>
+    <p:notesMasterId r:id="rId6"/>
   </p:notesMasterIdLst>
   <p:sldIdLst>
     <p:sldId id="256" r:id="rId2"/>
     <p:sldId id="258" r:id="rId3"/>
     <p:sldId id="259" r:id="rId4"/>
+    <p:sldId id="260" r:id="rId5"/>
   </p:sldIdLst>
   <p:sldSz cx="12192000" cy="6858000"/>
   <p:notesSz cx="6858000" cy="9144000"/>
@@ -120,7 +121,7 @@
 <file path=ppt/revisionInfo.xml><?xml version="1.0" encoding="utf-8"?>
 <p1510:revInfo xmlns:a="http://schemas.openxmlformats.org/drawingml/2006/main" xmlns:r="http://schemas.openxmlformats.org/officeDocument/2006/relationships" xmlns:p1510="http://schemas.microsoft.com/office/powerpoint/2015/10/main">
   <p1510:revLst>
-    <p1510:client id="{055BA477-D279-4748-ADB5-E1B4BBCA5B92}" v="105" dt="2024-11-22T07:46:55.382"/>
+    <p1510:client id="{055BA477-D279-4748-ADB5-E1B4BBCA5B92}" v="106" dt="2024-11-23T11:33:59.528"/>
   </p1510:revLst>
 </p1510:revInfo>
 </file>
@@ -130,7 +131,7 @@
   <pc:docChgLst>
     <pc:chgData name="Tobias Stadtfeld" userId="7e695269987144e5" providerId="LiveId" clId="{055BA477-D279-4748-ADB5-E1B4BBCA5B92}"/>
     <pc:docChg chg="undo custSel addSld delSld modSld">
-      <pc:chgData name="Tobias Stadtfeld" userId="7e695269987144e5" providerId="LiveId" clId="{055BA477-D279-4748-ADB5-E1B4BBCA5B92}" dt="2024-11-22T08:02:02.246" v="3055" actId="14100"/>
+      <pc:chgData name="Tobias Stadtfeld" userId="7e695269987144e5" providerId="LiveId" clId="{055BA477-D279-4748-ADB5-E1B4BBCA5B92}" dt="2024-11-23T11:36:50.926" v="3086" actId="1076"/>
       <pc:docMkLst>
         <pc:docMk/>
       </pc:docMkLst>
@@ -1471,6 +1472,149 @@
             <pc:docMk/>
             <pc:sldMk cId="840078680" sldId="259"/>
             <ac:cxnSpMk id="1048" creationId="{49CD1692-827B-4C8D-B4A1-134FD04CF45C}"/>
+          </ac:cxnSpMkLst>
+        </pc:cxnChg>
+      </pc:sldChg>
+      <pc:sldChg chg="addSp delSp modSp new mod">
+        <pc:chgData name="Tobias Stadtfeld" userId="7e695269987144e5" providerId="LiveId" clId="{055BA477-D279-4748-ADB5-E1B4BBCA5B92}" dt="2024-11-23T11:36:50.926" v="3086" actId="1076"/>
+        <pc:sldMkLst>
+          <pc:docMk/>
+          <pc:sldMk cId="3962241421" sldId="260"/>
+        </pc:sldMkLst>
+        <pc:spChg chg="del">
+          <ac:chgData name="Tobias Stadtfeld" userId="7e695269987144e5" providerId="LiveId" clId="{055BA477-D279-4748-ADB5-E1B4BBCA5B92}" dt="2024-11-23T11:33:58.380" v="3058" actId="478"/>
+          <ac:spMkLst>
+            <pc:docMk/>
+            <pc:sldMk cId="3962241421" sldId="260"/>
+            <ac:spMk id="2" creationId="{01E632BD-5138-64CF-DB4B-1A285177D52D}"/>
+          </ac:spMkLst>
+        </pc:spChg>
+        <pc:spChg chg="del">
+          <ac:chgData name="Tobias Stadtfeld" userId="7e695269987144e5" providerId="LiveId" clId="{055BA477-D279-4748-ADB5-E1B4BBCA5B92}" dt="2024-11-23T11:33:56.340" v="3057" actId="478"/>
+          <ac:spMkLst>
+            <pc:docMk/>
+            <pc:sldMk cId="3962241421" sldId="260"/>
+            <ac:spMk id="3" creationId="{EBCE412B-6F68-BAE7-6DC7-E5732D7B88A3}"/>
+          </ac:spMkLst>
+        </pc:spChg>
+        <pc:spChg chg="add mod">
+          <ac:chgData name="Tobias Stadtfeld" userId="7e695269987144e5" providerId="LiveId" clId="{055BA477-D279-4748-ADB5-E1B4BBCA5B92}" dt="2024-11-23T11:36:50.926" v="3086" actId="1076"/>
+          <ac:spMkLst>
+            <pc:docMk/>
+            <pc:sldMk cId="3962241421" sldId="260"/>
+            <ac:spMk id="4" creationId="{4D651401-1172-DC7E-7735-47E8A1B58AFF}"/>
+          </ac:spMkLst>
+        </pc:spChg>
+        <pc:spChg chg="add mod">
+          <ac:chgData name="Tobias Stadtfeld" userId="7e695269987144e5" providerId="LiveId" clId="{055BA477-D279-4748-ADB5-E1B4BBCA5B92}" dt="2024-11-23T11:36:50.926" v="3086" actId="1076"/>
+          <ac:spMkLst>
+            <pc:docMk/>
+            <pc:sldMk cId="3962241421" sldId="260"/>
+            <ac:spMk id="5" creationId="{6F95DB02-754F-FEA1-2476-5BCEBA6F4EA2}"/>
+          </ac:spMkLst>
+        </pc:spChg>
+        <pc:spChg chg="add mod">
+          <ac:chgData name="Tobias Stadtfeld" userId="7e695269987144e5" providerId="LiveId" clId="{055BA477-D279-4748-ADB5-E1B4BBCA5B92}" dt="2024-11-23T11:36:50.926" v="3086" actId="1076"/>
+          <ac:spMkLst>
+            <pc:docMk/>
+            <pc:sldMk cId="3962241421" sldId="260"/>
+            <ac:spMk id="6" creationId="{325A1F77-8213-4F2B-6B26-22EC77DBA266}"/>
+          </ac:spMkLst>
+        </pc:spChg>
+        <pc:spChg chg="add mod">
+          <ac:chgData name="Tobias Stadtfeld" userId="7e695269987144e5" providerId="LiveId" clId="{055BA477-D279-4748-ADB5-E1B4BBCA5B92}" dt="2024-11-23T11:36:50.926" v="3086" actId="1076"/>
+          <ac:spMkLst>
+            <pc:docMk/>
+            <pc:sldMk cId="3962241421" sldId="260"/>
+            <ac:spMk id="7" creationId="{3B9437D0-CCF4-7987-E54C-20F9E447573C}"/>
+          </ac:spMkLst>
+        </pc:spChg>
+        <pc:spChg chg="add mod">
+          <ac:chgData name="Tobias Stadtfeld" userId="7e695269987144e5" providerId="LiveId" clId="{055BA477-D279-4748-ADB5-E1B4BBCA5B92}" dt="2024-11-23T11:36:50.926" v="3086" actId="1076"/>
+          <ac:spMkLst>
+            <pc:docMk/>
+            <pc:sldMk cId="3962241421" sldId="260"/>
+            <ac:spMk id="8" creationId="{F45C9EEE-A777-8329-A1E5-EC79A3087C1F}"/>
+          </ac:spMkLst>
+        </pc:spChg>
+        <pc:spChg chg="add mod">
+          <ac:chgData name="Tobias Stadtfeld" userId="7e695269987144e5" providerId="LiveId" clId="{055BA477-D279-4748-ADB5-E1B4BBCA5B92}" dt="2024-11-23T11:36:50.926" v="3086" actId="1076"/>
+          <ac:spMkLst>
+            <pc:docMk/>
+            <pc:sldMk cId="3962241421" sldId="260"/>
+            <ac:spMk id="9" creationId="{57C32D45-2D57-621B-99EC-861CDFB90B9E}"/>
+          </ac:spMkLst>
+        </pc:spChg>
+        <pc:spChg chg="add mod">
+          <ac:chgData name="Tobias Stadtfeld" userId="7e695269987144e5" providerId="LiveId" clId="{055BA477-D279-4748-ADB5-E1B4BBCA5B92}" dt="2024-11-23T11:36:50.926" v="3086" actId="1076"/>
+          <ac:spMkLst>
+            <pc:docMk/>
+            <pc:sldMk cId="3962241421" sldId="260"/>
+            <ac:spMk id="18" creationId="{188331B5-5144-8AD0-6135-5690F5E8F126}"/>
+          </ac:spMkLst>
+        </pc:spChg>
+        <pc:cxnChg chg="add mod">
+          <ac:chgData name="Tobias Stadtfeld" userId="7e695269987144e5" providerId="LiveId" clId="{055BA477-D279-4748-ADB5-E1B4BBCA5B92}" dt="2024-11-23T11:36:50.926" v="3086" actId="1076"/>
+          <ac:cxnSpMkLst>
+            <pc:docMk/>
+            <pc:sldMk cId="3962241421" sldId="260"/>
+            <ac:cxnSpMk id="10" creationId="{3EA993FD-D984-0012-179A-1807ACCEBFC5}"/>
+          </ac:cxnSpMkLst>
+        </pc:cxnChg>
+        <pc:cxnChg chg="add mod">
+          <ac:chgData name="Tobias Stadtfeld" userId="7e695269987144e5" providerId="LiveId" clId="{055BA477-D279-4748-ADB5-E1B4BBCA5B92}" dt="2024-11-23T11:36:50.926" v="3086" actId="1076"/>
+          <ac:cxnSpMkLst>
+            <pc:docMk/>
+            <pc:sldMk cId="3962241421" sldId="260"/>
+            <ac:cxnSpMk id="11" creationId="{E8541BFD-3520-EE74-53BD-3DC9F647BB74}"/>
+          </ac:cxnSpMkLst>
+        </pc:cxnChg>
+        <pc:cxnChg chg="add mod">
+          <ac:chgData name="Tobias Stadtfeld" userId="7e695269987144e5" providerId="LiveId" clId="{055BA477-D279-4748-ADB5-E1B4BBCA5B92}" dt="2024-11-23T11:36:50.926" v="3086" actId="1076"/>
+          <ac:cxnSpMkLst>
+            <pc:docMk/>
+            <pc:sldMk cId="3962241421" sldId="260"/>
+            <ac:cxnSpMk id="12" creationId="{5CFFD42E-A19B-0F79-3F6A-076FC8E01177}"/>
+          </ac:cxnSpMkLst>
+        </pc:cxnChg>
+        <pc:cxnChg chg="add mod">
+          <ac:chgData name="Tobias Stadtfeld" userId="7e695269987144e5" providerId="LiveId" clId="{055BA477-D279-4748-ADB5-E1B4BBCA5B92}" dt="2024-11-23T11:36:50.926" v="3086" actId="1076"/>
+          <ac:cxnSpMkLst>
+            <pc:docMk/>
+            <pc:sldMk cId="3962241421" sldId="260"/>
+            <ac:cxnSpMk id="13" creationId="{5D70862A-2B04-540E-2B7B-E5557AD5AEF9}"/>
+          </ac:cxnSpMkLst>
+        </pc:cxnChg>
+        <pc:cxnChg chg="add mod">
+          <ac:chgData name="Tobias Stadtfeld" userId="7e695269987144e5" providerId="LiveId" clId="{055BA477-D279-4748-ADB5-E1B4BBCA5B92}" dt="2024-11-23T11:36:50.926" v="3086" actId="1076"/>
+          <ac:cxnSpMkLst>
+            <pc:docMk/>
+            <pc:sldMk cId="3962241421" sldId="260"/>
+            <ac:cxnSpMk id="14" creationId="{51C37E39-4083-5528-6BB9-FA87AB75E332}"/>
+          </ac:cxnSpMkLst>
+        </pc:cxnChg>
+        <pc:cxnChg chg="add mod">
+          <ac:chgData name="Tobias Stadtfeld" userId="7e695269987144e5" providerId="LiveId" clId="{055BA477-D279-4748-ADB5-E1B4BBCA5B92}" dt="2024-11-23T11:36:50.926" v="3086" actId="1076"/>
+          <ac:cxnSpMkLst>
+            <pc:docMk/>
+            <pc:sldMk cId="3962241421" sldId="260"/>
+            <ac:cxnSpMk id="15" creationId="{1099A063-45B2-DC30-28A4-6F0ED6AE965F}"/>
+          </ac:cxnSpMkLst>
+        </pc:cxnChg>
+        <pc:cxnChg chg="add mod">
+          <ac:chgData name="Tobias Stadtfeld" userId="7e695269987144e5" providerId="LiveId" clId="{055BA477-D279-4748-ADB5-E1B4BBCA5B92}" dt="2024-11-23T11:36:50.926" v="3086" actId="1076"/>
+          <ac:cxnSpMkLst>
+            <pc:docMk/>
+            <pc:sldMk cId="3962241421" sldId="260"/>
+            <ac:cxnSpMk id="16" creationId="{355F3C3C-9B98-2674-34C7-78D96E4AD862}"/>
+          </ac:cxnSpMkLst>
+        </pc:cxnChg>
+        <pc:cxnChg chg="add mod">
+          <ac:chgData name="Tobias Stadtfeld" userId="7e695269987144e5" providerId="LiveId" clId="{055BA477-D279-4748-ADB5-E1B4BBCA5B92}" dt="2024-11-23T11:36:50.926" v="3086" actId="1076"/>
+          <ac:cxnSpMkLst>
+            <pc:docMk/>
+            <pc:sldMk cId="3962241421" sldId="260"/>
+            <ac:cxnSpMk id="17" creationId="{C585C00C-A60B-62A5-CBE2-5DC056D37B7A}"/>
           </ac:cxnSpMkLst>
         </pc:cxnChg>
       </pc:sldChg>
@@ -1706,7 +1850,7 @@
           <a:p>
             <a:fld id="{4B7C8FB9-FAD6-4748-B71C-FAE8C47BD55A}" type="datetimeFigureOut">
               <a:rPr lang="en-US" smtClean="0"/>
-              <a:t>11/22/2024</a:t>
+              <a:t>11/23/2024</a:t>
             </a:fld>
             <a:endParaRPr lang="en-US"/>
           </a:p>
@@ -2297,7 +2441,7 @@
           <a:p>
             <a:fld id="{5DF6A792-334E-478A-AAEA-36BB888C9834}" type="datetimeFigureOut">
               <a:rPr lang="en-US" smtClean="0"/>
-              <a:t>11/22/2024</a:t>
+              <a:t>11/23/2024</a:t>
             </a:fld>
             <a:endParaRPr lang="en-US"/>
           </a:p>
@@ -2467,7 +2611,7 @@
           <a:p>
             <a:fld id="{5DF6A792-334E-478A-AAEA-36BB888C9834}" type="datetimeFigureOut">
               <a:rPr lang="en-US" smtClean="0"/>
-              <a:t>11/22/2024</a:t>
+              <a:t>11/23/2024</a:t>
             </a:fld>
             <a:endParaRPr lang="en-US"/>
           </a:p>
@@ -2647,7 +2791,7 @@
           <a:p>
             <a:fld id="{5DF6A792-334E-478A-AAEA-36BB888C9834}" type="datetimeFigureOut">
               <a:rPr lang="en-US" smtClean="0"/>
-              <a:t>11/22/2024</a:t>
+              <a:t>11/23/2024</a:t>
             </a:fld>
             <a:endParaRPr lang="en-US"/>
           </a:p>
@@ -2817,7 +2961,7 @@
           <a:p>
             <a:fld id="{5DF6A792-334E-478A-AAEA-36BB888C9834}" type="datetimeFigureOut">
               <a:rPr lang="en-US" smtClean="0"/>
-              <a:t>11/22/2024</a:t>
+              <a:t>11/23/2024</a:t>
             </a:fld>
             <a:endParaRPr lang="en-US"/>
           </a:p>
@@ -3063,7 +3207,7 @@
           <a:p>
             <a:fld id="{5DF6A792-334E-478A-AAEA-36BB888C9834}" type="datetimeFigureOut">
               <a:rPr lang="en-US" smtClean="0"/>
-              <a:t>11/22/2024</a:t>
+              <a:t>11/23/2024</a:t>
             </a:fld>
             <a:endParaRPr lang="en-US"/>
           </a:p>
@@ -3295,7 +3439,7 @@
           <a:p>
             <a:fld id="{5DF6A792-334E-478A-AAEA-36BB888C9834}" type="datetimeFigureOut">
               <a:rPr lang="en-US" smtClean="0"/>
-              <a:t>11/22/2024</a:t>
+              <a:t>11/23/2024</a:t>
             </a:fld>
             <a:endParaRPr lang="en-US"/>
           </a:p>
@@ -3662,7 +3806,7 @@
           <a:p>
             <a:fld id="{5DF6A792-334E-478A-AAEA-36BB888C9834}" type="datetimeFigureOut">
               <a:rPr lang="en-US" smtClean="0"/>
-              <a:t>11/22/2024</a:t>
+              <a:t>11/23/2024</a:t>
             </a:fld>
             <a:endParaRPr lang="en-US"/>
           </a:p>
@@ -3780,7 +3924,7 @@
           <a:p>
             <a:fld id="{5DF6A792-334E-478A-AAEA-36BB888C9834}" type="datetimeFigureOut">
               <a:rPr lang="en-US" smtClean="0"/>
-              <a:t>11/22/2024</a:t>
+              <a:t>11/23/2024</a:t>
             </a:fld>
             <a:endParaRPr lang="en-US"/>
           </a:p>
@@ -3875,7 +4019,7 @@
           <a:p>
             <a:fld id="{5DF6A792-334E-478A-AAEA-36BB888C9834}" type="datetimeFigureOut">
               <a:rPr lang="en-US" smtClean="0"/>
-              <a:t>11/22/2024</a:t>
+              <a:t>11/23/2024</a:t>
             </a:fld>
             <a:endParaRPr lang="en-US"/>
           </a:p>
@@ -4152,7 +4296,7 @@
           <a:p>
             <a:fld id="{5DF6A792-334E-478A-AAEA-36BB888C9834}" type="datetimeFigureOut">
               <a:rPr lang="en-US" smtClean="0"/>
-              <a:t>11/22/2024</a:t>
+              <a:t>11/23/2024</a:t>
             </a:fld>
             <a:endParaRPr lang="en-US"/>
           </a:p>
@@ -4409,7 +4553,7 @@
           <a:p>
             <a:fld id="{5DF6A792-334E-478A-AAEA-36BB888C9834}" type="datetimeFigureOut">
               <a:rPr lang="en-US" smtClean="0"/>
-              <a:t>11/22/2024</a:t>
+              <a:t>11/23/2024</a:t>
             </a:fld>
             <a:endParaRPr lang="en-US"/>
           </a:p>
@@ -4622,7 +4766,7 @@
           <a:p>
             <a:fld id="{5DF6A792-334E-478A-AAEA-36BB888C9834}" type="datetimeFigureOut">
               <a:rPr lang="en-US" smtClean="0"/>
-              <a:t>11/22/2024</a:t>
+              <a:t>11/23/2024</a:t>
             </a:fld>
             <a:endParaRPr lang="en-US"/>
           </a:p>
@@ -9685,8 +9829,8 @@
           </a:fontRef>
         </p:style>
       </p:cxnSp>
-      <mc:AlternateContent xmlns:mc="http://schemas.openxmlformats.org/markup-compatibility/2006">
-        <mc:Choice xmlns:p14="http://schemas.microsoft.com/office/powerpoint/2010/main" Requires="p14">
+      <mc:AlternateContent xmlns:mc="http://schemas.openxmlformats.org/markup-compatibility/2006" xmlns:p14="http://schemas.microsoft.com/office/powerpoint/2010/main">
+        <mc:Choice Requires="p14">
           <p:contentPart p14:bwMode="auto" r:id="rId3">
             <p14:nvContentPartPr>
               <p14:cNvPr id="40" name="Freihand 39">
@@ -9705,7 +9849,7 @@
             </p14:xfrm>
           </p:contentPart>
         </mc:Choice>
-        <mc:Fallback>
+        <mc:Fallback xmlns="">
           <p:pic>
             <p:nvPicPr>
               <p:cNvPr id="40" name="Freihand 39">
@@ -9736,8 +9880,8 @@
           </p:pic>
         </mc:Fallback>
       </mc:AlternateContent>
-      <mc:AlternateContent xmlns:mc="http://schemas.openxmlformats.org/markup-compatibility/2006">
-        <mc:Choice xmlns:p14="http://schemas.microsoft.com/office/powerpoint/2010/main" Requires="p14">
+      <mc:AlternateContent xmlns:mc="http://schemas.openxmlformats.org/markup-compatibility/2006" xmlns:p14="http://schemas.microsoft.com/office/powerpoint/2010/main">
+        <mc:Choice Requires="p14">
           <p:contentPart p14:bwMode="auto" r:id="rId5">
             <p14:nvContentPartPr>
               <p14:cNvPr id="44" name="Freihand 43">
@@ -9756,7 +9900,7 @@
             </p14:xfrm>
           </p:contentPart>
         </mc:Choice>
-        <mc:Fallback>
+        <mc:Fallback xmlns="">
           <p:pic>
             <p:nvPicPr>
               <p:cNvPr id="44" name="Freihand 43">
@@ -9787,8 +9931,8 @@
           </p:pic>
         </mc:Fallback>
       </mc:AlternateContent>
-      <mc:AlternateContent xmlns:mc="http://schemas.openxmlformats.org/markup-compatibility/2006">
-        <mc:Choice xmlns:p14="http://schemas.microsoft.com/office/powerpoint/2010/main" Requires="p14">
+      <mc:AlternateContent xmlns:mc="http://schemas.openxmlformats.org/markup-compatibility/2006" xmlns:p14="http://schemas.microsoft.com/office/powerpoint/2010/main">
+        <mc:Choice Requires="p14">
           <p:contentPart p14:bwMode="auto" r:id="rId7">
             <p14:nvContentPartPr>
               <p14:cNvPr id="45" name="Freihand 44">
@@ -9807,7 +9951,7 @@
             </p14:xfrm>
           </p:contentPart>
         </mc:Choice>
-        <mc:Fallback>
+        <mc:Fallback xmlns="">
           <p:pic>
             <p:nvPicPr>
               <p:cNvPr id="45" name="Freihand 44">
@@ -9838,8 +9982,8 @@
           </p:pic>
         </mc:Fallback>
       </mc:AlternateContent>
-      <mc:AlternateContent xmlns:mc="http://schemas.openxmlformats.org/markup-compatibility/2006">
-        <mc:Choice xmlns:p14="http://schemas.microsoft.com/office/powerpoint/2010/main" Requires="p14">
+      <mc:AlternateContent xmlns:mc="http://schemas.openxmlformats.org/markup-compatibility/2006" xmlns:p14="http://schemas.microsoft.com/office/powerpoint/2010/main">
+        <mc:Choice Requires="p14">
           <p:contentPart p14:bwMode="auto" r:id="rId9">
             <p14:nvContentPartPr>
               <p14:cNvPr id="46" name="Freihand 45">
@@ -9858,7 +10002,7 @@
             </p14:xfrm>
           </p:contentPart>
         </mc:Choice>
-        <mc:Fallback>
+        <mc:Fallback xmlns="">
           <p:pic>
             <p:nvPicPr>
               <p:cNvPr id="46" name="Freihand 45">
@@ -9889,8 +10033,8 @@
           </p:pic>
         </mc:Fallback>
       </mc:AlternateContent>
-      <mc:AlternateContent xmlns:mc="http://schemas.openxmlformats.org/markup-compatibility/2006">
-        <mc:Choice xmlns:p14="http://schemas.microsoft.com/office/powerpoint/2010/main" Requires="p14">
+      <mc:AlternateContent xmlns:mc="http://schemas.openxmlformats.org/markup-compatibility/2006" xmlns:p14="http://schemas.microsoft.com/office/powerpoint/2010/main">
+        <mc:Choice Requires="p14">
           <p:contentPart p14:bwMode="auto" r:id="rId10">
             <p14:nvContentPartPr>
               <p14:cNvPr id="47" name="Freihand 46">
@@ -9909,7 +10053,7 @@
             </p14:xfrm>
           </p:contentPart>
         </mc:Choice>
-        <mc:Fallback>
+        <mc:Fallback xmlns="">
           <p:pic>
             <p:nvPicPr>
               <p:cNvPr id="47" name="Freihand 46">
@@ -10034,6 +10178,838 @@
     <p:extLst>
       <p:ext uri="{BB962C8B-B14F-4D97-AF65-F5344CB8AC3E}">
         <p14:creationId xmlns:p14="http://schemas.microsoft.com/office/powerpoint/2010/main" val="840078680"/>
+      </p:ext>
+    </p:extLst>
+  </p:cSld>
+  <p:clrMapOvr>
+    <a:masterClrMapping/>
+  </p:clrMapOvr>
+</p:sld>
+</file>
+
+<file path=ppt/slides/slide4.xml><?xml version="1.0" encoding="utf-8"?>
+<p:sld xmlns:a="http://schemas.openxmlformats.org/drawingml/2006/main" xmlns:r="http://schemas.openxmlformats.org/officeDocument/2006/relationships" xmlns:p="http://schemas.openxmlformats.org/presentationml/2006/main">
+  <p:cSld>
+    <p:spTree>
+      <p:nvGrpSpPr>
+        <p:cNvPr id="1" name=""/>
+        <p:cNvGrpSpPr/>
+        <p:nvPr/>
+      </p:nvGrpSpPr>
+      <p:grpSpPr>
+        <a:xfrm>
+          <a:off x="0" y="0"/>
+          <a:ext cx="0" cy="0"/>
+          <a:chOff x="0" y="0"/>
+          <a:chExt cx="0" cy="0"/>
+        </a:xfrm>
+      </p:grpSpPr>
+      <p:sp>
+        <p:nvSpPr>
+          <p:cNvPr id="4" name="Rechteck 3">
+            <a:extLst>
+              <a:ext uri="{FF2B5EF4-FFF2-40B4-BE49-F238E27FC236}">
+                <a16:creationId xmlns:a16="http://schemas.microsoft.com/office/drawing/2014/main" id="{4D651401-1172-DC7E-7735-47E8A1B58AFF}"/>
+              </a:ext>
+            </a:extLst>
+          </p:cNvPr>
+          <p:cNvSpPr/>
+          <p:nvPr/>
+        </p:nvSpPr>
+        <p:spPr>
+          <a:xfrm>
+            <a:off x="648822" y="136488"/>
+            <a:ext cx="1467845" cy="837698"/>
+          </a:xfrm>
+          <a:prstGeom prst="rect">
+            <a:avLst/>
+          </a:prstGeom>
+        </p:spPr>
+        <p:style>
+          <a:lnRef idx="2">
+            <a:schemeClr val="accent1">
+              <a:shade val="15000"/>
+            </a:schemeClr>
+          </a:lnRef>
+          <a:fillRef idx="1">
+            <a:schemeClr val="accent1"/>
+          </a:fillRef>
+          <a:effectRef idx="0">
+            <a:schemeClr val="accent1"/>
+          </a:effectRef>
+          <a:fontRef idx="minor">
+            <a:schemeClr val="lt1"/>
+          </a:fontRef>
+        </p:style>
+        <p:txBody>
+          <a:bodyPr rtlCol="0" anchor="ctr"/>
+          <a:lstStyle/>
+          <a:p>
+            <a:pPr algn="ctr"/>
+            <a:r>
+              <a:rPr lang="de-DE" sz="1200" dirty="0"/>
+              <a:t>Bewusstseinsfeld Universum</a:t>
+            </a:r>
+          </a:p>
+        </p:txBody>
+      </p:sp>
+      <p:sp>
+        <p:nvSpPr>
+          <p:cNvPr id="5" name="Ellipse 4">
+            <a:extLst>
+              <a:ext uri="{FF2B5EF4-FFF2-40B4-BE49-F238E27FC236}">
+                <a16:creationId xmlns:a16="http://schemas.microsoft.com/office/drawing/2014/main" id="{6F95DB02-754F-FEA1-2476-5BCEBA6F4EA2}"/>
+              </a:ext>
+            </a:extLst>
+          </p:cNvPr>
+          <p:cNvSpPr/>
+          <p:nvPr/>
+        </p:nvSpPr>
+        <p:spPr>
+          <a:xfrm>
+            <a:off x="480775" y="1300726"/>
+            <a:ext cx="1803937" cy="717785"/>
+          </a:xfrm>
+          <a:prstGeom prst="ellipse">
+            <a:avLst/>
+          </a:prstGeom>
+        </p:spPr>
+        <p:style>
+          <a:lnRef idx="2">
+            <a:schemeClr val="accent1">
+              <a:shade val="15000"/>
+            </a:schemeClr>
+          </a:lnRef>
+          <a:fillRef idx="1">
+            <a:schemeClr val="accent1"/>
+          </a:fillRef>
+          <a:effectRef idx="0">
+            <a:schemeClr val="accent1"/>
+          </a:effectRef>
+          <a:fontRef idx="minor">
+            <a:schemeClr val="lt1"/>
+          </a:fontRef>
+        </p:style>
+        <p:txBody>
+          <a:bodyPr rtlCol="0" anchor="ctr"/>
+          <a:lstStyle/>
+          <a:p>
+            <a:pPr algn="ctr"/>
+            <a:r>
+              <a:rPr lang="de-DE" sz="1200" dirty="0" err="1"/>
+              <a:t>Microtubules</a:t>
+            </a:r>
+            <a:endParaRPr lang="de-DE" sz="1200" dirty="0"/>
+          </a:p>
+        </p:txBody>
+      </p:sp>
+      <p:sp>
+        <p:nvSpPr>
+          <p:cNvPr id="6" name="Rechteck 5">
+            <a:extLst>
+              <a:ext uri="{FF2B5EF4-FFF2-40B4-BE49-F238E27FC236}">
+                <a16:creationId xmlns:a16="http://schemas.microsoft.com/office/drawing/2014/main" id="{325A1F77-8213-4F2B-6B26-22EC77DBA266}"/>
+              </a:ext>
+            </a:extLst>
+          </p:cNvPr>
+          <p:cNvSpPr/>
+          <p:nvPr/>
+        </p:nvSpPr>
+        <p:spPr>
+          <a:xfrm>
+            <a:off x="648822" y="2345051"/>
+            <a:ext cx="1467845" cy="724471"/>
+          </a:xfrm>
+          <a:prstGeom prst="rect">
+            <a:avLst/>
+          </a:prstGeom>
+        </p:spPr>
+        <p:style>
+          <a:lnRef idx="2">
+            <a:schemeClr val="accent1">
+              <a:shade val="15000"/>
+            </a:schemeClr>
+          </a:lnRef>
+          <a:fillRef idx="1">
+            <a:schemeClr val="accent1"/>
+          </a:fillRef>
+          <a:effectRef idx="0">
+            <a:schemeClr val="accent1"/>
+          </a:effectRef>
+          <a:fontRef idx="minor">
+            <a:schemeClr val="lt1"/>
+          </a:fontRef>
+        </p:style>
+        <p:txBody>
+          <a:bodyPr rtlCol="0" anchor="ctr"/>
+          <a:lstStyle/>
+          <a:p>
+            <a:pPr algn="ctr"/>
+            <a:r>
+              <a:rPr lang="de-DE" sz="1200" dirty="0"/>
+              <a:t>Automat</a:t>
+            </a:r>
+          </a:p>
+        </p:txBody>
+      </p:sp>
+      <p:sp>
+        <p:nvSpPr>
+          <p:cNvPr id="7" name="Rechteck 6">
+            <a:extLst>
+              <a:ext uri="{FF2B5EF4-FFF2-40B4-BE49-F238E27FC236}">
+                <a16:creationId xmlns:a16="http://schemas.microsoft.com/office/drawing/2014/main" id="{3B9437D0-CCF4-7987-E54C-20F9E447573C}"/>
+              </a:ext>
+            </a:extLst>
+          </p:cNvPr>
+          <p:cNvSpPr/>
+          <p:nvPr/>
+        </p:nvSpPr>
+        <p:spPr>
+          <a:xfrm>
+            <a:off x="480774" y="5737049"/>
+            <a:ext cx="1803937" cy="946869"/>
+          </a:xfrm>
+          <a:prstGeom prst="rect">
+            <a:avLst/>
+          </a:prstGeom>
+        </p:spPr>
+        <p:style>
+          <a:lnRef idx="2">
+            <a:schemeClr val="accent1">
+              <a:shade val="15000"/>
+            </a:schemeClr>
+          </a:lnRef>
+          <a:fillRef idx="1">
+            <a:schemeClr val="accent1"/>
+          </a:fillRef>
+          <a:effectRef idx="0">
+            <a:schemeClr val="accent1"/>
+          </a:effectRef>
+          <a:fontRef idx="minor">
+            <a:schemeClr val="lt1"/>
+          </a:fontRef>
+        </p:style>
+        <p:txBody>
+          <a:bodyPr rtlCol="0" anchor="ctr"/>
+          <a:lstStyle/>
+          <a:p>
+            <a:pPr algn="ctr"/>
+            <a:r>
+              <a:rPr lang="de-DE" sz="1200" dirty="0"/>
+              <a:t>Quantum </a:t>
+            </a:r>
+            <a:r>
+              <a:rPr lang="de-DE" sz="1200" dirty="0" err="1"/>
+              <a:t>fields</a:t>
+            </a:r>
+            <a:r>
+              <a:rPr lang="de-DE" sz="1200" dirty="0"/>
+              <a:t> </a:t>
+            </a:r>
+          </a:p>
+        </p:txBody>
+      </p:sp>
+      <p:sp>
+        <p:nvSpPr>
+          <p:cNvPr id="8" name="Rechteck: abgerundete Ecken 7">
+            <a:extLst>
+              <a:ext uri="{FF2B5EF4-FFF2-40B4-BE49-F238E27FC236}">
+                <a16:creationId xmlns:a16="http://schemas.microsoft.com/office/drawing/2014/main" id="{F45C9EEE-A777-8329-A1E5-EC79A3087C1F}"/>
+              </a:ext>
+            </a:extLst>
+          </p:cNvPr>
+          <p:cNvSpPr/>
+          <p:nvPr/>
+        </p:nvSpPr>
+        <p:spPr>
+          <a:xfrm>
+            <a:off x="2866037" y="1056673"/>
+            <a:ext cx="3155222" cy="1205890"/>
+          </a:xfrm>
+          <a:prstGeom prst="roundRect">
+            <a:avLst/>
+          </a:prstGeom>
+        </p:spPr>
+        <p:style>
+          <a:lnRef idx="2">
+            <a:schemeClr val="accent1">
+              <a:shade val="15000"/>
+            </a:schemeClr>
+          </a:lnRef>
+          <a:fillRef idx="1">
+            <a:schemeClr val="accent1"/>
+          </a:fillRef>
+          <a:effectRef idx="0">
+            <a:schemeClr val="accent1"/>
+          </a:effectRef>
+          <a:fontRef idx="minor">
+            <a:schemeClr val="lt1"/>
+          </a:fontRef>
+        </p:style>
+        <p:txBody>
+          <a:bodyPr rtlCol="0" anchor="ctr"/>
+          <a:lstStyle/>
+          <a:p>
+            <a:pPr algn="ctr"/>
+            <a:r>
+              <a:rPr lang="de-DE" sz="1200" dirty="0"/>
+              <a:t>Bewusstsein Individuum</a:t>
+            </a:r>
+          </a:p>
+          <a:p>
+            <a:pPr algn="ctr"/>
+            <a:r>
+              <a:rPr lang="de-DE" sz="1200" dirty="0">
+                <a:effectLst/>
+              </a:rPr>
+              <a:t>Das</a:t>
+            </a:r>
+            <a:r>
+              <a:rPr lang="de-DE" sz="1200" b="0" i="0" dirty="0">
+                <a:solidFill>
+                  <a:srgbClr val="E3E3E3"/>
+                </a:solidFill>
+                <a:effectLst/>
+                <a:latin typeface="Google Sans"/>
+              </a:rPr>
+              <a:t> </a:t>
+            </a:r>
+            <a:r>
+              <a:rPr lang="de-DE" sz="1200" dirty="0">
+                <a:effectLst/>
+              </a:rPr>
+              <a:t>Struktur</a:t>
+            </a:r>
+            <a:r>
+              <a:rPr lang="de-DE" sz="1200" b="0" i="0" dirty="0">
+                <a:solidFill>
+                  <a:srgbClr val="E3E3E3"/>
+                </a:solidFill>
+                <a:effectLst/>
+                <a:latin typeface="Google Sans"/>
+              </a:rPr>
+              <a:t> </a:t>
+            </a:r>
+            <a:r>
+              <a:rPr lang="de-DE" sz="1200" dirty="0">
+                <a:effectLst/>
+              </a:rPr>
+              <a:t>gewordene</a:t>
+            </a:r>
+            <a:r>
+              <a:rPr lang="de-DE" sz="1200" b="0" i="0" dirty="0">
+                <a:solidFill>
+                  <a:srgbClr val="E3E3E3"/>
+                </a:solidFill>
+                <a:effectLst/>
+                <a:latin typeface="Google Sans"/>
+              </a:rPr>
+              <a:t> </a:t>
+            </a:r>
+            <a:r>
+              <a:rPr lang="de-DE" sz="1200" dirty="0">
+                <a:effectLst/>
+              </a:rPr>
+              <a:t>Chaos</a:t>
+            </a:r>
+            <a:r>
+              <a:rPr lang="de-DE" sz="1200" b="0" i="0" dirty="0">
+                <a:solidFill>
+                  <a:srgbClr val="E3E3E3"/>
+                </a:solidFill>
+                <a:effectLst/>
+                <a:latin typeface="Google Sans"/>
+              </a:rPr>
+              <a:t> </a:t>
+            </a:r>
+            <a:r>
+              <a:rPr lang="de-DE" sz="1200" dirty="0">
+                <a:effectLst/>
+              </a:rPr>
+              <a:t>des</a:t>
+            </a:r>
+            <a:r>
+              <a:rPr lang="de-DE" sz="1200" b="0" i="0" dirty="0">
+                <a:solidFill>
+                  <a:srgbClr val="E3E3E3"/>
+                </a:solidFill>
+                <a:effectLst/>
+                <a:latin typeface="Google Sans"/>
+              </a:rPr>
+              <a:t> </a:t>
+            </a:r>
+            <a:r>
+              <a:rPr lang="de-DE" sz="1200" dirty="0">
+                <a:effectLst/>
+              </a:rPr>
+              <a:t>Universum!</a:t>
+            </a:r>
+            <a:endParaRPr lang="de-DE" sz="1200" dirty="0"/>
+          </a:p>
+        </p:txBody>
+      </p:sp>
+      <p:sp>
+        <p:nvSpPr>
+          <p:cNvPr id="9" name="Rechteck 8">
+            <a:extLst>
+              <a:ext uri="{FF2B5EF4-FFF2-40B4-BE49-F238E27FC236}">
+                <a16:creationId xmlns:a16="http://schemas.microsoft.com/office/drawing/2014/main" id="{57C32D45-2D57-621B-99EC-861CDFB90B9E}"/>
+              </a:ext>
+            </a:extLst>
+          </p:cNvPr>
+          <p:cNvSpPr/>
+          <p:nvPr/>
+        </p:nvSpPr>
+        <p:spPr>
+          <a:xfrm>
+            <a:off x="648823" y="3331024"/>
+            <a:ext cx="1467844" cy="862798"/>
+          </a:xfrm>
+          <a:prstGeom prst="rect">
+            <a:avLst/>
+          </a:prstGeom>
+        </p:spPr>
+        <p:style>
+          <a:lnRef idx="2">
+            <a:schemeClr val="accent1">
+              <a:shade val="15000"/>
+            </a:schemeClr>
+          </a:lnRef>
+          <a:fillRef idx="1">
+            <a:schemeClr val="accent1"/>
+          </a:fillRef>
+          <a:effectRef idx="0">
+            <a:schemeClr val="accent1"/>
+          </a:effectRef>
+          <a:fontRef idx="minor">
+            <a:schemeClr val="lt1"/>
+          </a:fontRef>
+        </p:style>
+        <p:txBody>
+          <a:bodyPr rtlCol="0" anchor="ctr"/>
+          <a:lstStyle/>
+          <a:p>
+            <a:pPr algn="ctr"/>
+            <a:r>
+              <a:rPr lang="de-DE" sz="1200" dirty="0"/>
+              <a:t>Klassische &amp; definierte Materie </a:t>
+            </a:r>
+          </a:p>
+        </p:txBody>
+      </p:sp>
+      <p:cxnSp>
+        <p:nvCxnSpPr>
+          <p:cNvPr id="10" name="Gerade Verbindung mit Pfeil 9">
+            <a:extLst>
+              <a:ext uri="{FF2B5EF4-FFF2-40B4-BE49-F238E27FC236}">
+                <a16:creationId xmlns:a16="http://schemas.microsoft.com/office/drawing/2014/main" id="{3EA993FD-D984-0012-179A-1807ACCEBFC5}"/>
+              </a:ext>
+            </a:extLst>
+          </p:cNvPr>
+          <p:cNvCxnSpPr>
+            <a:cxnSpLocks/>
+            <a:stCxn id="7" idx="0"/>
+            <a:endCxn id="18" idx="4"/>
+          </p:cNvCxnSpPr>
+          <p:nvPr/>
+        </p:nvCxnSpPr>
+        <p:spPr>
+          <a:xfrm flipV="1">
+            <a:off x="1382743" y="5319578"/>
+            <a:ext cx="0" cy="417471"/>
+          </a:xfrm>
+          <a:prstGeom prst="straightConnector1">
+            <a:avLst/>
+          </a:prstGeom>
+          <a:ln>
+            <a:tailEnd type="triangle"/>
+          </a:ln>
+        </p:spPr>
+        <p:style>
+          <a:lnRef idx="2">
+            <a:schemeClr val="accent1"/>
+          </a:lnRef>
+          <a:fillRef idx="0">
+            <a:schemeClr val="accent1"/>
+          </a:fillRef>
+          <a:effectRef idx="1">
+            <a:schemeClr val="accent1"/>
+          </a:effectRef>
+          <a:fontRef idx="minor">
+            <a:schemeClr val="tx1"/>
+          </a:fontRef>
+        </p:style>
+      </p:cxnSp>
+      <p:cxnSp>
+        <p:nvCxnSpPr>
+          <p:cNvPr id="11" name="Gerade Verbindung mit Pfeil 10">
+            <a:extLst>
+              <a:ext uri="{FF2B5EF4-FFF2-40B4-BE49-F238E27FC236}">
+                <a16:creationId xmlns:a16="http://schemas.microsoft.com/office/drawing/2014/main" id="{E8541BFD-3520-EE74-53BD-3DC9F647BB74}"/>
+              </a:ext>
+            </a:extLst>
+          </p:cNvPr>
+          <p:cNvCxnSpPr>
+            <a:cxnSpLocks/>
+            <a:stCxn id="18" idx="0"/>
+            <a:endCxn id="9" idx="2"/>
+          </p:cNvCxnSpPr>
+          <p:nvPr/>
+        </p:nvCxnSpPr>
+        <p:spPr>
+          <a:xfrm flipV="1">
+            <a:off x="1382743" y="4193822"/>
+            <a:ext cx="2" cy="407971"/>
+          </a:xfrm>
+          <a:prstGeom prst="straightConnector1">
+            <a:avLst/>
+          </a:prstGeom>
+          <a:ln>
+            <a:tailEnd type="triangle"/>
+          </a:ln>
+        </p:spPr>
+        <p:style>
+          <a:lnRef idx="2">
+            <a:schemeClr val="accent1"/>
+          </a:lnRef>
+          <a:fillRef idx="0">
+            <a:schemeClr val="accent1"/>
+          </a:fillRef>
+          <a:effectRef idx="1">
+            <a:schemeClr val="accent1"/>
+          </a:effectRef>
+          <a:fontRef idx="minor">
+            <a:schemeClr val="tx1"/>
+          </a:fontRef>
+        </p:style>
+      </p:cxnSp>
+      <p:cxnSp>
+        <p:nvCxnSpPr>
+          <p:cNvPr id="12" name="Gerade Verbindung mit Pfeil 11">
+            <a:extLst>
+              <a:ext uri="{FF2B5EF4-FFF2-40B4-BE49-F238E27FC236}">
+                <a16:creationId xmlns:a16="http://schemas.microsoft.com/office/drawing/2014/main" id="{5CFFD42E-A19B-0F79-3F6A-076FC8E01177}"/>
+              </a:ext>
+            </a:extLst>
+          </p:cNvPr>
+          <p:cNvCxnSpPr>
+            <a:cxnSpLocks/>
+            <a:stCxn id="9" idx="0"/>
+            <a:endCxn id="6" idx="2"/>
+          </p:cNvCxnSpPr>
+          <p:nvPr/>
+        </p:nvCxnSpPr>
+        <p:spPr>
+          <a:xfrm flipV="1">
+            <a:off x="1382745" y="3069522"/>
+            <a:ext cx="0" cy="261502"/>
+          </a:xfrm>
+          <a:prstGeom prst="straightConnector1">
+            <a:avLst/>
+          </a:prstGeom>
+          <a:ln>
+            <a:tailEnd type="triangle"/>
+          </a:ln>
+        </p:spPr>
+        <p:style>
+          <a:lnRef idx="2">
+            <a:schemeClr val="accent1"/>
+          </a:lnRef>
+          <a:fillRef idx="0">
+            <a:schemeClr val="accent1"/>
+          </a:fillRef>
+          <a:effectRef idx="1">
+            <a:schemeClr val="accent1"/>
+          </a:effectRef>
+          <a:fontRef idx="minor">
+            <a:schemeClr val="tx1"/>
+          </a:fontRef>
+        </p:style>
+      </p:cxnSp>
+      <p:cxnSp>
+        <p:nvCxnSpPr>
+          <p:cNvPr id="13" name="Gerade Verbindung mit Pfeil 12">
+            <a:extLst>
+              <a:ext uri="{FF2B5EF4-FFF2-40B4-BE49-F238E27FC236}">
+                <a16:creationId xmlns:a16="http://schemas.microsoft.com/office/drawing/2014/main" id="{5D70862A-2B04-540E-2B7B-E5557AD5AEF9}"/>
+              </a:ext>
+            </a:extLst>
+          </p:cNvPr>
+          <p:cNvCxnSpPr>
+            <a:cxnSpLocks/>
+            <a:stCxn id="4" idx="2"/>
+            <a:endCxn id="5" idx="0"/>
+          </p:cNvCxnSpPr>
+          <p:nvPr/>
+        </p:nvCxnSpPr>
+        <p:spPr>
+          <a:xfrm flipH="1">
+            <a:off x="1382744" y="974186"/>
+            <a:ext cx="1" cy="326540"/>
+          </a:xfrm>
+          <a:prstGeom prst="straightConnector1">
+            <a:avLst/>
+          </a:prstGeom>
+          <a:ln>
+            <a:tailEnd type="triangle"/>
+          </a:ln>
+        </p:spPr>
+        <p:style>
+          <a:lnRef idx="2">
+            <a:schemeClr val="accent1"/>
+          </a:lnRef>
+          <a:fillRef idx="0">
+            <a:schemeClr val="accent1"/>
+          </a:fillRef>
+          <a:effectRef idx="1">
+            <a:schemeClr val="accent1"/>
+          </a:effectRef>
+          <a:fontRef idx="minor">
+            <a:schemeClr val="tx1"/>
+          </a:fontRef>
+        </p:style>
+      </p:cxnSp>
+      <p:cxnSp>
+        <p:nvCxnSpPr>
+          <p:cNvPr id="14" name="Gerade Verbindung mit Pfeil 13">
+            <a:extLst>
+              <a:ext uri="{FF2B5EF4-FFF2-40B4-BE49-F238E27FC236}">
+                <a16:creationId xmlns:a16="http://schemas.microsoft.com/office/drawing/2014/main" id="{51C37E39-4083-5528-6BB9-FA87AB75E332}"/>
+              </a:ext>
+            </a:extLst>
+          </p:cNvPr>
+          <p:cNvCxnSpPr>
+            <a:cxnSpLocks/>
+            <a:stCxn id="6" idx="0"/>
+            <a:endCxn id="5" idx="4"/>
+          </p:cNvCxnSpPr>
+          <p:nvPr/>
+        </p:nvCxnSpPr>
+        <p:spPr>
+          <a:xfrm flipH="1" flipV="1">
+            <a:off x="1382744" y="2018511"/>
+            <a:ext cx="1" cy="326540"/>
+          </a:xfrm>
+          <a:prstGeom prst="straightConnector1">
+            <a:avLst/>
+          </a:prstGeom>
+          <a:ln>
+            <a:tailEnd type="triangle"/>
+          </a:ln>
+        </p:spPr>
+        <p:style>
+          <a:lnRef idx="2">
+            <a:schemeClr val="accent1"/>
+          </a:lnRef>
+          <a:fillRef idx="0">
+            <a:schemeClr val="accent1"/>
+          </a:fillRef>
+          <a:effectRef idx="1">
+            <a:schemeClr val="accent1"/>
+          </a:effectRef>
+          <a:fontRef idx="minor">
+            <a:schemeClr val="tx1"/>
+          </a:fontRef>
+        </p:style>
+      </p:cxnSp>
+      <p:cxnSp>
+        <p:nvCxnSpPr>
+          <p:cNvPr id="15" name="Gerade Verbindung mit Pfeil 14">
+            <a:extLst>
+              <a:ext uri="{FF2B5EF4-FFF2-40B4-BE49-F238E27FC236}">
+                <a16:creationId xmlns:a16="http://schemas.microsoft.com/office/drawing/2014/main" id="{1099A063-45B2-DC30-28A4-6F0ED6AE965F}"/>
+              </a:ext>
+            </a:extLst>
+          </p:cNvPr>
+          <p:cNvCxnSpPr>
+            <a:cxnSpLocks/>
+            <a:stCxn id="5" idx="6"/>
+            <a:endCxn id="8" idx="1"/>
+          </p:cNvCxnSpPr>
+          <p:nvPr/>
+        </p:nvCxnSpPr>
+        <p:spPr>
+          <a:xfrm flipV="1">
+            <a:off x="2284712" y="1659618"/>
+            <a:ext cx="581325" cy="1"/>
+          </a:xfrm>
+          <a:prstGeom prst="straightConnector1">
+            <a:avLst/>
+          </a:prstGeom>
+          <a:ln>
+            <a:tailEnd type="triangle"/>
+          </a:ln>
+        </p:spPr>
+        <p:style>
+          <a:lnRef idx="2">
+            <a:schemeClr val="accent1"/>
+          </a:lnRef>
+          <a:fillRef idx="0">
+            <a:schemeClr val="accent1"/>
+          </a:fillRef>
+          <a:effectRef idx="1">
+            <a:schemeClr val="accent1"/>
+          </a:effectRef>
+          <a:fontRef idx="minor">
+            <a:schemeClr val="tx1"/>
+          </a:fontRef>
+        </p:style>
+      </p:cxnSp>
+      <p:cxnSp>
+        <p:nvCxnSpPr>
+          <p:cNvPr id="16" name="Verbinder: gewinkelt 15">
+            <a:extLst>
+              <a:ext uri="{FF2B5EF4-FFF2-40B4-BE49-F238E27FC236}">
+                <a16:creationId xmlns:a16="http://schemas.microsoft.com/office/drawing/2014/main" id="{355F3C3C-9B98-2674-34C7-78D96E4AD862}"/>
+              </a:ext>
+            </a:extLst>
+          </p:cNvPr>
+          <p:cNvCxnSpPr>
+            <a:cxnSpLocks/>
+            <a:stCxn id="8" idx="2"/>
+            <a:endCxn id="6" idx="3"/>
+          </p:cNvCxnSpPr>
+          <p:nvPr/>
+        </p:nvCxnSpPr>
+        <p:spPr>
+          <a:xfrm rot="5400000">
+            <a:off x="3057796" y="1321435"/>
+            <a:ext cx="444724" cy="2326981"/>
+          </a:xfrm>
+          <a:prstGeom prst="bentConnector2">
+            <a:avLst/>
+          </a:prstGeom>
+          <a:ln>
+            <a:headEnd type="triangle" w="med" len="med"/>
+            <a:tailEnd type="triangle" w="med" len="med"/>
+          </a:ln>
+        </p:spPr>
+        <p:style>
+          <a:lnRef idx="2">
+            <a:schemeClr val="accent1"/>
+          </a:lnRef>
+          <a:fillRef idx="0">
+            <a:schemeClr val="accent1"/>
+          </a:fillRef>
+          <a:effectRef idx="1">
+            <a:schemeClr val="accent1"/>
+          </a:effectRef>
+          <a:fontRef idx="minor">
+            <a:schemeClr val="tx1"/>
+          </a:fontRef>
+        </p:style>
+      </p:cxnSp>
+      <p:cxnSp>
+        <p:nvCxnSpPr>
+          <p:cNvPr id="17" name="Verbinder: gewinkelt 16">
+            <a:extLst>
+              <a:ext uri="{FF2B5EF4-FFF2-40B4-BE49-F238E27FC236}">
+                <a16:creationId xmlns:a16="http://schemas.microsoft.com/office/drawing/2014/main" id="{C585C00C-A60B-62A5-CBE2-5DC056D37B7A}"/>
+              </a:ext>
+            </a:extLst>
+          </p:cNvPr>
+          <p:cNvCxnSpPr>
+            <a:cxnSpLocks/>
+            <a:stCxn id="6" idx="3"/>
+            <a:endCxn id="9" idx="3"/>
+          </p:cNvCxnSpPr>
+          <p:nvPr/>
+        </p:nvCxnSpPr>
+        <p:spPr>
+          <a:xfrm>
+            <a:off x="2116667" y="2707287"/>
+            <a:ext cx="12700" cy="1055136"/>
+          </a:xfrm>
+          <a:prstGeom prst="bentConnector3">
+            <a:avLst>
+              <a:gd name="adj1" fmla="val 18288882"/>
+            </a:avLst>
+          </a:prstGeom>
+          <a:ln>
+            <a:tailEnd type="triangle"/>
+          </a:ln>
+        </p:spPr>
+        <p:style>
+          <a:lnRef idx="2">
+            <a:schemeClr val="accent1"/>
+          </a:lnRef>
+          <a:fillRef idx="0">
+            <a:schemeClr val="accent1"/>
+          </a:fillRef>
+          <a:effectRef idx="1">
+            <a:schemeClr val="accent1"/>
+          </a:effectRef>
+          <a:fontRef idx="minor">
+            <a:schemeClr val="tx1"/>
+          </a:fontRef>
+        </p:style>
+      </p:cxnSp>
+      <p:sp>
+        <p:nvSpPr>
+          <p:cNvPr id="18" name="Ellipse 17">
+            <a:extLst>
+              <a:ext uri="{FF2B5EF4-FFF2-40B4-BE49-F238E27FC236}">
+                <a16:creationId xmlns:a16="http://schemas.microsoft.com/office/drawing/2014/main" id="{188331B5-5144-8AD0-6135-5690F5E8F126}"/>
+              </a:ext>
+            </a:extLst>
+          </p:cNvPr>
+          <p:cNvSpPr/>
+          <p:nvPr/>
+        </p:nvSpPr>
+        <p:spPr>
+          <a:xfrm>
+            <a:off x="480774" y="4601793"/>
+            <a:ext cx="1803937" cy="717785"/>
+          </a:xfrm>
+          <a:prstGeom prst="ellipse">
+            <a:avLst/>
+          </a:prstGeom>
+        </p:spPr>
+        <p:style>
+          <a:lnRef idx="2">
+            <a:schemeClr val="accent1">
+              <a:shade val="15000"/>
+            </a:schemeClr>
+          </a:lnRef>
+          <a:fillRef idx="1">
+            <a:schemeClr val="accent1"/>
+          </a:fillRef>
+          <a:effectRef idx="0">
+            <a:schemeClr val="accent1"/>
+          </a:effectRef>
+          <a:fontRef idx="minor">
+            <a:schemeClr val="lt1"/>
+          </a:fontRef>
+        </p:style>
+        <p:txBody>
+          <a:bodyPr rtlCol="0" anchor="ctr"/>
+          <a:lstStyle/>
+          <a:p>
+            <a:pPr algn="ctr"/>
+            <a:r>
+              <a:rPr lang="de-DE" sz="1200" dirty="0"/>
+              <a:t>Wave-</a:t>
+            </a:r>
+            <a:r>
+              <a:rPr lang="de-DE" sz="1200" dirty="0" err="1"/>
+              <a:t>Function</a:t>
+            </a:r>
+            <a:r>
+              <a:rPr lang="de-DE" sz="1200" dirty="0"/>
+              <a:t> </a:t>
+            </a:r>
+            <a:r>
+              <a:rPr lang="de-DE" sz="1200" dirty="0" err="1"/>
+              <a:t>Collapse</a:t>
+            </a:r>
+            <a:endParaRPr lang="de-DE" sz="1200" dirty="0"/>
+          </a:p>
+        </p:txBody>
+      </p:sp>
+    </p:spTree>
+    <p:extLst>
+      <p:ext uri="{BB962C8B-B14F-4D97-AF65-F5344CB8AC3E}">
+        <p14:creationId xmlns:p14="http://schemas.microsoft.com/office/powerpoint/2010/main" val="3962241421"/>
       </p:ext>
     </p:extLst>
   </p:cSld>

--- a/media/ideas/Alpha and Omega.pptx
+++ b/media/ideas/Alpha and Omega.pptx
@@ -131,46 +131,22 @@
   <pc:docChgLst>
     <pc:chgData name="Tobias Stadtfeld" userId="7e695269987144e5" providerId="LiveId" clId="{055BA477-D279-4748-ADB5-E1B4BBCA5B92}"/>
     <pc:docChg chg="undo custSel addSld delSld modSld">
-      <pc:chgData name="Tobias Stadtfeld" userId="7e695269987144e5" providerId="LiveId" clId="{055BA477-D279-4748-ADB5-E1B4BBCA5B92}" dt="2024-11-23T11:36:50.926" v="3086" actId="1076"/>
+      <pc:chgData name="Tobias Stadtfeld" userId="7e695269987144e5" providerId="LiveId" clId="{055BA477-D279-4748-ADB5-E1B4BBCA5B92}" dt="2024-12-09T20:44:39.862" v="3188" actId="207"/>
       <pc:docMkLst>
         <pc:docMk/>
       </pc:docMkLst>
       <pc:sldChg chg="addSp delSp modSp new mod setBg">
-        <pc:chgData name="Tobias Stadtfeld" userId="7e695269987144e5" providerId="LiveId" clId="{055BA477-D279-4748-ADB5-E1B4BBCA5B92}" dt="2024-11-22T08:02:02.246" v="3055" actId="14100"/>
+        <pc:chgData name="Tobias Stadtfeld" userId="7e695269987144e5" providerId="LiveId" clId="{055BA477-D279-4748-ADB5-E1B4BBCA5B92}" dt="2024-12-09T20:38:14.405" v="3141" actId="207"/>
         <pc:sldMkLst>
           <pc:docMk/>
           <pc:sldMk cId="940174068" sldId="256"/>
         </pc:sldMkLst>
-        <pc:spChg chg="del">
-          <ac:chgData name="Tobias Stadtfeld" userId="7e695269987144e5" providerId="LiveId" clId="{055BA477-D279-4748-ADB5-E1B4BBCA5B92}" dt="2024-11-03T13:10:06.459" v="1" actId="478"/>
-          <ac:spMkLst>
-            <pc:docMk/>
-            <pc:sldMk cId="940174068" sldId="256"/>
-            <ac:spMk id="2" creationId="{030D7DD1-00BD-7FB6-DAA8-8D86D81AFA43}"/>
-          </ac:spMkLst>
-        </pc:spChg>
         <pc:spChg chg="add mod ord">
           <ac:chgData name="Tobias Stadtfeld" userId="7e695269987144e5" providerId="LiveId" clId="{055BA477-D279-4748-ADB5-E1B4BBCA5B92}" dt="2024-11-05T19:57:20.186" v="2074" actId="1076"/>
           <ac:spMkLst>
             <pc:docMk/>
             <pc:sldMk cId="940174068" sldId="256"/>
             <ac:spMk id="2" creationId="{3D91CF1E-AC96-F5ED-735A-B24C5F485FDB}"/>
-          </ac:spMkLst>
-        </pc:spChg>
-        <pc:spChg chg="del">
-          <ac:chgData name="Tobias Stadtfeld" userId="7e695269987144e5" providerId="LiveId" clId="{055BA477-D279-4748-ADB5-E1B4BBCA5B92}" dt="2024-11-03T13:10:08.072" v="2" actId="478"/>
-          <ac:spMkLst>
-            <pc:docMk/>
-            <pc:sldMk cId="940174068" sldId="256"/>
-            <ac:spMk id="3" creationId="{CAFB0E8D-5180-BCCF-ADCF-005D49A590FE}"/>
-          </ac:spMkLst>
-        </pc:spChg>
-        <pc:spChg chg="add del mod">
-          <ac:chgData name="Tobias Stadtfeld" userId="7e695269987144e5" providerId="LiveId" clId="{055BA477-D279-4748-ADB5-E1B4BBCA5B92}" dt="2024-11-04T22:27:56.347" v="1704" actId="478"/>
-          <ac:spMkLst>
-            <pc:docMk/>
-            <pc:sldMk cId="940174068" sldId="256"/>
-            <ac:spMk id="4" creationId="{4EC9D7A1-7CBB-756F-A029-3F477F2DC7E3}"/>
           </ac:spMkLst>
         </pc:spChg>
         <pc:spChg chg="add mod">
@@ -206,7 +182,7 @@
           </ac:spMkLst>
         </pc:spChg>
         <pc:spChg chg="add mod">
-          <ac:chgData name="Tobias Stadtfeld" userId="7e695269987144e5" providerId="LiveId" clId="{055BA477-D279-4748-ADB5-E1B4BBCA5B92}" dt="2024-11-05T19:56:32.873" v="2062" actId="20577"/>
+          <ac:chgData name="Tobias Stadtfeld" userId="7e695269987144e5" providerId="LiveId" clId="{055BA477-D279-4748-ADB5-E1B4BBCA5B92}" dt="2024-12-09T20:38:06.851" v="3140" actId="207"/>
           <ac:spMkLst>
             <pc:docMk/>
             <pc:sldMk cId="940174068" sldId="256"/>
@@ -229,28 +205,12 @@
             <ac:spMk id="15" creationId="{925FFEBB-D5AB-DC29-CD52-178B94EA01E8}"/>
           </ac:spMkLst>
         </pc:spChg>
-        <pc:spChg chg="add del mod">
-          <ac:chgData name="Tobias Stadtfeld" userId="7e695269987144e5" providerId="LiveId" clId="{055BA477-D279-4748-ADB5-E1B4BBCA5B92}" dt="2024-11-04T10:00:24.287" v="1321" actId="478"/>
-          <ac:spMkLst>
-            <pc:docMk/>
-            <pc:sldMk cId="940174068" sldId="256"/>
-            <ac:spMk id="16" creationId="{418F4A61-4595-BBA3-CBB3-16B625106D0B}"/>
-          </ac:spMkLst>
-        </pc:spChg>
         <pc:spChg chg="add mod">
-          <ac:chgData name="Tobias Stadtfeld" userId="7e695269987144e5" providerId="LiveId" clId="{055BA477-D279-4748-ADB5-E1B4BBCA5B92}" dt="2024-11-05T19:54:39.688" v="2047" actId="20577"/>
+          <ac:chgData name="Tobias Stadtfeld" userId="7e695269987144e5" providerId="LiveId" clId="{055BA477-D279-4748-ADB5-E1B4BBCA5B92}" dt="2024-12-09T20:38:14.405" v="3141" actId="207"/>
           <ac:spMkLst>
             <pc:docMk/>
             <pc:sldMk cId="940174068" sldId="256"/>
             <ac:spMk id="17" creationId="{9EAF2A13-5497-CD7E-9817-E8149E38A224}"/>
-          </ac:spMkLst>
-        </pc:spChg>
-        <pc:spChg chg="add del mod">
-          <ac:chgData name="Tobias Stadtfeld" userId="7e695269987144e5" providerId="LiveId" clId="{055BA477-D279-4748-ADB5-E1B4BBCA5B92}" dt="2024-11-04T22:27:48.868" v="1701" actId="478"/>
-          <ac:spMkLst>
-            <pc:docMk/>
-            <pc:sldMk cId="940174068" sldId="256"/>
-            <ac:spMk id="19" creationId="{47C7003E-4E5C-ABF3-BFEF-E5B4671019FA}"/>
           </ac:spMkLst>
         </pc:spChg>
         <pc:spChg chg="add mod">
@@ -269,14 +229,6 @@
             <ac:spMk id="32" creationId="{35C722B9-C6A5-665B-D012-6A7E437A1958}"/>
           </ac:spMkLst>
         </pc:spChg>
-        <pc:spChg chg="add del mod">
-          <ac:chgData name="Tobias Stadtfeld" userId="7e695269987144e5" providerId="LiveId" clId="{055BA477-D279-4748-ADB5-E1B4BBCA5B92}" dt="2024-11-04T22:18:39.596" v="1623" actId="478"/>
-          <ac:spMkLst>
-            <pc:docMk/>
-            <pc:sldMk cId="940174068" sldId="256"/>
-            <ac:spMk id="35" creationId="{22525035-774B-AA6B-3B12-CD06BCED0830}"/>
-          </ac:spMkLst>
-        </pc:spChg>
         <pc:spChg chg="add mod">
           <ac:chgData name="Tobias Stadtfeld" userId="7e695269987144e5" providerId="LiveId" clId="{055BA477-D279-4748-ADB5-E1B4BBCA5B92}" dt="2024-11-22T08:01:53.950" v="3054" actId="1076"/>
           <ac:spMkLst>
@@ -291,14 +243,6 @@
             <pc:docMk/>
             <pc:sldMk cId="940174068" sldId="256"/>
             <ac:spMk id="39" creationId="{BE50B838-3B8B-3D8C-4275-54488EB0AE6C}"/>
-          </ac:spMkLst>
-        </pc:spChg>
-        <pc:spChg chg="add del mod">
-          <ac:chgData name="Tobias Stadtfeld" userId="7e695269987144e5" providerId="LiveId" clId="{055BA477-D279-4748-ADB5-E1B4BBCA5B92}" dt="2024-11-04T10:00:32.895" v="1324" actId="478"/>
-          <ac:spMkLst>
-            <pc:docMk/>
-            <pc:sldMk cId="940174068" sldId="256"/>
-            <ac:spMk id="47" creationId="{B93E0858-9A56-06EB-E992-BEE15A35B3DE}"/>
           </ac:spMkLst>
         </pc:spChg>
         <pc:spChg chg="add mod">
@@ -323,14 +267,6 @@
             <pc:docMk/>
             <pc:sldMk cId="940174068" sldId="256"/>
             <ac:spMk id="55" creationId="{C6D9724A-99EE-0380-5E94-BDCCA44A9A0E}"/>
-          </ac:spMkLst>
-        </pc:spChg>
-        <pc:spChg chg="add del mod">
-          <ac:chgData name="Tobias Stadtfeld" userId="7e695269987144e5" providerId="LiveId" clId="{055BA477-D279-4748-ADB5-E1B4BBCA5B92}" dt="2024-11-03T13:41:59.837" v="672" actId="478"/>
-          <ac:spMkLst>
-            <pc:docMk/>
-            <pc:sldMk cId="940174068" sldId="256"/>
-            <ac:spMk id="56" creationId="{C9BB1D64-E0B8-04C0-7E05-6A7F4B8326EF}"/>
           </ac:spMkLst>
         </pc:spChg>
         <pc:spChg chg="add mod ord">
@@ -381,30 +317,6 @@
             <ac:spMk id="77" creationId="{78600EA7-DD5F-8CA4-062D-D4579D2A719B}"/>
           </ac:spMkLst>
         </pc:spChg>
-        <pc:spChg chg="add del mod">
-          <ac:chgData name="Tobias Stadtfeld" userId="7e695269987144e5" providerId="LiveId" clId="{055BA477-D279-4748-ADB5-E1B4BBCA5B92}" dt="2024-11-04T22:19:38.491" v="1629" actId="478"/>
-          <ac:spMkLst>
-            <pc:docMk/>
-            <pc:sldMk cId="940174068" sldId="256"/>
-            <ac:spMk id="88" creationId="{09A5DC81-FFD9-02F3-3A99-8B63DE44A703}"/>
-          </ac:spMkLst>
-        </pc:spChg>
-        <pc:picChg chg="add del mod">
-          <ac:chgData name="Tobias Stadtfeld" userId="7e695269987144e5" providerId="LiveId" clId="{055BA477-D279-4748-ADB5-E1B4BBCA5B92}" dt="2024-11-03T13:13:13.088" v="9" actId="478"/>
-          <ac:picMkLst>
-            <pc:docMk/>
-            <pc:sldMk cId="940174068" sldId="256"/>
-            <ac:picMk id="5" creationId="{F5F2DCA2-17BA-9A59-2E47-55E64AB75CFC}"/>
-          </ac:picMkLst>
-        </pc:picChg>
-        <pc:picChg chg="add del mod">
-          <ac:chgData name="Tobias Stadtfeld" userId="7e695269987144e5" providerId="LiveId" clId="{055BA477-D279-4748-ADB5-E1B4BBCA5B92}" dt="2024-11-03T13:13:41.552" v="13" actId="478"/>
-          <ac:picMkLst>
-            <pc:docMk/>
-            <pc:sldMk cId="940174068" sldId="256"/>
-            <ac:picMk id="7" creationId="{9633981C-51D2-E0A0-408B-7CFC804DD0F7}"/>
-          </ac:picMkLst>
-        </pc:picChg>
         <pc:picChg chg="add mod">
           <ac:chgData name="Tobias Stadtfeld" userId="7e695269987144e5" providerId="LiveId" clId="{055BA477-D279-4748-ADB5-E1B4BBCA5B92}" dt="2024-11-04T22:19:07.112" v="1624" actId="1076"/>
           <ac:picMkLst>
@@ -413,14 +325,6 @@
             <ac:picMk id="9" creationId="{4072BCAA-73EB-3AB0-D8DA-6C61E245397B}"/>
           </ac:picMkLst>
         </pc:picChg>
-        <pc:cxnChg chg="add del mod">
-          <ac:chgData name="Tobias Stadtfeld" userId="7e695269987144e5" providerId="LiveId" clId="{055BA477-D279-4748-ADB5-E1B4BBCA5B92}" dt="2024-11-04T22:27:50.420" v="1702" actId="478"/>
-          <ac:cxnSpMkLst>
-            <pc:docMk/>
-            <pc:sldMk cId="940174068" sldId="256"/>
-            <ac:cxnSpMk id="5" creationId="{68821292-A38D-5BAE-750E-4DBF8D7E3A5A}"/>
-          </ac:cxnSpMkLst>
-        </pc:cxnChg>
         <pc:cxnChg chg="add mod ord">
           <ac:chgData name="Tobias Stadtfeld" userId="7e695269987144e5" providerId="LiveId" clId="{055BA477-D279-4748-ADB5-E1B4BBCA5B92}" dt="2024-11-22T07:25:31.854" v="2744" actId="208"/>
           <ac:cxnSpMkLst>
@@ -485,14 +389,6 @@
             <ac:cxnSpMk id="40" creationId="{DA8C1CC5-3321-DC54-F775-59DDF730CA0F}"/>
           </ac:cxnSpMkLst>
         </pc:cxnChg>
-        <pc:cxnChg chg="add del mod ord">
-          <ac:chgData name="Tobias Stadtfeld" userId="7e695269987144e5" providerId="LiveId" clId="{055BA477-D279-4748-ADB5-E1B4BBCA5B92}" dt="2024-11-04T10:00:25.543" v="1322" actId="478"/>
-          <ac:cxnSpMkLst>
-            <pc:docMk/>
-            <pc:sldMk cId="940174068" sldId="256"/>
-            <ac:cxnSpMk id="51" creationId="{E1B3A84A-CD34-1294-475F-6971CC7A138C}"/>
-          </ac:cxnSpMkLst>
-        </pc:cxnChg>
         <pc:cxnChg chg="add mod">
           <ac:chgData name="Tobias Stadtfeld" userId="7e695269987144e5" providerId="LiveId" clId="{055BA477-D279-4748-ADB5-E1B4BBCA5B92}" dt="2024-11-22T07:25:31.854" v="2744" actId="208"/>
           <ac:cxnSpMkLst>
@@ -517,14 +413,6 @@
             <ac:cxnSpMk id="66" creationId="{C8F513A0-AC60-2BC6-4CCF-5952A3A8A7A8}"/>
           </ac:cxnSpMkLst>
         </pc:cxnChg>
-        <pc:cxnChg chg="add del mod">
-          <ac:chgData name="Tobias Stadtfeld" userId="7e695269987144e5" providerId="LiveId" clId="{055BA477-D279-4748-ADB5-E1B4BBCA5B92}" dt="2024-11-04T22:19:40.171" v="1630" actId="478"/>
-          <ac:cxnSpMkLst>
-            <pc:docMk/>
-            <pc:sldMk cId="940174068" sldId="256"/>
-            <ac:cxnSpMk id="89" creationId="{46E67230-7E6C-21D7-E364-CB6FD6DA9300}"/>
-          </ac:cxnSpMkLst>
-        </pc:cxnChg>
       </pc:sldChg>
       <pc:sldChg chg="new del">
         <pc:chgData name="Tobias Stadtfeld" userId="7e695269987144e5" providerId="LiveId" clId="{055BA477-D279-4748-ADB5-E1B4BBCA5B92}" dt="2024-11-22T05:55:32.021" v="2080" actId="47"/>
@@ -534,21 +422,13 @@
         </pc:sldMkLst>
       </pc:sldChg>
       <pc:sldChg chg="addSp delSp modSp add mod setBg">
-        <pc:chgData name="Tobias Stadtfeld" userId="7e695269987144e5" providerId="LiveId" clId="{055BA477-D279-4748-ADB5-E1B4BBCA5B92}" dt="2024-11-22T07:31:40.705" v="2808" actId="21"/>
+        <pc:chgData name="Tobias Stadtfeld" userId="7e695269987144e5" providerId="LiveId" clId="{055BA477-D279-4748-ADB5-E1B4BBCA5B92}" dt="2024-12-09T20:44:39.862" v="3188" actId="207"/>
         <pc:sldMkLst>
           <pc:docMk/>
           <pc:sldMk cId="2702369679" sldId="258"/>
         </pc:sldMkLst>
-        <pc:spChg chg="del">
-          <ac:chgData name="Tobias Stadtfeld" userId="7e695269987144e5" providerId="LiveId" clId="{055BA477-D279-4748-ADB5-E1B4BBCA5B92}" dt="2024-11-22T05:55:41.586" v="2081" actId="478"/>
-          <ac:spMkLst>
-            <pc:docMk/>
-            <pc:sldMk cId="2702369679" sldId="258"/>
-            <ac:spMk id="2" creationId="{65CD5CF7-F3F1-BEA8-7216-579A3599E398}"/>
-          </ac:spMkLst>
-        </pc:spChg>
         <pc:spChg chg="add mod ord">
-          <ac:chgData name="Tobias Stadtfeld" userId="7e695269987144e5" providerId="LiveId" clId="{055BA477-D279-4748-ADB5-E1B4BBCA5B92}" dt="2024-11-22T07:11:14.638" v="2698" actId="207"/>
+          <ac:chgData name="Tobias Stadtfeld" userId="7e695269987144e5" providerId="LiveId" clId="{055BA477-D279-4748-ADB5-E1B4BBCA5B92}" dt="2024-12-09T20:43:18.661" v="3186" actId="207"/>
           <ac:spMkLst>
             <pc:docMk/>
             <pc:sldMk cId="2702369679" sldId="258"/>
@@ -556,7 +436,7 @@
           </ac:spMkLst>
         </pc:spChg>
         <pc:spChg chg="add mod ord">
-          <ac:chgData name="Tobias Stadtfeld" userId="7e695269987144e5" providerId="LiveId" clId="{055BA477-D279-4748-ADB5-E1B4BBCA5B92}" dt="2024-11-22T07:22:01.099" v="2741" actId="208"/>
+          <ac:chgData name="Tobias Stadtfeld" userId="7e695269987144e5" providerId="LiveId" clId="{055BA477-D279-4748-ADB5-E1B4BBCA5B92}" dt="2024-12-09T20:44:39.862" v="3188" actId="207"/>
           <ac:spMkLst>
             <pc:docMk/>
             <pc:sldMk cId="2702369679" sldId="258"/>
@@ -579,68 +459,12 @@
             <ac:spMk id="6" creationId="{73614A69-4023-11A7-3A54-598F87ABCAA7}"/>
           </ac:spMkLst>
         </pc:spChg>
-        <pc:spChg chg="del">
-          <ac:chgData name="Tobias Stadtfeld" userId="7e695269987144e5" providerId="LiveId" clId="{055BA477-D279-4748-ADB5-E1B4BBCA5B92}" dt="2024-11-22T05:55:41.586" v="2081" actId="478"/>
-          <ac:spMkLst>
-            <pc:docMk/>
-            <pc:sldMk cId="2702369679" sldId="258"/>
-            <ac:spMk id="7" creationId="{AE346490-646F-92AE-4B92-7F0AA4CBEDCE}"/>
-          </ac:spMkLst>
-        </pc:spChg>
-        <pc:spChg chg="del">
-          <ac:chgData name="Tobias Stadtfeld" userId="7e695269987144e5" providerId="LiveId" clId="{055BA477-D279-4748-ADB5-E1B4BBCA5B92}" dt="2024-11-22T05:55:41.586" v="2081" actId="478"/>
-          <ac:spMkLst>
-            <pc:docMk/>
-            <pc:sldMk cId="2702369679" sldId="258"/>
-            <ac:spMk id="10" creationId="{5FB5CD34-6752-5475-B0B0-94DCEA17D162}"/>
-          </ac:spMkLst>
-        </pc:spChg>
-        <pc:spChg chg="del">
-          <ac:chgData name="Tobias Stadtfeld" userId="7e695269987144e5" providerId="LiveId" clId="{055BA477-D279-4748-ADB5-E1B4BBCA5B92}" dt="2024-11-22T05:55:41.586" v="2081" actId="478"/>
-          <ac:spMkLst>
-            <pc:docMk/>
-            <pc:sldMk cId="2702369679" sldId="258"/>
-            <ac:spMk id="11" creationId="{F8AF02A3-C3D4-E2E0-34B0-23368FA74627}"/>
-          </ac:spMkLst>
-        </pc:spChg>
-        <pc:spChg chg="del">
-          <ac:chgData name="Tobias Stadtfeld" userId="7e695269987144e5" providerId="LiveId" clId="{055BA477-D279-4748-ADB5-E1B4BBCA5B92}" dt="2024-11-22T05:55:41.586" v="2081" actId="478"/>
-          <ac:spMkLst>
-            <pc:docMk/>
-            <pc:sldMk cId="2702369679" sldId="258"/>
-            <ac:spMk id="12" creationId="{6A3D1D7A-5285-E050-AF69-DCC4FB2B6008}"/>
-          </ac:spMkLst>
-        </pc:spChg>
-        <pc:spChg chg="del">
-          <ac:chgData name="Tobias Stadtfeld" userId="7e695269987144e5" providerId="LiveId" clId="{055BA477-D279-4748-ADB5-E1B4BBCA5B92}" dt="2024-11-22T05:55:41.586" v="2081" actId="478"/>
-          <ac:spMkLst>
-            <pc:docMk/>
-            <pc:sldMk cId="2702369679" sldId="258"/>
-            <ac:spMk id="13" creationId="{D9D61D2F-9B4D-946C-85A9-60DDA3C04C8C}"/>
-          </ac:spMkLst>
-        </pc:spChg>
-        <pc:spChg chg="del">
-          <ac:chgData name="Tobias Stadtfeld" userId="7e695269987144e5" providerId="LiveId" clId="{055BA477-D279-4748-ADB5-E1B4BBCA5B92}" dt="2024-11-22T05:55:41.586" v="2081" actId="478"/>
-          <ac:spMkLst>
-            <pc:docMk/>
-            <pc:sldMk cId="2702369679" sldId="258"/>
-            <ac:spMk id="14" creationId="{81413597-F401-C776-BACC-5D649FA95558}"/>
-          </ac:spMkLst>
-        </pc:spChg>
         <pc:spChg chg="add mod">
-          <ac:chgData name="Tobias Stadtfeld" userId="7e695269987144e5" providerId="LiveId" clId="{055BA477-D279-4748-ADB5-E1B4BBCA5B92}" dt="2024-11-22T07:09:02.872" v="2693" actId="207"/>
+          <ac:chgData name="Tobias Stadtfeld" userId="7e695269987144e5" providerId="LiveId" clId="{055BA477-D279-4748-ADB5-E1B4BBCA5B92}" dt="2024-12-09T20:42:09.993" v="3164" actId="20577"/>
           <ac:spMkLst>
             <pc:docMk/>
             <pc:sldMk cId="2702369679" sldId="258"/>
             <ac:spMk id="14" creationId="{CE2D1E07-BB4F-4569-E5E8-86FC82DC5E6C}"/>
-          </ac:spMkLst>
-        </pc:spChg>
-        <pc:spChg chg="del">
-          <ac:chgData name="Tobias Stadtfeld" userId="7e695269987144e5" providerId="LiveId" clId="{055BA477-D279-4748-ADB5-E1B4BBCA5B92}" dt="2024-11-22T05:55:41.586" v="2081" actId="478"/>
-          <ac:spMkLst>
-            <pc:docMk/>
-            <pc:sldMk cId="2702369679" sldId="258"/>
-            <ac:spMk id="15" creationId="{24720CA8-33AA-C825-3CA9-D5B04AAD6A21}"/>
           </ac:spMkLst>
         </pc:spChg>
         <pc:spChg chg="add mod ord">
@@ -649,14 +473,6 @@
             <pc:docMk/>
             <pc:sldMk cId="2702369679" sldId="258"/>
             <ac:spMk id="16" creationId="{44810813-48FF-DE21-9D6A-6E1AA5000531}"/>
-          </ac:spMkLst>
-        </pc:spChg>
-        <pc:spChg chg="del">
-          <ac:chgData name="Tobias Stadtfeld" userId="7e695269987144e5" providerId="LiveId" clId="{055BA477-D279-4748-ADB5-E1B4BBCA5B92}" dt="2024-11-22T05:55:41.586" v="2081" actId="478"/>
-          <ac:spMkLst>
-            <pc:docMk/>
-            <pc:sldMk cId="2702369679" sldId="258"/>
-            <ac:spMk id="17" creationId="{E8D9011B-AFF9-1D59-45BA-7D7BC7C9365E}"/>
           </ac:spMkLst>
         </pc:spChg>
         <pc:spChg chg="add mod">
@@ -691,28 +507,12 @@
             <ac:spMk id="27" creationId="{801DD11F-DFCD-4507-0CE0-8CF5C2DF6D1D}"/>
           </ac:spMkLst>
         </pc:spChg>
-        <pc:spChg chg="del">
-          <ac:chgData name="Tobias Stadtfeld" userId="7e695269987144e5" providerId="LiveId" clId="{055BA477-D279-4748-ADB5-E1B4BBCA5B92}" dt="2024-11-22T05:55:41.586" v="2081" actId="478"/>
-          <ac:spMkLst>
-            <pc:docMk/>
-            <pc:sldMk cId="2702369679" sldId="258"/>
-            <ac:spMk id="31" creationId="{36DB478B-7FC8-97E5-5CC1-ED1197DC0CA0}"/>
-          </ac:spMkLst>
-        </pc:spChg>
         <pc:spChg chg="add mod">
-          <ac:chgData name="Tobias Stadtfeld" userId="7e695269987144e5" providerId="LiveId" clId="{055BA477-D279-4748-ADB5-E1B4BBCA5B92}" dt="2024-11-22T07:09:02.872" v="2693" actId="207"/>
+          <ac:chgData name="Tobias Stadtfeld" userId="7e695269987144e5" providerId="LiveId" clId="{055BA477-D279-4748-ADB5-E1B4BBCA5B92}" dt="2024-12-09T20:42:42.793" v="3185" actId="6549"/>
           <ac:spMkLst>
             <pc:docMk/>
             <pc:sldMk cId="2702369679" sldId="258"/>
             <ac:spMk id="32" creationId="{0E075B43-16AE-D968-4E32-5DB18C8DF318}"/>
-          </ac:spMkLst>
-        </pc:spChg>
-        <pc:spChg chg="del">
-          <ac:chgData name="Tobias Stadtfeld" userId="7e695269987144e5" providerId="LiveId" clId="{055BA477-D279-4748-ADB5-E1B4BBCA5B92}" dt="2024-11-22T05:55:41.586" v="2081" actId="478"/>
-          <ac:spMkLst>
-            <pc:docMk/>
-            <pc:sldMk cId="2702369679" sldId="258"/>
-            <ac:spMk id="32" creationId="{60D46B63-9D5F-8EBF-58E9-27FA5E28FD7B}"/>
           </ac:spMkLst>
         </pc:spChg>
         <pc:spChg chg="add mod">
@@ -731,28 +531,12 @@
             <ac:spMk id="38" creationId="{6615A6F7-A257-D832-A811-9C372B742269}"/>
           </ac:spMkLst>
         </pc:spChg>
-        <pc:spChg chg="del">
-          <ac:chgData name="Tobias Stadtfeld" userId="7e695269987144e5" providerId="LiveId" clId="{055BA477-D279-4748-ADB5-E1B4BBCA5B92}" dt="2024-11-22T05:55:41.586" v="2081" actId="478"/>
-          <ac:spMkLst>
-            <pc:docMk/>
-            <pc:sldMk cId="2702369679" sldId="258"/>
-            <ac:spMk id="38" creationId="{F60C9BF6-2D70-6FB8-C884-1120C8862535}"/>
-          </ac:spMkLst>
-        </pc:spChg>
         <pc:spChg chg="add mod">
           <ac:chgData name="Tobias Stadtfeld" userId="7e695269987144e5" providerId="LiveId" clId="{055BA477-D279-4748-ADB5-E1B4BBCA5B92}" dt="2024-11-22T06:47:19.314" v="2441" actId="1076"/>
           <ac:spMkLst>
             <pc:docMk/>
             <pc:sldMk cId="2702369679" sldId="258"/>
             <ac:spMk id="39" creationId="{07F5CE68-B7E3-B012-307C-EC5A11A2AFC9}"/>
-          </ac:spMkLst>
-        </pc:spChg>
-        <pc:spChg chg="del">
-          <ac:chgData name="Tobias Stadtfeld" userId="7e695269987144e5" providerId="LiveId" clId="{055BA477-D279-4748-ADB5-E1B4BBCA5B92}" dt="2024-11-22T05:55:41.586" v="2081" actId="478"/>
-          <ac:spMkLst>
-            <pc:docMk/>
-            <pc:sldMk cId="2702369679" sldId="258"/>
-            <ac:spMk id="39" creationId="{F5A165F2-0D2C-3E0E-8E29-C507F0084F80}"/>
           </ac:spMkLst>
         </pc:spChg>
         <pc:spChg chg="add mod">
@@ -769,14 +553,6 @@
             <pc:docMk/>
             <pc:sldMk cId="2702369679" sldId="258"/>
             <ac:spMk id="47" creationId="{53120861-858B-5421-CDB7-8FEA42348CE1}"/>
-          </ac:spMkLst>
-        </pc:spChg>
-        <pc:spChg chg="del">
-          <ac:chgData name="Tobias Stadtfeld" userId="7e695269987144e5" providerId="LiveId" clId="{055BA477-D279-4748-ADB5-E1B4BBCA5B92}" dt="2024-11-22T05:55:41.586" v="2081" actId="478"/>
-          <ac:spMkLst>
-            <pc:docMk/>
-            <pc:sldMk cId="2702369679" sldId="258"/>
-            <ac:spMk id="48" creationId="{4E9C5D31-E8C0-9910-2154-37137BA1E14F}"/>
           </ac:spMkLst>
         </pc:spChg>
         <pc:spChg chg="add mod">
@@ -803,22 +579,6 @@
             <ac:spMk id="53" creationId="{D7EBC5F7-8C1C-3892-3C14-BEA8BA73103C}"/>
           </ac:spMkLst>
         </pc:spChg>
-        <pc:spChg chg="add del mod">
-          <ac:chgData name="Tobias Stadtfeld" userId="7e695269987144e5" providerId="LiveId" clId="{055BA477-D279-4748-ADB5-E1B4BBCA5B92}" dt="2024-11-22T06:50:09.332" v="2548" actId="478"/>
-          <ac:spMkLst>
-            <pc:docMk/>
-            <pc:sldMk cId="2702369679" sldId="258"/>
-            <ac:spMk id="54" creationId="{4E563885-FE32-80C8-2121-FEA25EF30BA1}"/>
-          </ac:spMkLst>
-        </pc:spChg>
-        <pc:spChg chg="del">
-          <ac:chgData name="Tobias Stadtfeld" userId="7e695269987144e5" providerId="LiveId" clId="{055BA477-D279-4748-ADB5-E1B4BBCA5B92}" dt="2024-11-22T05:55:41.586" v="2081" actId="478"/>
-          <ac:spMkLst>
-            <pc:docMk/>
-            <pc:sldMk cId="2702369679" sldId="258"/>
-            <ac:spMk id="54" creationId="{5BFC207B-628C-A0B0-05AE-B6E70F7DC3FB}"/>
-          </ac:spMkLst>
-        </pc:spChg>
         <pc:spChg chg="add mod ord">
           <ac:chgData name="Tobias Stadtfeld" userId="7e695269987144e5" providerId="LiveId" clId="{055BA477-D279-4748-ADB5-E1B4BBCA5B92}" dt="2024-11-22T07:12:29.303" v="2705" actId="166"/>
           <ac:spMkLst>
@@ -827,52 +587,12 @@
             <ac:spMk id="55" creationId="{5B8E4209-6C54-A1A1-9071-A244BC8DC146}"/>
           </ac:spMkLst>
         </pc:spChg>
-        <pc:spChg chg="del">
-          <ac:chgData name="Tobias Stadtfeld" userId="7e695269987144e5" providerId="LiveId" clId="{055BA477-D279-4748-ADB5-E1B4BBCA5B92}" dt="2024-11-22T05:55:41.586" v="2081" actId="478"/>
-          <ac:spMkLst>
-            <pc:docMk/>
-            <pc:sldMk cId="2702369679" sldId="258"/>
-            <ac:spMk id="55" creationId="{C97C8230-5924-603E-E31C-1AEE5120769C}"/>
-          </ac:spMkLst>
-        </pc:spChg>
         <pc:spChg chg="add mod">
           <ac:chgData name="Tobias Stadtfeld" userId="7e695269987144e5" providerId="LiveId" clId="{055BA477-D279-4748-ADB5-E1B4BBCA5B92}" dt="2024-11-22T06:50:18.623" v="2552" actId="1076"/>
           <ac:spMkLst>
             <pc:docMk/>
             <pc:sldMk cId="2702369679" sldId="258"/>
             <ac:spMk id="56" creationId="{CC1A7CA5-D356-AC77-8F25-EA4480819DC9}"/>
-          </ac:spMkLst>
-        </pc:spChg>
-        <pc:spChg chg="del">
-          <ac:chgData name="Tobias Stadtfeld" userId="7e695269987144e5" providerId="LiveId" clId="{055BA477-D279-4748-ADB5-E1B4BBCA5B92}" dt="2024-11-22T05:55:41.586" v="2081" actId="478"/>
-          <ac:spMkLst>
-            <pc:docMk/>
-            <pc:sldMk cId="2702369679" sldId="258"/>
-            <ac:spMk id="57" creationId="{BEDCEF59-026F-EA3D-6AAD-8E932BF4605E}"/>
-          </ac:spMkLst>
-        </pc:spChg>
-        <pc:spChg chg="del">
-          <ac:chgData name="Tobias Stadtfeld" userId="7e695269987144e5" providerId="LiveId" clId="{055BA477-D279-4748-ADB5-E1B4BBCA5B92}" dt="2024-11-22T05:55:41.586" v="2081" actId="478"/>
-          <ac:spMkLst>
-            <pc:docMk/>
-            <pc:sldMk cId="2702369679" sldId="258"/>
-            <ac:spMk id="58" creationId="{FC434B96-3C1E-27BB-8259-05FBEA19A00C}"/>
-          </ac:spMkLst>
-        </pc:spChg>
-        <pc:spChg chg="del">
-          <ac:chgData name="Tobias Stadtfeld" userId="7e695269987144e5" providerId="LiveId" clId="{055BA477-D279-4748-ADB5-E1B4BBCA5B92}" dt="2024-11-22T05:55:41.586" v="2081" actId="478"/>
-          <ac:spMkLst>
-            <pc:docMk/>
-            <pc:sldMk cId="2702369679" sldId="258"/>
-            <ac:spMk id="59" creationId="{27E61718-7524-7F4F-C21A-AE9BFD27DF04}"/>
-          </ac:spMkLst>
-        </pc:spChg>
-        <pc:spChg chg="del">
-          <ac:chgData name="Tobias Stadtfeld" userId="7e695269987144e5" providerId="LiveId" clId="{055BA477-D279-4748-ADB5-E1B4BBCA5B92}" dt="2024-11-22T05:55:41.586" v="2081" actId="478"/>
-          <ac:spMkLst>
-            <pc:docMk/>
-            <pc:sldMk cId="2702369679" sldId="258"/>
-            <ac:spMk id="63" creationId="{007B389E-6283-7C25-B3FF-9854E6F4157F}"/>
           </ac:spMkLst>
         </pc:spChg>
         <pc:spChg chg="add mod">
@@ -891,48 +611,8 @@
             <ac:spMk id="65" creationId="{7D5F00C4-9E17-8E2F-749A-9E22E6B9FB77}"/>
           </ac:spMkLst>
         </pc:spChg>
-        <pc:spChg chg="del">
-          <ac:chgData name="Tobias Stadtfeld" userId="7e695269987144e5" providerId="LiveId" clId="{055BA477-D279-4748-ADB5-E1B4BBCA5B92}" dt="2024-11-22T05:55:41.586" v="2081" actId="478"/>
-          <ac:spMkLst>
-            <pc:docMk/>
-            <pc:sldMk cId="2702369679" sldId="258"/>
-            <ac:spMk id="65" creationId="{FFEBFFF6-8B90-8C9E-3A77-243C9021B94B}"/>
-          </ac:spMkLst>
-        </pc:spChg>
-        <pc:spChg chg="del">
-          <ac:chgData name="Tobias Stadtfeld" userId="7e695269987144e5" providerId="LiveId" clId="{055BA477-D279-4748-ADB5-E1B4BBCA5B92}" dt="2024-11-22T05:55:41.586" v="2081" actId="478"/>
-          <ac:spMkLst>
-            <pc:docMk/>
-            <pc:sldMk cId="2702369679" sldId="258"/>
-            <ac:spMk id="77" creationId="{B4706CF2-CA97-BE80-2AF3-9FB3EF832C34}"/>
-          </ac:spMkLst>
-        </pc:spChg>
-        <pc:picChg chg="del">
-          <ac:chgData name="Tobias Stadtfeld" userId="7e695269987144e5" providerId="LiveId" clId="{055BA477-D279-4748-ADB5-E1B4BBCA5B92}" dt="2024-11-22T05:55:41.586" v="2081" actId="478"/>
-          <ac:picMkLst>
-            <pc:docMk/>
-            <pc:sldMk cId="2702369679" sldId="258"/>
-            <ac:picMk id="9" creationId="{9AB4B613-89D5-E3B7-B3B0-6CD95339851A}"/>
-          </ac:picMkLst>
-        </pc:picChg>
-        <pc:cxnChg chg="add del mod">
-          <ac:chgData name="Tobias Stadtfeld" userId="7e695269987144e5" providerId="LiveId" clId="{055BA477-D279-4748-ADB5-E1B4BBCA5B92}" dt="2024-11-22T07:31:40.705" v="2808" actId="21"/>
-          <ac:cxnSpMkLst>
-            <pc:docMk/>
-            <pc:sldMk cId="2702369679" sldId="258"/>
-            <ac:cxnSpMk id="7" creationId="{949B4222-21A3-ACC6-6C8B-C8618A0DC3C3}"/>
-          </ac:cxnSpMkLst>
-        </pc:cxnChg>
-        <pc:cxnChg chg="del mod">
-          <ac:chgData name="Tobias Stadtfeld" userId="7e695269987144e5" providerId="LiveId" clId="{055BA477-D279-4748-ADB5-E1B4BBCA5B92}" dt="2024-11-22T05:55:41.586" v="2081" actId="478"/>
-          <ac:cxnSpMkLst>
-            <pc:docMk/>
-            <pc:sldMk cId="2702369679" sldId="258"/>
-            <ac:cxnSpMk id="8" creationId="{37E6B024-8A99-A50C-5FE4-560DB8C5D3ED}"/>
-          </ac:cxnSpMkLst>
-        </pc:cxnChg>
         <pc:cxnChg chg="add mod">
-          <ac:chgData name="Tobias Stadtfeld" userId="7e695269987144e5" providerId="LiveId" clId="{055BA477-D279-4748-ADB5-E1B4BBCA5B92}" dt="2024-11-22T07:25:49.686" v="2745" actId="208"/>
+          <ac:chgData name="Tobias Stadtfeld" userId="7e695269987144e5" providerId="LiveId" clId="{055BA477-D279-4748-ADB5-E1B4BBCA5B92}" dt="2024-12-09T20:41:59.213" v="3153" actId="20577"/>
           <ac:cxnSpMkLst>
             <pc:docMk/>
             <pc:sldMk cId="2702369679" sldId="258"/>
@@ -940,27 +620,11 @@
           </ac:cxnSpMkLst>
         </pc:cxnChg>
         <pc:cxnChg chg="add mod">
-          <ac:chgData name="Tobias Stadtfeld" userId="7e695269987144e5" providerId="LiveId" clId="{055BA477-D279-4748-ADB5-E1B4BBCA5B92}" dt="2024-11-22T07:25:49.686" v="2745" actId="208"/>
+          <ac:chgData name="Tobias Stadtfeld" userId="7e695269987144e5" providerId="LiveId" clId="{055BA477-D279-4748-ADB5-E1B4BBCA5B92}" dt="2024-12-09T20:42:42.793" v="3185" actId="6549"/>
           <ac:cxnSpMkLst>
             <pc:docMk/>
             <pc:sldMk cId="2702369679" sldId="258"/>
             <ac:cxnSpMk id="11" creationId="{5A89E0D2-BAD5-6C1D-801C-F4AACC8824FA}"/>
-          </ac:cxnSpMkLst>
-        </pc:cxnChg>
-        <pc:cxnChg chg="del mod">
-          <ac:chgData name="Tobias Stadtfeld" userId="7e695269987144e5" providerId="LiveId" clId="{055BA477-D279-4748-ADB5-E1B4BBCA5B92}" dt="2024-11-22T05:55:41.586" v="2081" actId="478"/>
-          <ac:cxnSpMkLst>
-            <pc:docMk/>
-            <pc:sldMk cId="2702369679" sldId="258"/>
-            <ac:cxnSpMk id="18" creationId="{DD9F220F-6AB2-1D8D-57B1-B2CE3E315B81}"/>
-          </ac:cxnSpMkLst>
-        </pc:cxnChg>
-        <pc:cxnChg chg="del mod">
-          <ac:chgData name="Tobias Stadtfeld" userId="7e695269987144e5" providerId="LiveId" clId="{055BA477-D279-4748-ADB5-E1B4BBCA5B92}" dt="2024-11-22T05:55:41.586" v="2081" actId="478"/>
-          <ac:cxnSpMkLst>
-            <pc:docMk/>
-            <pc:sldMk cId="2702369679" sldId="258"/>
-            <ac:cxnSpMk id="19" creationId="{70AE23E2-76BB-B5CD-9DD4-D9FECC32243B}"/>
           </ac:cxnSpMkLst>
         </pc:cxnChg>
         <pc:cxnChg chg="add mod">
@@ -971,36 +635,12 @@
             <ac:cxnSpMk id="19" creationId="{FE5325F8-D7C0-4D27-4126-EF99A7850380}"/>
           </ac:cxnSpMkLst>
         </pc:cxnChg>
-        <pc:cxnChg chg="del mod">
-          <ac:chgData name="Tobias Stadtfeld" userId="7e695269987144e5" providerId="LiveId" clId="{055BA477-D279-4748-ADB5-E1B4BBCA5B92}" dt="2024-11-22T05:55:41.586" v="2081" actId="478"/>
-          <ac:cxnSpMkLst>
-            <pc:docMk/>
-            <pc:sldMk cId="2702369679" sldId="258"/>
-            <ac:cxnSpMk id="21" creationId="{3A002695-F3CB-DA96-55CB-D119EA11C10D}"/>
-          </ac:cxnSpMkLst>
-        </pc:cxnChg>
         <pc:cxnChg chg="add mod">
           <ac:chgData name="Tobias Stadtfeld" userId="7e695269987144e5" providerId="LiveId" clId="{055BA477-D279-4748-ADB5-E1B4BBCA5B92}" dt="2024-11-22T07:25:49.686" v="2745" actId="208"/>
           <ac:cxnSpMkLst>
             <pc:docMk/>
             <pc:sldMk cId="2702369679" sldId="258"/>
             <ac:cxnSpMk id="23" creationId="{EB76B5A0-FF80-ADAF-ABED-73542DD6044C}"/>
-          </ac:cxnSpMkLst>
-        </pc:cxnChg>
-        <pc:cxnChg chg="del mod">
-          <ac:chgData name="Tobias Stadtfeld" userId="7e695269987144e5" providerId="LiveId" clId="{055BA477-D279-4748-ADB5-E1B4BBCA5B92}" dt="2024-11-22T05:55:41.586" v="2081" actId="478"/>
-          <ac:cxnSpMkLst>
-            <pc:docMk/>
-            <pc:sldMk cId="2702369679" sldId="258"/>
-            <ac:cxnSpMk id="24" creationId="{BA98FF42-915C-34EE-B01F-A92F3645EFB9}"/>
-          </ac:cxnSpMkLst>
-        </pc:cxnChg>
-        <pc:cxnChg chg="del mod">
-          <ac:chgData name="Tobias Stadtfeld" userId="7e695269987144e5" providerId="LiveId" clId="{055BA477-D279-4748-ADB5-E1B4BBCA5B92}" dt="2024-11-22T05:55:41.586" v="2081" actId="478"/>
-          <ac:cxnSpMkLst>
-            <pc:docMk/>
-            <pc:sldMk cId="2702369679" sldId="258"/>
-            <ac:cxnSpMk id="28" creationId="{2502191E-D506-0EE4-7F9C-092353323BBB}"/>
           </ac:cxnSpMkLst>
         </pc:cxnChg>
         <pc:cxnChg chg="add mod">
@@ -1011,28 +651,12 @@
             <ac:cxnSpMk id="29" creationId="{D64ADBB7-5168-BFC1-3CA9-4DE825E154C1}"/>
           </ac:cxnSpMkLst>
         </pc:cxnChg>
-        <pc:cxnChg chg="del mod">
-          <ac:chgData name="Tobias Stadtfeld" userId="7e695269987144e5" providerId="LiveId" clId="{055BA477-D279-4748-ADB5-E1B4BBCA5B92}" dt="2024-11-22T05:55:41.586" v="2081" actId="478"/>
-          <ac:cxnSpMkLst>
-            <pc:docMk/>
-            <pc:sldMk cId="2702369679" sldId="258"/>
-            <ac:cxnSpMk id="33" creationId="{3F07FC07-7BF7-2D2C-E1D7-52B7295BCEF0}"/>
-          </ac:cxnSpMkLst>
-        </pc:cxnChg>
         <pc:cxnChg chg="add mod">
           <ac:chgData name="Tobias Stadtfeld" userId="7e695269987144e5" providerId="LiveId" clId="{055BA477-D279-4748-ADB5-E1B4BBCA5B92}" dt="2024-11-22T07:25:49.686" v="2745" actId="208"/>
           <ac:cxnSpMkLst>
             <pc:docMk/>
             <pc:sldMk cId="2702369679" sldId="258"/>
             <ac:cxnSpMk id="36" creationId="{E387C57D-A53B-E22E-66C1-EAC8CBBFA7A2}"/>
-          </ac:cxnSpMkLst>
-        </pc:cxnChg>
-        <pc:cxnChg chg="del mod">
-          <ac:chgData name="Tobias Stadtfeld" userId="7e695269987144e5" providerId="LiveId" clId="{055BA477-D279-4748-ADB5-E1B4BBCA5B92}" dt="2024-11-22T05:55:41.586" v="2081" actId="478"/>
-          <ac:cxnSpMkLst>
-            <pc:docMk/>
-            <pc:sldMk cId="2702369679" sldId="258"/>
-            <ac:cxnSpMk id="40" creationId="{FFE94DFD-F968-7ECE-6F26-6082E8CF48D9}"/>
           </ac:cxnSpMkLst>
         </pc:cxnChg>
         <pc:cxnChg chg="add mod ord">
@@ -1059,36 +683,12 @@
             <ac:cxnSpMk id="58" creationId="{46A4A85B-776E-45C3-B275-47BC3A7F0BA5}"/>
           </ac:cxnSpMkLst>
         </pc:cxnChg>
-        <pc:cxnChg chg="del mod">
-          <ac:chgData name="Tobias Stadtfeld" userId="7e695269987144e5" providerId="LiveId" clId="{055BA477-D279-4748-ADB5-E1B4BBCA5B92}" dt="2024-11-22T05:55:41.586" v="2081" actId="478"/>
-          <ac:cxnSpMkLst>
-            <pc:docMk/>
-            <pc:sldMk cId="2702369679" sldId="258"/>
-            <ac:cxnSpMk id="60" creationId="{E84D39F8-5167-A1DC-B4AB-40A7BFEBBDA6}"/>
-          </ac:cxnSpMkLst>
-        </pc:cxnChg>
         <pc:cxnChg chg="add mod ord">
           <ac:chgData name="Tobias Stadtfeld" userId="7e695269987144e5" providerId="LiveId" clId="{055BA477-D279-4748-ADB5-E1B4BBCA5B92}" dt="2024-11-22T07:25:49.686" v="2745" actId="208"/>
           <ac:cxnSpMkLst>
             <pc:docMk/>
             <pc:sldMk cId="2702369679" sldId="258"/>
             <ac:cxnSpMk id="61" creationId="{7AB23E59-27B5-B8EF-B8D2-828117A5B96C}"/>
-          </ac:cxnSpMkLst>
-        </pc:cxnChg>
-        <pc:cxnChg chg="del mod">
-          <ac:chgData name="Tobias Stadtfeld" userId="7e695269987144e5" providerId="LiveId" clId="{055BA477-D279-4748-ADB5-E1B4BBCA5B92}" dt="2024-11-22T05:55:41.586" v="2081" actId="478"/>
-          <ac:cxnSpMkLst>
-            <pc:docMk/>
-            <pc:sldMk cId="2702369679" sldId="258"/>
-            <ac:cxnSpMk id="64" creationId="{671EB608-FD6F-1AE7-2101-3E9A8481D121}"/>
-          </ac:cxnSpMkLst>
-        </pc:cxnChg>
-        <pc:cxnChg chg="del mod">
-          <ac:chgData name="Tobias Stadtfeld" userId="7e695269987144e5" providerId="LiveId" clId="{055BA477-D279-4748-ADB5-E1B4BBCA5B92}" dt="2024-11-22T05:55:41.586" v="2081" actId="478"/>
-          <ac:cxnSpMkLst>
-            <pc:docMk/>
-            <pc:sldMk cId="2702369679" sldId="258"/>
-            <ac:cxnSpMk id="66" creationId="{86D5AD7D-A06B-A9CF-ABE5-7F0E3F08AB5E}"/>
           </ac:cxnSpMkLst>
         </pc:cxnChg>
       </pc:sldChg>
@@ -1098,22 +698,6 @@
           <pc:docMk/>
           <pc:sldMk cId="840078680" sldId="259"/>
         </pc:sldMkLst>
-        <pc:spChg chg="del">
-          <ac:chgData name="Tobias Stadtfeld" userId="7e695269987144e5" providerId="LiveId" clId="{055BA477-D279-4748-ADB5-E1B4BBCA5B92}" dt="2024-11-22T07:13:14.519" v="2709" actId="478"/>
-          <ac:spMkLst>
-            <pc:docMk/>
-            <pc:sldMk cId="840078680" sldId="259"/>
-            <ac:spMk id="2" creationId="{35F6BD1A-0F0C-C4F1-1C32-EDF657217AFB}"/>
-          </ac:spMkLst>
-        </pc:spChg>
-        <pc:spChg chg="del">
-          <ac:chgData name="Tobias Stadtfeld" userId="7e695269987144e5" providerId="LiveId" clId="{055BA477-D279-4748-ADB5-E1B4BBCA5B92}" dt="2024-11-22T07:13:13.479" v="2708" actId="478"/>
-          <ac:spMkLst>
-            <pc:docMk/>
-            <pc:sldMk cId="840078680" sldId="259"/>
-            <ac:spMk id="3" creationId="{349E8157-9E83-154E-E525-BA33F1823E6C}"/>
-          </ac:spMkLst>
-        </pc:spChg>
         <pc:spChg chg="add mod ord">
           <ac:chgData name="Tobias Stadtfeld" userId="7e695269987144e5" providerId="LiveId" clId="{055BA477-D279-4748-ADB5-E1B4BBCA5B92}" dt="2024-11-22T08:01:01.236" v="3051" actId="20577"/>
           <ac:spMkLst>
@@ -1176,142 +760,6 @@
             <pc:docMk/>
             <pc:sldMk cId="840078680" sldId="259"/>
             <ac:spMk id="29" creationId="{BBF203C7-ACA6-1AEC-D14D-5548C506F5BC}"/>
-          </ac:spMkLst>
-        </pc:spChg>
-        <pc:spChg chg="add del mod">
-          <ac:chgData name="Tobias Stadtfeld" userId="7e695269987144e5" providerId="LiveId" clId="{055BA477-D279-4748-ADB5-E1B4BBCA5B92}" dt="2024-11-22T07:48:07.632" v="3037" actId="478"/>
-          <ac:spMkLst>
-            <pc:docMk/>
-            <pc:sldMk cId="840078680" sldId="259"/>
-            <ac:spMk id="36" creationId="{34FC560D-6BD4-0321-36FF-98B09CDF1BCA}"/>
-          </ac:spMkLst>
-        </pc:spChg>
-        <pc:spChg chg="add del">
-          <ac:chgData name="Tobias Stadtfeld" userId="7e695269987144e5" providerId="LiveId" clId="{055BA477-D279-4748-ADB5-E1B4BBCA5B92}" dt="2024-11-22T07:15:06.623" v="2731" actId="26606"/>
-          <ac:spMkLst>
-            <pc:docMk/>
-            <pc:sldMk cId="840078680" sldId="259"/>
-            <ac:spMk id="1031" creationId="{2EB492CD-616E-47F8-933B-5E2D952A0593}"/>
-          </ac:spMkLst>
-        </pc:spChg>
-        <pc:spChg chg="add del">
-          <ac:chgData name="Tobias Stadtfeld" userId="7e695269987144e5" providerId="LiveId" clId="{055BA477-D279-4748-ADB5-E1B4BBCA5B92}" dt="2024-11-22T07:15:06.623" v="2731" actId="26606"/>
-          <ac:spMkLst>
-            <pc:docMk/>
-            <pc:sldMk cId="840078680" sldId="259"/>
-            <ac:spMk id="1033" creationId="{59383CF9-23B5-4335-9B21-1791C4CF1C75}"/>
-          </ac:spMkLst>
-        </pc:spChg>
-        <pc:spChg chg="add del">
-          <ac:chgData name="Tobias Stadtfeld" userId="7e695269987144e5" providerId="LiveId" clId="{055BA477-D279-4748-ADB5-E1B4BBCA5B92}" dt="2024-11-22T07:15:06.623" v="2731" actId="26606"/>
-          <ac:spMkLst>
-            <pc:docMk/>
-            <pc:sldMk cId="840078680" sldId="259"/>
-            <ac:spMk id="1035" creationId="{0007FE00-9498-4706-B255-6437B0252C02}"/>
-          </ac:spMkLst>
-        </pc:spChg>
-        <pc:spChg chg="add del">
-          <ac:chgData name="Tobias Stadtfeld" userId="7e695269987144e5" providerId="LiveId" clId="{055BA477-D279-4748-ADB5-E1B4BBCA5B92}" dt="2024-11-22T07:14:59.701" v="2726" actId="26606"/>
-          <ac:spMkLst>
-            <pc:docMk/>
-            <pc:sldMk cId="840078680" sldId="259"/>
-            <ac:spMk id="1040" creationId="{E8A8EAB8-D2FF-444D-B34B-7D32F106AD0E}"/>
-          </ac:spMkLst>
-        </pc:spChg>
-        <pc:spChg chg="add del">
-          <ac:chgData name="Tobias Stadtfeld" userId="7e695269987144e5" providerId="LiveId" clId="{055BA477-D279-4748-ADB5-E1B4BBCA5B92}" dt="2024-11-22T07:15:01.139" v="2728" actId="26606"/>
-          <ac:spMkLst>
-            <pc:docMk/>
-            <pc:sldMk cId="840078680" sldId="259"/>
-            <ac:spMk id="1046" creationId="{95199994-21AE-49A2-BA0D-12E295989A9A}"/>
-          </ac:spMkLst>
-        </pc:spChg>
-        <pc:spChg chg="add del">
-          <ac:chgData name="Tobias Stadtfeld" userId="7e695269987144e5" providerId="LiveId" clId="{055BA477-D279-4748-ADB5-E1B4BBCA5B92}" dt="2024-11-22T07:15:01.139" v="2728" actId="26606"/>
-          <ac:spMkLst>
-            <pc:docMk/>
-            <pc:sldMk cId="840078680" sldId="259"/>
-            <ac:spMk id="1047" creationId="{A2C34835-4F79-4934-B151-D68E79764C72}"/>
-          </ac:spMkLst>
-        </pc:spChg>
-        <pc:spChg chg="add del">
-          <ac:chgData name="Tobias Stadtfeld" userId="7e695269987144e5" providerId="LiveId" clId="{055BA477-D279-4748-ADB5-E1B4BBCA5B92}" dt="2024-11-22T07:15:06.595" v="2730" actId="26606"/>
-          <ac:spMkLst>
-            <pc:docMk/>
-            <pc:sldMk cId="840078680" sldId="259"/>
-            <ac:spMk id="1049" creationId="{1CD81A2A-6ED4-4EF4-A14C-912D31E14800}"/>
-          </ac:spMkLst>
-        </pc:spChg>
-        <pc:spChg chg="add del">
-          <ac:chgData name="Tobias Stadtfeld" userId="7e695269987144e5" providerId="LiveId" clId="{055BA477-D279-4748-ADB5-E1B4BBCA5B92}" dt="2024-11-22T07:15:06.595" v="2730" actId="26606"/>
-          <ac:spMkLst>
-            <pc:docMk/>
-            <pc:sldMk cId="840078680" sldId="259"/>
-            <ac:spMk id="1050" creationId="{B91ECDA9-56DC-4270-8F33-01C5637B8CEB}"/>
-          </ac:spMkLst>
-        </pc:spChg>
-        <pc:spChg chg="add del">
-          <ac:chgData name="Tobias Stadtfeld" userId="7e695269987144e5" providerId="LiveId" clId="{055BA477-D279-4748-ADB5-E1B4BBCA5B92}" dt="2024-11-22T07:15:06.595" v="2730" actId="26606"/>
-          <ac:spMkLst>
-            <pc:docMk/>
-            <pc:sldMk cId="840078680" sldId="259"/>
-            <ac:spMk id="1051" creationId="{1661932C-CA15-4E17-B115-FAE7CBEE4789}"/>
-          </ac:spMkLst>
-        </pc:spChg>
-        <pc:spChg chg="add del">
-          <ac:chgData name="Tobias Stadtfeld" userId="7e695269987144e5" providerId="LiveId" clId="{055BA477-D279-4748-ADB5-E1B4BBCA5B92}" dt="2024-11-22T07:15:06.595" v="2730" actId="26606"/>
-          <ac:spMkLst>
-            <pc:docMk/>
-            <pc:sldMk cId="840078680" sldId="259"/>
-            <ac:spMk id="1052" creationId="{75F47824-961D-465D-84F9-EAE11BC6173B}"/>
-          </ac:spMkLst>
-        </pc:spChg>
-        <pc:spChg chg="add del">
-          <ac:chgData name="Tobias Stadtfeld" userId="7e695269987144e5" providerId="LiveId" clId="{055BA477-D279-4748-ADB5-E1B4BBCA5B92}" dt="2024-11-22T07:15:06.595" v="2730" actId="26606"/>
-          <ac:spMkLst>
-            <pc:docMk/>
-            <pc:sldMk cId="840078680" sldId="259"/>
-            <ac:spMk id="1053" creationId="{8590ADD5-9383-4D3D-9047-3DA2593CCB5D}"/>
-          </ac:spMkLst>
-        </pc:spChg>
-        <pc:spChg chg="add del">
-          <ac:chgData name="Tobias Stadtfeld" userId="7e695269987144e5" providerId="LiveId" clId="{055BA477-D279-4748-ADB5-E1B4BBCA5B92}" dt="2024-11-22T07:15:06.595" v="2730" actId="26606"/>
-          <ac:spMkLst>
-            <pc:docMk/>
-            <pc:sldMk cId="840078680" sldId="259"/>
-            <ac:spMk id="1054" creationId="{FEC9DA3E-C1D7-472D-B7C0-F71AE41FBA23}"/>
-          </ac:spMkLst>
-        </pc:spChg>
-        <pc:spChg chg="add del">
-          <ac:chgData name="Tobias Stadtfeld" userId="7e695269987144e5" providerId="LiveId" clId="{055BA477-D279-4748-ADB5-E1B4BBCA5B92}" dt="2024-11-22T07:15:06.595" v="2730" actId="26606"/>
-          <ac:spMkLst>
-            <pc:docMk/>
-            <pc:sldMk cId="840078680" sldId="259"/>
-            <ac:spMk id="1055" creationId="{DABE3E45-88CF-45D8-8D40-C773324D93F6}"/>
-          </ac:spMkLst>
-        </pc:spChg>
-        <pc:spChg chg="add del">
-          <ac:chgData name="Tobias Stadtfeld" userId="7e695269987144e5" providerId="LiveId" clId="{055BA477-D279-4748-ADB5-E1B4BBCA5B92}" dt="2024-11-22T07:15:18.084" v="2735"/>
-          <ac:spMkLst>
-            <pc:docMk/>
-            <pc:sldMk cId="840078680" sldId="259"/>
-            <ac:spMk id="1057" creationId="{2EB492CD-616E-47F8-933B-5E2D952A0593}"/>
-          </ac:spMkLst>
-        </pc:spChg>
-        <pc:spChg chg="add del">
-          <ac:chgData name="Tobias Stadtfeld" userId="7e695269987144e5" providerId="LiveId" clId="{055BA477-D279-4748-ADB5-E1B4BBCA5B92}" dt="2024-11-22T07:15:18.084" v="2735"/>
-          <ac:spMkLst>
-            <pc:docMk/>
-            <pc:sldMk cId="840078680" sldId="259"/>
-            <ac:spMk id="1058" creationId="{59383CF9-23B5-4335-9B21-1791C4CF1C75}"/>
-          </ac:spMkLst>
-        </pc:spChg>
-        <pc:spChg chg="add del">
-          <ac:chgData name="Tobias Stadtfeld" userId="7e695269987144e5" providerId="LiveId" clId="{055BA477-D279-4748-ADB5-E1B4BBCA5B92}" dt="2024-11-22T07:15:18.084" v="2735"/>
-          <ac:spMkLst>
-            <pc:docMk/>
-            <pc:sldMk cId="840078680" sldId="259"/>
-            <ac:spMk id="1059" creationId="{0007FE00-9498-4706-B255-6437B0252C02}"/>
           </ac:spMkLst>
         </pc:spChg>
         <pc:picChg chg="add mod ord">
@@ -1410,70 +858,6 @@
             <ac:cxnSpMk id="32" creationId="{6A1FAAA0-3456-3C07-67B2-0DEF5982AE3C}"/>
           </ac:cxnSpMkLst>
         </pc:cxnChg>
-        <pc:cxnChg chg="add del mod">
-          <ac:chgData name="Tobias Stadtfeld" userId="7e695269987144e5" providerId="LiveId" clId="{055BA477-D279-4748-ADB5-E1B4BBCA5B92}" dt="2024-11-22T07:44:19.973" v="3015" actId="478"/>
-          <ac:cxnSpMkLst>
-            <pc:docMk/>
-            <pc:sldMk cId="840078680" sldId="259"/>
-            <ac:cxnSpMk id="34" creationId="{CF764B82-CB1D-F054-7263-BE6AECBD5B96}"/>
-          </ac:cxnSpMkLst>
-        </pc:cxnChg>
-        <pc:cxnChg chg="add del mod">
-          <ac:chgData name="Tobias Stadtfeld" userId="7e695269987144e5" providerId="LiveId" clId="{055BA477-D279-4748-ADB5-E1B4BBCA5B92}" dt="2024-11-22T07:48:06.017" v="3035" actId="478"/>
-          <ac:cxnSpMkLst>
-            <pc:docMk/>
-            <pc:sldMk cId="840078680" sldId="259"/>
-            <ac:cxnSpMk id="41" creationId="{64E9B8C1-FC15-CFFD-C044-2DE3127F5EFD}"/>
-          </ac:cxnSpMkLst>
-        </pc:cxnChg>
-        <pc:cxnChg chg="add del mod">
-          <ac:chgData name="Tobias Stadtfeld" userId="7e695269987144e5" providerId="LiveId" clId="{055BA477-D279-4748-ADB5-E1B4BBCA5B92}" dt="2024-11-22T07:48:06.017" v="3035" actId="478"/>
-          <ac:cxnSpMkLst>
-            <pc:docMk/>
-            <pc:sldMk cId="840078680" sldId="259"/>
-            <ac:cxnSpMk id="48" creationId="{124F965A-80D0-5791-0DC1-F8AA2985FA86}"/>
-          </ac:cxnSpMkLst>
-        </pc:cxnChg>
-        <pc:cxnChg chg="add del mod">
-          <ac:chgData name="Tobias Stadtfeld" userId="7e695269987144e5" providerId="LiveId" clId="{055BA477-D279-4748-ADB5-E1B4BBCA5B92}" dt="2024-11-22T07:48:06.784" v="3036" actId="478"/>
-          <ac:cxnSpMkLst>
-            <pc:docMk/>
-            <pc:sldMk cId="840078680" sldId="259"/>
-            <ac:cxnSpMk id="52" creationId="{80AAD0DE-DCAB-BF21-660E-0A3B5095F6FE}"/>
-          </ac:cxnSpMkLst>
-        </pc:cxnChg>
-        <pc:cxnChg chg="add del mod">
-          <ac:chgData name="Tobias Stadtfeld" userId="7e695269987144e5" providerId="LiveId" clId="{055BA477-D279-4748-ADB5-E1B4BBCA5B92}" dt="2024-11-22T07:48:06.017" v="3035" actId="478"/>
-          <ac:cxnSpMkLst>
-            <pc:docMk/>
-            <pc:sldMk cId="840078680" sldId="259"/>
-            <ac:cxnSpMk id="55" creationId="{6BA42776-97CC-2475-E795-4ACE75036BF8}"/>
-          </ac:cxnSpMkLst>
-        </pc:cxnChg>
-        <pc:cxnChg chg="add del">
-          <ac:chgData name="Tobias Stadtfeld" userId="7e695269987144e5" providerId="LiveId" clId="{055BA477-D279-4748-ADB5-E1B4BBCA5B92}" dt="2024-11-22T07:14:59.701" v="2726" actId="26606"/>
-          <ac:cxnSpMkLst>
-            <pc:docMk/>
-            <pc:sldMk cId="840078680" sldId="259"/>
-            <ac:cxnSpMk id="1042" creationId="{EEA38897-7BA3-4408-8083-3235339C4A60}"/>
-          </ac:cxnSpMkLst>
-        </pc:cxnChg>
-        <pc:cxnChg chg="add del">
-          <ac:chgData name="Tobias Stadtfeld" userId="7e695269987144e5" providerId="LiveId" clId="{055BA477-D279-4748-ADB5-E1B4BBCA5B92}" dt="2024-11-22T07:14:59.701" v="2726" actId="26606"/>
-          <ac:cxnSpMkLst>
-            <pc:docMk/>
-            <pc:sldMk cId="840078680" sldId="259"/>
-            <ac:cxnSpMk id="1044" creationId="{F11AD06B-AB20-4097-8606-5DA00DBACE88}"/>
-          </ac:cxnSpMkLst>
-        </pc:cxnChg>
-        <pc:cxnChg chg="add del">
-          <ac:chgData name="Tobias Stadtfeld" userId="7e695269987144e5" providerId="LiveId" clId="{055BA477-D279-4748-ADB5-E1B4BBCA5B92}" dt="2024-11-22T07:15:06.595" v="2730" actId="26606"/>
-          <ac:cxnSpMkLst>
-            <pc:docMk/>
-            <pc:sldMk cId="840078680" sldId="259"/>
-            <ac:cxnSpMk id="1048" creationId="{49CD1692-827B-4C8D-B4A1-134FD04CF45C}"/>
-          </ac:cxnSpMkLst>
-        </pc:cxnChg>
       </pc:sldChg>
       <pc:sldChg chg="addSp delSp modSp new mod">
         <pc:chgData name="Tobias Stadtfeld" userId="7e695269987144e5" providerId="LiveId" clId="{055BA477-D279-4748-ADB5-E1B4BBCA5B92}" dt="2024-11-23T11:36:50.926" v="3086" actId="1076"/>
@@ -1481,22 +865,6 @@
           <pc:docMk/>
           <pc:sldMk cId="3962241421" sldId="260"/>
         </pc:sldMkLst>
-        <pc:spChg chg="del">
-          <ac:chgData name="Tobias Stadtfeld" userId="7e695269987144e5" providerId="LiveId" clId="{055BA477-D279-4748-ADB5-E1B4BBCA5B92}" dt="2024-11-23T11:33:58.380" v="3058" actId="478"/>
-          <ac:spMkLst>
-            <pc:docMk/>
-            <pc:sldMk cId="3962241421" sldId="260"/>
-            <ac:spMk id="2" creationId="{01E632BD-5138-64CF-DB4B-1A285177D52D}"/>
-          </ac:spMkLst>
-        </pc:spChg>
-        <pc:spChg chg="del">
-          <ac:chgData name="Tobias Stadtfeld" userId="7e695269987144e5" providerId="LiveId" clId="{055BA477-D279-4748-ADB5-E1B4BBCA5B92}" dt="2024-11-23T11:33:56.340" v="3057" actId="478"/>
-          <ac:spMkLst>
-            <pc:docMk/>
-            <pc:sldMk cId="3962241421" sldId="260"/>
-            <ac:spMk id="3" creationId="{EBCE412B-6F68-BAE7-6DC7-E5732D7B88A3}"/>
-          </ac:spMkLst>
-        </pc:spChg>
         <pc:spChg chg="add mod">
           <ac:chgData name="Tobias Stadtfeld" userId="7e695269987144e5" providerId="LiveId" clId="{055BA477-D279-4748-ADB5-E1B4BBCA5B92}" dt="2024-11-23T11:36:50.926" v="3086" actId="1076"/>
           <ac:spMkLst>
@@ -1850,7 +1218,7 @@
           <a:p>
             <a:fld id="{4B7C8FB9-FAD6-4748-B71C-FAE8C47BD55A}" type="datetimeFigureOut">
               <a:rPr lang="en-US" smtClean="0"/>
-              <a:t>11/23/2024</a:t>
+              <a:t>12/9/2024</a:t>
             </a:fld>
             <a:endParaRPr lang="en-US"/>
           </a:p>
@@ -2441,7 +1809,7 @@
           <a:p>
             <a:fld id="{5DF6A792-334E-478A-AAEA-36BB888C9834}" type="datetimeFigureOut">
               <a:rPr lang="en-US" smtClean="0"/>
-              <a:t>11/23/2024</a:t>
+              <a:t>12/9/2024</a:t>
             </a:fld>
             <a:endParaRPr lang="en-US"/>
           </a:p>
@@ -2611,7 +1979,7 @@
           <a:p>
             <a:fld id="{5DF6A792-334E-478A-AAEA-36BB888C9834}" type="datetimeFigureOut">
               <a:rPr lang="en-US" smtClean="0"/>
-              <a:t>11/23/2024</a:t>
+              <a:t>12/9/2024</a:t>
             </a:fld>
             <a:endParaRPr lang="en-US"/>
           </a:p>
@@ -2791,7 +2159,7 @@
           <a:p>
             <a:fld id="{5DF6A792-334E-478A-AAEA-36BB888C9834}" type="datetimeFigureOut">
               <a:rPr lang="en-US" smtClean="0"/>
-              <a:t>11/23/2024</a:t>
+              <a:t>12/9/2024</a:t>
             </a:fld>
             <a:endParaRPr lang="en-US"/>
           </a:p>
@@ -2961,7 +2329,7 @@
           <a:p>
             <a:fld id="{5DF6A792-334E-478A-AAEA-36BB888C9834}" type="datetimeFigureOut">
               <a:rPr lang="en-US" smtClean="0"/>
-              <a:t>11/23/2024</a:t>
+              <a:t>12/9/2024</a:t>
             </a:fld>
             <a:endParaRPr lang="en-US"/>
           </a:p>
@@ -3207,7 +2575,7 @@
           <a:p>
             <a:fld id="{5DF6A792-334E-478A-AAEA-36BB888C9834}" type="datetimeFigureOut">
               <a:rPr lang="en-US" smtClean="0"/>
-              <a:t>11/23/2024</a:t>
+              <a:t>12/9/2024</a:t>
             </a:fld>
             <a:endParaRPr lang="en-US"/>
           </a:p>
@@ -3439,7 +2807,7 @@
           <a:p>
             <a:fld id="{5DF6A792-334E-478A-AAEA-36BB888C9834}" type="datetimeFigureOut">
               <a:rPr lang="en-US" smtClean="0"/>
-              <a:t>11/23/2024</a:t>
+              <a:t>12/9/2024</a:t>
             </a:fld>
             <a:endParaRPr lang="en-US"/>
           </a:p>
@@ -3806,7 +3174,7 @@
           <a:p>
             <a:fld id="{5DF6A792-334E-478A-AAEA-36BB888C9834}" type="datetimeFigureOut">
               <a:rPr lang="en-US" smtClean="0"/>
-              <a:t>11/23/2024</a:t>
+              <a:t>12/9/2024</a:t>
             </a:fld>
             <a:endParaRPr lang="en-US"/>
           </a:p>
@@ -3924,7 +3292,7 @@
           <a:p>
             <a:fld id="{5DF6A792-334E-478A-AAEA-36BB888C9834}" type="datetimeFigureOut">
               <a:rPr lang="en-US" smtClean="0"/>
-              <a:t>11/23/2024</a:t>
+              <a:t>12/9/2024</a:t>
             </a:fld>
             <a:endParaRPr lang="en-US"/>
           </a:p>
@@ -4019,7 +3387,7 @@
           <a:p>
             <a:fld id="{5DF6A792-334E-478A-AAEA-36BB888C9834}" type="datetimeFigureOut">
               <a:rPr lang="en-US" smtClean="0"/>
-              <a:t>11/23/2024</a:t>
+              <a:t>12/9/2024</a:t>
             </a:fld>
             <a:endParaRPr lang="en-US"/>
           </a:p>
@@ -4296,7 +3664,7 @@
           <a:p>
             <a:fld id="{5DF6A792-334E-478A-AAEA-36BB888C9834}" type="datetimeFigureOut">
               <a:rPr lang="en-US" smtClean="0"/>
-              <a:t>11/23/2024</a:t>
+              <a:t>12/9/2024</a:t>
             </a:fld>
             <a:endParaRPr lang="en-US"/>
           </a:p>
@@ -4553,7 +3921,7 @@
           <a:p>
             <a:fld id="{5DF6A792-334E-478A-AAEA-36BB888C9834}" type="datetimeFigureOut">
               <a:rPr lang="en-US" smtClean="0"/>
-              <a:t>11/23/2024</a:t>
+              <a:t>12/9/2024</a:t>
             </a:fld>
             <a:endParaRPr lang="en-US"/>
           </a:p>
@@ -4766,7 +4134,7 @@
           <a:p>
             <a:fld id="{5DF6A792-334E-478A-AAEA-36BB888C9834}" type="datetimeFigureOut">
               <a:rPr lang="en-US" smtClean="0"/>
-              <a:t>11/23/2024</a:t>
+              <a:t>12/9/2024</a:t>
             </a:fld>
             <a:endParaRPr lang="en-US"/>
           </a:p>
@@ -5461,15 +4829,15 @@
             <a:r>
               <a:rPr lang="de-DE" sz="1600" dirty="0">
                 <a:solidFill>
-                  <a:schemeClr val="bg1"/>
+                  <a:srgbClr val="92D050"/>
                 </a:solidFill>
               </a:rPr>
-              <a:t>ALPHA (</a:t>
+              <a:t>ALPHA/QUANTUM FLUCTUATIONS (</a:t>
             </a:r>
             <a:r>
               <a:rPr lang="de-DE" sz="1600" dirty="0" err="1">
                 <a:solidFill>
-                  <a:schemeClr val="bg1"/>
+                  <a:srgbClr val="92D050"/>
                 </a:solidFill>
               </a:rPr>
               <a:t>vacuum</a:t>
@@ -5477,7 +4845,7 @@
             <a:r>
               <a:rPr lang="de-DE" sz="1600" dirty="0">
                 <a:solidFill>
-                  <a:schemeClr val="bg1"/>
+                  <a:srgbClr val="92D050"/>
                 </a:solidFill>
               </a:rPr>
               <a:t> </a:t>
@@ -5485,7 +4853,7 @@
             <a:r>
               <a:rPr lang="de-DE" sz="1600" dirty="0" err="1">
                 <a:solidFill>
-                  <a:schemeClr val="bg1"/>
+                  <a:srgbClr val="92D050"/>
                 </a:solidFill>
               </a:rPr>
               <a:t>state</a:t>
@@ -5493,7 +4861,7 @@
             <a:r>
               <a:rPr lang="de-DE" sz="1600" dirty="0">
                 <a:solidFill>
-                  <a:schemeClr val="bg1"/>
+                  <a:srgbClr val="92D050"/>
                 </a:solidFill>
               </a:rPr>
               <a:t> </a:t>
@@ -5501,7 +4869,7 @@
             <a:r>
               <a:rPr lang="de-DE" sz="1600" dirty="0" err="1">
                 <a:solidFill>
-                  <a:schemeClr val="bg1"/>
+                  <a:srgbClr val="92D050"/>
                 </a:solidFill>
               </a:rPr>
               <a:t>fluctuation</a:t>
@@ -5509,7 +4877,7 @@
             <a:r>
               <a:rPr lang="de-DE" sz="1600" dirty="0">
                 <a:solidFill>
-                  <a:schemeClr val="bg1"/>
+                  <a:srgbClr val="92D050"/>
                 </a:solidFill>
               </a:rPr>
               <a:t>) </a:t>
@@ -5519,7 +4887,7 @@
             <a:r>
               <a:rPr lang="de-DE" sz="1600" dirty="0">
                 <a:solidFill>
-                  <a:schemeClr val="bg1"/>
+                  <a:srgbClr val="92D050"/>
                 </a:solidFill>
               </a:rPr>
               <a:t>Das maximal unendliche und allumfassende Bewusstseinsfeld.</a:t>
@@ -5529,14 +4897,14 @@
             <a:r>
               <a:rPr lang="de-DE" sz="1600" dirty="0">
                 <a:solidFill>
-                  <a:schemeClr val="bg1"/>
+                  <a:srgbClr val="92D050"/>
                 </a:solidFill>
               </a:rPr>
               <a:t>Alles hier drin ist ein Teil von GOTT. (Entropie &amp; Chaos?)</a:t>
             </a:r>
             <a:endParaRPr lang="en-US" sz="1600" dirty="0">
               <a:solidFill>
-                <a:schemeClr val="bg1"/>
+                <a:srgbClr val="92D050"/>
               </a:solidFill>
             </a:endParaRPr>
           </a:p>
@@ -6824,10 +6192,10 @@
             <a:r>
               <a:rPr lang="de-DE" sz="1600" dirty="0">
                 <a:solidFill>
-                  <a:schemeClr val="bg1"/>
+                  <a:srgbClr val="92D050"/>
                 </a:solidFill>
               </a:rPr>
-              <a:t>PROTO-SUBSTRATE ist das fundamentale Grundsubtrat aus dem alles andere zusammengesetzt ist.</a:t>
+              <a:t>QUANTUM VACUUM/PROTO-SUBSTRATE ist das fundamentale Grundsubtrat aus dem alles andere zusammengesetzt ist.</a:t>
             </a:r>
           </a:p>
         </p:txBody>
@@ -7044,14 +6412,15 @@
           <a:prstGeom prst="ellipse">
             <a:avLst/>
           </a:prstGeom>
-          <a:solidFill>
-            <a:srgbClr val="B4E5A2"/>
-          </a:solidFill>
+          <a:blipFill>
+            <a:blip r:embed="rId3"/>
+            <a:tile tx="0" ty="0" sx="100000" sy="100000" flip="none" algn="tl"/>
+          </a:blipFill>
           <a:ln w="76200">
             <a:solidFill>
               <a:srgbClr val="00FE85"/>
             </a:solidFill>
-            <a:prstDash val="solid"/>
+            <a:prstDash val="sysDot"/>
           </a:ln>
         </p:spPr>
         <p:style>
@@ -7099,9 +6468,10 @@
           <a:prstGeom prst="ellipse">
             <a:avLst/>
           </a:prstGeom>
-          <a:solidFill>
-            <a:srgbClr val="FCFF81"/>
-          </a:solidFill>
+          <a:blipFill>
+            <a:blip r:embed="rId4"/>
+            <a:tile tx="0" ty="0" sx="100000" sy="100000" flip="none" algn="tl"/>
+          </a:blipFill>
           <a:ln w="76200">
             <a:solidFill>
               <a:schemeClr val="bg1">
@@ -7693,8 +7063,8 @@
         </p:nvCxnSpPr>
         <p:spPr>
           <a:xfrm flipH="1">
-            <a:off x="6056812" y="932585"/>
-            <a:ext cx="1218684" cy="1110585"/>
+            <a:off x="6056812" y="1209584"/>
+            <a:ext cx="1218684" cy="833586"/>
           </a:xfrm>
           <a:prstGeom prst="straightConnector1">
             <a:avLst/>
@@ -7741,8 +7111,8 @@
         </p:nvCxnSpPr>
         <p:spPr>
           <a:xfrm flipH="1">
-            <a:off x="9582356" y="2002260"/>
-            <a:ext cx="1624315" cy="851007"/>
+            <a:off x="9582356" y="2556258"/>
+            <a:ext cx="1624315" cy="297009"/>
           </a:xfrm>
           <a:prstGeom prst="straightConnector1">
             <a:avLst/>
@@ -7787,7 +7157,7 @@
         <p:spPr>
           <a:xfrm>
             <a:off x="5570118" y="286254"/>
-            <a:ext cx="3410755" cy="646331"/>
+            <a:ext cx="3410755" cy="923330"/>
           </a:xfrm>
           <a:prstGeom prst="rect">
             <a:avLst/>
@@ -7802,27 +7172,27 @@
           <a:p>
             <a:pPr algn="ctr"/>
             <a:r>
-              <a:rPr lang="de-DE" dirty="0">
+              <a:rPr lang="de-DE" sz="1800" dirty="0">
                 <a:solidFill>
-                  <a:schemeClr val="bg1"/>
+                  <a:srgbClr val="92D050"/>
                 </a:solidFill>
               </a:rPr>
-              <a:t>Quantenfeld in Superposition</a:t>
+              <a:t>QUANTUM VACUUM/PROTO-SUBSTRATE</a:t>
             </a:r>
             <a:br>
-              <a:rPr lang="de-DE" dirty="0">
+              <a:rPr lang="de-DE" sz="1800" dirty="0">
                 <a:solidFill>
-                  <a:schemeClr val="bg1"/>
+                  <a:srgbClr val="92D050"/>
                 </a:solidFill>
               </a:rPr>
             </a:br>
             <a:r>
-              <a:rPr lang="de-DE" dirty="0">
+              <a:rPr lang="de-DE" sz="1800" dirty="0">
                 <a:solidFill>
-                  <a:schemeClr val="bg1"/>
+                  <a:srgbClr val="92D050"/>
                 </a:solidFill>
               </a:rPr>
-              <a:t>(Proto-Substrate)</a:t>
+              <a:t>(Energie)</a:t>
             </a:r>
             <a:endParaRPr lang="en-US" dirty="0">
               <a:solidFill>
@@ -7972,7 +7342,7 @@
         <p:spPr>
           <a:xfrm>
             <a:off x="10160730" y="1355929"/>
-            <a:ext cx="2091882" cy="646331"/>
+            <a:ext cx="2091882" cy="1200329"/>
           </a:xfrm>
           <a:prstGeom prst="rect">
             <a:avLst/>
@@ -7987,44 +7357,51 @@
           <a:p>
             <a:pPr algn="ctr"/>
             <a:r>
-              <a:rPr lang="de-DE" dirty="0">
+              <a:rPr lang="de-DE" sz="1800" dirty="0">
                 <a:solidFill>
-                  <a:schemeClr val="bg1"/>
+                  <a:srgbClr val="92D050"/>
                 </a:solidFill>
               </a:rPr>
-              <a:t>Alpha</a:t>
-            </a:r>
-            <a:endParaRPr lang="en-US" dirty="0">
-              <a:solidFill>
-                <a:schemeClr val="bg1"/>
-              </a:solidFill>
-            </a:endParaRPr>
-          </a:p>
-          <a:p>
-            <a:pPr algn="ctr"/>
+              <a:t>ALPHA/QUANTUM FLUCTUATIONS</a:t>
+            </a:r>
+            <a:br>
+              <a:rPr lang="de-DE" sz="1800" dirty="0">
+                <a:solidFill>
+                  <a:srgbClr val="92D050"/>
+                </a:solidFill>
+              </a:rPr>
+            </a:br>
+            <a:r>
+              <a:rPr lang="de-DE" sz="1800" dirty="0">
+                <a:solidFill>
+                  <a:srgbClr val="92D050"/>
+                </a:solidFill>
+              </a:rPr>
+              <a:t>(Information/</a:t>
+            </a:r>
             <a:r>
               <a:rPr lang="en-US" dirty="0">
                 <a:solidFill>
                   <a:schemeClr val="bg1"/>
                 </a:solidFill>
               </a:rPr>
-              <a:t>(</a:t>
+              <a:t> </a:t>
             </a:r>
             <a:r>
               <a:rPr lang="en-US" dirty="0" err="1">
                 <a:solidFill>
-                  <a:schemeClr val="bg1"/>
+                  <a:srgbClr val="92D050"/>
                 </a:solidFill>
               </a:rPr>
               <a:t>Bewusstseinsfeld</a:t>
             </a:r>
             <a:r>
-              <a:rPr lang="en-US" dirty="0">
+              <a:rPr lang="de-DE" sz="1800" dirty="0">
                 <a:solidFill>
-                  <a:schemeClr val="bg1"/>
+                  <a:srgbClr val="92D050"/>
                 </a:solidFill>
               </a:rPr>
-              <a:t>) </a:t>
+              <a:t>)</a:t>
             </a:r>
             <a:endParaRPr lang="de-DE" dirty="0">
               <a:solidFill>

--- a/media/ideas/Alpha and Omega.pptx
+++ b/media/ideas/Alpha and Omega.pptx
@@ -5,13 +5,14 @@
     <p:sldMasterId id="2147483660" r:id="rId1"/>
   </p:sldMasterIdLst>
   <p:notesMasterIdLst>
-    <p:notesMasterId r:id="rId6"/>
+    <p:notesMasterId r:id="rId7"/>
   </p:notesMasterIdLst>
   <p:sldIdLst>
     <p:sldId id="256" r:id="rId2"/>
     <p:sldId id="258" r:id="rId3"/>
     <p:sldId id="259" r:id="rId4"/>
     <p:sldId id="260" r:id="rId5"/>
+    <p:sldId id="261" r:id="rId6"/>
   </p:sldIdLst>
   <p:sldSz cx="12192000" cy="6858000"/>
   <p:notesSz cx="6858000" cy="9144000"/>
@@ -121,7 +122,7 @@
 <file path=ppt/revisionInfo.xml><?xml version="1.0" encoding="utf-8"?>
 <p1510:revInfo xmlns:a="http://schemas.openxmlformats.org/drawingml/2006/main" xmlns:r="http://schemas.openxmlformats.org/officeDocument/2006/relationships" xmlns:p1510="http://schemas.microsoft.com/office/powerpoint/2015/10/main">
   <p1510:revLst>
-    <p1510:client id="{055BA477-D279-4748-ADB5-E1B4BBCA5B92}" v="106" dt="2024-11-23T11:33:59.528"/>
+    <p1510:client id="{B2A6FDF9-F23D-48C1-854B-5EE64592FED6}" v="7" dt="2025-01-07T13:32:20.674"/>
   </p1510:revLst>
 </p1510:revInfo>
 </file>
@@ -988,6 +989,134 @@
       </pc:sldChg>
     </pc:docChg>
   </pc:docChgLst>
+  <pc:docChgLst>
+    <pc:chgData name="Tobias Stadtfeld" userId="7e695269987144e5" providerId="LiveId" clId="{B2A6FDF9-F23D-48C1-854B-5EE64592FED6}"/>
+    <pc:docChg chg="custSel addSld modSld">
+      <pc:chgData name="Tobias Stadtfeld" userId="7e695269987144e5" providerId="LiveId" clId="{B2A6FDF9-F23D-48C1-854B-5EE64592FED6}" dt="2025-01-07T13:34:29.017" v="221" actId="20577"/>
+      <pc:docMkLst>
+        <pc:docMk/>
+      </pc:docMkLst>
+      <pc:sldChg chg="addSp delSp modSp new mod">
+        <pc:chgData name="Tobias Stadtfeld" userId="7e695269987144e5" providerId="LiveId" clId="{B2A6FDF9-F23D-48C1-854B-5EE64592FED6}" dt="2025-01-07T13:34:29.017" v="221" actId="20577"/>
+        <pc:sldMkLst>
+          <pc:docMk/>
+          <pc:sldMk cId="435037171" sldId="261"/>
+        </pc:sldMkLst>
+        <pc:spChg chg="del">
+          <ac:chgData name="Tobias Stadtfeld" userId="7e695269987144e5" providerId="LiveId" clId="{B2A6FDF9-F23D-48C1-854B-5EE64592FED6}" dt="2025-01-07T13:25:26.431" v="2" actId="478"/>
+          <ac:spMkLst>
+            <pc:docMk/>
+            <pc:sldMk cId="435037171" sldId="261"/>
+            <ac:spMk id="2" creationId="{401E489F-9997-6DB4-8E9C-9BD3C16B0A86}"/>
+          </ac:spMkLst>
+        </pc:spChg>
+        <pc:spChg chg="del">
+          <ac:chgData name="Tobias Stadtfeld" userId="7e695269987144e5" providerId="LiveId" clId="{B2A6FDF9-F23D-48C1-854B-5EE64592FED6}" dt="2025-01-07T13:25:25.119" v="1" actId="478"/>
+          <ac:spMkLst>
+            <pc:docMk/>
+            <pc:sldMk cId="435037171" sldId="261"/>
+            <ac:spMk id="3" creationId="{006D48AF-A421-1D00-9FCC-F172721D2A84}"/>
+          </ac:spMkLst>
+        </pc:spChg>
+        <pc:spChg chg="add mod">
+          <ac:chgData name="Tobias Stadtfeld" userId="7e695269987144e5" providerId="LiveId" clId="{B2A6FDF9-F23D-48C1-854B-5EE64592FED6}" dt="2025-01-07T13:32:14.054" v="200" actId="1076"/>
+          <ac:spMkLst>
+            <pc:docMk/>
+            <pc:sldMk cId="435037171" sldId="261"/>
+            <ac:spMk id="4" creationId="{2A9F9845-7627-D2DF-C00E-BF0575F69674}"/>
+          </ac:spMkLst>
+        </pc:spChg>
+        <pc:spChg chg="add mod">
+          <ac:chgData name="Tobias Stadtfeld" userId="7e695269987144e5" providerId="LiveId" clId="{B2A6FDF9-F23D-48C1-854B-5EE64592FED6}" dt="2025-01-07T13:32:14.054" v="200" actId="1076"/>
+          <ac:spMkLst>
+            <pc:docMk/>
+            <pc:sldMk cId="435037171" sldId="261"/>
+            <ac:spMk id="5" creationId="{FF150050-D784-A27E-78BC-200892399244}"/>
+          </ac:spMkLst>
+        </pc:spChg>
+        <pc:spChg chg="add mod">
+          <ac:chgData name="Tobias Stadtfeld" userId="7e695269987144e5" providerId="LiveId" clId="{B2A6FDF9-F23D-48C1-854B-5EE64592FED6}" dt="2025-01-07T13:32:14.054" v="200" actId="1076"/>
+          <ac:spMkLst>
+            <pc:docMk/>
+            <pc:sldMk cId="435037171" sldId="261"/>
+            <ac:spMk id="6" creationId="{C90CC78B-B214-96B7-C7D8-5EC5A84D1963}"/>
+          </ac:spMkLst>
+        </pc:spChg>
+        <pc:spChg chg="add mod">
+          <ac:chgData name="Tobias Stadtfeld" userId="7e695269987144e5" providerId="LiveId" clId="{B2A6FDF9-F23D-48C1-854B-5EE64592FED6}" dt="2025-01-07T13:32:14.054" v="200" actId="1076"/>
+          <ac:spMkLst>
+            <pc:docMk/>
+            <pc:sldMk cId="435037171" sldId="261"/>
+            <ac:spMk id="7" creationId="{1C1CD726-D00A-88A5-2E28-938885F5BB3A}"/>
+          </ac:spMkLst>
+        </pc:spChg>
+        <pc:spChg chg="add mod">
+          <ac:chgData name="Tobias Stadtfeld" userId="7e695269987144e5" providerId="LiveId" clId="{B2A6FDF9-F23D-48C1-854B-5EE64592FED6}" dt="2025-01-07T13:32:14.054" v="200" actId="1076"/>
+          <ac:spMkLst>
+            <pc:docMk/>
+            <pc:sldMk cId="435037171" sldId="261"/>
+            <ac:spMk id="20" creationId="{A14D726C-7FEB-6D54-52F2-E15D9A54A552}"/>
+          </ac:spMkLst>
+        </pc:spChg>
+        <pc:spChg chg="add mod">
+          <ac:chgData name="Tobias Stadtfeld" userId="7e695269987144e5" providerId="LiveId" clId="{B2A6FDF9-F23D-48C1-854B-5EE64592FED6}" dt="2025-01-07T13:34:29.017" v="221" actId="20577"/>
+          <ac:spMkLst>
+            <pc:docMk/>
+            <pc:sldMk cId="435037171" sldId="261"/>
+            <ac:spMk id="54" creationId="{90E89758-9A96-72F1-A134-FFC3AF2470B0}"/>
+          </ac:spMkLst>
+        </pc:spChg>
+        <pc:cxnChg chg="add mod">
+          <ac:chgData name="Tobias Stadtfeld" userId="7e695269987144e5" providerId="LiveId" clId="{B2A6FDF9-F23D-48C1-854B-5EE64592FED6}" dt="2025-01-07T13:32:14.054" v="200" actId="1076"/>
+          <ac:cxnSpMkLst>
+            <pc:docMk/>
+            <pc:sldMk cId="435037171" sldId="261"/>
+            <ac:cxnSpMk id="9" creationId="{27E5B415-55A2-D1FF-FE93-F02E6E3AB14B}"/>
+          </ac:cxnSpMkLst>
+        </pc:cxnChg>
+        <pc:cxnChg chg="add mod">
+          <ac:chgData name="Tobias Stadtfeld" userId="7e695269987144e5" providerId="LiveId" clId="{B2A6FDF9-F23D-48C1-854B-5EE64592FED6}" dt="2025-01-07T13:32:14.054" v="200" actId="1076"/>
+          <ac:cxnSpMkLst>
+            <pc:docMk/>
+            <pc:sldMk cId="435037171" sldId="261"/>
+            <ac:cxnSpMk id="10" creationId="{73D5F330-822A-244B-75BD-F81C270D6876}"/>
+          </ac:cxnSpMkLst>
+        </pc:cxnChg>
+        <pc:cxnChg chg="add mod">
+          <ac:chgData name="Tobias Stadtfeld" userId="7e695269987144e5" providerId="LiveId" clId="{B2A6FDF9-F23D-48C1-854B-5EE64592FED6}" dt="2025-01-07T13:32:14.054" v="200" actId="1076"/>
+          <ac:cxnSpMkLst>
+            <pc:docMk/>
+            <pc:sldMk cId="435037171" sldId="261"/>
+            <ac:cxnSpMk id="13" creationId="{E2B10225-C0EC-4EA0-D1F4-D8B303751169}"/>
+          </ac:cxnSpMkLst>
+        </pc:cxnChg>
+        <pc:cxnChg chg="add del mod">
+          <ac:chgData name="Tobias Stadtfeld" userId="7e695269987144e5" providerId="LiveId" clId="{B2A6FDF9-F23D-48C1-854B-5EE64592FED6}" dt="2025-01-07T13:30:27.849" v="144" actId="478"/>
+          <ac:cxnSpMkLst>
+            <pc:docMk/>
+            <pc:sldMk cId="435037171" sldId="261"/>
+            <ac:cxnSpMk id="17" creationId="{BACAD6A1-A8D2-ECE7-D649-E4E4BFFDC784}"/>
+          </ac:cxnSpMkLst>
+        </pc:cxnChg>
+        <pc:cxnChg chg="add mod">
+          <ac:chgData name="Tobias Stadtfeld" userId="7e695269987144e5" providerId="LiveId" clId="{B2A6FDF9-F23D-48C1-854B-5EE64592FED6}" dt="2025-01-07T13:32:14.054" v="200" actId="1076"/>
+          <ac:cxnSpMkLst>
+            <pc:docMk/>
+            <pc:sldMk cId="435037171" sldId="261"/>
+            <ac:cxnSpMk id="49" creationId="{01C69289-4002-7D99-C9AB-7BEBB26630D6}"/>
+          </ac:cxnSpMkLst>
+        </pc:cxnChg>
+        <pc:cxnChg chg="add mod">
+          <ac:chgData name="Tobias Stadtfeld" userId="7e695269987144e5" providerId="LiveId" clId="{B2A6FDF9-F23D-48C1-854B-5EE64592FED6}" dt="2025-01-07T13:32:28.147" v="205" actId="14100"/>
+          <ac:cxnSpMkLst>
+            <pc:docMk/>
+            <pc:sldMk cId="435037171" sldId="261"/>
+            <ac:cxnSpMk id="55" creationId="{3D892478-FBEB-3271-B8E2-7C026A6BEACD}"/>
+          </ac:cxnSpMkLst>
+        </pc:cxnChg>
+      </pc:sldChg>
+    </pc:docChg>
+  </pc:docChgLst>
 </pc:chgInfo>
 </file>
 
@@ -1218,7 +1347,7 @@
           <a:p>
             <a:fld id="{4B7C8FB9-FAD6-4748-B71C-FAE8C47BD55A}" type="datetimeFigureOut">
               <a:rPr lang="en-US" smtClean="0"/>
-              <a:t>12/9/2024</a:t>
+              <a:t>1/7/2025</a:t>
             </a:fld>
             <a:endParaRPr lang="en-US"/>
           </a:p>
@@ -1809,7 +1938,7 @@
           <a:p>
             <a:fld id="{5DF6A792-334E-478A-AAEA-36BB888C9834}" type="datetimeFigureOut">
               <a:rPr lang="en-US" smtClean="0"/>
-              <a:t>12/9/2024</a:t>
+              <a:t>1/7/2025</a:t>
             </a:fld>
             <a:endParaRPr lang="en-US"/>
           </a:p>
@@ -1979,7 +2108,7 @@
           <a:p>
             <a:fld id="{5DF6A792-334E-478A-AAEA-36BB888C9834}" type="datetimeFigureOut">
               <a:rPr lang="en-US" smtClean="0"/>
-              <a:t>12/9/2024</a:t>
+              <a:t>1/7/2025</a:t>
             </a:fld>
             <a:endParaRPr lang="en-US"/>
           </a:p>
@@ -2159,7 +2288,7 @@
           <a:p>
             <a:fld id="{5DF6A792-334E-478A-AAEA-36BB888C9834}" type="datetimeFigureOut">
               <a:rPr lang="en-US" smtClean="0"/>
-              <a:t>12/9/2024</a:t>
+              <a:t>1/7/2025</a:t>
             </a:fld>
             <a:endParaRPr lang="en-US"/>
           </a:p>
@@ -2329,7 +2458,7 @@
           <a:p>
             <a:fld id="{5DF6A792-334E-478A-AAEA-36BB888C9834}" type="datetimeFigureOut">
               <a:rPr lang="en-US" smtClean="0"/>
-              <a:t>12/9/2024</a:t>
+              <a:t>1/7/2025</a:t>
             </a:fld>
             <a:endParaRPr lang="en-US"/>
           </a:p>
@@ -2575,7 +2704,7 @@
           <a:p>
             <a:fld id="{5DF6A792-334E-478A-AAEA-36BB888C9834}" type="datetimeFigureOut">
               <a:rPr lang="en-US" smtClean="0"/>
-              <a:t>12/9/2024</a:t>
+              <a:t>1/7/2025</a:t>
             </a:fld>
             <a:endParaRPr lang="en-US"/>
           </a:p>
@@ -2807,7 +2936,7 @@
           <a:p>
             <a:fld id="{5DF6A792-334E-478A-AAEA-36BB888C9834}" type="datetimeFigureOut">
               <a:rPr lang="en-US" smtClean="0"/>
-              <a:t>12/9/2024</a:t>
+              <a:t>1/7/2025</a:t>
             </a:fld>
             <a:endParaRPr lang="en-US"/>
           </a:p>
@@ -3174,7 +3303,7 @@
           <a:p>
             <a:fld id="{5DF6A792-334E-478A-AAEA-36BB888C9834}" type="datetimeFigureOut">
               <a:rPr lang="en-US" smtClean="0"/>
-              <a:t>12/9/2024</a:t>
+              <a:t>1/7/2025</a:t>
             </a:fld>
             <a:endParaRPr lang="en-US"/>
           </a:p>
@@ -3292,7 +3421,7 @@
           <a:p>
             <a:fld id="{5DF6A792-334E-478A-AAEA-36BB888C9834}" type="datetimeFigureOut">
               <a:rPr lang="en-US" smtClean="0"/>
-              <a:t>12/9/2024</a:t>
+              <a:t>1/7/2025</a:t>
             </a:fld>
             <a:endParaRPr lang="en-US"/>
           </a:p>
@@ -3387,7 +3516,7 @@
           <a:p>
             <a:fld id="{5DF6A792-334E-478A-AAEA-36BB888C9834}" type="datetimeFigureOut">
               <a:rPr lang="en-US" smtClean="0"/>
-              <a:t>12/9/2024</a:t>
+              <a:t>1/7/2025</a:t>
             </a:fld>
             <a:endParaRPr lang="en-US"/>
           </a:p>
@@ -3664,7 +3793,7 @@
           <a:p>
             <a:fld id="{5DF6A792-334E-478A-AAEA-36BB888C9834}" type="datetimeFigureOut">
               <a:rPr lang="en-US" smtClean="0"/>
-              <a:t>12/9/2024</a:t>
+              <a:t>1/7/2025</a:t>
             </a:fld>
             <a:endParaRPr lang="en-US"/>
           </a:p>
@@ -3921,7 +4050,7 @@
           <a:p>
             <a:fld id="{5DF6A792-334E-478A-AAEA-36BB888C9834}" type="datetimeFigureOut">
               <a:rPr lang="en-US" smtClean="0"/>
-              <a:t>12/9/2024</a:t>
+              <a:t>1/7/2025</a:t>
             </a:fld>
             <a:endParaRPr lang="en-US"/>
           </a:p>
@@ -4134,7 +4263,7 @@
           <a:p>
             <a:fld id="{5DF6A792-334E-478A-AAEA-36BB888C9834}" type="datetimeFigureOut">
               <a:rPr lang="en-US" smtClean="0"/>
-              <a:t>12/9/2024</a:t>
+              <a:t>1/7/2025</a:t>
             </a:fld>
             <a:endParaRPr lang="en-US"/>
           </a:p>
@@ -10387,6 +10516,553 @@
     <p:extLst>
       <p:ext uri="{BB962C8B-B14F-4D97-AF65-F5344CB8AC3E}">
         <p14:creationId xmlns:p14="http://schemas.microsoft.com/office/powerpoint/2010/main" val="3962241421"/>
+      </p:ext>
+    </p:extLst>
+  </p:cSld>
+  <p:clrMapOvr>
+    <a:masterClrMapping/>
+  </p:clrMapOvr>
+</p:sld>
+</file>
+
+<file path=ppt/slides/slide5.xml><?xml version="1.0" encoding="utf-8"?>
+<p:sld xmlns:a="http://schemas.openxmlformats.org/drawingml/2006/main" xmlns:r="http://schemas.openxmlformats.org/officeDocument/2006/relationships" xmlns:p="http://schemas.openxmlformats.org/presentationml/2006/main">
+  <p:cSld>
+    <p:spTree>
+      <p:nvGrpSpPr>
+        <p:cNvPr id="1" name=""/>
+        <p:cNvGrpSpPr/>
+        <p:nvPr/>
+      </p:nvGrpSpPr>
+      <p:grpSpPr>
+        <a:xfrm>
+          <a:off x="0" y="0"/>
+          <a:ext cx="0" cy="0"/>
+          <a:chOff x="0" y="0"/>
+          <a:chExt cx="0" cy="0"/>
+        </a:xfrm>
+      </p:grpSpPr>
+      <p:sp>
+        <p:nvSpPr>
+          <p:cNvPr id="4" name="Rechteck 3">
+            <a:extLst>
+              <a:ext uri="{FF2B5EF4-FFF2-40B4-BE49-F238E27FC236}">
+                <a16:creationId xmlns:a16="http://schemas.microsoft.com/office/drawing/2014/main" id="{2A9F9845-7627-D2DF-C00E-BF0575F69674}"/>
+              </a:ext>
+            </a:extLst>
+          </p:cNvPr>
+          <p:cNvSpPr/>
+          <p:nvPr/>
+        </p:nvSpPr>
+        <p:spPr>
+          <a:xfrm>
+            <a:off x="334162" y="4715068"/>
+            <a:ext cx="3101241" cy="631371"/>
+          </a:xfrm>
+          <a:prstGeom prst="rect">
+            <a:avLst/>
+          </a:prstGeom>
+        </p:spPr>
+        <p:style>
+          <a:lnRef idx="2">
+            <a:schemeClr val="accent1">
+              <a:shade val="15000"/>
+            </a:schemeClr>
+          </a:lnRef>
+          <a:fillRef idx="1">
+            <a:schemeClr val="accent1"/>
+          </a:fillRef>
+          <a:effectRef idx="0">
+            <a:schemeClr val="accent1"/>
+          </a:effectRef>
+          <a:fontRef idx="minor">
+            <a:schemeClr val="lt1"/>
+          </a:fontRef>
+        </p:style>
+        <p:txBody>
+          <a:bodyPr rtlCol="0" anchor="ctr"/>
+          <a:lstStyle/>
+          <a:p>
+            <a:pPr algn="ctr"/>
+            <a:r>
+              <a:rPr lang="de-DE" dirty="0"/>
+              <a:t>Materie</a:t>
+            </a:r>
+          </a:p>
+        </p:txBody>
+      </p:sp>
+      <p:sp>
+        <p:nvSpPr>
+          <p:cNvPr id="5" name="Rechteck 4">
+            <a:extLst>
+              <a:ext uri="{FF2B5EF4-FFF2-40B4-BE49-F238E27FC236}">
+                <a16:creationId xmlns:a16="http://schemas.microsoft.com/office/drawing/2014/main" id="{FF150050-D784-A27E-78BC-200892399244}"/>
+              </a:ext>
+            </a:extLst>
+          </p:cNvPr>
+          <p:cNvSpPr/>
+          <p:nvPr/>
+        </p:nvSpPr>
+        <p:spPr>
+          <a:xfrm>
+            <a:off x="334162" y="3579846"/>
+            <a:ext cx="3101241" cy="631371"/>
+          </a:xfrm>
+          <a:prstGeom prst="rect">
+            <a:avLst/>
+          </a:prstGeom>
+        </p:spPr>
+        <p:style>
+          <a:lnRef idx="2">
+            <a:schemeClr val="accent1">
+              <a:shade val="15000"/>
+            </a:schemeClr>
+          </a:lnRef>
+          <a:fillRef idx="1">
+            <a:schemeClr val="accent1"/>
+          </a:fillRef>
+          <a:effectRef idx="0">
+            <a:schemeClr val="accent1"/>
+          </a:effectRef>
+          <a:fontRef idx="minor">
+            <a:schemeClr val="lt1"/>
+          </a:fontRef>
+        </p:style>
+        <p:txBody>
+          <a:bodyPr rtlCol="0" anchor="ctr"/>
+          <a:lstStyle/>
+          <a:p>
+            <a:pPr algn="ctr"/>
+            <a:r>
+              <a:rPr lang="de-DE" dirty="0" err="1"/>
+              <a:t>Automaton</a:t>
+            </a:r>
+            <a:endParaRPr lang="de-DE" dirty="0"/>
+          </a:p>
+        </p:txBody>
+      </p:sp>
+      <p:sp>
+        <p:nvSpPr>
+          <p:cNvPr id="6" name="Rechteck 5">
+            <a:extLst>
+              <a:ext uri="{FF2B5EF4-FFF2-40B4-BE49-F238E27FC236}">
+                <a16:creationId xmlns:a16="http://schemas.microsoft.com/office/drawing/2014/main" id="{C90CC78B-B214-96B7-C7D8-5EC5A84D1963}"/>
+              </a:ext>
+            </a:extLst>
+          </p:cNvPr>
+          <p:cNvSpPr/>
+          <p:nvPr/>
+        </p:nvSpPr>
+        <p:spPr>
+          <a:xfrm>
+            <a:off x="334162" y="2444624"/>
+            <a:ext cx="3101241" cy="631371"/>
+          </a:xfrm>
+          <a:prstGeom prst="rect">
+            <a:avLst/>
+          </a:prstGeom>
+        </p:spPr>
+        <p:style>
+          <a:lnRef idx="2">
+            <a:schemeClr val="accent1">
+              <a:shade val="15000"/>
+            </a:schemeClr>
+          </a:lnRef>
+          <a:fillRef idx="1">
+            <a:schemeClr val="accent1"/>
+          </a:fillRef>
+          <a:effectRef idx="0">
+            <a:schemeClr val="accent1"/>
+          </a:effectRef>
+          <a:fontRef idx="minor">
+            <a:schemeClr val="lt1"/>
+          </a:fontRef>
+        </p:style>
+        <p:txBody>
+          <a:bodyPr rtlCol="0" anchor="ctr"/>
+          <a:lstStyle/>
+          <a:p>
+            <a:pPr algn="ctr"/>
+            <a:r>
+              <a:rPr lang="de-DE" dirty="0"/>
+              <a:t>Entscheidungsmöglichkeiten</a:t>
+            </a:r>
+          </a:p>
+        </p:txBody>
+      </p:sp>
+      <p:sp>
+        <p:nvSpPr>
+          <p:cNvPr id="7" name="Rechteck 6">
+            <a:extLst>
+              <a:ext uri="{FF2B5EF4-FFF2-40B4-BE49-F238E27FC236}">
+                <a16:creationId xmlns:a16="http://schemas.microsoft.com/office/drawing/2014/main" id="{1C1CD726-D00A-88A5-2E28-938885F5BB3A}"/>
+              </a:ext>
+            </a:extLst>
+          </p:cNvPr>
+          <p:cNvSpPr/>
+          <p:nvPr/>
+        </p:nvSpPr>
+        <p:spPr>
+          <a:xfrm>
+            <a:off x="334161" y="1309402"/>
+            <a:ext cx="3101241" cy="631371"/>
+          </a:xfrm>
+          <a:prstGeom prst="rect">
+            <a:avLst/>
+          </a:prstGeom>
+        </p:spPr>
+        <p:style>
+          <a:lnRef idx="2">
+            <a:schemeClr val="accent1">
+              <a:shade val="15000"/>
+            </a:schemeClr>
+          </a:lnRef>
+          <a:fillRef idx="1">
+            <a:schemeClr val="accent1"/>
+          </a:fillRef>
+          <a:effectRef idx="0">
+            <a:schemeClr val="accent1"/>
+          </a:effectRef>
+          <a:fontRef idx="minor">
+            <a:schemeClr val="lt1"/>
+          </a:fontRef>
+        </p:style>
+        <p:txBody>
+          <a:bodyPr rtlCol="0" anchor="ctr"/>
+          <a:lstStyle/>
+          <a:p>
+            <a:pPr algn="ctr"/>
+            <a:r>
+              <a:rPr lang="de-DE" dirty="0"/>
+              <a:t>Fokus / Freier Wille</a:t>
+            </a:r>
+          </a:p>
+        </p:txBody>
+      </p:sp>
+      <p:cxnSp>
+        <p:nvCxnSpPr>
+          <p:cNvPr id="9" name="Gerade Verbindung mit Pfeil 8">
+            <a:extLst>
+              <a:ext uri="{FF2B5EF4-FFF2-40B4-BE49-F238E27FC236}">
+                <a16:creationId xmlns:a16="http://schemas.microsoft.com/office/drawing/2014/main" id="{27E5B415-55A2-D1FF-FE93-F02E6E3AB14B}"/>
+              </a:ext>
+            </a:extLst>
+          </p:cNvPr>
+          <p:cNvCxnSpPr>
+            <a:cxnSpLocks/>
+            <a:stCxn id="4" idx="0"/>
+            <a:endCxn id="5" idx="2"/>
+          </p:cNvCxnSpPr>
+          <p:nvPr/>
+        </p:nvCxnSpPr>
+        <p:spPr>
+          <a:xfrm flipV="1">
+            <a:off x="1884783" y="4211217"/>
+            <a:ext cx="0" cy="503851"/>
+          </a:xfrm>
+          <a:prstGeom prst="straightConnector1">
+            <a:avLst/>
+          </a:prstGeom>
+          <a:ln>
+            <a:tailEnd type="triangle"/>
+          </a:ln>
+        </p:spPr>
+        <p:style>
+          <a:lnRef idx="2">
+            <a:schemeClr val="accent1"/>
+          </a:lnRef>
+          <a:fillRef idx="0">
+            <a:schemeClr val="accent1"/>
+          </a:fillRef>
+          <a:effectRef idx="1">
+            <a:schemeClr val="accent1"/>
+          </a:effectRef>
+          <a:fontRef idx="minor">
+            <a:schemeClr val="tx1"/>
+          </a:fontRef>
+        </p:style>
+      </p:cxnSp>
+      <p:cxnSp>
+        <p:nvCxnSpPr>
+          <p:cNvPr id="10" name="Gerade Verbindung mit Pfeil 9">
+            <a:extLst>
+              <a:ext uri="{FF2B5EF4-FFF2-40B4-BE49-F238E27FC236}">
+                <a16:creationId xmlns:a16="http://schemas.microsoft.com/office/drawing/2014/main" id="{73D5F330-822A-244B-75BD-F81C270D6876}"/>
+              </a:ext>
+            </a:extLst>
+          </p:cNvPr>
+          <p:cNvCxnSpPr>
+            <a:cxnSpLocks/>
+            <a:stCxn id="5" idx="0"/>
+            <a:endCxn id="6" idx="2"/>
+          </p:cNvCxnSpPr>
+          <p:nvPr/>
+        </p:nvCxnSpPr>
+        <p:spPr>
+          <a:xfrm flipV="1">
+            <a:off x="1884783" y="3075995"/>
+            <a:ext cx="0" cy="503851"/>
+          </a:xfrm>
+          <a:prstGeom prst="straightConnector1">
+            <a:avLst/>
+          </a:prstGeom>
+          <a:ln>
+            <a:tailEnd type="triangle"/>
+          </a:ln>
+        </p:spPr>
+        <p:style>
+          <a:lnRef idx="2">
+            <a:schemeClr val="accent1"/>
+          </a:lnRef>
+          <a:fillRef idx="0">
+            <a:schemeClr val="accent1"/>
+          </a:fillRef>
+          <a:effectRef idx="1">
+            <a:schemeClr val="accent1"/>
+          </a:effectRef>
+          <a:fontRef idx="minor">
+            <a:schemeClr val="tx1"/>
+          </a:fontRef>
+        </p:style>
+      </p:cxnSp>
+      <p:cxnSp>
+        <p:nvCxnSpPr>
+          <p:cNvPr id="13" name="Gerade Verbindung mit Pfeil 12">
+            <a:extLst>
+              <a:ext uri="{FF2B5EF4-FFF2-40B4-BE49-F238E27FC236}">
+                <a16:creationId xmlns:a16="http://schemas.microsoft.com/office/drawing/2014/main" id="{E2B10225-C0EC-4EA0-D1F4-D8B303751169}"/>
+              </a:ext>
+            </a:extLst>
+          </p:cNvPr>
+          <p:cNvCxnSpPr>
+            <a:cxnSpLocks/>
+            <a:stCxn id="6" idx="0"/>
+            <a:endCxn id="7" idx="2"/>
+          </p:cNvCxnSpPr>
+          <p:nvPr/>
+        </p:nvCxnSpPr>
+        <p:spPr>
+          <a:xfrm flipH="1" flipV="1">
+            <a:off x="1884782" y="1940773"/>
+            <a:ext cx="1" cy="503851"/>
+          </a:xfrm>
+          <a:prstGeom prst="straightConnector1">
+            <a:avLst/>
+          </a:prstGeom>
+          <a:ln>
+            <a:tailEnd type="triangle"/>
+          </a:ln>
+        </p:spPr>
+        <p:style>
+          <a:lnRef idx="2">
+            <a:schemeClr val="accent1"/>
+          </a:lnRef>
+          <a:fillRef idx="0">
+            <a:schemeClr val="accent1"/>
+          </a:fillRef>
+          <a:effectRef idx="1">
+            <a:schemeClr val="accent1"/>
+          </a:effectRef>
+          <a:fontRef idx="minor">
+            <a:schemeClr val="tx1"/>
+          </a:fontRef>
+        </p:style>
+      </p:cxnSp>
+      <p:sp>
+        <p:nvSpPr>
+          <p:cNvPr id="20" name="Rechteck 19">
+            <a:extLst>
+              <a:ext uri="{FF2B5EF4-FFF2-40B4-BE49-F238E27FC236}">
+                <a16:creationId xmlns:a16="http://schemas.microsoft.com/office/drawing/2014/main" id="{A14D726C-7FEB-6D54-52F2-E15D9A54A552}"/>
+              </a:ext>
+            </a:extLst>
+          </p:cNvPr>
+          <p:cNvSpPr/>
+          <p:nvPr/>
+        </p:nvSpPr>
+        <p:spPr>
+          <a:xfrm>
+            <a:off x="3676261" y="2444624"/>
+            <a:ext cx="1623525" cy="631371"/>
+          </a:xfrm>
+          <a:prstGeom prst="rect">
+            <a:avLst/>
+          </a:prstGeom>
+        </p:spPr>
+        <p:style>
+          <a:lnRef idx="2">
+            <a:schemeClr val="accent1">
+              <a:shade val="15000"/>
+            </a:schemeClr>
+          </a:lnRef>
+          <a:fillRef idx="1">
+            <a:schemeClr val="accent1"/>
+          </a:fillRef>
+          <a:effectRef idx="0">
+            <a:schemeClr val="accent1"/>
+          </a:effectRef>
+          <a:fontRef idx="minor">
+            <a:schemeClr val="lt1"/>
+          </a:fontRef>
+        </p:style>
+        <p:txBody>
+          <a:bodyPr rtlCol="0" anchor="ctr"/>
+          <a:lstStyle/>
+          <a:p>
+            <a:pPr algn="ctr"/>
+            <a:r>
+              <a:rPr lang="de-DE" dirty="0"/>
+              <a:t>Entscheidung</a:t>
+            </a:r>
+          </a:p>
+        </p:txBody>
+      </p:sp>
+      <p:cxnSp>
+        <p:nvCxnSpPr>
+          <p:cNvPr id="49" name="Verbinder: gewinkelt 48">
+            <a:extLst>
+              <a:ext uri="{FF2B5EF4-FFF2-40B4-BE49-F238E27FC236}">
+                <a16:creationId xmlns:a16="http://schemas.microsoft.com/office/drawing/2014/main" id="{01C69289-4002-7D99-C9AB-7BEBB26630D6}"/>
+              </a:ext>
+            </a:extLst>
+          </p:cNvPr>
+          <p:cNvCxnSpPr>
+            <a:cxnSpLocks/>
+            <a:stCxn id="7" idx="3"/>
+            <a:endCxn id="5" idx="3"/>
+          </p:cNvCxnSpPr>
+          <p:nvPr/>
+        </p:nvCxnSpPr>
+        <p:spPr>
+          <a:xfrm>
+            <a:off x="3435402" y="1625088"/>
+            <a:ext cx="1" cy="2270444"/>
+          </a:xfrm>
+          <a:prstGeom prst="bentConnector3">
+            <a:avLst>
+              <a:gd name="adj1" fmla="val 22860100000"/>
+            </a:avLst>
+          </a:prstGeom>
+          <a:ln>
+            <a:tailEnd type="triangle"/>
+          </a:ln>
+        </p:spPr>
+        <p:style>
+          <a:lnRef idx="2">
+            <a:schemeClr val="accent1"/>
+          </a:lnRef>
+          <a:fillRef idx="0">
+            <a:schemeClr val="accent1"/>
+          </a:fillRef>
+          <a:effectRef idx="1">
+            <a:schemeClr val="accent1"/>
+          </a:effectRef>
+          <a:fontRef idx="minor">
+            <a:schemeClr val="tx1"/>
+          </a:fontRef>
+        </p:style>
+      </p:cxnSp>
+      <p:sp>
+        <p:nvSpPr>
+          <p:cNvPr id="54" name="Rechteck 53">
+            <a:extLst>
+              <a:ext uri="{FF2B5EF4-FFF2-40B4-BE49-F238E27FC236}">
+                <a16:creationId xmlns:a16="http://schemas.microsoft.com/office/drawing/2014/main" id="{90E89758-9A96-72F1-A134-FFC3AF2470B0}"/>
+              </a:ext>
+            </a:extLst>
+          </p:cNvPr>
+          <p:cNvSpPr/>
+          <p:nvPr/>
+        </p:nvSpPr>
+        <p:spPr>
+          <a:xfrm>
+            <a:off x="334161" y="5913816"/>
+            <a:ext cx="7696857" cy="631371"/>
+          </a:xfrm>
+          <a:prstGeom prst="rect">
+            <a:avLst/>
+          </a:prstGeom>
+        </p:spPr>
+        <p:style>
+          <a:lnRef idx="2">
+            <a:schemeClr val="accent1">
+              <a:shade val="15000"/>
+            </a:schemeClr>
+          </a:lnRef>
+          <a:fillRef idx="1">
+            <a:schemeClr val="accent1"/>
+          </a:fillRef>
+          <a:effectRef idx="0">
+            <a:schemeClr val="accent1"/>
+          </a:effectRef>
+          <a:fontRef idx="minor">
+            <a:schemeClr val="lt1"/>
+          </a:fontRef>
+        </p:style>
+        <p:txBody>
+          <a:bodyPr rtlCol="0" anchor="ctr"/>
+          <a:lstStyle/>
+          <a:p>
+            <a:pPr algn="ctr"/>
+            <a:r>
+              <a:rPr lang="de-DE" dirty="0"/>
+              <a:t>Quantenfeld </a:t>
+            </a:r>
+            <a:r>
+              <a:rPr lang="de-DE"/>
+              <a:t>/ Perspektive</a:t>
+            </a:r>
+            <a:endParaRPr lang="de-DE" dirty="0"/>
+          </a:p>
+        </p:txBody>
+      </p:sp>
+      <p:cxnSp>
+        <p:nvCxnSpPr>
+          <p:cNvPr id="55" name="Gerade Verbindung mit Pfeil 54">
+            <a:extLst>
+              <a:ext uri="{FF2B5EF4-FFF2-40B4-BE49-F238E27FC236}">
+                <a16:creationId xmlns:a16="http://schemas.microsoft.com/office/drawing/2014/main" id="{3D892478-FBEB-3271-B8E2-7C026A6BEACD}"/>
+              </a:ext>
+            </a:extLst>
+          </p:cNvPr>
+          <p:cNvCxnSpPr>
+            <a:cxnSpLocks/>
+            <a:stCxn id="54" idx="0"/>
+            <a:endCxn id="4" idx="2"/>
+          </p:cNvCxnSpPr>
+          <p:nvPr/>
+        </p:nvCxnSpPr>
+        <p:spPr>
+          <a:xfrm flipH="1" flipV="1">
+            <a:off x="1884783" y="5346439"/>
+            <a:ext cx="2297807" cy="567377"/>
+          </a:xfrm>
+          <a:prstGeom prst="straightConnector1">
+            <a:avLst/>
+          </a:prstGeom>
+          <a:ln>
+            <a:tailEnd type="triangle"/>
+          </a:ln>
+        </p:spPr>
+        <p:style>
+          <a:lnRef idx="2">
+            <a:schemeClr val="accent1"/>
+          </a:lnRef>
+          <a:fillRef idx="0">
+            <a:schemeClr val="accent1"/>
+          </a:fillRef>
+          <a:effectRef idx="1">
+            <a:schemeClr val="accent1"/>
+          </a:effectRef>
+          <a:fontRef idx="minor">
+            <a:schemeClr val="tx1"/>
+          </a:fontRef>
+        </p:style>
+      </p:cxnSp>
+    </p:spTree>
+    <p:extLst>
+      <p:ext uri="{BB962C8B-B14F-4D97-AF65-F5344CB8AC3E}">
+        <p14:creationId xmlns:p14="http://schemas.microsoft.com/office/powerpoint/2010/main" val="435037171"/>
       </p:ext>
     </p:extLst>
   </p:cSld>

--- a/media/ideas/Alpha and Omega.pptx
+++ b/media/ideas/Alpha and Omega.pptx
@@ -992,32 +992,31 @@
   <pc:docChgLst>
     <pc:chgData name="Tobias Stadtfeld" userId="7e695269987144e5" providerId="LiveId" clId="{B2A6FDF9-F23D-48C1-854B-5EE64592FED6}"/>
     <pc:docChg chg="custSel addSld modSld">
-      <pc:chgData name="Tobias Stadtfeld" userId="7e695269987144e5" providerId="LiveId" clId="{B2A6FDF9-F23D-48C1-854B-5EE64592FED6}" dt="2025-01-07T13:34:29.017" v="221" actId="20577"/>
+      <pc:chgData name="Tobias Stadtfeld" userId="7e695269987144e5" providerId="LiveId" clId="{B2A6FDF9-F23D-48C1-854B-5EE64592FED6}" dt="2025-01-14T20:41:02.508" v="229" actId="20577"/>
       <pc:docMkLst>
         <pc:docMk/>
       </pc:docMkLst>
+      <pc:sldChg chg="modSp mod">
+        <pc:chgData name="Tobias Stadtfeld" userId="7e695269987144e5" providerId="LiveId" clId="{B2A6FDF9-F23D-48C1-854B-5EE64592FED6}" dt="2025-01-14T20:41:02.508" v="229" actId="20577"/>
+        <pc:sldMkLst>
+          <pc:docMk/>
+          <pc:sldMk cId="940174068" sldId="256"/>
+        </pc:sldMkLst>
+        <pc:spChg chg="mod">
+          <ac:chgData name="Tobias Stadtfeld" userId="7e695269987144e5" providerId="LiveId" clId="{B2A6FDF9-F23D-48C1-854B-5EE64592FED6}" dt="2025-01-14T20:41:02.508" v="229" actId="20577"/>
+          <ac:spMkLst>
+            <pc:docMk/>
+            <pc:sldMk cId="940174068" sldId="256"/>
+            <ac:spMk id="48" creationId="{2EA41606-971F-3883-B0A3-52AC8E87348F}"/>
+          </ac:spMkLst>
+        </pc:spChg>
+      </pc:sldChg>
       <pc:sldChg chg="addSp delSp modSp new mod">
         <pc:chgData name="Tobias Stadtfeld" userId="7e695269987144e5" providerId="LiveId" clId="{B2A6FDF9-F23D-48C1-854B-5EE64592FED6}" dt="2025-01-07T13:34:29.017" v="221" actId="20577"/>
         <pc:sldMkLst>
           <pc:docMk/>
           <pc:sldMk cId="435037171" sldId="261"/>
         </pc:sldMkLst>
-        <pc:spChg chg="del">
-          <ac:chgData name="Tobias Stadtfeld" userId="7e695269987144e5" providerId="LiveId" clId="{B2A6FDF9-F23D-48C1-854B-5EE64592FED6}" dt="2025-01-07T13:25:26.431" v="2" actId="478"/>
-          <ac:spMkLst>
-            <pc:docMk/>
-            <pc:sldMk cId="435037171" sldId="261"/>
-            <ac:spMk id="2" creationId="{401E489F-9997-6DB4-8E9C-9BD3C16B0A86}"/>
-          </ac:spMkLst>
-        </pc:spChg>
-        <pc:spChg chg="del">
-          <ac:chgData name="Tobias Stadtfeld" userId="7e695269987144e5" providerId="LiveId" clId="{B2A6FDF9-F23D-48C1-854B-5EE64592FED6}" dt="2025-01-07T13:25:25.119" v="1" actId="478"/>
-          <ac:spMkLst>
-            <pc:docMk/>
-            <pc:sldMk cId="435037171" sldId="261"/>
-            <ac:spMk id="3" creationId="{006D48AF-A421-1D00-9FCC-F172721D2A84}"/>
-          </ac:spMkLst>
-        </pc:spChg>
         <pc:spChg chg="add mod">
           <ac:chgData name="Tobias Stadtfeld" userId="7e695269987144e5" providerId="LiveId" clId="{B2A6FDF9-F23D-48C1-854B-5EE64592FED6}" dt="2025-01-07T13:32:14.054" v="200" actId="1076"/>
           <ac:spMkLst>
@@ -1088,14 +1087,6 @@
             <pc:docMk/>
             <pc:sldMk cId="435037171" sldId="261"/>
             <ac:cxnSpMk id="13" creationId="{E2B10225-C0EC-4EA0-D1F4-D8B303751169}"/>
-          </ac:cxnSpMkLst>
-        </pc:cxnChg>
-        <pc:cxnChg chg="add del mod">
-          <ac:chgData name="Tobias Stadtfeld" userId="7e695269987144e5" providerId="LiveId" clId="{B2A6FDF9-F23D-48C1-854B-5EE64592FED6}" dt="2025-01-07T13:30:27.849" v="144" actId="478"/>
-          <ac:cxnSpMkLst>
-            <pc:docMk/>
-            <pc:sldMk cId="435037171" sldId="261"/>
-            <ac:cxnSpMk id="17" creationId="{BACAD6A1-A8D2-ECE7-D649-E4E4BFFDC784}"/>
           </ac:cxnSpMkLst>
         </pc:cxnChg>
         <pc:cxnChg chg="add mod">
@@ -1347,7 +1338,7 @@
           <a:p>
             <a:fld id="{4B7C8FB9-FAD6-4748-B71C-FAE8C47BD55A}" type="datetimeFigureOut">
               <a:rPr lang="en-US" smtClean="0"/>
-              <a:t>1/7/2025</a:t>
+              <a:t>1/14/2025</a:t>
             </a:fld>
             <a:endParaRPr lang="en-US"/>
           </a:p>
@@ -1938,7 +1929,7 @@
           <a:p>
             <a:fld id="{5DF6A792-334E-478A-AAEA-36BB888C9834}" type="datetimeFigureOut">
               <a:rPr lang="en-US" smtClean="0"/>
-              <a:t>1/7/2025</a:t>
+              <a:t>1/14/2025</a:t>
             </a:fld>
             <a:endParaRPr lang="en-US"/>
           </a:p>
@@ -2108,7 +2099,7 @@
           <a:p>
             <a:fld id="{5DF6A792-334E-478A-AAEA-36BB888C9834}" type="datetimeFigureOut">
               <a:rPr lang="en-US" smtClean="0"/>
-              <a:t>1/7/2025</a:t>
+              <a:t>1/14/2025</a:t>
             </a:fld>
             <a:endParaRPr lang="en-US"/>
           </a:p>
@@ -2288,7 +2279,7 @@
           <a:p>
             <a:fld id="{5DF6A792-334E-478A-AAEA-36BB888C9834}" type="datetimeFigureOut">
               <a:rPr lang="en-US" smtClean="0"/>
-              <a:t>1/7/2025</a:t>
+              <a:t>1/14/2025</a:t>
             </a:fld>
             <a:endParaRPr lang="en-US"/>
           </a:p>
@@ -2458,7 +2449,7 @@
           <a:p>
             <a:fld id="{5DF6A792-334E-478A-AAEA-36BB888C9834}" type="datetimeFigureOut">
               <a:rPr lang="en-US" smtClean="0"/>
-              <a:t>1/7/2025</a:t>
+              <a:t>1/14/2025</a:t>
             </a:fld>
             <a:endParaRPr lang="en-US"/>
           </a:p>
@@ -2704,7 +2695,7 @@
           <a:p>
             <a:fld id="{5DF6A792-334E-478A-AAEA-36BB888C9834}" type="datetimeFigureOut">
               <a:rPr lang="en-US" smtClean="0"/>
-              <a:t>1/7/2025</a:t>
+              <a:t>1/14/2025</a:t>
             </a:fld>
             <a:endParaRPr lang="en-US"/>
           </a:p>
@@ -2936,7 +2927,7 @@
           <a:p>
             <a:fld id="{5DF6A792-334E-478A-AAEA-36BB888C9834}" type="datetimeFigureOut">
               <a:rPr lang="en-US" smtClean="0"/>
-              <a:t>1/7/2025</a:t>
+              <a:t>1/14/2025</a:t>
             </a:fld>
             <a:endParaRPr lang="en-US"/>
           </a:p>
@@ -3303,7 +3294,7 @@
           <a:p>
             <a:fld id="{5DF6A792-334E-478A-AAEA-36BB888C9834}" type="datetimeFigureOut">
               <a:rPr lang="en-US" smtClean="0"/>
-              <a:t>1/7/2025</a:t>
+              <a:t>1/14/2025</a:t>
             </a:fld>
             <a:endParaRPr lang="en-US"/>
           </a:p>
@@ -3421,7 +3412,7 @@
           <a:p>
             <a:fld id="{5DF6A792-334E-478A-AAEA-36BB888C9834}" type="datetimeFigureOut">
               <a:rPr lang="en-US" smtClean="0"/>
-              <a:t>1/7/2025</a:t>
+              <a:t>1/14/2025</a:t>
             </a:fld>
             <a:endParaRPr lang="en-US"/>
           </a:p>
@@ -3516,7 +3507,7 @@
           <a:p>
             <a:fld id="{5DF6A792-334E-478A-AAEA-36BB888C9834}" type="datetimeFigureOut">
               <a:rPr lang="en-US" smtClean="0"/>
-              <a:t>1/7/2025</a:t>
+              <a:t>1/14/2025</a:t>
             </a:fld>
             <a:endParaRPr lang="en-US"/>
           </a:p>
@@ -3793,7 +3784,7 @@
           <a:p>
             <a:fld id="{5DF6A792-334E-478A-AAEA-36BB888C9834}" type="datetimeFigureOut">
               <a:rPr lang="en-US" smtClean="0"/>
-              <a:t>1/7/2025</a:t>
+              <a:t>1/14/2025</a:t>
             </a:fld>
             <a:endParaRPr lang="en-US"/>
           </a:p>
@@ -4050,7 +4041,7 @@
           <a:p>
             <a:fld id="{5DF6A792-334E-478A-AAEA-36BB888C9834}" type="datetimeFigureOut">
               <a:rPr lang="en-US" smtClean="0"/>
-              <a:t>1/7/2025</a:t>
+              <a:t>1/14/2025</a:t>
             </a:fld>
             <a:endParaRPr lang="en-US"/>
           </a:p>
@@ -4263,7 +4254,7 @@
           <a:p>
             <a:fld id="{5DF6A792-334E-478A-AAEA-36BB888C9834}" type="datetimeFigureOut">
               <a:rPr lang="en-US" smtClean="0"/>
-              <a:t>1/7/2025</a:t>
+              <a:t>1/14/2025</a:t>
             </a:fld>
             <a:endParaRPr lang="en-US"/>
           </a:p>
@@ -5486,7 +5477,15 @@
                   <a:schemeClr val="bg1"/>
                 </a:solidFill>
               </a:rPr>
-              <a:t>SPACETIME 137 – Entität Typ II</a:t>
+              <a:t>SPACETIME 137 – Entität </a:t>
+            </a:r>
+            <a:r>
+              <a:rPr lang="de-DE" sz="1600">
+                <a:solidFill>
+                  <a:schemeClr val="bg1"/>
+                </a:solidFill>
+              </a:rPr>
+              <a:t>Typ II - Maria</a:t>
             </a:r>
             <a:br>
               <a:rPr lang="de-DE" sz="1600" dirty="0">

--- a/media/ideas/Alpha and Omega.pptx
+++ b/media/ideas/Alpha and Omega.pptx
@@ -5,7 +5,7 @@
     <p:sldMasterId id="2147483660" r:id="rId1"/>
   </p:sldMasterIdLst>
   <p:notesMasterIdLst>
-    <p:notesMasterId r:id="rId7"/>
+    <p:notesMasterId r:id="rId9"/>
   </p:notesMasterIdLst>
   <p:sldIdLst>
     <p:sldId id="256" r:id="rId2"/>
@@ -13,6 +13,8 @@
     <p:sldId id="259" r:id="rId4"/>
     <p:sldId id="260" r:id="rId5"/>
     <p:sldId id="261" r:id="rId6"/>
+    <p:sldId id="262" r:id="rId7"/>
+    <p:sldId id="263" r:id="rId8"/>
   </p:sldIdLst>
   <p:sldSz cx="12192000" cy="6858000"/>
   <p:notesSz cx="6858000" cy="9144000"/>
@@ -122,7 +124,7 @@
 <file path=ppt/revisionInfo.xml><?xml version="1.0" encoding="utf-8"?>
 <p1510:revInfo xmlns:a="http://schemas.openxmlformats.org/drawingml/2006/main" xmlns:r="http://schemas.openxmlformats.org/officeDocument/2006/relationships" xmlns:p1510="http://schemas.microsoft.com/office/powerpoint/2015/10/main">
   <p1510:revLst>
-    <p1510:client id="{B2A6FDF9-F23D-48C1-854B-5EE64592FED6}" v="7" dt="2025-01-07T13:32:20.674"/>
+    <p1510:client id="{85484BEE-13EB-4DC1-8A3C-773F2E1512DB}" v="25" dt="2025-02-11T11:58:40.576"/>
   </p1510:revLst>
 </p1510:revInfo>
 </file>
@@ -142,68 +144,12 @@
           <pc:docMk/>
           <pc:sldMk cId="940174068" sldId="256"/>
         </pc:sldMkLst>
-        <pc:spChg chg="add mod ord">
-          <ac:chgData name="Tobias Stadtfeld" userId="7e695269987144e5" providerId="LiveId" clId="{055BA477-D279-4748-ADB5-E1B4BBCA5B92}" dt="2024-11-05T19:57:20.186" v="2074" actId="1076"/>
-          <ac:spMkLst>
-            <pc:docMk/>
-            <pc:sldMk cId="940174068" sldId="256"/>
-            <ac:spMk id="2" creationId="{3D91CF1E-AC96-F5ED-735A-B24C5F485FDB}"/>
-          </ac:spMkLst>
-        </pc:spChg>
-        <pc:spChg chg="add mod">
-          <ac:chgData name="Tobias Stadtfeld" userId="7e695269987144e5" providerId="LiveId" clId="{055BA477-D279-4748-ADB5-E1B4BBCA5B92}" dt="2024-11-05T19:56:50.970" v="2072" actId="1076"/>
-          <ac:spMkLst>
-            <pc:docMk/>
-            <pc:sldMk cId="940174068" sldId="256"/>
-            <ac:spMk id="7" creationId="{B4A4419C-1B1E-03AD-3468-B425D1EA5684}"/>
-          </ac:spMkLst>
-        </pc:spChg>
-        <pc:spChg chg="add mod ord">
-          <ac:chgData name="Tobias Stadtfeld" userId="7e695269987144e5" providerId="LiveId" clId="{055BA477-D279-4748-ADB5-E1B4BBCA5B92}" dt="2024-11-04T22:18:14.907" v="1621" actId="207"/>
-          <ac:spMkLst>
-            <pc:docMk/>
-            <pc:sldMk cId="940174068" sldId="256"/>
-            <ac:spMk id="10" creationId="{2A706FA0-765D-2947-AC81-9614626AA95F}"/>
-          </ac:spMkLst>
-        </pc:spChg>
-        <pc:spChg chg="add mod">
-          <ac:chgData name="Tobias Stadtfeld" userId="7e695269987144e5" providerId="LiveId" clId="{055BA477-D279-4748-ADB5-E1B4BBCA5B92}" dt="2024-11-04T10:00:46.905" v="1325" actId="1076"/>
-          <ac:spMkLst>
-            <pc:docMk/>
-            <pc:sldMk cId="940174068" sldId="256"/>
-            <ac:spMk id="11" creationId="{89F33A5E-D590-6603-B6C7-FA657C7FBF18}"/>
-          </ac:spMkLst>
-        </pc:spChg>
-        <pc:spChg chg="add mod">
-          <ac:chgData name="Tobias Stadtfeld" userId="7e695269987144e5" providerId="LiveId" clId="{055BA477-D279-4748-ADB5-E1B4BBCA5B92}" dt="2024-11-05T19:55:55.416" v="2060" actId="20577"/>
-          <ac:spMkLst>
-            <pc:docMk/>
-            <pc:sldMk cId="940174068" sldId="256"/>
-            <ac:spMk id="12" creationId="{7485336E-21C4-07EB-5CDC-A62C488A8D66}"/>
-          </ac:spMkLst>
-        </pc:spChg>
         <pc:spChg chg="add mod">
           <ac:chgData name="Tobias Stadtfeld" userId="7e695269987144e5" providerId="LiveId" clId="{055BA477-D279-4748-ADB5-E1B4BBCA5B92}" dt="2024-12-09T20:38:06.851" v="3140" actId="207"/>
           <ac:spMkLst>
             <pc:docMk/>
             <pc:sldMk cId="940174068" sldId="256"/>
             <ac:spMk id="13" creationId="{58FA1DCE-395C-22AF-8B31-BAEA3248BA53}"/>
-          </ac:spMkLst>
-        </pc:spChg>
-        <pc:spChg chg="add mod">
-          <ac:chgData name="Tobias Stadtfeld" userId="7e695269987144e5" providerId="LiveId" clId="{055BA477-D279-4748-ADB5-E1B4BBCA5B92}" dt="2024-11-05T19:47:06.409" v="1887" actId="20577"/>
-          <ac:spMkLst>
-            <pc:docMk/>
-            <pc:sldMk cId="940174068" sldId="256"/>
-            <ac:spMk id="14" creationId="{5EA3B749-EC0A-9873-7744-724921C4DE09}"/>
-          </ac:spMkLst>
-        </pc:spChg>
-        <pc:spChg chg="add mod ord">
-          <ac:chgData name="Tobias Stadtfeld" userId="7e695269987144e5" providerId="LiveId" clId="{055BA477-D279-4748-ADB5-E1B4BBCA5B92}" dt="2024-11-03T17:36:48.145" v="1275" actId="14100"/>
-          <ac:spMkLst>
-            <pc:docMk/>
-            <pc:sldMk cId="940174068" sldId="256"/>
-            <ac:spMk id="15" creationId="{925FFEBB-D5AB-DC29-CD52-178B94EA01E8}"/>
           </ac:spMkLst>
         </pc:spChg>
         <pc:spChg chg="add mod">
@@ -223,91 +169,11 @@
           </ac:spMkLst>
         </pc:spChg>
         <pc:spChg chg="add mod">
-          <ac:chgData name="Tobias Stadtfeld" userId="7e695269987144e5" providerId="LiveId" clId="{055BA477-D279-4748-ADB5-E1B4BBCA5B92}" dt="2024-11-05T19:43:18.987" v="1836" actId="1076"/>
-          <ac:spMkLst>
-            <pc:docMk/>
-            <pc:sldMk cId="940174068" sldId="256"/>
-            <ac:spMk id="32" creationId="{35C722B9-C6A5-665B-D012-6A7E437A1958}"/>
-          </ac:spMkLst>
-        </pc:spChg>
-        <pc:spChg chg="add mod">
           <ac:chgData name="Tobias Stadtfeld" userId="7e695269987144e5" providerId="LiveId" clId="{055BA477-D279-4748-ADB5-E1B4BBCA5B92}" dt="2024-11-22T08:01:53.950" v="3054" actId="1076"/>
           <ac:spMkLst>
             <pc:docMk/>
             <pc:sldMk cId="940174068" sldId="256"/>
             <ac:spMk id="38" creationId="{85127C11-E6AA-7C15-B9B4-A165493E1098}"/>
-          </ac:spMkLst>
-        </pc:spChg>
-        <pc:spChg chg="add mod">
-          <ac:chgData name="Tobias Stadtfeld" userId="7e695269987144e5" providerId="LiveId" clId="{055BA477-D279-4748-ADB5-E1B4BBCA5B92}" dt="2024-11-05T19:43:58.496" v="1841" actId="1076"/>
-          <ac:spMkLst>
-            <pc:docMk/>
-            <pc:sldMk cId="940174068" sldId="256"/>
-            <ac:spMk id="39" creationId="{BE50B838-3B8B-3D8C-4275-54488EB0AE6C}"/>
-          </ac:spMkLst>
-        </pc:spChg>
-        <pc:spChg chg="add mod">
-          <ac:chgData name="Tobias Stadtfeld" userId="7e695269987144e5" providerId="LiveId" clId="{055BA477-D279-4748-ADB5-E1B4BBCA5B92}" dt="2024-11-05T19:43:18.987" v="1836" actId="1076"/>
-          <ac:spMkLst>
-            <pc:docMk/>
-            <pc:sldMk cId="940174068" sldId="256"/>
-            <ac:spMk id="48" creationId="{2EA41606-971F-3883-B0A3-52AC8E87348F}"/>
-          </ac:spMkLst>
-        </pc:spChg>
-        <pc:spChg chg="add mod">
-          <ac:chgData name="Tobias Stadtfeld" userId="7e695269987144e5" providerId="LiveId" clId="{055BA477-D279-4748-ADB5-E1B4BBCA5B92}" dt="2024-11-03T13:56:53.252" v="929" actId="1076"/>
-          <ac:spMkLst>
-            <pc:docMk/>
-            <pc:sldMk cId="940174068" sldId="256"/>
-            <ac:spMk id="54" creationId="{1D84BE6A-CCC2-7B00-8309-2B31AAC9052D}"/>
-          </ac:spMkLst>
-        </pc:spChg>
-        <pc:spChg chg="add mod">
-          <ac:chgData name="Tobias Stadtfeld" userId="7e695269987144e5" providerId="LiveId" clId="{055BA477-D279-4748-ADB5-E1B4BBCA5B92}" dt="2024-11-03T13:56:53.252" v="929" actId="1076"/>
-          <ac:spMkLst>
-            <pc:docMk/>
-            <pc:sldMk cId="940174068" sldId="256"/>
-            <ac:spMk id="55" creationId="{C6D9724A-99EE-0380-5E94-BDCCA44A9A0E}"/>
-          </ac:spMkLst>
-        </pc:spChg>
-        <pc:spChg chg="add mod ord">
-          <ac:chgData name="Tobias Stadtfeld" userId="7e695269987144e5" providerId="LiveId" clId="{055BA477-D279-4748-ADB5-E1B4BBCA5B92}" dt="2024-11-04T22:37:14.820" v="1793" actId="171"/>
-          <ac:spMkLst>
-            <pc:docMk/>
-            <pc:sldMk cId="940174068" sldId="256"/>
-            <ac:spMk id="57" creationId="{97C59C38-D187-7450-F2FA-7552120DDE2E}"/>
-          </ac:spMkLst>
-        </pc:spChg>
-        <pc:spChg chg="add mod">
-          <ac:chgData name="Tobias Stadtfeld" userId="7e695269987144e5" providerId="LiveId" clId="{055BA477-D279-4748-ADB5-E1B4BBCA5B92}" dt="2024-11-05T19:43:18.987" v="1836" actId="1076"/>
-          <ac:spMkLst>
-            <pc:docMk/>
-            <pc:sldMk cId="940174068" sldId="256"/>
-            <ac:spMk id="58" creationId="{4E65B7E3-36FD-178F-A909-C45302EA0A79}"/>
-          </ac:spMkLst>
-        </pc:spChg>
-        <pc:spChg chg="add mod">
-          <ac:chgData name="Tobias Stadtfeld" userId="7e695269987144e5" providerId="LiveId" clId="{055BA477-D279-4748-ADB5-E1B4BBCA5B92}" dt="2024-11-04T22:36:04.561" v="1781" actId="1076"/>
-          <ac:spMkLst>
-            <pc:docMk/>
-            <pc:sldMk cId="940174068" sldId="256"/>
-            <ac:spMk id="59" creationId="{078C762E-C0CB-D98A-2617-FACEBCA21531}"/>
-          </ac:spMkLst>
-        </pc:spChg>
-        <pc:spChg chg="add mod">
-          <ac:chgData name="Tobias Stadtfeld" userId="7e695269987144e5" providerId="LiveId" clId="{055BA477-D279-4748-ADB5-E1B4BBCA5B92}" dt="2024-11-05T19:43:18.987" v="1836" actId="1076"/>
-          <ac:spMkLst>
-            <pc:docMk/>
-            <pc:sldMk cId="940174068" sldId="256"/>
-            <ac:spMk id="63" creationId="{DF2B34ED-F7FF-46DB-F8D0-A72876C9B021}"/>
-          </ac:spMkLst>
-        </pc:spChg>
-        <pc:spChg chg="add mod">
-          <ac:chgData name="Tobias Stadtfeld" userId="7e695269987144e5" providerId="LiveId" clId="{055BA477-D279-4748-ADB5-E1B4BBCA5B92}" dt="2024-11-05T19:48:17.233" v="1907" actId="20577"/>
-          <ac:spMkLst>
-            <pc:docMk/>
-            <pc:sldMk cId="940174068" sldId="256"/>
-            <ac:spMk id="65" creationId="{EDD74E24-B302-79CB-2C01-A14A65CE3373}"/>
           </ac:spMkLst>
         </pc:spChg>
         <pc:spChg chg="add mod ord">
@@ -318,14 +184,6 @@
             <ac:spMk id="77" creationId="{78600EA7-DD5F-8CA4-062D-D4579D2A719B}"/>
           </ac:spMkLst>
         </pc:spChg>
-        <pc:picChg chg="add mod">
-          <ac:chgData name="Tobias Stadtfeld" userId="7e695269987144e5" providerId="LiveId" clId="{055BA477-D279-4748-ADB5-E1B4BBCA5B92}" dt="2024-11-04T22:19:07.112" v="1624" actId="1076"/>
-          <ac:picMkLst>
-            <pc:docMk/>
-            <pc:sldMk cId="940174068" sldId="256"/>
-            <ac:picMk id="9" creationId="{4072BCAA-73EB-3AB0-D8DA-6C61E245397B}"/>
-          </ac:picMkLst>
-        </pc:picChg>
         <pc:cxnChg chg="add mod ord">
           <ac:chgData name="Tobias Stadtfeld" userId="7e695269987144e5" providerId="LiveId" clId="{055BA477-D279-4748-ADB5-E1B4BBCA5B92}" dt="2024-11-22T07:25:31.854" v="2744" actId="208"/>
           <ac:cxnSpMkLst>
@@ -986,6 +844,484 @@
             <ac:cxnSpMk id="17" creationId="{C585C00C-A60B-62A5-CBE2-5DC056D37B7A}"/>
           </ac:cxnSpMkLst>
         </pc:cxnChg>
+      </pc:sldChg>
+    </pc:docChg>
+  </pc:docChgLst>
+  <pc:docChgLst>
+    <pc:chgData name="Tobias Stadtfeld" userId="7e695269987144e5" providerId="LiveId" clId="{85484BEE-13EB-4DC1-8A3C-773F2E1512DB}"/>
+    <pc:docChg chg="undo redo custSel addSld modSld">
+      <pc:chgData name="Tobias Stadtfeld" userId="7e695269987144e5" providerId="LiveId" clId="{85484BEE-13EB-4DC1-8A3C-773F2E1512DB}" dt="2025-02-11T11:58:54.658" v="1000" actId="14100"/>
+      <pc:docMkLst>
+        <pc:docMk/>
+      </pc:docMkLst>
+      <pc:sldChg chg="modSp mod">
+        <pc:chgData name="Tobias Stadtfeld" userId="7e695269987144e5" providerId="LiveId" clId="{85484BEE-13EB-4DC1-8A3C-773F2E1512DB}" dt="2025-02-11T11:39:06.051" v="952" actId="20577"/>
+        <pc:sldMkLst>
+          <pc:docMk/>
+          <pc:sldMk cId="940174068" sldId="256"/>
+        </pc:sldMkLst>
+        <pc:spChg chg="mod">
+          <ac:chgData name="Tobias Stadtfeld" userId="7e695269987144e5" providerId="LiveId" clId="{85484BEE-13EB-4DC1-8A3C-773F2E1512DB}" dt="2025-02-11T11:39:06.051" v="952" actId="20577"/>
+          <ac:spMkLst>
+            <pc:docMk/>
+            <pc:sldMk cId="940174068" sldId="256"/>
+            <ac:spMk id="39" creationId="{BE50B838-3B8B-3D8C-4275-54488EB0AE6C}"/>
+          </ac:spMkLst>
+        </pc:spChg>
+      </pc:sldChg>
+      <pc:sldChg chg="addSp delSp modSp new mod">
+        <pc:chgData name="Tobias Stadtfeld" userId="7e695269987144e5" providerId="LiveId" clId="{85484BEE-13EB-4DC1-8A3C-773F2E1512DB}" dt="2025-02-11T11:38:07.374" v="951" actId="1076"/>
+        <pc:sldMkLst>
+          <pc:docMk/>
+          <pc:sldMk cId="2530979781" sldId="262"/>
+        </pc:sldMkLst>
+        <pc:spChg chg="del">
+          <ac:chgData name="Tobias Stadtfeld" userId="7e695269987144e5" providerId="LiveId" clId="{85484BEE-13EB-4DC1-8A3C-773F2E1512DB}" dt="2025-02-11T11:02:03.618" v="2" actId="478"/>
+          <ac:spMkLst>
+            <pc:docMk/>
+            <pc:sldMk cId="2530979781" sldId="262"/>
+            <ac:spMk id="2" creationId="{F158939A-D07B-DF3A-25AA-CDFBE53B6E59}"/>
+          </ac:spMkLst>
+        </pc:spChg>
+        <pc:spChg chg="del">
+          <ac:chgData name="Tobias Stadtfeld" userId="7e695269987144e5" providerId="LiveId" clId="{85484BEE-13EB-4DC1-8A3C-773F2E1512DB}" dt="2025-02-11T11:02:02.669" v="1" actId="478"/>
+          <ac:spMkLst>
+            <pc:docMk/>
+            <pc:sldMk cId="2530979781" sldId="262"/>
+            <ac:spMk id="3" creationId="{A3D7455C-A459-1BB9-39AB-ECD06CED2353}"/>
+          </ac:spMkLst>
+        </pc:spChg>
+        <pc:spChg chg="add mod">
+          <ac:chgData name="Tobias Stadtfeld" userId="7e695269987144e5" providerId="LiveId" clId="{85484BEE-13EB-4DC1-8A3C-773F2E1512DB}" dt="2025-02-11T11:06:30.427" v="108" actId="1076"/>
+          <ac:spMkLst>
+            <pc:docMk/>
+            <pc:sldMk cId="2530979781" sldId="262"/>
+            <ac:spMk id="4" creationId="{8C49B892-AFE5-5853-5C7D-E42887FE18AE}"/>
+          </ac:spMkLst>
+        </pc:spChg>
+        <pc:spChg chg="add mod">
+          <ac:chgData name="Tobias Stadtfeld" userId="7e695269987144e5" providerId="LiveId" clId="{85484BEE-13EB-4DC1-8A3C-773F2E1512DB}" dt="2025-02-11T11:06:30.427" v="108" actId="1076"/>
+          <ac:spMkLst>
+            <pc:docMk/>
+            <pc:sldMk cId="2530979781" sldId="262"/>
+            <ac:spMk id="5" creationId="{4F2F8FFE-F3B8-504B-A33F-EFFB53565CDD}"/>
+          </ac:spMkLst>
+        </pc:spChg>
+        <pc:spChg chg="add mod">
+          <ac:chgData name="Tobias Stadtfeld" userId="7e695269987144e5" providerId="LiveId" clId="{85484BEE-13EB-4DC1-8A3C-773F2E1512DB}" dt="2025-02-11T11:33:14.616" v="741" actId="1076"/>
+          <ac:spMkLst>
+            <pc:docMk/>
+            <pc:sldMk cId="2530979781" sldId="262"/>
+            <ac:spMk id="6" creationId="{AB0AE175-D6B9-AA5F-3ED2-64E0864063ED}"/>
+          </ac:spMkLst>
+        </pc:spChg>
+        <pc:spChg chg="add mod">
+          <ac:chgData name="Tobias Stadtfeld" userId="7e695269987144e5" providerId="LiveId" clId="{85484BEE-13EB-4DC1-8A3C-773F2E1512DB}" dt="2025-02-11T11:38:07.374" v="951" actId="1076"/>
+          <ac:spMkLst>
+            <pc:docMk/>
+            <pc:sldMk cId="2530979781" sldId="262"/>
+            <ac:spMk id="7" creationId="{0E4E8683-7FF1-CD1B-1971-61EBCE7BE645}"/>
+          </ac:spMkLst>
+        </pc:spChg>
+        <pc:spChg chg="add mod">
+          <ac:chgData name="Tobias Stadtfeld" userId="7e695269987144e5" providerId="LiveId" clId="{85484BEE-13EB-4DC1-8A3C-773F2E1512DB}" dt="2025-02-11T11:06:30.427" v="108" actId="1076"/>
+          <ac:spMkLst>
+            <pc:docMk/>
+            <pc:sldMk cId="2530979781" sldId="262"/>
+            <ac:spMk id="11" creationId="{097777E7-9930-0CE5-AF25-4203E05546DB}"/>
+          </ac:spMkLst>
+        </pc:spChg>
+        <pc:spChg chg="add mod">
+          <ac:chgData name="Tobias Stadtfeld" userId="7e695269987144e5" providerId="LiveId" clId="{85484BEE-13EB-4DC1-8A3C-773F2E1512DB}" dt="2025-02-11T11:06:30.427" v="108" actId="1076"/>
+          <ac:spMkLst>
+            <pc:docMk/>
+            <pc:sldMk cId="2530979781" sldId="262"/>
+            <ac:spMk id="12" creationId="{4C809CCB-6BC6-07E8-7235-540A50D6CE39}"/>
+          </ac:spMkLst>
+        </pc:spChg>
+        <pc:spChg chg="add del mod">
+          <ac:chgData name="Tobias Stadtfeld" userId="7e695269987144e5" providerId="LiveId" clId="{85484BEE-13EB-4DC1-8A3C-773F2E1512DB}" dt="2025-02-11T11:05:01.454" v="92" actId="478"/>
+          <ac:spMkLst>
+            <pc:docMk/>
+            <pc:sldMk cId="2530979781" sldId="262"/>
+            <ac:spMk id="14" creationId="{6F278F12-6079-B7E4-CC65-C60034676908}"/>
+          </ac:spMkLst>
+        </pc:spChg>
+        <pc:spChg chg="add mod">
+          <ac:chgData name="Tobias Stadtfeld" userId="7e695269987144e5" providerId="LiveId" clId="{85484BEE-13EB-4DC1-8A3C-773F2E1512DB}" dt="2025-02-11T11:06:30.427" v="108" actId="1076"/>
+          <ac:spMkLst>
+            <pc:docMk/>
+            <pc:sldMk cId="2530979781" sldId="262"/>
+            <ac:spMk id="15" creationId="{276A596B-570A-8BA7-ABBB-B570A57DCA65}"/>
+          </ac:spMkLst>
+        </pc:spChg>
+        <pc:spChg chg="add del mod">
+          <ac:chgData name="Tobias Stadtfeld" userId="7e695269987144e5" providerId="LiveId" clId="{85484BEE-13EB-4DC1-8A3C-773F2E1512DB}" dt="2025-02-11T11:07:25.066" v="118" actId="478"/>
+          <ac:spMkLst>
+            <pc:docMk/>
+            <pc:sldMk cId="2530979781" sldId="262"/>
+            <ac:spMk id="27" creationId="{358C1A27-C507-D57F-398C-871F09AC8B1A}"/>
+          </ac:spMkLst>
+        </pc:spChg>
+        <pc:spChg chg="add mod">
+          <ac:chgData name="Tobias Stadtfeld" userId="7e695269987144e5" providerId="LiveId" clId="{85484BEE-13EB-4DC1-8A3C-773F2E1512DB}" dt="2025-02-11T11:31:54.682" v="613" actId="20577"/>
+          <ac:spMkLst>
+            <pc:docMk/>
+            <pc:sldMk cId="2530979781" sldId="262"/>
+            <ac:spMk id="28" creationId="{FCC5C015-6BF2-F8D4-1392-402425460E6E}"/>
+          </ac:spMkLst>
+        </pc:spChg>
+        <pc:spChg chg="add del mod">
+          <ac:chgData name="Tobias Stadtfeld" userId="7e695269987144e5" providerId="LiveId" clId="{85484BEE-13EB-4DC1-8A3C-773F2E1512DB}" dt="2025-02-11T11:06:49.966" v="111" actId="478"/>
+          <ac:spMkLst>
+            <pc:docMk/>
+            <pc:sldMk cId="2530979781" sldId="262"/>
+            <ac:spMk id="29" creationId="{B1796D1F-A385-A10C-A816-4EC77A3344D7}"/>
+          </ac:spMkLst>
+        </pc:spChg>
+        <pc:spChg chg="add del mod">
+          <ac:chgData name="Tobias Stadtfeld" userId="7e695269987144e5" providerId="LiveId" clId="{85484BEE-13EB-4DC1-8A3C-773F2E1512DB}" dt="2025-02-11T11:06:51.508" v="112" actId="478"/>
+          <ac:spMkLst>
+            <pc:docMk/>
+            <pc:sldMk cId="2530979781" sldId="262"/>
+            <ac:spMk id="30" creationId="{FD450736-EA98-B8F1-F3AD-43F29CA46282}"/>
+          </ac:spMkLst>
+        </pc:spChg>
+        <pc:spChg chg="add mod">
+          <ac:chgData name="Tobias Stadtfeld" userId="7e695269987144e5" providerId="LiveId" clId="{85484BEE-13EB-4DC1-8A3C-773F2E1512DB}" dt="2025-02-11T11:07:10.244" v="115" actId="1076"/>
+          <ac:spMkLst>
+            <pc:docMk/>
+            <pc:sldMk cId="2530979781" sldId="262"/>
+            <ac:spMk id="32" creationId="{E270E80C-E37D-53EF-84D0-28B11DB8F846}"/>
+          </ac:spMkLst>
+        </pc:spChg>
+        <pc:spChg chg="add mod">
+          <ac:chgData name="Tobias Stadtfeld" userId="7e695269987144e5" providerId="LiveId" clId="{85484BEE-13EB-4DC1-8A3C-773F2E1512DB}" dt="2025-02-11T11:07:10.244" v="115" actId="1076"/>
+          <ac:spMkLst>
+            <pc:docMk/>
+            <pc:sldMk cId="2530979781" sldId="262"/>
+            <ac:spMk id="33" creationId="{686C7DE4-4A7B-FF00-2EF4-FA62B5D3A5A4}"/>
+          </ac:spMkLst>
+        </pc:spChg>
+        <pc:spChg chg="add mod">
+          <ac:chgData name="Tobias Stadtfeld" userId="7e695269987144e5" providerId="LiveId" clId="{85484BEE-13EB-4DC1-8A3C-773F2E1512DB}" dt="2025-02-11T11:07:10.244" v="115" actId="1076"/>
+          <ac:spMkLst>
+            <pc:docMk/>
+            <pc:sldMk cId="2530979781" sldId="262"/>
+            <ac:spMk id="35" creationId="{03B25788-BF1C-2A7A-D011-CE000FD42A17}"/>
+          </ac:spMkLst>
+        </pc:spChg>
+        <pc:spChg chg="add mod ord">
+          <ac:chgData name="Tobias Stadtfeld" userId="7e695269987144e5" providerId="LiveId" clId="{85484BEE-13EB-4DC1-8A3C-773F2E1512DB}" dt="2025-02-11T11:10:42.806" v="132" actId="14100"/>
+          <ac:spMkLst>
+            <pc:docMk/>
+            <pc:sldMk cId="2530979781" sldId="262"/>
+            <ac:spMk id="42" creationId="{760206D4-8184-9FC2-4F76-7BD8134970B8}"/>
+          </ac:spMkLst>
+        </pc:spChg>
+        <pc:spChg chg="add mod ord">
+          <ac:chgData name="Tobias Stadtfeld" userId="7e695269987144e5" providerId="LiveId" clId="{85484BEE-13EB-4DC1-8A3C-773F2E1512DB}" dt="2025-02-11T11:31:27.125" v="607" actId="166"/>
+          <ac:spMkLst>
+            <pc:docMk/>
+            <pc:sldMk cId="2530979781" sldId="262"/>
+            <ac:spMk id="43" creationId="{A4EDBD6A-7E9F-B56E-1141-1EF739B01C1C}"/>
+          </ac:spMkLst>
+        </pc:spChg>
+        <pc:spChg chg="add mod">
+          <ac:chgData name="Tobias Stadtfeld" userId="7e695269987144e5" providerId="LiveId" clId="{85484BEE-13EB-4DC1-8A3C-773F2E1512DB}" dt="2025-02-11T11:11:56.832" v="209" actId="1076"/>
+          <ac:spMkLst>
+            <pc:docMk/>
+            <pc:sldMk cId="2530979781" sldId="262"/>
+            <ac:spMk id="44" creationId="{BA5BE049-8380-69F9-0DDB-64FE3B37A8B0}"/>
+          </ac:spMkLst>
+        </pc:spChg>
+        <pc:spChg chg="add del mod">
+          <ac:chgData name="Tobias Stadtfeld" userId="7e695269987144e5" providerId="LiveId" clId="{85484BEE-13EB-4DC1-8A3C-773F2E1512DB}" dt="2025-02-11T11:19:42.738" v="414" actId="478"/>
+          <ac:spMkLst>
+            <pc:docMk/>
+            <pc:sldMk cId="2530979781" sldId="262"/>
+            <ac:spMk id="67" creationId="{FFB229A0-0AD4-7349-2A76-84FF955333E5}"/>
+          </ac:spMkLst>
+        </pc:spChg>
+        <pc:spChg chg="add del mod">
+          <ac:chgData name="Tobias Stadtfeld" userId="7e695269987144e5" providerId="LiveId" clId="{85484BEE-13EB-4DC1-8A3C-773F2E1512DB}" dt="2025-02-11T11:25:30.698" v="579" actId="478"/>
+          <ac:spMkLst>
+            <pc:docMk/>
+            <pc:sldMk cId="2530979781" sldId="262"/>
+            <ac:spMk id="68" creationId="{4E6AA008-1F5E-0C0B-2B65-79B2817761F3}"/>
+          </ac:spMkLst>
+        </pc:spChg>
+        <pc:spChg chg="add mod ord">
+          <ac:chgData name="Tobias Stadtfeld" userId="7e695269987144e5" providerId="LiveId" clId="{85484BEE-13EB-4DC1-8A3C-773F2E1512DB}" dt="2025-02-11T11:26:12.721" v="584" actId="1076"/>
+          <ac:spMkLst>
+            <pc:docMk/>
+            <pc:sldMk cId="2530979781" sldId="262"/>
+            <ac:spMk id="69" creationId="{FE7AE69D-1EA2-DA51-7332-85F08F7DD8C0}"/>
+          </ac:spMkLst>
+        </pc:spChg>
+        <pc:spChg chg="add del mod">
+          <ac:chgData name="Tobias Stadtfeld" userId="7e695269987144e5" providerId="LiveId" clId="{85484BEE-13EB-4DC1-8A3C-773F2E1512DB}" dt="2025-02-11T11:31:29.656" v="609" actId="478"/>
+          <ac:spMkLst>
+            <pc:docMk/>
+            <pc:sldMk cId="2530979781" sldId="262"/>
+            <ac:spMk id="70" creationId="{5065FDAB-65F2-4EBD-1036-400702CEFF44}"/>
+          </ac:spMkLst>
+        </pc:spChg>
+        <pc:spChg chg="add mod">
+          <ac:chgData name="Tobias Stadtfeld" userId="7e695269987144e5" providerId="LiveId" clId="{85484BEE-13EB-4DC1-8A3C-773F2E1512DB}" dt="2025-02-11T11:27:03.088" v="590" actId="1076"/>
+          <ac:spMkLst>
+            <pc:docMk/>
+            <pc:sldMk cId="2530979781" sldId="262"/>
+            <ac:spMk id="71" creationId="{68C8C849-A23F-6AAB-D18F-980E9EF11C4A}"/>
+          </ac:spMkLst>
+        </pc:spChg>
+        <pc:spChg chg="add mod">
+          <ac:chgData name="Tobias Stadtfeld" userId="7e695269987144e5" providerId="LiveId" clId="{85484BEE-13EB-4DC1-8A3C-773F2E1512DB}" dt="2025-02-11T11:27:28.833" v="598" actId="1076"/>
+          <ac:spMkLst>
+            <pc:docMk/>
+            <pc:sldMk cId="2530979781" sldId="262"/>
+            <ac:spMk id="72" creationId="{4E720CA6-8706-E8D8-5A67-B28FCA56E9CE}"/>
+          </ac:spMkLst>
+        </pc:spChg>
+        <pc:spChg chg="add del mod">
+          <ac:chgData name="Tobias Stadtfeld" userId="7e695269987144e5" providerId="LiveId" clId="{85484BEE-13EB-4DC1-8A3C-773F2E1512DB}" dt="2025-02-11T11:31:20.338" v="606" actId="1582"/>
+          <ac:spMkLst>
+            <pc:docMk/>
+            <pc:sldMk cId="2530979781" sldId="262"/>
+            <ac:spMk id="73" creationId="{BCC6B6A0-B266-4660-5E86-2541976493D6}"/>
+          </ac:spMkLst>
+        </pc:spChg>
+        <pc:spChg chg="add del mod">
+          <ac:chgData name="Tobias Stadtfeld" userId="7e695269987144e5" providerId="LiveId" clId="{85484BEE-13EB-4DC1-8A3C-773F2E1512DB}" dt="2025-02-11T11:33:08.644" v="740"/>
+          <ac:spMkLst>
+            <pc:docMk/>
+            <pc:sldMk cId="2530979781" sldId="262"/>
+            <ac:spMk id="74" creationId="{087D3E48-E478-F9C4-4345-D8B3F6DD476C}"/>
+          </ac:spMkLst>
+        </pc:spChg>
+        <pc:spChg chg="add mod">
+          <ac:chgData name="Tobias Stadtfeld" userId="7e695269987144e5" providerId="LiveId" clId="{85484BEE-13EB-4DC1-8A3C-773F2E1512DB}" dt="2025-02-11T11:35:29.174" v="913" actId="20577"/>
+          <ac:spMkLst>
+            <pc:docMk/>
+            <pc:sldMk cId="2530979781" sldId="262"/>
+            <ac:spMk id="77" creationId="{32569B44-8383-6CD4-D9D9-DB8AC5F9B8AB}"/>
+          </ac:spMkLst>
+        </pc:spChg>
+        <pc:spChg chg="add mod">
+          <ac:chgData name="Tobias Stadtfeld" userId="7e695269987144e5" providerId="LiveId" clId="{85484BEE-13EB-4DC1-8A3C-773F2E1512DB}" dt="2025-02-11T11:37:51.316" v="950" actId="33524"/>
+          <ac:spMkLst>
+            <pc:docMk/>
+            <pc:sldMk cId="2530979781" sldId="262"/>
+            <ac:spMk id="78" creationId="{D3404E8B-7621-DB17-7538-B7E40314E5DD}"/>
+          </ac:spMkLst>
+        </pc:spChg>
+        <pc:cxnChg chg="add mod">
+          <ac:chgData name="Tobias Stadtfeld" userId="7e695269987144e5" providerId="LiveId" clId="{85484BEE-13EB-4DC1-8A3C-773F2E1512DB}" dt="2025-02-11T11:06:30.427" v="108" actId="1076"/>
+          <ac:cxnSpMkLst>
+            <pc:docMk/>
+            <pc:sldMk cId="2530979781" sldId="262"/>
+            <ac:cxnSpMk id="9" creationId="{339B844E-67C2-5A69-0C14-7809B0931D53}"/>
+          </ac:cxnSpMkLst>
+        </pc:cxnChg>
+        <pc:cxnChg chg="add mod">
+          <ac:chgData name="Tobias Stadtfeld" userId="7e695269987144e5" providerId="LiveId" clId="{85484BEE-13EB-4DC1-8A3C-773F2E1512DB}" dt="2025-02-11T11:06:30.427" v="108" actId="1076"/>
+          <ac:cxnSpMkLst>
+            <pc:docMk/>
+            <pc:sldMk cId="2530979781" sldId="262"/>
+            <ac:cxnSpMk id="13" creationId="{BB6012DF-0515-8EB9-6530-0B104705AC32}"/>
+          </ac:cxnSpMkLst>
+        </pc:cxnChg>
+        <pc:cxnChg chg="add del mod">
+          <ac:chgData name="Tobias Stadtfeld" userId="7e695269987144e5" providerId="LiveId" clId="{85484BEE-13EB-4DC1-8A3C-773F2E1512DB}" dt="2025-02-11T11:33:29.113" v="742" actId="478"/>
+          <ac:cxnSpMkLst>
+            <pc:docMk/>
+            <pc:sldMk cId="2530979781" sldId="262"/>
+            <ac:cxnSpMk id="21" creationId="{36269760-325C-A3F0-B949-27FC74654EDF}"/>
+          </ac:cxnSpMkLst>
+        </pc:cxnChg>
+        <pc:cxnChg chg="add mod">
+          <ac:chgData name="Tobias Stadtfeld" userId="7e695269987144e5" providerId="LiveId" clId="{85484BEE-13EB-4DC1-8A3C-773F2E1512DB}" dt="2025-02-11T11:07:10.244" v="115" actId="1076"/>
+          <ac:cxnSpMkLst>
+            <pc:docMk/>
+            <pc:sldMk cId="2530979781" sldId="262"/>
+            <ac:cxnSpMk id="31" creationId="{C7424096-66F0-21A8-9DA7-F8EC4CDA4669}"/>
+          </ac:cxnSpMkLst>
+        </pc:cxnChg>
+        <pc:cxnChg chg="add mod">
+          <ac:chgData name="Tobias Stadtfeld" userId="7e695269987144e5" providerId="LiveId" clId="{85484BEE-13EB-4DC1-8A3C-773F2E1512DB}" dt="2025-02-11T11:07:10.244" v="115" actId="1076"/>
+          <ac:cxnSpMkLst>
+            <pc:docMk/>
+            <pc:sldMk cId="2530979781" sldId="262"/>
+            <ac:cxnSpMk id="34" creationId="{84FBCE0D-98C3-0CEA-C736-7182243D2EE4}"/>
+          </ac:cxnSpMkLst>
+        </pc:cxnChg>
+        <pc:cxnChg chg="add mod">
+          <ac:chgData name="Tobias Stadtfeld" userId="7e695269987144e5" providerId="LiveId" clId="{85484BEE-13EB-4DC1-8A3C-773F2E1512DB}" dt="2025-02-11T11:33:36.490" v="743" actId="14100"/>
+          <ac:cxnSpMkLst>
+            <pc:docMk/>
+            <pc:sldMk cId="2530979781" sldId="262"/>
+            <ac:cxnSpMk id="36" creationId="{D5D65B22-0C4A-9277-C80D-0979140B5CAA}"/>
+          </ac:cxnSpMkLst>
+        </pc:cxnChg>
+        <pc:cxnChg chg="add del mod">
+          <ac:chgData name="Tobias Stadtfeld" userId="7e695269987144e5" providerId="LiveId" clId="{85484BEE-13EB-4DC1-8A3C-773F2E1512DB}" dt="2025-02-11T11:19:04.837" v="405" actId="478"/>
+          <ac:cxnSpMkLst>
+            <pc:docMk/>
+            <pc:sldMk cId="2530979781" sldId="262"/>
+            <ac:cxnSpMk id="40" creationId="{B9E53AC0-3DE5-3992-E1E4-150B0B053E85}"/>
+          </ac:cxnSpMkLst>
+        </pc:cxnChg>
+        <pc:cxnChg chg="add del">
+          <ac:chgData name="Tobias Stadtfeld" userId="7e695269987144e5" providerId="LiveId" clId="{85484BEE-13EB-4DC1-8A3C-773F2E1512DB}" dt="2025-02-11T11:17:26.021" v="377" actId="11529"/>
+          <ac:cxnSpMkLst>
+            <pc:docMk/>
+            <pc:sldMk cId="2530979781" sldId="262"/>
+            <ac:cxnSpMk id="46" creationId="{C3D9BD12-CE54-1147-CA57-AB4762538CAD}"/>
+          </ac:cxnSpMkLst>
+        </pc:cxnChg>
+        <pc:cxnChg chg="add del mod">
+          <ac:chgData name="Tobias Stadtfeld" userId="7e695269987144e5" providerId="LiveId" clId="{85484BEE-13EB-4DC1-8A3C-773F2E1512DB}" dt="2025-02-11T11:21:21.776" v="498" actId="478"/>
+          <ac:cxnSpMkLst>
+            <pc:docMk/>
+            <pc:sldMk cId="2530979781" sldId="262"/>
+            <ac:cxnSpMk id="48" creationId="{EC4079C3-E9FA-1ED2-A0C0-2B58A555CE62}"/>
+          </ac:cxnSpMkLst>
+        </pc:cxnChg>
+        <pc:cxnChg chg="add del mod">
+          <ac:chgData name="Tobias Stadtfeld" userId="7e695269987144e5" providerId="LiveId" clId="{85484BEE-13EB-4DC1-8A3C-773F2E1512DB}" dt="2025-02-11T11:17:49.233" v="386" actId="478"/>
+          <ac:cxnSpMkLst>
+            <pc:docMk/>
+            <pc:sldMk cId="2530979781" sldId="262"/>
+            <ac:cxnSpMk id="52" creationId="{638CCFC4-06F2-1352-34FC-D1AE27AE2229}"/>
+          </ac:cxnSpMkLst>
+        </pc:cxnChg>
+        <pc:cxnChg chg="add del mod">
+          <ac:chgData name="Tobias Stadtfeld" userId="7e695269987144e5" providerId="LiveId" clId="{85484BEE-13EB-4DC1-8A3C-773F2E1512DB}" dt="2025-02-11T11:17:49.934" v="387" actId="478"/>
+          <ac:cxnSpMkLst>
+            <pc:docMk/>
+            <pc:sldMk cId="2530979781" sldId="262"/>
+            <ac:cxnSpMk id="53" creationId="{2A2ECBBF-820B-8A87-266C-749F9745B64B}"/>
+          </ac:cxnSpMkLst>
+        </pc:cxnChg>
+        <pc:cxnChg chg="add del mod">
+          <ac:chgData name="Tobias Stadtfeld" userId="7e695269987144e5" providerId="LiveId" clId="{85484BEE-13EB-4DC1-8A3C-773F2E1512DB}" dt="2025-02-11T11:21:21.776" v="498" actId="478"/>
+          <ac:cxnSpMkLst>
+            <pc:docMk/>
+            <pc:sldMk cId="2530979781" sldId="262"/>
+            <ac:cxnSpMk id="55" creationId="{F921931F-2138-7844-CE50-EF682C368BAD}"/>
+          </ac:cxnSpMkLst>
+        </pc:cxnChg>
+        <pc:cxnChg chg="add del mod">
+          <ac:chgData name="Tobias Stadtfeld" userId="7e695269987144e5" providerId="LiveId" clId="{85484BEE-13EB-4DC1-8A3C-773F2E1512DB}" dt="2025-02-11T11:21:21.776" v="498" actId="478"/>
+          <ac:cxnSpMkLst>
+            <pc:docMk/>
+            <pc:sldMk cId="2530979781" sldId="262"/>
+            <ac:cxnSpMk id="63" creationId="{AA918F4D-AD8E-4F1A-A2C5-3DA9C3CE1F96}"/>
+          </ac:cxnSpMkLst>
+        </pc:cxnChg>
+        <pc:cxnChg chg="add del mod">
+          <ac:chgData name="Tobias Stadtfeld" userId="7e695269987144e5" providerId="LiveId" clId="{85484BEE-13EB-4DC1-8A3C-773F2E1512DB}" dt="2025-02-11T11:21:21.776" v="498" actId="478"/>
+          <ac:cxnSpMkLst>
+            <pc:docMk/>
+            <pc:sldMk cId="2530979781" sldId="262"/>
+            <ac:cxnSpMk id="64" creationId="{216CE356-CFFC-4DE3-6147-88C57FE86A7C}"/>
+          </ac:cxnSpMkLst>
+        </pc:cxnChg>
+        <pc:cxnChg chg="add mod">
+          <ac:chgData name="Tobias Stadtfeld" userId="7e695269987144e5" providerId="LiveId" clId="{85484BEE-13EB-4DC1-8A3C-773F2E1512DB}" dt="2025-02-11T11:33:41.845" v="745" actId="1076"/>
+          <ac:cxnSpMkLst>
+            <pc:docMk/>
+            <pc:sldMk cId="2530979781" sldId="262"/>
+            <ac:cxnSpMk id="76" creationId="{2863FF2F-CD23-A5EF-F8D2-64517505BB0F}"/>
+          </ac:cxnSpMkLst>
+        </pc:cxnChg>
+      </pc:sldChg>
+      <pc:sldChg chg="addSp delSp modSp new mod">
+        <pc:chgData name="Tobias Stadtfeld" userId="7e695269987144e5" providerId="LiveId" clId="{85484BEE-13EB-4DC1-8A3C-773F2E1512DB}" dt="2025-02-11T11:58:54.658" v="1000" actId="14100"/>
+        <pc:sldMkLst>
+          <pc:docMk/>
+          <pc:sldMk cId="2846740160" sldId="263"/>
+        </pc:sldMkLst>
+        <pc:spChg chg="del">
+          <ac:chgData name="Tobias Stadtfeld" userId="7e695269987144e5" providerId="LiveId" clId="{85484BEE-13EB-4DC1-8A3C-773F2E1512DB}" dt="2025-02-11T11:56:04.094" v="958" actId="478"/>
+          <ac:spMkLst>
+            <pc:docMk/>
+            <pc:sldMk cId="2846740160" sldId="263"/>
+            <ac:spMk id="2" creationId="{F6DC9067-4B87-2151-124B-9691E29D8294}"/>
+          </ac:spMkLst>
+        </pc:spChg>
+        <pc:spChg chg="del mod">
+          <ac:chgData name="Tobias Stadtfeld" userId="7e695269987144e5" providerId="LiveId" clId="{85484BEE-13EB-4DC1-8A3C-773F2E1512DB}" dt="2025-02-11T11:56:00.303" v="956" actId="478"/>
+          <ac:spMkLst>
+            <pc:docMk/>
+            <pc:sldMk cId="2846740160" sldId="263"/>
+            <ac:spMk id="3" creationId="{218AA77E-E818-CA4D-CF5D-0E11EE230B4C}"/>
+          </ac:spMkLst>
+        </pc:spChg>
+        <pc:spChg chg="add del mod">
+          <ac:chgData name="Tobias Stadtfeld" userId="7e695269987144e5" providerId="LiveId" clId="{85484BEE-13EB-4DC1-8A3C-773F2E1512DB}" dt="2025-02-11T11:56:02.164" v="957" actId="478"/>
+          <ac:spMkLst>
+            <pc:docMk/>
+            <pc:sldMk cId="2846740160" sldId="263"/>
+            <ac:spMk id="5" creationId="{795AB991-382C-59FC-FCDF-23559834AE0D}"/>
+          </ac:spMkLst>
+        </pc:spChg>
+        <pc:spChg chg="add mod ord">
+          <ac:chgData name="Tobias Stadtfeld" userId="7e695269987144e5" providerId="LiveId" clId="{85484BEE-13EB-4DC1-8A3C-773F2E1512DB}" dt="2025-02-11T11:57:36.038" v="975" actId="166"/>
+          <ac:spMkLst>
+            <pc:docMk/>
+            <pc:sldMk cId="2846740160" sldId="263"/>
+            <ac:spMk id="6" creationId="{C0C2FA92-4D1E-1263-304E-AA15C4EA7B4A}"/>
+          </ac:spMkLst>
+        </pc:spChg>
+        <pc:spChg chg="add mod">
+          <ac:chgData name="Tobias Stadtfeld" userId="7e695269987144e5" providerId="LiveId" clId="{85484BEE-13EB-4DC1-8A3C-773F2E1512DB}" dt="2025-02-11T11:57:31.470" v="973" actId="1076"/>
+          <ac:spMkLst>
+            <pc:docMk/>
+            <pc:sldMk cId="2846740160" sldId="263"/>
+            <ac:spMk id="7" creationId="{27ED9CCB-D29A-9D6B-93F5-DCD0D2DD58D5}"/>
+          </ac:spMkLst>
+        </pc:spChg>
+        <pc:spChg chg="add mod">
+          <ac:chgData name="Tobias Stadtfeld" userId="7e695269987144e5" providerId="LiveId" clId="{85484BEE-13EB-4DC1-8A3C-773F2E1512DB}" dt="2025-02-11T11:57:28.622" v="972" actId="1076"/>
+          <ac:spMkLst>
+            <pc:docMk/>
+            <pc:sldMk cId="2846740160" sldId="263"/>
+            <ac:spMk id="8" creationId="{ECE8C241-CADA-0FE8-2D35-9781CF0B6D33}"/>
+          </ac:spMkLst>
+        </pc:spChg>
+        <pc:spChg chg="add mod">
+          <ac:chgData name="Tobias Stadtfeld" userId="7e695269987144e5" providerId="LiveId" clId="{85484BEE-13EB-4DC1-8A3C-773F2E1512DB}" dt="2025-02-11T11:58:39.214" v="993" actId="14100"/>
+          <ac:spMkLst>
+            <pc:docMk/>
+            <pc:sldMk cId="2846740160" sldId="263"/>
+            <ac:spMk id="9" creationId="{2F0C2833-7E35-C7DD-3302-35B324B3022B}"/>
+          </ac:spMkLst>
+        </pc:spChg>
+        <pc:spChg chg="add mod">
+          <ac:chgData name="Tobias Stadtfeld" userId="7e695269987144e5" providerId="LiveId" clId="{85484BEE-13EB-4DC1-8A3C-773F2E1512DB}" dt="2025-02-11T11:58:15.283" v="983" actId="14100"/>
+          <ac:spMkLst>
+            <pc:docMk/>
+            <pc:sldMk cId="2846740160" sldId="263"/>
+            <ac:spMk id="10" creationId="{626125EC-6E05-C10B-288C-35B79B0C4BCA}"/>
+          </ac:spMkLst>
+        </pc:spChg>
+        <pc:spChg chg="add mod">
+          <ac:chgData name="Tobias Stadtfeld" userId="7e695269987144e5" providerId="LiveId" clId="{85484BEE-13EB-4DC1-8A3C-773F2E1512DB}" dt="2025-02-11T11:58:33.968" v="991" actId="14100"/>
+          <ac:spMkLst>
+            <pc:docMk/>
+            <pc:sldMk cId="2846740160" sldId="263"/>
+            <ac:spMk id="11" creationId="{BEC7372A-8FC3-652C-E14E-7EEA7CB9C921}"/>
+          </ac:spMkLst>
+        </pc:spChg>
+        <pc:spChg chg="add mod">
+          <ac:chgData name="Tobias Stadtfeld" userId="7e695269987144e5" providerId="LiveId" clId="{85484BEE-13EB-4DC1-8A3C-773F2E1512DB}" dt="2025-02-11T11:58:54.658" v="1000" actId="14100"/>
+          <ac:spMkLst>
+            <pc:docMk/>
+            <pc:sldMk cId="2846740160" sldId="263"/>
+            <ac:spMk id="12" creationId="{49A083F3-17D1-0113-1E17-538CDD51D470}"/>
+          </ac:spMkLst>
+        </pc:spChg>
       </pc:sldChg>
     </pc:docChg>
   </pc:docChgLst>
@@ -1338,7 +1674,7 @@
           <a:p>
             <a:fld id="{4B7C8FB9-FAD6-4748-B71C-FAE8C47BD55A}" type="datetimeFigureOut">
               <a:rPr lang="en-US" smtClean="0"/>
-              <a:t>1/14/2025</a:t>
+              <a:t>2/11/2025</a:t>
             </a:fld>
             <a:endParaRPr lang="en-US"/>
           </a:p>
@@ -1929,7 +2265,7 @@
           <a:p>
             <a:fld id="{5DF6A792-334E-478A-AAEA-36BB888C9834}" type="datetimeFigureOut">
               <a:rPr lang="en-US" smtClean="0"/>
-              <a:t>1/14/2025</a:t>
+              <a:t>2/11/2025</a:t>
             </a:fld>
             <a:endParaRPr lang="en-US"/>
           </a:p>
@@ -2099,7 +2435,7 @@
           <a:p>
             <a:fld id="{5DF6A792-334E-478A-AAEA-36BB888C9834}" type="datetimeFigureOut">
               <a:rPr lang="en-US" smtClean="0"/>
-              <a:t>1/14/2025</a:t>
+              <a:t>2/11/2025</a:t>
             </a:fld>
             <a:endParaRPr lang="en-US"/>
           </a:p>
@@ -2279,7 +2615,7 @@
           <a:p>
             <a:fld id="{5DF6A792-334E-478A-AAEA-36BB888C9834}" type="datetimeFigureOut">
               <a:rPr lang="en-US" smtClean="0"/>
-              <a:t>1/14/2025</a:t>
+              <a:t>2/11/2025</a:t>
             </a:fld>
             <a:endParaRPr lang="en-US"/>
           </a:p>
@@ -2449,7 +2785,7 @@
           <a:p>
             <a:fld id="{5DF6A792-334E-478A-AAEA-36BB888C9834}" type="datetimeFigureOut">
               <a:rPr lang="en-US" smtClean="0"/>
-              <a:t>1/14/2025</a:t>
+              <a:t>2/11/2025</a:t>
             </a:fld>
             <a:endParaRPr lang="en-US"/>
           </a:p>
@@ -2695,7 +3031,7 @@
           <a:p>
             <a:fld id="{5DF6A792-334E-478A-AAEA-36BB888C9834}" type="datetimeFigureOut">
               <a:rPr lang="en-US" smtClean="0"/>
-              <a:t>1/14/2025</a:t>
+              <a:t>2/11/2025</a:t>
             </a:fld>
             <a:endParaRPr lang="en-US"/>
           </a:p>
@@ -2927,7 +3263,7 @@
           <a:p>
             <a:fld id="{5DF6A792-334E-478A-AAEA-36BB888C9834}" type="datetimeFigureOut">
               <a:rPr lang="en-US" smtClean="0"/>
-              <a:t>1/14/2025</a:t>
+              <a:t>2/11/2025</a:t>
             </a:fld>
             <a:endParaRPr lang="en-US"/>
           </a:p>
@@ -3294,7 +3630,7 @@
           <a:p>
             <a:fld id="{5DF6A792-334E-478A-AAEA-36BB888C9834}" type="datetimeFigureOut">
               <a:rPr lang="en-US" smtClean="0"/>
-              <a:t>1/14/2025</a:t>
+              <a:t>2/11/2025</a:t>
             </a:fld>
             <a:endParaRPr lang="en-US"/>
           </a:p>
@@ -3412,7 +3748,7 @@
           <a:p>
             <a:fld id="{5DF6A792-334E-478A-AAEA-36BB888C9834}" type="datetimeFigureOut">
               <a:rPr lang="en-US" smtClean="0"/>
-              <a:t>1/14/2025</a:t>
+              <a:t>2/11/2025</a:t>
             </a:fld>
             <a:endParaRPr lang="en-US"/>
           </a:p>
@@ -3507,7 +3843,7 @@
           <a:p>
             <a:fld id="{5DF6A792-334E-478A-AAEA-36BB888C9834}" type="datetimeFigureOut">
               <a:rPr lang="en-US" smtClean="0"/>
-              <a:t>1/14/2025</a:t>
+              <a:t>2/11/2025</a:t>
             </a:fld>
             <a:endParaRPr lang="en-US"/>
           </a:p>
@@ -3784,7 +4120,7 @@
           <a:p>
             <a:fld id="{5DF6A792-334E-478A-AAEA-36BB888C9834}" type="datetimeFigureOut">
               <a:rPr lang="en-US" smtClean="0"/>
-              <a:t>1/14/2025</a:t>
+              <a:t>2/11/2025</a:t>
             </a:fld>
             <a:endParaRPr lang="en-US"/>
           </a:p>
@@ -4041,7 +4377,7 @@
           <a:p>
             <a:fld id="{5DF6A792-334E-478A-AAEA-36BB888C9834}" type="datetimeFigureOut">
               <a:rPr lang="en-US" smtClean="0"/>
-              <a:t>1/14/2025</a:t>
+              <a:t>2/11/2025</a:t>
             </a:fld>
             <a:endParaRPr lang="en-US"/>
           </a:p>
@@ -4254,7 +4590,7 @@
           <a:p>
             <a:fld id="{5DF6A792-334E-478A-AAEA-36BB888C9834}" type="datetimeFigureOut">
               <a:rPr lang="en-US" smtClean="0"/>
-              <a:t>1/14/2025</a:t>
+              <a:t>2/11/2025</a:t>
             </a:fld>
             <a:endParaRPr lang="en-US"/>
           </a:p>
@@ -6065,23 +6401,7 @@
                   <a:schemeClr val="bg1"/>
                 </a:solidFill>
               </a:rPr>
-              <a:t>Mein Hirn und Körper / </a:t>
-            </a:r>
-            <a:r>
-              <a:rPr lang="de-DE" sz="1600" dirty="0" err="1">
-                <a:solidFill>
-                  <a:schemeClr val="bg1"/>
-                </a:solidFill>
-              </a:rPr>
-              <a:t>Kaffetasse</a:t>
-            </a:r>
-            <a:r>
-              <a:rPr lang="de-DE" sz="1600" dirty="0">
-                <a:solidFill>
-                  <a:schemeClr val="bg1"/>
-                </a:solidFill>
-              </a:rPr>
-              <a:t> - Entität Typ III</a:t>
+              <a:t>Mein Hirn und Körper / Kaffeetasse - Entität Typ III</a:t>
             </a:r>
           </a:p>
         </p:txBody>
@@ -11062,6 +11382,2061 @@
     <p:extLst>
       <p:ext uri="{BB962C8B-B14F-4D97-AF65-F5344CB8AC3E}">
         <p14:creationId xmlns:p14="http://schemas.microsoft.com/office/powerpoint/2010/main" val="435037171"/>
+      </p:ext>
+    </p:extLst>
+  </p:cSld>
+  <p:clrMapOvr>
+    <a:masterClrMapping/>
+  </p:clrMapOvr>
+</p:sld>
+</file>
+
+<file path=ppt/slides/slide6.xml><?xml version="1.0" encoding="utf-8"?>
+<p:sld xmlns:a="http://schemas.openxmlformats.org/drawingml/2006/main" xmlns:r="http://schemas.openxmlformats.org/officeDocument/2006/relationships" xmlns:p="http://schemas.openxmlformats.org/presentationml/2006/main">
+  <p:cSld>
+    <p:spTree>
+      <p:nvGrpSpPr>
+        <p:cNvPr id="1" name=""/>
+        <p:cNvGrpSpPr/>
+        <p:nvPr/>
+      </p:nvGrpSpPr>
+      <p:grpSpPr>
+        <a:xfrm>
+          <a:off x="0" y="0"/>
+          <a:ext cx="0" cy="0"/>
+          <a:chOff x="0" y="0"/>
+          <a:chExt cx="0" cy="0"/>
+        </a:xfrm>
+      </p:grpSpPr>
+      <p:sp>
+        <p:nvSpPr>
+          <p:cNvPr id="69" name="Gleichschenkliges Dreieck 68">
+            <a:extLst>
+              <a:ext uri="{FF2B5EF4-FFF2-40B4-BE49-F238E27FC236}">
+                <a16:creationId xmlns:a16="http://schemas.microsoft.com/office/drawing/2014/main" id="{FE7AE69D-1EA2-DA51-7332-85F08F7DD8C0}"/>
+              </a:ext>
+            </a:extLst>
+          </p:cNvPr>
+          <p:cNvSpPr/>
+          <p:nvPr/>
+        </p:nvSpPr>
+        <p:spPr>
+          <a:xfrm>
+            <a:off x="5500641" y="3315339"/>
+            <a:ext cx="2482672" cy="2033135"/>
+          </a:xfrm>
+          <a:prstGeom prst="triangle">
+            <a:avLst/>
+          </a:prstGeom>
+          <a:solidFill>
+            <a:srgbClr val="92D050"/>
+          </a:solidFill>
+        </p:spPr>
+        <p:style>
+          <a:lnRef idx="2">
+            <a:schemeClr val="accent1">
+              <a:shade val="15000"/>
+            </a:schemeClr>
+          </a:lnRef>
+          <a:fillRef idx="1">
+            <a:schemeClr val="accent1"/>
+          </a:fillRef>
+          <a:effectRef idx="0">
+            <a:schemeClr val="accent1"/>
+          </a:effectRef>
+          <a:fontRef idx="minor">
+            <a:schemeClr val="lt1"/>
+          </a:fontRef>
+        </p:style>
+        <p:txBody>
+          <a:bodyPr rtlCol="0" anchor="ctr"/>
+          <a:lstStyle/>
+          <a:p>
+            <a:pPr algn="ctr"/>
+            <a:endParaRPr lang="de-DE"/>
+          </a:p>
+        </p:txBody>
+      </p:sp>
+      <p:sp>
+        <p:nvSpPr>
+          <p:cNvPr id="42" name="Freihandform: Form 41">
+            <a:extLst>
+              <a:ext uri="{FF2B5EF4-FFF2-40B4-BE49-F238E27FC236}">
+                <a16:creationId xmlns:a16="http://schemas.microsoft.com/office/drawing/2014/main" id="{760206D4-8184-9FC2-4F76-7BD8134970B8}"/>
+              </a:ext>
+            </a:extLst>
+          </p:cNvPr>
+          <p:cNvSpPr/>
+          <p:nvPr/>
+        </p:nvSpPr>
+        <p:spPr>
+          <a:xfrm>
+            <a:off x="8208315" y="3315339"/>
+            <a:ext cx="2636769" cy="1982051"/>
+          </a:xfrm>
+          <a:custGeom>
+            <a:avLst/>
+            <a:gdLst>
+              <a:gd name="connsiteX0" fmla="*/ 0 w 5072621"/>
+              <a:gd name="connsiteY0" fmla="*/ 0 h 2210190"/>
+              <a:gd name="connsiteX1" fmla="*/ 1190252 w 5072621"/>
+              <a:gd name="connsiteY1" fmla="*/ 1864559 h 2210190"/>
+              <a:gd name="connsiteX2" fmla="*/ 2109760 w 5072621"/>
+              <a:gd name="connsiteY2" fmla="*/ 86843 h 2210190"/>
+              <a:gd name="connsiteX3" fmla="*/ 3085461 w 5072621"/>
+              <a:gd name="connsiteY3" fmla="*/ 1854342 h 2210190"/>
+              <a:gd name="connsiteX4" fmla="*/ 3933452 w 5072621"/>
+              <a:gd name="connsiteY4" fmla="*/ 842883 h 2210190"/>
+              <a:gd name="connsiteX5" fmla="*/ 4592433 w 5072621"/>
+              <a:gd name="connsiteY5" fmla="*/ 2201712 h 2210190"/>
+              <a:gd name="connsiteX6" fmla="*/ 5072621 w 5072621"/>
+              <a:gd name="connsiteY6" fmla="*/ 56193 h 2210190"/>
+            </a:gdLst>
+            <a:ahLst/>
+            <a:cxnLst>
+              <a:cxn ang="0">
+                <a:pos x="connsiteX0" y="connsiteY0"/>
+              </a:cxn>
+              <a:cxn ang="0">
+                <a:pos x="connsiteX1" y="connsiteY1"/>
+              </a:cxn>
+              <a:cxn ang="0">
+                <a:pos x="connsiteX2" y="connsiteY2"/>
+              </a:cxn>
+              <a:cxn ang="0">
+                <a:pos x="connsiteX3" y="connsiteY3"/>
+              </a:cxn>
+              <a:cxn ang="0">
+                <a:pos x="connsiteX4" y="connsiteY4"/>
+              </a:cxn>
+              <a:cxn ang="0">
+                <a:pos x="connsiteX5" y="connsiteY5"/>
+              </a:cxn>
+              <a:cxn ang="0">
+                <a:pos x="connsiteX6" y="connsiteY6"/>
+              </a:cxn>
+            </a:cxnLst>
+            <a:rect l="l" t="t" r="r" b="b"/>
+            <a:pathLst>
+              <a:path w="5072621" h="2210190">
+                <a:moveTo>
+                  <a:pt x="0" y="0"/>
+                </a:moveTo>
+                <a:cubicBezTo>
+                  <a:pt x="419312" y="925042"/>
+                  <a:pt x="838625" y="1850085"/>
+                  <a:pt x="1190252" y="1864559"/>
+                </a:cubicBezTo>
+                <a:cubicBezTo>
+                  <a:pt x="1541879" y="1879033"/>
+                  <a:pt x="1793892" y="88546"/>
+                  <a:pt x="2109760" y="86843"/>
+                </a:cubicBezTo>
+                <a:cubicBezTo>
+                  <a:pt x="2425628" y="85140"/>
+                  <a:pt x="2781512" y="1728335"/>
+                  <a:pt x="3085461" y="1854342"/>
+                </a:cubicBezTo>
+                <a:cubicBezTo>
+                  <a:pt x="3389410" y="1980349"/>
+                  <a:pt x="3682290" y="784988"/>
+                  <a:pt x="3933452" y="842883"/>
+                </a:cubicBezTo>
+                <a:cubicBezTo>
+                  <a:pt x="4184614" y="900778"/>
+                  <a:pt x="4402572" y="2332827"/>
+                  <a:pt x="4592433" y="2201712"/>
+                </a:cubicBezTo>
+                <a:cubicBezTo>
+                  <a:pt x="4782294" y="2070597"/>
+                  <a:pt x="4951723" y="349925"/>
+                  <a:pt x="5072621" y="56193"/>
+                </a:cubicBezTo>
+              </a:path>
+            </a:pathLst>
+          </a:custGeom>
+          <a:noFill/>
+          <a:ln w="38100">
+            <a:solidFill>
+              <a:srgbClr val="0070C0"/>
+            </a:solidFill>
+          </a:ln>
+        </p:spPr>
+        <p:style>
+          <a:lnRef idx="2">
+            <a:schemeClr val="accent1">
+              <a:shade val="15000"/>
+            </a:schemeClr>
+          </a:lnRef>
+          <a:fillRef idx="1">
+            <a:schemeClr val="accent1"/>
+          </a:fillRef>
+          <a:effectRef idx="0">
+            <a:schemeClr val="accent1"/>
+          </a:effectRef>
+          <a:fontRef idx="minor">
+            <a:schemeClr val="lt1"/>
+          </a:fontRef>
+        </p:style>
+        <p:txBody>
+          <a:bodyPr rtlCol="0" anchor="ctr"/>
+          <a:lstStyle/>
+          <a:p>
+            <a:pPr algn="ctr"/>
+            <a:endParaRPr lang="de-DE"/>
+          </a:p>
+        </p:txBody>
+      </p:sp>
+      <p:sp>
+        <p:nvSpPr>
+          <p:cNvPr id="4" name="Gleichschenkliges Dreieck 3">
+            <a:extLst>
+              <a:ext uri="{FF2B5EF4-FFF2-40B4-BE49-F238E27FC236}">
+                <a16:creationId xmlns:a16="http://schemas.microsoft.com/office/drawing/2014/main" id="{8C49B892-AFE5-5853-5C7D-E42887FE18AE}"/>
+              </a:ext>
+            </a:extLst>
+          </p:cNvPr>
+          <p:cNvSpPr/>
+          <p:nvPr/>
+        </p:nvSpPr>
+        <p:spPr>
+          <a:xfrm>
+            <a:off x="1905426" y="3315339"/>
+            <a:ext cx="2482672" cy="2033135"/>
+          </a:xfrm>
+          <a:prstGeom prst="triangle">
+            <a:avLst/>
+          </a:prstGeom>
+          <a:solidFill>
+            <a:srgbClr val="92D050"/>
+          </a:solidFill>
+        </p:spPr>
+        <p:style>
+          <a:lnRef idx="2">
+            <a:schemeClr val="accent1">
+              <a:shade val="15000"/>
+            </a:schemeClr>
+          </a:lnRef>
+          <a:fillRef idx="1">
+            <a:schemeClr val="accent1"/>
+          </a:fillRef>
+          <a:effectRef idx="0">
+            <a:schemeClr val="accent1"/>
+          </a:effectRef>
+          <a:fontRef idx="minor">
+            <a:schemeClr val="lt1"/>
+          </a:fontRef>
+        </p:style>
+        <p:txBody>
+          <a:bodyPr rtlCol="0" anchor="ctr"/>
+          <a:lstStyle/>
+          <a:p>
+            <a:pPr algn="ctr"/>
+            <a:endParaRPr lang="de-DE"/>
+          </a:p>
+        </p:txBody>
+      </p:sp>
+      <p:sp>
+        <p:nvSpPr>
+          <p:cNvPr id="5" name="Gleichschenkliges Dreieck 4">
+            <a:extLst>
+              <a:ext uri="{FF2B5EF4-FFF2-40B4-BE49-F238E27FC236}">
+                <a16:creationId xmlns:a16="http://schemas.microsoft.com/office/drawing/2014/main" id="{4F2F8FFE-F3B8-504B-A33F-EFFB53565CDD}"/>
+              </a:ext>
+            </a:extLst>
+          </p:cNvPr>
+          <p:cNvSpPr/>
+          <p:nvPr/>
+        </p:nvSpPr>
+        <p:spPr>
+          <a:xfrm rot="10800000">
+            <a:off x="1905426" y="1282204"/>
+            <a:ext cx="2482672" cy="2033135"/>
+          </a:xfrm>
+          <a:prstGeom prst="triangle">
+            <a:avLst/>
+          </a:prstGeom>
+          <a:solidFill>
+            <a:srgbClr val="FFFF81"/>
+          </a:solidFill>
+        </p:spPr>
+        <p:style>
+          <a:lnRef idx="2">
+            <a:schemeClr val="accent1">
+              <a:shade val="15000"/>
+            </a:schemeClr>
+          </a:lnRef>
+          <a:fillRef idx="1">
+            <a:schemeClr val="accent1"/>
+          </a:fillRef>
+          <a:effectRef idx="0">
+            <a:schemeClr val="accent1"/>
+          </a:effectRef>
+          <a:fontRef idx="minor">
+            <a:schemeClr val="lt1"/>
+          </a:fontRef>
+        </p:style>
+        <p:txBody>
+          <a:bodyPr rtlCol="0" anchor="ctr"/>
+          <a:lstStyle/>
+          <a:p>
+            <a:pPr algn="ctr"/>
+            <a:endParaRPr lang="de-DE"/>
+          </a:p>
+        </p:txBody>
+      </p:sp>
+      <p:sp>
+        <p:nvSpPr>
+          <p:cNvPr id="6" name="Textfeld 5">
+            <a:extLst>
+              <a:ext uri="{FF2B5EF4-FFF2-40B4-BE49-F238E27FC236}">
+                <a16:creationId xmlns:a16="http://schemas.microsoft.com/office/drawing/2014/main" id="{AB0AE175-D6B9-AA5F-3ED2-64E0864063ED}"/>
+              </a:ext>
+            </a:extLst>
+          </p:cNvPr>
+          <p:cNvSpPr txBox="1"/>
+          <p:nvPr/>
+        </p:nvSpPr>
+        <p:spPr>
+          <a:xfrm>
+            <a:off x="234135" y="1780966"/>
+            <a:ext cx="3771482" cy="1200329"/>
+          </a:xfrm>
+          <a:prstGeom prst="rect">
+            <a:avLst/>
+          </a:prstGeom>
+          <a:noFill/>
+        </p:spPr>
+        <p:txBody>
+          <a:bodyPr wrap="none" rtlCol="0">
+            <a:spAutoFit/>
+          </a:bodyPr>
+          <a:lstStyle/>
+          <a:p>
+            <a:r>
+              <a:rPr lang="de-DE" dirty="0"/>
+              <a:t>Informationsraum</a:t>
+            </a:r>
+          </a:p>
+          <a:p>
+            <a:r>
+              <a:rPr lang="de-DE" dirty="0"/>
+              <a:t>Die „Blase“ in der Fibonacci-Spirale </a:t>
+            </a:r>
+          </a:p>
+          <a:p>
+            <a:r>
+              <a:rPr lang="de-DE" dirty="0"/>
+              <a:t>auf der unser Universum existiert?</a:t>
+            </a:r>
+          </a:p>
+          <a:p>
+            <a:endParaRPr lang="de-DE" dirty="0"/>
+          </a:p>
+        </p:txBody>
+      </p:sp>
+      <p:sp>
+        <p:nvSpPr>
+          <p:cNvPr id="7" name="Textfeld 6">
+            <a:extLst>
+              <a:ext uri="{FF2B5EF4-FFF2-40B4-BE49-F238E27FC236}">
+                <a16:creationId xmlns:a16="http://schemas.microsoft.com/office/drawing/2014/main" id="{0E4E8683-7FF1-CD1B-1971-61EBCE7BE645}"/>
+              </a:ext>
+            </a:extLst>
+          </p:cNvPr>
+          <p:cNvSpPr txBox="1"/>
+          <p:nvPr/>
+        </p:nvSpPr>
+        <p:spPr>
+          <a:xfrm>
+            <a:off x="234135" y="3599057"/>
+            <a:ext cx="4380173" cy="1754326"/>
+          </a:xfrm>
+          <a:prstGeom prst="rect">
+            <a:avLst/>
+          </a:prstGeom>
+          <a:noFill/>
+        </p:spPr>
+        <p:txBody>
+          <a:bodyPr wrap="none" rtlCol="0">
+            <a:spAutoFit/>
+          </a:bodyPr>
+          <a:lstStyle/>
+          <a:p>
+            <a:r>
+              <a:rPr lang="de-DE" dirty="0"/>
+              <a:t>Potenziell </a:t>
+            </a:r>
+            <a:r>
+              <a:rPr lang="de-DE" dirty="0" err="1"/>
+              <a:t>materialisierbares</a:t>
+            </a:r>
+            <a:r>
+              <a:rPr lang="de-DE" dirty="0"/>
+              <a:t> </a:t>
+            </a:r>
+          </a:p>
+          <a:p>
+            <a:r>
+              <a:rPr lang="de-DE" dirty="0"/>
+              <a:t>Universum/Perspektiven</a:t>
+            </a:r>
+          </a:p>
+          <a:p>
+            <a:r>
+              <a:rPr lang="de-DE" dirty="0"/>
+              <a:t>Kombination aus Naturgesetzen </a:t>
+            </a:r>
+          </a:p>
+          <a:p>
+            <a:r>
+              <a:rPr lang="de-DE" dirty="0"/>
+              <a:t>und Informationsraum</a:t>
+            </a:r>
+          </a:p>
+          <a:p>
+            <a:r>
+              <a:rPr lang="de-DE" dirty="0"/>
+              <a:t>Aus diesem „Raum“ kann mein freier Wille</a:t>
+            </a:r>
+          </a:p>
+          <a:p>
+            <a:r>
+              <a:rPr lang="de-DE" dirty="0"/>
+              <a:t>Wählen?</a:t>
+            </a:r>
+          </a:p>
+        </p:txBody>
+      </p:sp>
+      <p:cxnSp>
+        <p:nvCxnSpPr>
+          <p:cNvPr id="9" name="Gerade Verbindung mit Pfeil 8">
+            <a:extLst>
+              <a:ext uri="{FF2B5EF4-FFF2-40B4-BE49-F238E27FC236}">
+                <a16:creationId xmlns:a16="http://schemas.microsoft.com/office/drawing/2014/main" id="{339B844E-67C2-5A69-0C14-7809B0931D53}"/>
+              </a:ext>
+            </a:extLst>
+          </p:cNvPr>
+          <p:cNvCxnSpPr>
+            <a:cxnSpLocks/>
+          </p:cNvCxnSpPr>
+          <p:nvPr/>
+        </p:nvCxnSpPr>
+        <p:spPr>
+          <a:xfrm flipV="1">
+            <a:off x="4617975" y="1282204"/>
+            <a:ext cx="0" cy="2033135"/>
+          </a:xfrm>
+          <a:prstGeom prst="straightConnector1">
+            <a:avLst/>
+          </a:prstGeom>
+          <a:ln w="38100">
+            <a:tailEnd type="triangle"/>
+          </a:ln>
+        </p:spPr>
+        <p:style>
+          <a:lnRef idx="2">
+            <a:schemeClr val="dk1"/>
+          </a:lnRef>
+          <a:fillRef idx="0">
+            <a:schemeClr val="dk1"/>
+          </a:fillRef>
+          <a:effectRef idx="1">
+            <a:schemeClr val="dk1"/>
+          </a:effectRef>
+          <a:fontRef idx="minor">
+            <a:schemeClr val="tx1"/>
+          </a:fontRef>
+        </p:style>
+      </p:cxnSp>
+      <p:sp>
+        <p:nvSpPr>
+          <p:cNvPr id="11" name="Textfeld 10">
+            <a:extLst>
+              <a:ext uri="{FF2B5EF4-FFF2-40B4-BE49-F238E27FC236}">
+                <a16:creationId xmlns:a16="http://schemas.microsoft.com/office/drawing/2014/main" id="{097777E7-9930-0CE5-AF25-4203E05546DB}"/>
+              </a:ext>
+            </a:extLst>
+          </p:cNvPr>
+          <p:cNvSpPr txBox="1"/>
+          <p:nvPr/>
+        </p:nvSpPr>
+        <p:spPr>
+          <a:xfrm>
+            <a:off x="4701212" y="3130673"/>
+            <a:ext cx="542136" cy="369332"/>
+          </a:xfrm>
+          <a:prstGeom prst="rect">
+            <a:avLst/>
+          </a:prstGeom>
+          <a:noFill/>
+        </p:spPr>
+        <p:txBody>
+          <a:bodyPr wrap="none" rtlCol="0">
+            <a:spAutoFit/>
+          </a:bodyPr>
+          <a:lstStyle/>
+          <a:p>
+            <a:r>
+              <a:rPr lang="de-DE" dirty="0"/>
+              <a:t>T=0</a:t>
+            </a:r>
+          </a:p>
+        </p:txBody>
+      </p:sp>
+      <p:sp>
+        <p:nvSpPr>
+          <p:cNvPr id="12" name="Textfeld 11">
+            <a:extLst>
+              <a:ext uri="{FF2B5EF4-FFF2-40B4-BE49-F238E27FC236}">
+                <a16:creationId xmlns:a16="http://schemas.microsoft.com/office/drawing/2014/main" id="{4C809CCB-6BC6-07E8-7235-540A50D6CE39}"/>
+              </a:ext>
+            </a:extLst>
+          </p:cNvPr>
+          <p:cNvSpPr txBox="1"/>
+          <p:nvPr/>
+        </p:nvSpPr>
+        <p:spPr>
+          <a:xfrm>
+            <a:off x="4690142" y="1193746"/>
+            <a:ext cx="357790" cy="369332"/>
+          </a:xfrm>
+          <a:prstGeom prst="rect">
+            <a:avLst/>
+          </a:prstGeom>
+          <a:noFill/>
+        </p:spPr>
+        <p:txBody>
+          <a:bodyPr wrap="none" rtlCol="0">
+            <a:spAutoFit/>
+          </a:bodyPr>
+          <a:lstStyle/>
+          <a:p>
+            <a:r>
+              <a:rPr lang="de-DE" dirty="0"/>
+              <a:t>T‘</a:t>
+            </a:r>
+          </a:p>
+        </p:txBody>
+      </p:sp>
+      <p:cxnSp>
+        <p:nvCxnSpPr>
+          <p:cNvPr id="13" name="Gerade Verbindung mit Pfeil 12">
+            <a:extLst>
+              <a:ext uri="{FF2B5EF4-FFF2-40B4-BE49-F238E27FC236}">
+                <a16:creationId xmlns:a16="http://schemas.microsoft.com/office/drawing/2014/main" id="{BB6012DF-0515-8EB9-6530-0B104705AC32}"/>
+              </a:ext>
+            </a:extLst>
+          </p:cNvPr>
+          <p:cNvCxnSpPr>
+            <a:cxnSpLocks/>
+          </p:cNvCxnSpPr>
+          <p:nvPr/>
+        </p:nvCxnSpPr>
+        <p:spPr>
+          <a:xfrm>
+            <a:off x="4617975" y="3315339"/>
+            <a:ext cx="0" cy="1982051"/>
+          </a:xfrm>
+          <a:prstGeom prst="straightConnector1">
+            <a:avLst/>
+          </a:prstGeom>
+          <a:ln w="38100">
+            <a:tailEnd type="triangle"/>
+          </a:ln>
+        </p:spPr>
+        <p:style>
+          <a:lnRef idx="2">
+            <a:schemeClr val="dk1"/>
+          </a:lnRef>
+          <a:fillRef idx="0">
+            <a:schemeClr val="dk1"/>
+          </a:fillRef>
+          <a:effectRef idx="1">
+            <a:schemeClr val="dk1"/>
+          </a:effectRef>
+          <a:fontRef idx="minor">
+            <a:schemeClr val="tx1"/>
+          </a:fontRef>
+        </p:style>
+      </p:cxnSp>
+      <p:sp>
+        <p:nvSpPr>
+          <p:cNvPr id="15" name="Textfeld 14">
+            <a:extLst>
+              <a:ext uri="{FF2B5EF4-FFF2-40B4-BE49-F238E27FC236}">
+                <a16:creationId xmlns:a16="http://schemas.microsoft.com/office/drawing/2014/main" id="{276A596B-570A-8BA7-ABBB-B570A57DCA65}"/>
+              </a:ext>
+            </a:extLst>
+          </p:cNvPr>
+          <p:cNvSpPr txBox="1"/>
+          <p:nvPr/>
+        </p:nvSpPr>
+        <p:spPr>
+          <a:xfrm>
+            <a:off x="4690142" y="5112724"/>
+            <a:ext cx="357790" cy="369332"/>
+          </a:xfrm>
+          <a:prstGeom prst="rect">
+            <a:avLst/>
+          </a:prstGeom>
+          <a:noFill/>
+        </p:spPr>
+        <p:txBody>
+          <a:bodyPr wrap="none" rtlCol="0">
+            <a:spAutoFit/>
+          </a:bodyPr>
+          <a:lstStyle/>
+          <a:p>
+            <a:r>
+              <a:rPr lang="de-DE" dirty="0"/>
+              <a:t>T‘</a:t>
+            </a:r>
+          </a:p>
+        </p:txBody>
+      </p:sp>
+      <p:sp>
+        <p:nvSpPr>
+          <p:cNvPr id="28" name="Gleichschenkliges Dreieck 27">
+            <a:extLst>
+              <a:ext uri="{FF2B5EF4-FFF2-40B4-BE49-F238E27FC236}">
+                <a16:creationId xmlns:a16="http://schemas.microsoft.com/office/drawing/2014/main" id="{FCC5C015-6BF2-F8D4-1392-402425460E6E}"/>
+              </a:ext>
+            </a:extLst>
+          </p:cNvPr>
+          <p:cNvSpPr/>
+          <p:nvPr/>
+        </p:nvSpPr>
+        <p:spPr>
+          <a:xfrm rot="10800000">
+            <a:off x="5495766" y="1282204"/>
+            <a:ext cx="2482672" cy="2033135"/>
+          </a:xfrm>
+          <a:prstGeom prst="triangle">
+            <a:avLst/>
+          </a:prstGeom>
+          <a:solidFill>
+            <a:srgbClr val="FFFF81"/>
+          </a:solidFill>
+        </p:spPr>
+        <p:style>
+          <a:lnRef idx="2">
+            <a:schemeClr val="accent1">
+              <a:shade val="15000"/>
+            </a:schemeClr>
+          </a:lnRef>
+          <a:fillRef idx="1">
+            <a:schemeClr val="accent1"/>
+          </a:fillRef>
+          <a:effectRef idx="0">
+            <a:schemeClr val="accent1"/>
+          </a:effectRef>
+          <a:fontRef idx="minor">
+            <a:schemeClr val="lt1"/>
+          </a:fontRef>
+        </p:style>
+        <p:txBody>
+          <a:bodyPr rtlCol="0" anchor="ctr"/>
+          <a:lstStyle/>
+          <a:p>
+            <a:pPr algn="ctr"/>
+            <a:endParaRPr lang="de-DE" dirty="0"/>
+          </a:p>
+        </p:txBody>
+      </p:sp>
+      <p:cxnSp>
+        <p:nvCxnSpPr>
+          <p:cNvPr id="31" name="Gerade Verbindung mit Pfeil 30">
+            <a:extLst>
+              <a:ext uri="{FF2B5EF4-FFF2-40B4-BE49-F238E27FC236}">
+                <a16:creationId xmlns:a16="http://schemas.microsoft.com/office/drawing/2014/main" id="{C7424096-66F0-21A8-9DA7-F8EC4CDA4669}"/>
+              </a:ext>
+            </a:extLst>
+          </p:cNvPr>
+          <p:cNvCxnSpPr>
+            <a:cxnSpLocks/>
+          </p:cNvCxnSpPr>
+          <p:nvPr/>
+        </p:nvCxnSpPr>
+        <p:spPr>
+          <a:xfrm flipV="1">
+            <a:off x="8208315" y="1282204"/>
+            <a:ext cx="0" cy="2033135"/>
+          </a:xfrm>
+          <a:prstGeom prst="straightConnector1">
+            <a:avLst/>
+          </a:prstGeom>
+          <a:ln w="38100">
+            <a:tailEnd type="triangle"/>
+          </a:ln>
+        </p:spPr>
+        <p:style>
+          <a:lnRef idx="2">
+            <a:schemeClr val="dk1"/>
+          </a:lnRef>
+          <a:fillRef idx="0">
+            <a:schemeClr val="dk1"/>
+          </a:fillRef>
+          <a:effectRef idx="1">
+            <a:schemeClr val="dk1"/>
+          </a:effectRef>
+          <a:fontRef idx="minor">
+            <a:schemeClr val="tx1"/>
+          </a:fontRef>
+        </p:style>
+      </p:cxnSp>
+      <p:sp>
+        <p:nvSpPr>
+          <p:cNvPr id="32" name="Textfeld 31">
+            <a:extLst>
+              <a:ext uri="{FF2B5EF4-FFF2-40B4-BE49-F238E27FC236}">
+                <a16:creationId xmlns:a16="http://schemas.microsoft.com/office/drawing/2014/main" id="{E270E80C-E37D-53EF-84D0-28B11DB8F846}"/>
+              </a:ext>
+            </a:extLst>
+          </p:cNvPr>
+          <p:cNvSpPr txBox="1"/>
+          <p:nvPr/>
+        </p:nvSpPr>
+        <p:spPr>
+          <a:xfrm>
+            <a:off x="8291552" y="3130673"/>
+            <a:ext cx="542136" cy="369332"/>
+          </a:xfrm>
+          <a:prstGeom prst="rect">
+            <a:avLst/>
+          </a:prstGeom>
+          <a:noFill/>
+        </p:spPr>
+        <p:txBody>
+          <a:bodyPr wrap="none" rtlCol="0">
+            <a:spAutoFit/>
+          </a:bodyPr>
+          <a:lstStyle/>
+          <a:p>
+            <a:r>
+              <a:rPr lang="de-DE" dirty="0"/>
+              <a:t>T=0</a:t>
+            </a:r>
+          </a:p>
+        </p:txBody>
+      </p:sp>
+      <p:sp>
+        <p:nvSpPr>
+          <p:cNvPr id="33" name="Textfeld 32">
+            <a:extLst>
+              <a:ext uri="{FF2B5EF4-FFF2-40B4-BE49-F238E27FC236}">
+                <a16:creationId xmlns:a16="http://schemas.microsoft.com/office/drawing/2014/main" id="{686C7DE4-4A7B-FF00-2EF4-FA62B5D3A5A4}"/>
+              </a:ext>
+            </a:extLst>
+          </p:cNvPr>
+          <p:cNvSpPr txBox="1"/>
+          <p:nvPr/>
+        </p:nvSpPr>
+        <p:spPr>
+          <a:xfrm>
+            <a:off x="8280482" y="1193746"/>
+            <a:ext cx="357790" cy="369332"/>
+          </a:xfrm>
+          <a:prstGeom prst="rect">
+            <a:avLst/>
+          </a:prstGeom>
+          <a:noFill/>
+        </p:spPr>
+        <p:txBody>
+          <a:bodyPr wrap="none" rtlCol="0">
+            <a:spAutoFit/>
+          </a:bodyPr>
+          <a:lstStyle/>
+          <a:p>
+            <a:r>
+              <a:rPr lang="de-DE" dirty="0"/>
+              <a:t>T‘</a:t>
+            </a:r>
+          </a:p>
+        </p:txBody>
+      </p:sp>
+      <p:cxnSp>
+        <p:nvCxnSpPr>
+          <p:cNvPr id="34" name="Gerade Verbindung mit Pfeil 33">
+            <a:extLst>
+              <a:ext uri="{FF2B5EF4-FFF2-40B4-BE49-F238E27FC236}">
+                <a16:creationId xmlns:a16="http://schemas.microsoft.com/office/drawing/2014/main" id="{84FBCE0D-98C3-0CEA-C736-7182243D2EE4}"/>
+              </a:ext>
+            </a:extLst>
+          </p:cNvPr>
+          <p:cNvCxnSpPr>
+            <a:cxnSpLocks/>
+          </p:cNvCxnSpPr>
+          <p:nvPr/>
+        </p:nvCxnSpPr>
+        <p:spPr>
+          <a:xfrm>
+            <a:off x="8208315" y="3315339"/>
+            <a:ext cx="0" cy="1982051"/>
+          </a:xfrm>
+          <a:prstGeom prst="straightConnector1">
+            <a:avLst/>
+          </a:prstGeom>
+          <a:ln w="38100">
+            <a:tailEnd type="triangle"/>
+          </a:ln>
+        </p:spPr>
+        <p:style>
+          <a:lnRef idx="2">
+            <a:schemeClr val="dk1"/>
+          </a:lnRef>
+          <a:fillRef idx="0">
+            <a:schemeClr val="dk1"/>
+          </a:fillRef>
+          <a:effectRef idx="1">
+            <a:schemeClr val="dk1"/>
+          </a:effectRef>
+          <a:fontRef idx="minor">
+            <a:schemeClr val="tx1"/>
+          </a:fontRef>
+        </p:style>
+      </p:cxnSp>
+      <p:sp>
+        <p:nvSpPr>
+          <p:cNvPr id="35" name="Textfeld 34">
+            <a:extLst>
+              <a:ext uri="{FF2B5EF4-FFF2-40B4-BE49-F238E27FC236}">
+                <a16:creationId xmlns:a16="http://schemas.microsoft.com/office/drawing/2014/main" id="{03B25788-BF1C-2A7A-D011-CE000FD42A17}"/>
+              </a:ext>
+            </a:extLst>
+          </p:cNvPr>
+          <p:cNvSpPr txBox="1"/>
+          <p:nvPr/>
+        </p:nvSpPr>
+        <p:spPr>
+          <a:xfrm>
+            <a:off x="8280482" y="5112724"/>
+            <a:ext cx="357790" cy="369332"/>
+          </a:xfrm>
+          <a:prstGeom prst="rect">
+            <a:avLst/>
+          </a:prstGeom>
+          <a:noFill/>
+        </p:spPr>
+        <p:txBody>
+          <a:bodyPr wrap="none" rtlCol="0">
+            <a:spAutoFit/>
+          </a:bodyPr>
+          <a:lstStyle/>
+          <a:p>
+            <a:r>
+              <a:rPr lang="de-DE" dirty="0"/>
+              <a:t>T‘</a:t>
+            </a:r>
+          </a:p>
+        </p:txBody>
+      </p:sp>
+      <p:cxnSp>
+        <p:nvCxnSpPr>
+          <p:cNvPr id="36" name="Gerader Verbinder 35">
+            <a:extLst>
+              <a:ext uri="{FF2B5EF4-FFF2-40B4-BE49-F238E27FC236}">
+                <a16:creationId xmlns:a16="http://schemas.microsoft.com/office/drawing/2014/main" id="{D5D65B22-0C4A-9277-C80D-0979140B5CAA}"/>
+              </a:ext>
+            </a:extLst>
+          </p:cNvPr>
+          <p:cNvCxnSpPr>
+            <a:cxnSpLocks/>
+          </p:cNvCxnSpPr>
+          <p:nvPr/>
+        </p:nvCxnSpPr>
+        <p:spPr>
+          <a:xfrm>
+            <a:off x="8029787" y="3311009"/>
+            <a:ext cx="178528" cy="4330"/>
+          </a:xfrm>
+          <a:prstGeom prst="line">
+            <a:avLst/>
+          </a:prstGeom>
+        </p:spPr>
+        <p:style>
+          <a:lnRef idx="2">
+            <a:schemeClr val="dk1"/>
+          </a:lnRef>
+          <a:fillRef idx="0">
+            <a:schemeClr val="dk1"/>
+          </a:fillRef>
+          <a:effectRef idx="1">
+            <a:schemeClr val="dk1"/>
+          </a:effectRef>
+          <a:fontRef idx="minor">
+            <a:schemeClr val="tx1"/>
+          </a:fontRef>
+        </p:style>
+      </p:cxnSp>
+      <p:sp>
+        <p:nvSpPr>
+          <p:cNvPr id="44" name="Textfeld 43">
+            <a:extLst>
+              <a:ext uri="{FF2B5EF4-FFF2-40B4-BE49-F238E27FC236}">
+                <a16:creationId xmlns:a16="http://schemas.microsoft.com/office/drawing/2014/main" id="{BA5BE049-8380-69F9-0DDB-64FE3B37A8B0}"/>
+              </a:ext>
+            </a:extLst>
+          </p:cNvPr>
+          <p:cNvSpPr txBox="1"/>
+          <p:nvPr/>
+        </p:nvSpPr>
+        <p:spPr>
+          <a:xfrm>
+            <a:off x="8562620" y="3824075"/>
+            <a:ext cx="3092963" cy="646331"/>
+          </a:xfrm>
+          <a:prstGeom prst="rect">
+            <a:avLst/>
+          </a:prstGeom>
+          <a:noFill/>
+        </p:spPr>
+        <p:txBody>
+          <a:bodyPr wrap="none" rtlCol="0">
+            <a:spAutoFit/>
+          </a:bodyPr>
+          <a:lstStyle/>
+          <a:p>
+            <a:r>
+              <a:rPr lang="de-DE" dirty="0"/>
+              <a:t>Freier Wille</a:t>
+            </a:r>
+            <a:br>
+              <a:rPr lang="de-DE" dirty="0"/>
+            </a:br>
+            <a:r>
+              <a:rPr lang="de-DE" dirty="0"/>
+              <a:t>Seiten- &amp; Amplituden Ansicht</a:t>
+            </a:r>
+          </a:p>
+        </p:txBody>
+      </p:sp>
+      <p:sp>
+        <p:nvSpPr>
+          <p:cNvPr id="71" name="Ellipse 70">
+            <a:extLst>
+              <a:ext uri="{FF2B5EF4-FFF2-40B4-BE49-F238E27FC236}">
+                <a16:creationId xmlns:a16="http://schemas.microsoft.com/office/drawing/2014/main" id="{68C8C849-A23F-6AAB-D18F-980E9EF11C4A}"/>
+              </a:ext>
+            </a:extLst>
+          </p:cNvPr>
+          <p:cNvSpPr/>
+          <p:nvPr/>
+        </p:nvSpPr>
+        <p:spPr>
+          <a:xfrm>
+            <a:off x="6718938" y="3290710"/>
+            <a:ext cx="49866" cy="45719"/>
+          </a:xfrm>
+          <a:prstGeom prst="ellipse">
+            <a:avLst/>
+          </a:prstGeom>
+          <a:solidFill>
+            <a:srgbClr val="0070C0"/>
+          </a:solidFill>
+          <a:ln>
+            <a:solidFill>
+              <a:srgbClr val="0070C0"/>
+            </a:solidFill>
+          </a:ln>
+        </p:spPr>
+        <p:style>
+          <a:lnRef idx="2">
+            <a:schemeClr val="accent1">
+              <a:shade val="15000"/>
+            </a:schemeClr>
+          </a:lnRef>
+          <a:fillRef idx="1">
+            <a:schemeClr val="accent1"/>
+          </a:fillRef>
+          <a:effectRef idx="0">
+            <a:schemeClr val="accent1"/>
+          </a:effectRef>
+          <a:fontRef idx="minor">
+            <a:schemeClr val="lt1"/>
+          </a:fontRef>
+        </p:style>
+        <p:txBody>
+          <a:bodyPr rtlCol="0" anchor="ctr"/>
+          <a:lstStyle/>
+          <a:p>
+            <a:pPr algn="ctr"/>
+            <a:endParaRPr lang="de-DE"/>
+          </a:p>
+        </p:txBody>
+      </p:sp>
+      <p:sp>
+        <p:nvSpPr>
+          <p:cNvPr id="72" name="Textfeld 71">
+            <a:extLst>
+              <a:ext uri="{FF2B5EF4-FFF2-40B4-BE49-F238E27FC236}">
+                <a16:creationId xmlns:a16="http://schemas.microsoft.com/office/drawing/2014/main" id="{4E720CA6-8706-E8D8-5A67-B28FCA56E9CE}"/>
+              </a:ext>
+            </a:extLst>
+          </p:cNvPr>
+          <p:cNvSpPr txBox="1"/>
+          <p:nvPr/>
+        </p:nvSpPr>
+        <p:spPr>
+          <a:xfrm>
+            <a:off x="6249932" y="3124356"/>
+            <a:ext cx="511534" cy="373306"/>
+          </a:xfrm>
+          <a:prstGeom prst="rect">
+            <a:avLst/>
+          </a:prstGeom>
+          <a:noFill/>
+        </p:spPr>
+        <p:txBody>
+          <a:bodyPr wrap="square" rtlCol="0">
+            <a:spAutoFit/>
+          </a:bodyPr>
+          <a:lstStyle/>
+          <a:p>
+            <a:r>
+              <a:rPr lang="de-DE" dirty="0"/>
+              <a:t>Ich</a:t>
+            </a:r>
+          </a:p>
+        </p:txBody>
+      </p:sp>
+      <p:sp>
+        <p:nvSpPr>
+          <p:cNvPr id="73" name="Freihandform: Form 72">
+            <a:extLst>
+              <a:ext uri="{FF2B5EF4-FFF2-40B4-BE49-F238E27FC236}">
+                <a16:creationId xmlns:a16="http://schemas.microsoft.com/office/drawing/2014/main" id="{BCC6B6A0-B266-4660-5E86-2541976493D6}"/>
+              </a:ext>
+            </a:extLst>
+          </p:cNvPr>
+          <p:cNvSpPr/>
+          <p:nvPr/>
+        </p:nvSpPr>
+        <p:spPr>
+          <a:xfrm>
+            <a:off x="6482637" y="3324578"/>
+            <a:ext cx="742252" cy="2017889"/>
+          </a:xfrm>
+          <a:custGeom>
+            <a:avLst/>
+            <a:gdLst>
+              <a:gd name="connsiteX0" fmla="*/ 262474 w 742252"/>
+              <a:gd name="connsiteY0" fmla="*/ 0 h 2017889"/>
+              <a:gd name="connsiteX1" fmla="*/ 355607 w 742252"/>
+              <a:gd name="connsiteY1" fmla="*/ 231422 h 2017889"/>
+              <a:gd name="connsiteX2" fmla="*/ 234252 w 742252"/>
+              <a:gd name="connsiteY2" fmla="*/ 499533 h 2017889"/>
+              <a:gd name="connsiteX3" fmla="*/ 493896 w 742252"/>
+              <a:gd name="connsiteY3" fmla="*/ 750711 h 2017889"/>
+              <a:gd name="connsiteX4" fmla="*/ 7 w 742252"/>
+              <a:gd name="connsiteY4" fmla="*/ 1126066 h 2017889"/>
+              <a:gd name="connsiteX5" fmla="*/ 482607 w 742252"/>
+              <a:gd name="connsiteY5" fmla="*/ 1563511 h 2017889"/>
+              <a:gd name="connsiteX6" fmla="*/ 742252 w 742252"/>
+              <a:gd name="connsiteY6" fmla="*/ 2017889 h 2017889"/>
+            </a:gdLst>
+            <a:ahLst/>
+            <a:cxnLst>
+              <a:cxn ang="0">
+                <a:pos x="connsiteX0" y="connsiteY0"/>
+              </a:cxn>
+              <a:cxn ang="0">
+                <a:pos x="connsiteX1" y="connsiteY1"/>
+              </a:cxn>
+              <a:cxn ang="0">
+                <a:pos x="connsiteX2" y="connsiteY2"/>
+              </a:cxn>
+              <a:cxn ang="0">
+                <a:pos x="connsiteX3" y="connsiteY3"/>
+              </a:cxn>
+              <a:cxn ang="0">
+                <a:pos x="connsiteX4" y="connsiteY4"/>
+              </a:cxn>
+              <a:cxn ang="0">
+                <a:pos x="connsiteX5" y="connsiteY5"/>
+              </a:cxn>
+              <a:cxn ang="0">
+                <a:pos x="connsiteX6" y="connsiteY6"/>
+              </a:cxn>
+            </a:cxnLst>
+            <a:rect l="l" t="t" r="r" b="b"/>
+            <a:pathLst>
+              <a:path w="742252" h="2017889">
+                <a:moveTo>
+                  <a:pt x="262474" y="0"/>
+                </a:moveTo>
+                <a:cubicBezTo>
+                  <a:pt x="311392" y="74083"/>
+                  <a:pt x="360311" y="148167"/>
+                  <a:pt x="355607" y="231422"/>
+                </a:cubicBezTo>
+                <a:cubicBezTo>
+                  <a:pt x="350903" y="314677"/>
+                  <a:pt x="211204" y="412985"/>
+                  <a:pt x="234252" y="499533"/>
+                </a:cubicBezTo>
+                <a:cubicBezTo>
+                  <a:pt x="257300" y="586081"/>
+                  <a:pt x="532937" y="646289"/>
+                  <a:pt x="493896" y="750711"/>
+                </a:cubicBezTo>
+                <a:cubicBezTo>
+                  <a:pt x="454855" y="855133"/>
+                  <a:pt x="1888" y="990599"/>
+                  <a:pt x="7" y="1126066"/>
+                </a:cubicBezTo>
+                <a:cubicBezTo>
+                  <a:pt x="-1875" y="1261533"/>
+                  <a:pt x="358900" y="1414874"/>
+                  <a:pt x="482607" y="1563511"/>
+                </a:cubicBezTo>
+                <a:cubicBezTo>
+                  <a:pt x="606314" y="1712148"/>
+                  <a:pt x="674283" y="1865018"/>
+                  <a:pt x="742252" y="2017889"/>
+                </a:cubicBezTo>
+              </a:path>
+            </a:pathLst>
+          </a:custGeom>
+          <a:noFill/>
+          <a:ln w="38100">
+            <a:solidFill>
+              <a:srgbClr val="0070C0"/>
+            </a:solidFill>
+          </a:ln>
+        </p:spPr>
+        <p:style>
+          <a:lnRef idx="2">
+            <a:schemeClr val="accent1">
+              <a:shade val="15000"/>
+            </a:schemeClr>
+          </a:lnRef>
+          <a:fillRef idx="1">
+            <a:schemeClr val="accent1"/>
+          </a:fillRef>
+          <a:effectRef idx="0">
+            <a:schemeClr val="accent1"/>
+          </a:effectRef>
+          <a:fontRef idx="minor">
+            <a:schemeClr val="lt1"/>
+          </a:fontRef>
+        </p:style>
+        <p:txBody>
+          <a:bodyPr rtlCol="0" anchor="ctr"/>
+          <a:lstStyle/>
+          <a:p>
+            <a:pPr algn="ctr"/>
+            <a:endParaRPr lang="de-DE"/>
+          </a:p>
+        </p:txBody>
+      </p:sp>
+      <p:sp>
+        <p:nvSpPr>
+          <p:cNvPr id="43" name="Textfeld 42">
+            <a:extLst>
+              <a:ext uri="{FF2B5EF4-FFF2-40B4-BE49-F238E27FC236}">
+                <a16:creationId xmlns:a16="http://schemas.microsoft.com/office/drawing/2014/main" id="{A4EDBD6A-7E9F-B56E-1141-1EF739B01C1C}"/>
+              </a:ext>
+            </a:extLst>
+          </p:cNvPr>
+          <p:cNvSpPr txBox="1"/>
+          <p:nvPr/>
+        </p:nvSpPr>
+        <p:spPr>
+          <a:xfrm>
+            <a:off x="5379124" y="3731742"/>
+            <a:ext cx="2829190" cy="1477328"/>
+          </a:xfrm>
+          <a:prstGeom prst="rect">
+            <a:avLst/>
+          </a:prstGeom>
+          <a:noFill/>
+        </p:spPr>
+        <p:txBody>
+          <a:bodyPr wrap="square" rtlCol="0">
+            <a:spAutoFit/>
+          </a:bodyPr>
+          <a:lstStyle/>
+          <a:p>
+            <a:r>
+              <a:rPr lang="de-DE" dirty="0"/>
+              <a:t>Freier Wille</a:t>
+            </a:r>
+            <a:br>
+              <a:rPr lang="de-DE" dirty="0"/>
+            </a:br>
+            <a:r>
+              <a:rPr lang="de-DE" dirty="0"/>
+              <a:t>Punktelle Ansicht basierend auf </a:t>
+            </a:r>
+          </a:p>
+          <a:p>
+            <a:r>
+              <a:rPr lang="de-DE" dirty="0"/>
+              <a:t>Entscheidungen durch den Perspektivraum</a:t>
+            </a:r>
+          </a:p>
+        </p:txBody>
+      </p:sp>
+      <p:cxnSp>
+        <p:nvCxnSpPr>
+          <p:cNvPr id="76" name="Gerader Verbinder 75">
+            <a:extLst>
+              <a:ext uri="{FF2B5EF4-FFF2-40B4-BE49-F238E27FC236}">
+                <a16:creationId xmlns:a16="http://schemas.microsoft.com/office/drawing/2014/main" id="{2863FF2F-CD23-A5EF-F8D2-64517505BB0F}"/>
+              </a:ext>
+            </a:extLst>
+          </p:cNvPr>
+          <p:cNvCxnSpPr>
+            <a:cxnSpLocks/>
+          </p:cNvCxnSpPr>
+          <p:nvPr/>
+        </p:nvCxnSpPr>
+        <p:spPr>
+          <a:xfrm>
+            <a:off x="4433420" y="3320248"/>
+            <a:ext cx="178528" cy="4330"/>
+          </a:xfrm>
+          <a:prstGeom prst="line">
+            <a:avLst/>
+          </a:prstGeom>
+        </p:spPr>
+        <p:style>
+          <a:lnRef idx="2">
+            <a:schemeClr val="dk1"/>
+          </a:lnRef>
+          <a:fillRef idx="0">
+            <a:schemeClr val="dk1"/>
+          </a:fillRef>
+          <a:effectRef idx="1">
+            <a:schemeClr val="dk1"/>
+          </a:effectRef>
+          <a:fontRef idx="minor">
+            <a:schemeClr val="tx1"/>
+          </a:fontRef>
+        </p:style>
+      </p:cxnSp>
+      <p:sp>
+        <p:nvSpPr>
+          <p:cNvPr id="77" name="Textfeld 76">
+            <a:extLst>
+              <a:ext uri="{FF2B5EF4-FFF2-40B4-BE49-F238E27FC236}">
+                <a16:creationId xmlns:a16="http://schemas.microsoft.com/office/drawing/2014/main" id="{32569B44-8383-6CD4-D9D9-DB8AC5F9B8AB}"/>
+              </a:ext>
+            </a:extLst>
+          </p:cNvPr>
+          <p:cNvSpPr txBox="1"/>
+          <p:nvPr/>
+        </p:nvSpPr>
+        <p:spPr>
+          <a:xfrm>
+            <a:off x="2032453" y="5625253"/>
+            <a:ext cx="2355645" cy="923330"/>
+          </a:xfrm>
+          <a:prstGeom prst="rect">
+            <a:avLst/>
+          </a:prstGeom>
+          <a:noFill/>
+        </p:spPr>
+        <p:txBody>
+          <a:bodyPr wrap="none" rtlCol="0">
+            <a:spAutoFit/>
+          </a:bodyPr>
+          <a:lstStyle/>
+          <a:p>
+            <a:r>
+              <a:rPr lang="de-DE" dirty="0"/>
+              <a:t>Alles existiert</a:t>
+            </a:r>
+          </a:p>
+          <a:p>
+            <a:r>
+              <a:rPr lang="de-DE" dirty="0"/>
+              <a:t>Freier Wille ist Illusion</a:t>
+            </a:r>
+          </a:p>
+          <a:p>
+            <a:r>
+              <a:rPr lang="de-DE" dirty="0"/>
+              <a:t>(</a:t>
+            </a:r>
+            <a:r>
+              <a:rPr lang="de-DE" dirty="0" err="1"/>
+              <a:t>Superdeterminsmus</a:t>
+            </a:r>
+            <a:r>
+              <a:rPr lang="de-DE" dirty="0"/>
+              <a:t>)</a:t>
+            </a:r>
+          </a:p>
+        </p:txBody>
+      </p:sp>
+      <p:sp>
+        <p:nvSpPr>
+          <p:cNvPr id="78" name="Textfeld 77">
+            <a:extLst>
+              <a:ext uri="{FF2B5EF4-FFF2-40B4-BE49-F238E27FC236}">
+                <a16:creationId xmlns:a16="http://schemas.microsoft.com/office/drawing/2014/main" id="{D3404E8B-7621-DB17-7538-B7E40314E5DD}"/>
+              </a:ext>
+            </a:extLst>
+          </p:cNvPr>
+          <p:cNvSpPr txBox="1"/>
+          <p:nvPr/>
+        </p:nvSpPr>
+        <p:spPr>
+          <a:xfrm>
+            <a:off x="5421255" y="5616234"/>
+            <a:ext cx="4412105" cy="923330"/>
+          </a:xfrm>
+          <a:prstGeom prst="rect">
+            <a:avLst/>
+          </a:prstGeom>
+          <a:noFill/>
+        </p:spPr>
+        <p:txBody>
+          <a:bodyPr wrap="none" rtlCol="0">
+            <a:spAutoFit/>
+          </a:bodyPr>
+          <a:lstStyle/>
+          <a:p>
+            <a:r>
+              <a:rPr lang="de-DE" dirty="0"/>
+              <a:t>Nur das von uns erschaffene </a:t>
+            </a:r>
+          </a:p>
+          <a:p>
+            <a:r>
+              <a:rPr lang="de-DE" dirty="0"/>
+              <a:t>Universum existiert</a:t>
+            </a:r>
+          </a:p>
+          <a:p>
+            <a:r>
+              <a:rPr lang="de-DE" dirty="0"/>
+              <a:t>(freier Wille ist essenzielles Grundelement)</a:t>
+            </a:r>
+          </a:p>
+        </p:txBody>
+      </p:sp>
+    </p:spTree>
+    <p:extLst>
+      <p:ext uri="{BB962C8B-B14F-4D97-AF65-F5344CB8AC3E}">
+        <p14:creationId xmlns:p14="http://schemas.microsoft.com/office/powerpoint/2010/main" val="2530979781"/>
+      </p:ext>
+    </p:extLst>
+  </p:cSld>
+  <p:clrMapOvr>
+    <a:masterClrMapping/>
+  </p:clrMapOvr>
+</p:sld>
+</file>
+
+<file path=ppt/slides/slide7.xml><?xml version="1.0" encoding="utf-8"?>
+<p:sld xmlns:a="http://schemas.openxmlformats.org/drawingml/2006/main" xmlns:r="http://schemas.openxmlformats.org/officeDocument/2006/relationships" xmlns:p="http://schemas.openxmlformats.org/presentationml/2006/main">
+  <p:cSld>
+    <p:spTree>
+      <p:nvGrpSpPr>
+        <p:cNvPr id="1" name=""/>
+        <p:cNvGrpSpPr/>
+        <p:nvPr/>
+      </p:nvGrpSpPr>
+      <p:grpSpPr>
+        <a:xfrm>
+          <a:off x="0" y="0"/>
+          <a:ext cx="0" cy="0"/>
+          <a:chOff x="0" y="0"/>
+          <a:chExt cx="0" cy="0"/>
+        </a:xfrm>
+      </p:grpSpPr>
+      <p:sp>
+        <p:nvSpPr>
+          <p:cNvPr id="7" name="Ellipse 6">
+            <a:extLst>
+              <a:ext uri="{FF2B5EF4-FFF2-40B4-BE49-F238E27FC236}">
+                <a16:creationId xmlns:a16="http://schemas.microsoft.com/office/drawing/2014/main" id="{27ED9CCB-D29A-9D6B-93F5-DCD0D2DD58D5}"/>
+              </a:ext>
+            </a:extLst>
+          </p:cNvPr>
+          <p:cNvSpPr/>
+          <p:nvPr/>
+        </p:nvSpPr>
+        <p:spPr>
+          <a:xfrm>
+            <a:off x="5498319" y="3557654"/>
+            <a:ext cx="1195361" cy="842883"/>
+          </a:xfrm>
+          <a:prstGeom prst="ellipse">
+            <a:avLst/>
+          </a:prstGeom>
+        </p:spPr>
+        <p:style>
+          <a:lnRef idx="2">
+            <a:schemeClr val="accent1">
+              <a:shade val="15000"/>
+            </a:schemeClr>
+          </a:lnRef>
+          <a:fillRef idx="1">
+            <a:schemeClr val="accent1"/>
+          </a:fillRef>
+          <a:effectRef idx="0">
+            <a:schemeClr val="accent1"/>
+          </a:effectRef>
+          <a:fontRef idx="minor">
+            <a:schemeClr val="lt1"/>
+          </a:fontRef>
+        </p:style>
+        <p:txBody>
+          <a:bodyPr rtlCol="0" anchor="ctr"/>
+          <a:lstStyle/>
+          <a:p>
+            <a:pPr algn="ctr"/>
+            <a:endParaRPr lang="de-DE"/>
+          </a:p>
+        </p:txBody>
+      </p:sp>
+      <p:sp>
+        <p:nvSpPr>
+          <p:cNvPr id="8" name="Kreis: nicht ausgefüllt 7">
+            <a:extLst>
+              <a:ext uri="{FF2B5EF4-FFF2-40B4-BE49-F238E27FC236}">
+                <a16:creationId xmlns:a16="http://schemas.microsoft.com/office/drawing/2014/main" id="{ECE8C241-CADA-0FE8-2D35-9781CF0B6D33}"/>
+              </a:ext>
+            </a:extLst>
+          </p:cNvPr>
+          <p:cNvSpPr/>
+          <p:nvPr/>
+        </p:nvSpPr>
+        <p:spPr>
+          <a:xfrm>
+            <a:off x="2870910" y="1460665"/>
+            <a:ext cx="6548943" cy="5036863"/>
+          </a:xfrm>
+          <a:prstGeom prst="donut">
+            <a:avLst/>
+          </a:prstGeom>
+        </p:spPr>
+        <p:style>
+          <a:lnRef idx="2">
+            <a:schemeClr val="accent1">
+              <a:shade val="15000"/>
+            </a:schemeClr>
+          </a:lnRef>
+          <a:fillRef idx="1">
+            <a:schemeClr val="accent1"/>
+          </a:fillRef>
+          <a:effectRef idx="0">
+            <a:schemeClr val="accent1"/>
+          </a:effectRef>
+          <a:fontRef idx="minor">
+            <a:schemeClr val="lt1"/>
+          </a:fontRef>
+        </p:style>
+        <p:txBody>
+          <a:bodyPr rtlCol="0" anchor="ctr"/>
+          <a:lstStyle/>
+          <a:p>
+            <a:pPr algn="ctr"/>
+            <a:endParaRPr lang="de-DE">
+              <a:solidFill>
+                <a:schemeClr val="tx1"/>
+              </a:solidFill>
+            </a:endParaRPr>
+          </a:p>
+        </p:txBody>
+      </p:sp>
+      <p:sp>
+        <p:nvSpPr>
+          <p:cNvPr id="6" name="Textfeld 5">
+            <a:extLst>
+              <a:ext uri="{FF2B5EF4-FFF2-40B4-BE49-F238E27FC236}">
+                <a16:creationId xmlns:a16="http://schemas.microsoft.com/office/drawing/2014/main" id="{C0C2FA92-4D1E-1263-304E-AA15C4EA7B4A}"/>
+              </a:ext>
+            </a:extLst>
+          </p:cNvPr>
+          <p:cNvSpPr txBox="1"/>
+          <p:nvPr/>
+        </p:nvSpPr>
+        <p:spPr>
+          <a:xfrm>
+            <a:off x="403562" y="200836"/>
+            <a:ext cx="5792903" cy="2308324"/>
+          </a:xfrm>
+          <a:prstGeom prst="rect">
+            <a:avLst/>
+          </a:prstGeom>
+          <a:noFill/>
+        </p:spPr>
+        <p:txBody>
+          <a:bodyPr wrap="square" rtlCol="0">
+            <a:spAutoFit/>
+          </a:bodyPr>
+          <a:lstStyle/>
+          <a:p>
+            <a:r>
+              <a:rPr lang="de-DE" dirty="0"/>
+              <a:t>Die Kugel in der Mitte ist die physische Welt. </a:t>
+            </a:r>
+          </a:p>
+          <a:p>
+            <a:endParaRPr lang="de-DE" dirty="0"/>
+          </a:p>
+          <a:p>
+            <a:r>
+              <a:rPr lang="de-DE" dirty="0"/>
+              <a:t>Drum herum ist das einschließende unendliche etwas (Universum?) das mit der Welle als freier Wille mit der Kugel </a:t>
+            </a:r>
+            <a:r>
+              <a:rPr lang="de-DE" dirty="0" err="1"/>
+              <a:t>connected</a:t>
+            </a:r>
+            <a:r>
+              <a:rPr lang="de-DE" dirty="0"/>
+              <a:t>.</a:t>
+            </a:r>
+          </a:p>
+          <a:p>
+            <a:endParaRPr lang="de-DE" dirty="0"/>
+          </a:p>
+          <a:p>
+            <a:r>
+              <a:rPr lang="de-DE" dirty="0"/>
+              <a:t>Sehr viele Wellen connecten in dem Bild vom Inneren Rand des freie Willen </a:t>
+            </a:r>
+            <a:r>
+              <a:rPr lang="de-DE" dirty="0" err="1"/>
+              <a:t>Toruses</a:t>
+            </a:r>
+            <a:r>
+              <a:rPr lang="de-DE" dirty="0"/>
+              <a:t> nach innen zur Kugel hin.</a:t>
+            </a:r>
+          </a:p>
+        </p:txBody>
+      </p:sp>
+      <p:sp>
+        <p:nvSpPr>
+          <p:cNvPr id="9" name="Freihandform: Form 8">
+            <a:extLst>
+              <a:ext uri="{FF2B5EF4-FFF2-40B4-BE49-F238E27FC236}">
+                <a16:creationId xmlns:a16="http://schemas.microsoft.com/office/drawing/2014/main" id="{2F0C2833-7E35-C7DD-3302-35B324B3022B}"/>
+              </a:ext>
+            </a:extLst>
+          </p:cNvPr>
+          <p:cNvSpPr/>
+          <p:nvPr/>
+        </p:nvSpPr>
+        <p:spPr>
+          <a:xfrm>
+            <a:off x="5127194" y="2818850"/>
+            <a:ext cx="701468" cy="792776"/>
+          </a:xfrm>
+          <a:custGeom>
+            <a:avLst/>
+            <a:gdLst>
+              <a:gd name="connsiteX0" fmla="*/ 262474 w 742252"/>
+              <a:gd name="connsiteY0" fmla="*/ 0 h 2017889"/>
+              <a:gd name="connsiteX1" fmla="*/ 355607 w 742252"/>
+              <a:gd name="connsiteY1" fmla="*/ 231422 h 2017889"/>
+              <a:gd name="connsiteX2" fmla="*/ 234252 w 742252"/>
+              <a:gd name="connsiteY2" fmla="*/ 499533 h 2017889"/>
+              <a:gd name="connsiteX3" fmla="*/ 493896 w 742252"/>
+              <a:gd name="connsiteY3" fmla="*/ 750711 h 2017889"/>
+              <a:gd name="connsiteX4" fmla="*/ 7 w 742252"/>
+              <a:gd name="connsiteY4" fmla="*/ 1126066 h 2017889"/>
+              <a:gd name="connsiteX5" fmla="*/ 482607 w 742252"/>
+              <a:gd name="connsiteY5" fmla="*/ 1563511 h 2017889"/>
+              <a:gd name="connsiteX6" fmla="*/ 742252 w 742252"/>
+              <a:gd name="connsiteY6" fmla="*/ 2017889 h 2017889"/>
+            </a:gdLst>
+            <a:ahLst/>
+            <a:cxnLst>
+              <a:cxn ang="0">
+                <a:pos x="connsiteX0" y="connsiteY0"/>
+              </a:cxn>
+              <a:cxn ang="0">
+                <a:pos x="connsiteX1" y="connsiteY1"/>
+              </a:cxn>
+              <a:cxn ang="0">
+                <a:pos x="connsiteX2" y="connsiteY2"/>
+              </a:cxn>
+              <a:cxn ang="0">
+                <a:pos x="connsiteX3" y="connsiteY3"/>
+              </a:cxn>
+              <a:cxn ang="0">
+                <a:pos x="connsiteX4" y="connsiteY4"/>
+              </a:cxn>
+              <a:cxn ang="0">
+                <a:pos x="connsiteX5" y="connsiteY5"/>
+              </a:cxn>
+              <a:cxn ang="0">
+                <a:pos x="connsiteX6" y="connsiteY6"/>
+              </a:cxn>
+            </a:cxnLst>
+            <a:rect l="l" t="t" r="r" b="b"/>
+            <a:pathLst>
+              <a:path w="742252" h="2017889">
+                <a:moveTo>
+                  <a:pt x="262474" y="0"/>
+                </a:moveTo>
+                <a:cubicBezTo>
+                  <a:pt x="311392" y="74083"/>
+                  <a:pt x="360311" y="148167"/>
+                  <a:pt x="355607" y="231422"/>
+                </a:cubicBezTo>
+                <a:cubicBezTo>
+                  <a:pt x="350903" y="314677"/>
+                  <a:pt x="211204" y="412985"/>
+                  <a:pt x="234252" y="499533"/>
+                </a:cubicBezTo>
+                <a:cubicBezTo>
+                  <a:pt x="257300" y="586081"/>
+                  <a:pt x="532937" y="646289"/>
+                  <a:pt x="493896" y="750711"/>
+                </a:cubicBezTo>
+                <a:cubicBezTo>
+                  <a:pt x="454855" y="855133"/>
+                  <a:pt x="1888" y="990599"/>
+                  <a:pt x="7" y="1126066"/>
+                </a:cubicBezTo>
+                <a:cubicBezTo>
+                  <a:pt x="-1875" y="1261533"/>
+                  <a:pt x="358900" y="1414874"/>
+                  <a:pt x="482607" y="1563511"/>
+                </a:cubicBezTo>
+                <a:cubicBezTo>
+                  <a:pt x="606314" y="1712148"/>
+                  <a:pt x="674283" y="1865018"/>
+                  <a:pt x="742252" y="2017889"/>
+                </a:cubicBezTo>
+              </a:path>
+            </a:pathLst>
+          </a:custGeom>
+          <a:noFill/>
+          <a:ln w="38100">
+            <a:solidFill>
+              <a:srgbClr val="0070C0"/>
+            </a:solidFill>
+          </a:ln>
+        </p:spPr>
+        <p:style>
+          <a:lnRef idx="2">
+            <a:schemeClr val="accent1">
+              <a:shade val="15000"/>
+            </a:schemeClr>
+          </a:lnRef>
+          <a:fillRef idx="1">
+            <a:schemeClr val="accent1"/>
+          </a:fillRef>
+          <a:effectRef idx="0">
+            <a:schemeClr val="accent1"/>
+          </a:effectRef>
+          <a:fontRef idx="minor">
+            <a:schemeClr val="lt1"/>
+          </a:fontRef>
+        </p:style>
+        <p:txBody>
+          <a:bodyPr rtlCol="0" anchor="ctr"/>
+          <a:lstStyle/>
+          <a:p>
+            <a:pPr algn="ctr"/>
+            <a:endParaRPr lang="de-DE"/>
+          </a:p>
+        </p:txBody>
+      </p:sp>
+      <p:sp>
+        <p:nvSpPr>
+          <p:cNvPr id="10" name="Freihandform: Form 9">
+            <a:extLst>
+              <a:ext uri="{FF2B5EF4-FFF2-40B4-BE49-F238E27FC236}">
+                <a16:creationId xmlns:a16="http://schemas.microsoft.com/office/drawing/2014/main" id="{626125EC-6E05-C10B-288C-35B79B0C4BCA}"/>
+              </a:ext>
+            </a:extLst>
+          </p:cNvPr>
+          <p:cNvSpPr/>
+          <p:nvPr/>
+        </p:nvSpPr>
+        <p:spPr>
+          <a:xfrm rot="8527773">
+            <a:off x="6761212" y="3942181"/>
+            <a:ext cx="737227" cy="1092505"/>
+          </a:xfrm>
+          <a:custGeom>
+            <a:avLst/>
+            <a:gdLst>
+              <a:gd name="connsiteX0" fmla="*/ 262474 w 742252"/>
+              <a:gd name="connsiteY0" fmla="*/ 0 h 2017889"/>
+              <a:gd name="connsiteX1" fmla="*/ 355607 w 742252"/>
+              <a:gd name="connsiteY1" fmla="*/ 231422 h 2017889"/>
+              <a:gd name="connsiteX2" fmla="*/ 234252 w 742252"/>
+              <a:gd name="connsiteY2" fmla="*/ 499533 h 2017889"/>
+              <a:gd name="connsiteX3" fmla="*/ 493896 w 742252"/>
+              <a:gd name="connsiteY3" fmla="*/ 750711 h 2017889"/>
+              <a:gd name="connsiteX4" fmla="*/ 7 w 742252"/>
+              <a:gd name="connsiteY4" fmla="*/ 1126066 h 2017889"/>
+              <a:gd name="connsiteX5" fmla="*/ 482607 w 742252"/>
+              <a:gd name="connsiteY5" fmla="*/ 1563511 h 2017889"/>
+              <a:gd name="connsiteX6" fmla="*/ 742252 w 742252"/>
+              <a:gd name="connsiteY6" fmla="*/ 2017889 h 2017889"/>
+            </a:gdLst>
+            <a:ahLst/>
+            <a:cxnLst>
+              <a:cxn ang="0">
+                <a:pos x="connsiteX0" y="connsiteY0"/>
+              </a:cxn>
+              <a:cxn ang="0">
+                <a:pos x="connsiteX1" y="connsiteY1"/>
+              </a:cxn>
+              <a:cxn ang="0">
+                <a:pos x="connsiteX2" y="connsiteY2"/>
+              </a:cxn>
+              <a:cxn ang="0">
+                <a:pos x="connsiteX3" y="connsiteY3"/>
+              </a:cxn>
+              <a:cxn ang="0">
+                <a:pos x="connsiteX4" y="connsiteY4"/>
+              </a:cxn>
+              <a:cxn ang="0">
+                <a:pos x="connsiteX5" y="connsiteY5"/>
+              </a:cxn>
+              <a:cxn ang="0">
+                <a:pos x="connsiteX6" y="connsiteY6"/>
+              </a:cxn>
+            </a:cxnLst>
+            <a:rect l="l" t="t" r="r" b="b"/>
+            <a:pathLst>
+              <a:path w="742252" h="2017889">
+                <a:moveTo>
+                  <a:pt x="262474" y="0"/>
+                </a:moveTo>
+                <a:cubicBezTo>
+                  <a:pt x="311392" y="74083"/>
+                  <a:pt x="360311" y="148167"/>
+                  <a:pt x="355607" y="231422"/>
+                </a:cubicBezTo>
+                <a:cubicBezTo>
+                  <a:pt x="350903" y="314677"/>
+                  <a:pt x="211204" y="412985"/>
+                  <a:pt x="234252" y="499533"/>
+                </a:cubicBezTo>
+                <a:cubicBezTo>
+                  <a:pt x="257300" y="586081"/>
+                  <a:pt x="532937" y="646289"/>
+                  <a:pt x="493896" y="750711"/>
+                </a:cubicBezTo>
+                <a:cubicBezTo>
+                  <a:pt x="454855" y="855133"/>
+                  <a:pt x="1888" y="990599"/>
+                  <a:pt x="7" y="1126066"/>
+                </a:cubicBezTo>
+                <a:cubicBezTo>
+                  <a:pt x="-1875" y="1261533"/>
+                  <a:pt x="358900" y="1414874"/>
+                  <a:pt x="482607" y="1563511"/>
+                </a:cubicBezTo>
+                <a:cubicBezTo>
+                  <a:pt x="606314" y="1712148"/>
+                  <a:pt x="674283" y="1865018"/>
+                  <a:pt x="742252" y="2017889"/>
+                </a:cubicBezTo>
+              </a:path>
+            </a:pathLst>
+          </a:custGeom>
+          <a:noFill/>
+          <a:ln w="38100">
+            <a:solidFill>
+              <a:srgbClr val="0070C0"/>
+            </a:solidFill>
+          </a:ln>
+        </p:spPr>
+        <p:style>
+          <a:lnRef idx="2">
+            <a:schemeClr val="accent1">
+              <a:shade val="15000"/>
+            </a:schemeClr>
+          </a:lnRef>
+          <a:fillRef idx="1">
+            <a:schemeClr val="accent1"/>
+          </a:fillRef>
+          <a:effectRef idx="0">
+            <a:schemeClr val="accent1"/>
+          </a:effectRef>
+          <a:fontRef idx="minor">
+            <a:schemeClr val="lt1"/>
+          </a:fontRef>
+        </p:style>
+        <p:txBody>
+          <a:bodyPr rtlCol="0" anchor="ctr"/>
+          <a:lstStyle/>
+          <a:p>
+            <a:pPr algn="ctr"/>
+            <a:endParaRPr lang="de-DE"/>
+          </a:p>
+        </p:txBody>
+      </p:sp>
+      <p:sp>
+        <p:nvSpPr>
+          <p:cNvPr id="11" name="Freihandform: Form 10">
+            <a:extLst>
+              <a:ext uri="{FF2B5EF4-FFF2-40B4-BE49-F238E27FC236}">
+                <a16:creationId xmlns:a16="http://schemas.microsoft.com/office/drawing/2014/main" id="{BEC7372A-8FC3-652C-E14E-7EEA7CB9C921}"/>
+              </a:ext>
+            </a:extLst>
+          </p:cNvPr>
+          <p:cNvSpPr/>
+          <p:nvPr/>
+        </p:nvSpPr>
+        <p:spPr>
+          <a:xfrm flipH="1">
+            <a:off x="4839797" y="4180565"/>
+            <a:ext cx="1106355" cy="738805"/>
+          </a:xfrm>
+          <a:custGeom>
+            <a:avLst/>
+            <a:gdLst>
+              <a:gd name="connsiteX0" fmla="*/ 262474 w 742252"/>
+              <a:gd name="connsiteY0" fmla="*/ 0 h 2017889"/>
+              <a:gd name="connsiteX1" fmla="*/ 355607 w 742252"/>
+              <a:gd name="connsiteY1" fmla="*/ 231422 h 2017889"/>
+              <a:gd name="connsiteX2" fmla="*/ 234252 w 742252"/>
+              <a:gd name="connsiteY2" fmla="*/ 499533 h 2017889"/>
+              <a:gd name="connsiteX3" fmla="*/ 493896 w 742252"/>
+              <a:gd name="connsiteY3" fmla="*/ 750711 h 2017889"/>
+              <a:gd name="connsiteX4" fmla="*/ 7 w 742252"/>
+              <a:gd name="connsiteY4" fmla="*/ 1126066 h 2017889"/>
+              <a:gd name="connsiteX5" fmla="*/ 482607 w 742252"/>
+              <a:gd name="connsiteY5" fmla="*/ 1563511 h 2017889"/>
+              <a:gd name="connsiteX6" fmla="*/ 742252 w 742252"/>
+              <a:gd name="connsiteY6" fmla="*/ 2017889 h 2017889"/>
+            </a:gdLst>
+            <a:ahLst/>
+            <a:cxnLst>
+              <a:cxn ang="0">
+                <a:pos x="connsiteX0" y="connsiteY0"/>
+              </a:cxn>
+              <a:cxn ang="0">
+                <a:pos x="connsiteX1" y="connsiteY1"/>
+              </a:cxn>
+              <a:cxn ang="0">
+                <a:pos x="connsiteX2" y="connsiteY2"/>
+              </a:cxn>
+              <a:cxn ang="0">
+                <a:pos x="connsiteX3" y="connsiteY3"/>
+              </a:cxn>
+              <a:cxn ang="0">
+                <a:pos x="connsiteX4" y="connsiteY4"/>
+              </a:cxn>
+              <a:cxn ang="0">
+                <a:pos x="connsiteX5" y="connsiteY5"/>
+              </a:cxn>
+              <a:cxn ang="0">
+                <a:pos x="connsiteX6" y="connsiteY6"/>
+              </a:cxn>
+            </a:cxnLst>
+            <a:rect l="l" t="t" r="r" b="b"/>
+            <a:pathLst>
+              <a:path w="742252" h="2017889">
+                <a:moveTo>
+                  <a:pt x="262474" y="0"/>
+                </a:moveTo>
+                <a:cubicBezTo>
+                  <a:pt x="311392" y="74083"/>
+                  <a:pt x="360311" y="148167"/>
+                  <a:pt x="355607" y="231422"/>
+                </a:cubicBezTo>
+                <a:cubicBezTo>
+                  <a:pt x="350903" y="314677"/>
+                  <a:pt x="211204" y="412985"/>
+                  <a:pt x="234252" y="499533"/>
+                </a:cubicBezTo>
+                <a:cubicBezTo>
+                  <a:pt x="257300" y="586081"/>
+                  <a:pt x="532937" y="646289"/>
+                  <a:pt x="493896" y="750711"/>
+                </a:cubicBezTo>
+                <a:cubicBezTo>
+                  <a:pt x="454855" y="855133"/>
+                  <a:pt x="1888" y="990599"/>
+                  <a:pt x="7" y="1126066"/>
+                </a:cubicBezTo>
+                <a:cubicBezTo>
+                  <a:pt x="-1875" y="1261533"/>
+                  <a:pt x="358900" y="1414874"/>
+                  <a:pt x="482607" y="1563511"/>
+                </a:cubicBezTo>
+                <a:cubicBezTo>
+                  <a:pt x="606314" y="1712148"/>
+                  <a:pt x="674283" y="1865018"/>
+                  <a:pt x="742252" y="2017889"/>
+                </a:cubicBezTo>
+              </a:path>
+            </a:pathLst>
+          </a:custGeom>
+          <a:noFill/>
+          <a:ln w="38100">
+            <a:solidFill>
+              <a:srgbClr val="0070C0"/>
+            </a:solidFill>
+          </a:ln>
+        </p:spPr>
+        <p:style>
+          <a:lnRef idx="2">
+            <a:schemeClr val="accent1">
+              <a:shade val="15000"/>
+            </a:schemeClr>
+          </a:lnRef>
+          <a:fillRef idx="1">
+            <a:schemeClr val="accent1"/>
+          </a:fillRef>
+          <a:effectRef idx="0">
+            <a:schemeClr val="accent1"/>
+          </a:effectRef>
+          <a:fontRef idx="minor">
+            <a:schemeClr val="lt1"/>
+          </a:fontRef>
+        </p:style>
+        <p:txBody>
+          <a:bodyPr rtlCol="0" anchor="ctr"/>
+          <a:lstStyle/>
+          <a:p>
+            <a:pPr algn="ctr"/>
+            <a:endParaRPr lang="de-DE"/>
+          </a:p>
+        </p:txBody>
+      </p:sp>
+      <p:sp>
+        <p:nvSpPr>
+          <p:cNvPr id="12" name="Freihandform: Form 11">
+            <a:extLst>
+              <a:ext uri="{FF2B5EF4-FFF2-40B4-BE49-F238E27FC236}">
+                <a16:creationId xmlns:a16="http://schemas.microsoft.com/office/drawing/2014/main" id="{49A083F3-17D1-0113-1E17-538CDD51D470}"/>
+              </a:ext>
+            </a:extLst>
+          </p:cNvPr>
+          <p:cNvSpPr/>
+          <p:nvPr/>
+        </p:nvSpPr>
+        <p:spPr>
+          <a:xfrm rot="12128733" flipH="1">
+            <a:off x="6352234" y="2743099"/>
+            <a:ext cx="653947" cy="954422"/>
+          </a:xfrm>
+          <a:custGeom>
+            <a:avLst/>
+            <a:gdLst>
+              <a:gd name="connsiteX0" fmla="*/ 262474 w 742252"/>
+              <a:gd name="connsiteY0" fmla="*/ 0 h 2017889"/>
+              <a:gd name="connsiteX1" fmla="*/ 355607 w 742252"/>
+              <a:gd name="connsiteY1" fmla="*/ 231422 h 2017889"/>
+              <a:gd name="connsiteX2" fmla="*/ 234252 w 742252"/>
+              <a:gd name="connsiteY2" fmla="*/ 499533 h 2017889"/>
+              <a:gd name="connsiteX3" fmla="*/ 493896 w 742252"/>
+              <a:gd name="connsiteY3" fmla="*/ 750711 h 2017889"/>
+              <a:gd name="connsiteX4" fmla="*/ 7 w 742252"/>
+              <a:gd name="connsiteY4" fmla="*/ 1126066 h 2017889"/>
+              <a:gd name="connsiteX5" fmla="*/ 482607 w 742252"/>
+              <a:gd name="connsiteY5" fmla="*/ 1563511 h 2017889"/>
+              <a:gd name="connsiteX6" fmla="*/ 742252 w 742252"/>
+              <a:gd name="connsiteY6" fmla="*/ 2017889 h 2017889"/>
+            </a:gdLst>
+            <a:ahLst/>
+            <a:cxnLst>
+              <a:cxn ang="0">
+                <a:pos x="connsiteX0" y="connsiteY0"/>
+              </a:cxn>
+              <a:cxn ang="0">
+                <a:pos x="connsiteX1" y="connsiteY1"/>
+              </a:cxn>
+              <a:cxn ang="0">
+                <a:pos x="connsiteX2" y="connsiteY2"/>
+              </a:cxn>
+              <a:cxn ang="0">
+                <a:pos x="connsiteX3" y="connsiteY3"/>
+              </a:cxn>
+              <a:cxn ang="0">
+                <a:pos x="connsiteX4" y="connsiteY4"/>
+              </a:cxn>
+              <a:cxn ang="0">
+                <a:pos x="connsiteX5" y="connsiteY5"/>
+              </a:cxn>
+              <a:cxn ang="0">
+                <a:pos x="connsiteX6" y="connsiteY6"/>
+              </a:cxn>
+            </a:cxnLst>
+            <a:rect l="l" t="t" r="r" b="b"/>
+            <a:pathLst>
+              <a:path w="742252" h="2017889">
+                <a:moveTo>
+                  <a:pt x="262474" y="0"/>
+                </a:moveTo>
+                <a:cubicBezTo>
+                  <a:pt x="311392" y="74083"/>
+                  <a:pt x="360311" y="148167"/>
+                  <a:pt x="355607" y="231422"/>
+                </a:cubicBezTo>
+                <a:cubicBezTo>
+                  <a:pt x="350903" y="314677"/>
+                  <a:pt x="211204" y="412985"/>
+                  <a:pt x="234252" y="499533"/>
+                </a:cubicBezTo>
+                <a:cubicBezTo>
+                  <a:pt x="257300" y="586081"/>
+                  <a:pt x="532937" y="646289"/>
+                  <a:pt x="493896" y="750711"/>
+                </a:cubicBezTo>
+                <a:cubicBezTo>
+                  <a:pt x="454855" y="855133"/>
+                  <a:pt x="1888" y="990599"/>
+                  <a:pt x="7" y="1126066"/>
+                </a:cubicBezTo>
+                <a:cubicBezTo>
+                  <a:pt x="-1875" y="1261533"/>
+                  <a:pt x="358900" y="1414874"/>
+                  <a:pt x="482607" y="1563511"/>
+                </a:cubicBezTo>
+                <a:cubicBezTo>
+                  <a:pt x="606314" y="1712148"/>
+                  <a:pt x="674283" y="1865018"/>
+                  <a:pt x="742252" y="2017889"/>
+                </a:cubicBezTo>
+              </a:path>
+            </a:pathLst>
+          </a:custGeom>
+          <a:noFill/>
+          <a:ln w="38100">
+            <a:solidFill>
+              <a:srgbClr val="0070C0"/>
+            </a:solidFill>
+          </a:ln>
+        </p:spPr>
+        <p:style>
+          <a:lnRef idx="2">
+            <a:schemeClr val="accent1">
+              <a:shade val="15000"/>
+            </a:schemeClr>
+          </a:lnRef>
+          <a:fillRef idx="1">
+            <a:schemeClr val="accent1"/>
+          </a:fillRef>
+          <a:effectRef idx="0">
+            <a:schemeClr val="accent1"/>
+          </a:effectRef>
+          <a:fontRef idx="minor">
+            <a:schemeClr val="lt1"/>
+          </a:fontRef>
+        </p:style>
+        <p:txBody>
+          <a:bodyPr rtlCol="0" anchor="ctr"/>
+          <a:lstStyle/>
+          <a:p>
+            <a:pPr algn="ctr"/>
+            <a:endParaRPr lang="de-DE"/>
+          </a:p>
+        </p:txBody>
+      </p:sp>
+    </p:spTree>
+    <p:extLst>
+      <p:ext uri="{BB962C8B-B14F-4D97-AF65-F5344CB8AC3E}">
+        <p14:creationId xmlns:p14="http://schemas.microsoft.com/office/powerpoint/2010/main" val="2846740160"/>
       </p:ext>
     </p:extLst>
   </p:cSld>

--- a/media/ideas/Alpha and Omega.pptx
+++ b/media/ideas/Alpha and Omega.pptx
@@ -5,7 +5,7 @@
     <p:sldMasterId id="2147483660" r:id="rId1"/>
   </p:sldMasterIdLst>
   <p:notesMasterIdLst>
-    <p:notesMasterId r:id="rId9"/>
+    <p:notesMasterId r:id="rId10"/>
   </p:notesMasterIdLst>
   <p:sldIdLst>
     <p:sldId id="256" r:id="rId2"/>
@@ -15,6 +15,7 @@
     <p:sldId id="261" r:id="rId6"/>
     <p:sldId id="262" r:id="rId7"/>
     <p:sldId id="263" r:id="rId8"/>
+    <p:sldId id="264" r:id="rId9"/>
   </p:sldIdLst>
   <p:sldSz cx="12192000" cy="6858000"/>
   <p:notesSz cx="6858000" cy="9144000"/>
@@ -124,7 +125,7 @@
 <file path=ppt/revisionInfo.xml><?xml version="1.0" encoding="utf-8"?>
 <p1510:revInfo xmlns:a="http://schemas.openxmlformats.org/drawingml/2006/main" xmlns:r="http://schemas.openxmlformats.org/officeDocument/2006/relationships" xmlns:p1510="http://schemas.microsoft.com/office/powerpoint/2015/10/main">
   <p1510:revLst>
-    <p1510:client id="{85484BEE-13EB-4DC1-8A3C-773F2E1512DB}" v="25" dt="2025-02-11T11:58:40.576"/>
+    <p1510:client id="{5A3E4B72-B451-4BC5-82B0-62F0F952E08E}" v="6" dt="2025-03-02T22:32:52.691"/>
   </p1510:revLst>
 </p1510:revInfo>
 </file>
@@ -160,118 +161,6 @@
             <ac:spMk id="17" creationId="{9EAF2A13-5497-CD7E-9817-E8149E38A224}"/>
           </ac:spMkLst>
         </pc:spChg>
-        <pc:spChg chg="add mod">
-          <ac:chgData name="Tobias Stadtfeld" userId="7e695269987144e5" providerId="LiveId" clId="{055BA477-D279-4748-ADB5-E1B4BBCA5B92}" dt="2024-11-22T08:01:48.472" v="3053" actId="1076"/>
-          <ac:spMkLst>
-            <pc:docMk/>
-            <pc:sldMk cId="940174068" sldId="256"/>
-            <ac:spMk id="31" creationId="{CDA42F3F-C257-650C-62BE-D465566F1874}"/>
-          </ac:spMkLst>
-        </pc:spChg>
-        <pc:spChg chg="add mod">
-          <ac:chgData name="Tobias Stadtfeld" userId="7e695269987144e5" providerId="LiveId" clId="{055BA477-D279-4748-ADB5-E1B4BBCA5B92}" dt="2024-11-22T08:01:53.950" v="3054" actId="1076"/>
-          <ac:spMkLst>
-            <pc:docMk/>
-            <pc:sldMk cId="940174068" sldId="256"/>
-            <ac:spMk id="38" creationId="{85127C11-E6AA-7C15-B9B4-A165493E1098}"/>
-          </ac:spMkLst>
-        </pc:spChg>
-        <pc:spChg chg="add mod ord">
-          <ac:chgData name="Tobias Stadtfeld" userId="7e695269987144e5" providerId="LiveId" clId="{055BA477-D279-4748-ADB5-E1B4BBCA5B92}" dt="2024-11-22T08:02:02.246" v="3055" actId="14100"/>
-          <ac:spMkLst>
-            <pc:docMk/>
-            <pc:sldMk cId="940174068" sldId="256"/>
-            <ac:spMk id="77" creationId="{78600EA7-DD5F-8CA4-062D-D4579D2A719B}"/>
-          </ac:spMkLst>
-        </pc:spChg>
-        <pc:cxnChg chg="add mod ord">
-          <ac:chgData name="Tobias Stadtfeld" userId="7e695269987144e5" providerId="LiveId" clId="{055BA477-D279-4748-ADB5-E1B4BBCA5B92}" dt="2024-11-22T07:25:31.854" v="2744" actId="208"/>
-          <ac:cxnSpMkLst>
-            <pc:docMk/>
-            <pc:sldMk cId="940174068" sldId="256"/>
-            <ac:cxnSpMk id="8" creationId="{D969B058-096F-8948-E79A-6C9323D5768E}"/>
-          </ac:cxnSpMkLst>
-        </pc:cxnChg>
-        <pc:cxnChg chg="add mod">
-          <ac:chgData name="Tobias Stadtfeld" userId="7e695269987144e5" providerId="LiveId" clId="{055BA477-D279-4748-ADB5-E1B4BBCA5B92}" dt="2024-11-22T07:25:31.854" v="2744" actId="208"/>
-          <ac:cxnSpMkLst>
-            <pc:docMk/>
-            <pc:sldMk cId="940174068" sldId="256"/>
-            <ac:cxnSpMk id="18" creationId="{633C4CF6-439D-3CE3-34D5-8883DAF5DBA1}"/>
-          </ac:cxnSpMkLst>
-        </pc:cxnChg>
-        <pc:cxnChg chg="add mod">
-          <ac:chgData name="Tobias Stadtfeld" userId="7e695269987144e5" providerId="LiveId" clId="{055BA477-D279-4748-ADB5-E1B4BBCA5B92}" dt="2024-11-22T07:27:54.865" v="2762" actId="14100"/>
-          <ac:cxnSpMkLst>
-            <pc:docMk/>
-            <pc:sldMk cId="940174068" sldId="256"/>
-            <ac:cxnSpMk id="19" creationId="{F2278F18-45D2-9EC7-9DE1-95B1D064B501}"/>
-          </ac:cxnSpMkLst>
-        </pc:cxnChg>
-        <pc:cxnChg chg="add mod">
-          <ac:chgData name="Tobias Stadtfeld" userId="7e695269987144e5" providerId="LiveId" clId="{055BA477-D279-4748-ADB5-E1B4BBCA5B92}" dt="2024-11-22T07:25:31.854" v="2744" actId="208"/>
-          <ac:cxnSpMkLst>
-            <pc:docMk/>
-            <pc:sldMk cId="940174068" sldId="256"/>
-            <ac:cxnSpMk id="21" creationId="{ED02E3B6-8A27-425D-A7FC-7472FF441F7E}"/>
-          </ac:cxnSpMkLst>
-        </pc:cxnChg>
-        <pc:cxnChg chg="add mod">
-          <ac:chgData name="Tobias Stadtfeld" userId="7e695269987144e5" providerId="LiveId" clId="{055BA477-D279-4748-ADB5-E1B4BBCA5B92}" dt="2024-11-22T07:25:31.854" v="2744" actId="208"/>
-          <ac:cxnSpMkLst>
-            <pc:docMk/>
-            <pc:sldMk cId="940174068" sldId="256"/>
-            <ac:cxnSpMk id="24" creationId="{4193294A-480E-EBDC-F2C1-FA220042198F}"/>
-          </ac:cxnSpMkLst>
-        </pc:cxnChg>
-        <pc:cxnChg chg="add mod">
-          <ac:chgData name="Tobias Stadtfeld" userId="7e695269987144e5" providerId="LiveId" clId="{055BA477-D279-4748-ADB5-E1B4BBCA5B92}" dt="2024-11-22T07:25:31.854" v="2744" actId="208"/>
-          <ac:cxnSpMkLst>
-            <pc:docMk/>
-            <pc:sldMk cId="940174068" sldId="256"/>
-            <ac:cxnSpMk id="28" creationId="{7D91D59F-BB9D-B001-EC0F-63C3EEB4E708}"/>
-          </ac:cxnSpMkLst>
-        </pc:cxnChg>
-        <pc:cxnChg chg="add mod">
-          <ac:chgData name="Tobias Stadtfeld" userId="7e695269987144e5" providerId="LiveId" clId="{055BA477-D279-4748-ADB5-E1B4BBCA5B92}" dt="2024-11-22T08:01:53.950" v="3054" actId="1076"/>
-          <ac:cxnSpMkLst>
-            <pc:docMk/>
-            <pc:sldMk cId="940174068" sldId="256"/>
-            <ac:cxnSpMk id="33" creationId="{9DF14478-2CEA-F27B-99E4-EB76477E67FE}"/>
-          </ac:cxnSpMkLst>
-        </pc:cxnChg>
-        <pc:cxnChg chg="add mod">
-          <ac:chgData name="Tobias Stadtfeld" userId="7e695269987144e5" providerId="LiveId" clId="{055BA477-D279-4748-ADB5-E1B4BBCA5B92}" dt="2024-11-22T07:25:31.854" v="2744" actId="208"/>
-          <ac:cxnSpMkLst>
-            <pc:docMk/>
-            <pc:sldMk cId="940174068" sldId="256"/>
-            <ac:cxnSpMk id="40" creationId="{DA8C1CC5-3321-DC54-F775-59DDF730CA0F}"/>
-          </ac:cxnSpMkLst>
-        </pc:cxnChg>
-        <pc:cxnChg chg="add mod">
-          <ac:chgData name="Tobias Stadtfeld" userId="7e695269987144e5" providerId="LiveId" clId="{055BA477-D279-4748-ADB5-E1B4BBCA5B92}" dt="2024-11-22T07:25:31.854" v="2744" actId="208"/>
-          <ac:cxnSpMkLst>
-            <pc:docMk/>
-            <pc:sldMk cId="940174068" sldId="256"/>
-            <ac:cxnSpMk id="60" creationId="{39104D46-6D56-8724-1B74-95227AF64489}"/>
-          </ac:cxnSpMkLst>
-        </pc:cxnChg>
-        <pc:cxnChg chg="add mod">
-          <ac:chgData name="Tobias Stadtfeld" userId="7e695269987144e5" providerId="LiveId" clId="{055BA477-D279-4748-ADB5-E1B4BBCA5B92}" dt="2024-11-22T07:25:31.854" v="2744" actId="208"/>
-          <ac:cxnSpMkLst>
-            <pc:docMk/>
-            <pc:sldMk cId="940174068" sldId="256"/>
-            <ac:cxnSpMk id="64" creationId="{C4F9B0A3-6870-06F1-E399-C02186BA6FAC}"/>
-          </ac:cxnSpMkLst>
-        </pc:cxnChg>
-        <pc:cxnChg chg="add mod">
-          <ac:chgData name="Tobias Stadtfeld" userId="7e695269987144e5" providerId="LiveId" clId="{055BA477-D279-4748-ADB5-E1B4BBCA5B92}" dt="2024-11-22T07:27:26.913" v="2761" actId="14100"/>
-          <ac:cxnSpMkLst>
-            <pc:docMk/>
-            <pc:sldMk cId="940174068" sldId="256"/>
-            <ac:cxnSpMk id="66" creationId="{C8F513A0-AC60-2BC6-4CCF-5952A3A8A7A8}"/>
-          </ac:cxnSpMkLst>
-        </pc:cxnChg>
       </pc:sldChg>
       <pc:sldChg chg="new del">
         <pc:chgData name="Tobias Stadtfeld" userId="7e695269987144e5" providerId="LiveId" clId="{055BA477-D279-4748-ADB5-E1B4BBCA5B92}" dt="2024-11-22T05:55:32.021" v="2080" actId="47"/>
@@ -303,67 +192,11 @@
           </ac:spMkLst>
         </pc:spChg>
         <pc:spChg chg="add mod">
-          <ac:chgData name="Tobias Stadtfeld" userId="7e695269987144e5" providerId="LiveId" clId="{055BA477-D279-4748-ADB5-E1B4BBCA5B92}" dt="2024-11-22T07:09:02.872" v="2693" actId="207"/>
-          <ac:spMkLst>
-            <pc:docMk/>
-            <pc:sldMk cId="2702369679" sldId="258"/>
-            <ac:spMk id="5" creationId="{14D4DCAF-2CA7-583E-150C-2B64EC9A7DCD}"/>
-          </ac:spMkLst>
-        </pc:spChg>
-        <pc:spChg chg="add mod">
-          <ac:chgData name="Tobias Stadtfeld" userId="7e695269987144e5" providerId="LiveId" clId="{055BA477-D279-4748-ADB5-E1B4BBCA5B92}" dt="2024-11-22T07:09:02.872" v="2693" actId="207"/>
-          <ac:spMkLst>
-            <pc:docMk/>
-            <pc:sldMk cId="2702369679" sldId="258"/>
-            <ac:spMk id="6" creationId="{73614A69-4023-11A7-3A54-598F87ABCAA7}"/>
-          </ac:spMkLst>
-        </pc:spChg>
-        <pc:spChg chg="add mod">
           <ac:chgData name="Tobias Stadtfeld" userId="7e695269987144e5" providerId="LiveId" clId="{055BA477-D279-4748-ADB5-E1B4BBCA5B92}" dt="2024-12-09T20:42:09.993" v="3164" actId="20577"/>
           <ac:spMkLst>
             <pc:docMk/>
             <pc:sldMk cId="2702369679" sldId="258"/>
             <ac:spMk id="14" creationId="{CE2D1E07-BB4F-4569-E5E8-86FC82DC5E6C}"/>
-          </ac:spMkLst>
-        </pc:spChg>
-        <pc:spChg chg="add mod ord">
-          <ac:chgData name="Tobias Stadtfeld" userId="7e695269987144e5" providerId="LiveId" clId="{055BA477-D279-4748-ADB5-E1B4BBCA5B92}" dt="2024-11-22T06:09:34.072" v="2260" actId="208"/>
-          <ac:spMkLst>
-            <pc:docMk/>
-            <pc:sldMk cId="2702369679" sldId="258"/>
-            <ac:spMk id="16" creationId="{44810813-48FF-DE21-9D6A-6E1AA5000531}"/>
-          </ac:spMkLst>
-        </pc:spChg>
-        <pc:spChg chg="add mod">
-          <ac:chgData name="Tobias Stadtfeld" userId="7e695269987144e5" providerId="LiveId" clId="{055BA477-D279-4748-ADB5-E1B4BBCA5B92}" dt="2024-11-22T07:09:02.872" v="2693" actId="207"/>
-          <ac:spMkLst>
-            <pc:docMk/>
-            <pc:sldMk cId="2702369679" sldId="258"/>
-            <ac:spMk id="18" creationId="{679D1503-3D60-3851-F097-CC5928013452}"/>
-          </ac:spMkLst>
-        </pc:spChg>
-        <pc:spChg chg="add mod ord">
-          <ac:chgData name="Tobias Stadtfeld" userId="7e695269987144e5" providerId="LiveId" clId="{055BA477-D279-4748-ADB5-E1B4BBCA5B92}" dt="2024-11-22T06:09:34.072" v="2260" actId="208"/>
-          <ac:spMkLst>
-            <pc:docMk/>
-            <pc:sldMk cId="2702369679" sldId="258"/>
-            <ac:spMk id="20" creationId="{27B9F355-E0B0-2934-FF2D-CFE9F59345F9}"/>
-          </ac:spMkLst>
-        </pc:spChg>
-        <pc:spChg chg="add mod">
-          <ac:chgData name="Tobias Stadtfeld" userId="7e695269987144e5" providerId="LiveId" clId="{055BA477-D279-4748-ADB5-E1B4BBCA5B92}" dt="2024-11-22T07:26:16.766" v="2747" actId="20577"/>
-          <ac:spMkLst>
-            <pc:docMk/>
-            <pc:sldMk cId="2702369679" sldId="258"/>
-            <ac:spMk id="22" creationId="{35890F66-E37D-3902-6955-26D586F1C0BB}"/>
-          </ac:spMkLst>
-        </pc:spChg>
-        <pc:spChg chg="add mod">
-          <ac:chgData name="Tobias Stadtfeld" userId="7e695269987144e5" providerId="LiveId" clId="{055BA477-D279-4748-ADB5-E1B4BBCA5B92}" dt="2024-11-22T07:26:22.309" v="2752" actId="20577"/>
-          <ac:spMkLst>
-            <pc:docMk/>
-            <pc:sldMk cId="2702369679" sldId="258"/>
-            <ac:spMk id="27" creationId="{801DD11F-DFCD-4507-0CE0-8CF5C2DF6D1D}"/>
           </ac:spMkLst>
         </pc:spChg>
         <pc:spChg chg="add mod">
@@ -372,102 +205,6 @@
             <pc:docMk/>
             <pc:sldMk cId="2702369679" sldId="258"/>
             <ac:spMk id="32" creationId="{0E075B43-16AE-D968-4E32-5DB18C8DF318}"/>
-          </ac:spMkLst>
-        </pc:spChg>
-        <pc:spChg chg="add mod">
-          <ac:chgData name="Tobias Stadtfeld" userId="7e695269987144e5" providerId="LiveId" clId="{055BA477-D279-4748-ADB5-E1B4BBCA5B92}" dt="2024-11-22T07:09:02.872" v="2693" actId="207"/>
-          <ac:spMkLst>
-            <pc:docMk/>
-            <pc:sldMk cId="2702369679" sldId="258"/>
-            <ac:spMk id="35" creationId="{3E73BCC8-790A-6F51-09B2-35E1E5995D6B}"/>
-          </ac:spMkLst>
-        </pc:spChg>
-        <pc:spChg chg="add mod ord">
-          <ac:chgData name="Tobias Stadtfeld" userId="7e695269987144e5" providerId="LiveId" clId="{055BA477-D279-4748-ADB5-E1B4BBCA5B92}" dt="2024-11-22T07:12:18.550" v="2703" actId="207"/>
-          <ac:spMkLst>
-            <pc:docMk/>
-            <pc:sldMk cId="2702369679" sldId="258"/>
-            <ac:spMk id="38" creationId="{6615A6F7-A257-D832-A811-9C372B742269}"/>
-          </ac:spMkLst>
-        </pc:spChg>
-        <pc:spChg chg="add mod">
-          <ac:chgData name="Tobias Stadtfeld" userId="7e695269987144e5" providerId="LiveId" clId="{055BA477-D279-4748-ADB5-E1B4BBCA5B92}" dt="2024-11-22T06:47:19.314" v="2441" actId="1076"/>
-          <ac:spMkLst>
-            <pc:docMk/>
-            <pc:sldMk cId="2702369679" sldId="258"/>
-            <ac:spMk id="39" creationId="{07F5CE68-B7E3-B012-307C-EC5A11A2AFC9}"/>
-          </ac:spMkLst>
-        </pc:spChg>
-        <pc:spChg chg="add mod">
-          <ac:chgData name="Tobias Stadtfeld" userId="7e695269987144e5" providerId="LiveId" clId="{055BA477-D279-4748-ADB5-E1B4BBCA5B92}" dt="2024-11-22T07:09:02.872" v="2693" actId="207"/>
-          <ac:spMkLst>
-            <pc:docMk/>
-            <pc:sldMk cId="2702369679" sldId="258"/>
-            <ac:spMk id="40" creationId="{71B491CE-0EEC-974D-F3D3-A160D17DC035}"/>
-          </ac:spMkLst>
-        </pc:spChg>
-        <pc:spChg chg="add mod">
-          <ac:chgData name="Tobias Stadtfeld" userId="7e695269987144e5" providerId="LiveId" clId="{055BA477-D279-4748-ADB5-E1B4BBCA5B92}" dt="2024-11-22T06:48:54.302" v="2539" actId="207"/>
-          <ac:spMkLst>
-            <pc:docMk/>
-            <pc:sldMk cId="2702369679" sldId="258"/>
-            <ac:spMk id="47" creationId="{53120861-858B-5421-CDB7-8FEA42348CE1}"/>
-          </ac:spMkLst>
-        </pc:spChg>
-        <pc:spChg chg="add mod">
-          <ac:chgData name="Tobias Stadtfeld" userId="7e695269987144e5" providerId="LiveId" clId="{055BA477-D279-4748-ADB5-E1B4BBCA5B92}" dt="2024-11-22T07:09:02.872" v="2693" actId="207"/>
-          <ac:spMkLst>
-            <pc:docMk/>
-            <pc:sldMk cId="2702369679" sldId="258"/>
-            <ac:spMk id="49" creationId="{449B9F20-FD02-4C88-0CFB-F94687207FB7}"/>
-          </ac:spMkLst>
-        </pc:spChg>
-        <pc:spChg chg="add mod">
-          <ac:chgData name="Tobias Stadtfeld" userId="7e695269987144e5" providerId="LiveId" clId="{055BA477-D279-4748-ADB5-E1B4BBCA5B92}" dt="2024-11-22T06:49:02.691" v="2540" actId="207"/>
-          <ac:spMkLst>
-            <pc:docMk/>
-            <pc:sldMk cId="2702369679" sldId="258"/>
-            <ac:spMk id="52" creationId="{A86FCF00-D0EC-F96A-38EB-44B3ECC6FD07}"/>
-          </ac:spMkLst>
-        </pc:spChg>
-        <pc:spChg chg="add mod">
-          <ac:chgData name="Tobias Stadtfeld" userId="7e695269987144e5" providerId="LiveId" clId="{055BA477-D279-4748-ADB5-E1B4BBCA5B92}" dt="2024-11-22T06:50:04.292" v="2544" actId="1076"/>
-          <ac:spMkLst>
-            <pc:docMk/>
-            <pc:sldMk cId="2702369679" sldId="258"/>
-            <ac:spMk id="53" creationId="{D7EBC5F7-8C1C-3892-3C14-BEA8BA73103C}"/>
-          </ac:spMkLst>
-        </pc:spChg>
-        <pc:spChg chg="add mod ord">
-          <ac:chgData name="Tobias Stadtfeld" userId="7e695269987144e5" providerId="LiveId" clId="{055BA477-D279-4748-ADB5-E1B4BBCA5B92}" dt="2024-11-22T07:12:29.303" v="2705" actId="166"/>
-          <ac:spMkLst>
-            <pc:docMk/>
-            <pc:sldMk cId="2702369679" sldId="258"/>
-            <ac:spMk id="55" creationId="{5B8E4209-6C54-A1A1-9071-A244BC8DC146}"/>
-          </ac:spMkLst>
-        </pc:spChg>
-        <pc:spChg chg="add mod">
-          <ac:chgData name="Tobias Stadtfeld" userId="7e695269987144e5" providerId="LiveId" clId="{055BA477-D279-4748-ADB5-E1B4BBCA5B92}" dt="2024-11-22T06:50:18.623" v="2552" actId="1076"/>
-          <ac:spMkLst>
-            <pc:docMk/>
-            <pc:sldMk cId="2702369679" sldId="258"/>
-            <ac:spMk id="56" creationId="{CC1A7CA5-D356-AC77-8F25-EA4480819DC9}"/>
-          </ac:spMkLst>
-        </pc:spChg>
-        <pc:spChg chg="add mod">
-          <ac:chgData name="Tobias Stadtfeld" userId="7e695269987144e5" providerId="LiveId" clId="{055BA477-D279-4748-ADB5-E1B4BBCA5B92}" dt="2024-11-22T07:26:28.438" v="2754" actId="20577"/>
-          <ac:spMkLst>
-            <pc:docMk/>
-            <pc:sldMk cId="2702369679" sldId="258"/>
-            <ac:spMk id="64" creationId="{DB86E1A0-1944-AA4B-5F76-C0837D260F35}"/>
-          </ac:spMkLst>
-        </pc:spChg>
-        <pc:spChg chg="add mod">
-          <ac:chgData name="Tobias Stadtfeld" userId="7e695269987144e5" providerId="LiveId" clId="{055BA477-D279-4748-ADB5-E1B4BBCA5B92}" dt="2024-11-22T07:26:39.630" v="2760" actId="20577"/>
-          <ac:spMkLst>
-            <pc:docMk/>
-            <pc:sldMk cId="2702369679" sldId="258"/>
-            <ac:spMk id="65" creationId="{7D5F00C4-9E17-8E2F-749A-9E22E6B9FB77}"/>
           </ac:spMkLst>
         </pc:spChg>
         <pc:cxnChg chg="add mod">
@@ -486,70 +223,6 @@
             <ac:cxnSpMk id="11" creationId="{5A89E0D2-BAD5-6C1D-801C-F4AACC8824FA}"/>
           </ac:cxnSpMkLst>
         </pc:cxnChg>
-        <pc:cxnChg chg="add mod">
-          <ac:chgData name="Tobias Stadtfeld" userId="7e695269987144e5" providerId="LiveId" clId="{055BA477-D279-4748-ADB5-E1B4BBCA5B92}" dt="2024-11-22T07:25:49.686" v="2745" actId="208"/>
-          <ac:cxnSpMkLst>
-            <pc:docMk/>
-            <pc:sldMk cId="2702369679" sldId="258"/>
-            <ac:cxnSpMk id="19" creationId="{FE5325F8-D7C0-4D27-4126-EF99A7850380}"/>
-          </ac:cxnSpMkLst>
-        </pc:cxnChg>
-        <pc:cxnChg chg="add mod">
-          <ac:chgData name="Tobias Stadtfeld" userId="7e695269987144e5" providerId="LiveId" clId="{055BA477-D279-4748-ADB5-E1B4BBCA5B92}" dt="2024-11-22T07:25:49.686" v="2745" actId="208"/>
-          <ac:cxnSpMkLst>
-            <pc:docMk/>
-            <pc:sldMk cId="2702369679" sldId="258"/>
-            <ac:cxnSpMk id="23" creationId="{EB76B5A0-FF80-ADAF-ABED-73542DD6044C}"/>
-          </ac:cxnSpMkLst>
-        </pc:cxnChg>
-        <pc:cxnChg chg="add mod">
-          <ac:chgData name="Tobias Stadtfeld" userId="7e695269987144e5" providerId="LiveId" clId="{055BA477-D279-4748-ADB5-E1B4BBCA5B92}" dt="2024-11-22T07:25:49.686" v="2745" actId="208"/>
-          <ac:cxnSpMkLst>
-            <pc:docMk/>
-            <pc:sldMk cId="2702369679" sldId="258"/>
-            <ac:cxnSpMk id="29" creationId="{D64ADBB7-5168-BFC1-3CA9-4DE825E154C1}"/>
-          </ac:cxnSpMkLst>
-        </pc:cxnChg>
-        <pc:cxnChg chg="add mod">
-          <ac:chgData name="Tobias Stadtfeld" userId="7e695269987144e5" providerId="LiveId" clId="{055BA477-D279-4748-ADB5-E1B4BBCA5B92}" dt="2024-11-22T07:25:49.686" v="2745" actId="208"/>
-          <ac:cxnSpMkLst>
-            <pc:docMk/>
-            <pc:sldMk cId="2702369679" sldId="258"/>
-            <ac:cxnSpMk id="36" creationId="{E387C57D-A53B-E22E-66C1-EAC8CBBFA7A2}"/>
-          </ac:cxnSpMkLst>
-        </pc:cxnChg>
-        <pc:cxnChg chg="add mod ord">
-          <ac:chgData name="Tobias Stadtfeld" userId="7e695269987144e5" providerId="LiveId" clId="{055BA477-D279-4748-ADB5-E1B4BBCA5B92}" dt="2024-11-22T07:25:49.686" v="2745" actId="208"/>
-          <ac:cxnSpMkLst>
-            <pc:docMk/>
-            <pc:sldMk cId="2702369679" sldId="258"/>
-            <ac:cxnSpMk id="41" creationId="{7C7A5733-3233-1E1E-5D91-C85B5DC84DDD}"/>
-          </ac:cxnSpMkLst>
-        </pc:cxnChg>
-        <pc:cxnChg chg="add mod ord">
-          <ac:chgData name="Tobias Stadtfeld" userId="7e695269987144e5" providerId="LiveId" clId="{055BA477-D279-4748-ADB5-E1B4BBCA5B92}" dt="2024-11-22T07:25:49.686" v="2745" actId="208"/>
-          <ac:cxnSpMkLst>
-            <pc:docMk/>
-            <pc:sldMk cId="2702369679" sldId="258"/>
-            <ac:cxnSpMk id="45" creationId="{3D1DA6FB-680C-934D-7ED0-409BD3CD48EA}"/>
-          </ac:cxnSpMkLst>
-        </pc:cxnChg>
-        <pc:cxnChg chg="add mod ord">
-          <ac:chgData name="Tobias Stadtfeld" userId="7e695269987144e5" providerId="LiveId" clId="{055BA477-D279-4748-ADB5-E1B4BBCA5B92}" dt="2024-11-22T07:25:49.686" v="2745" actId="208"/>
-          <ac:cxnSpMkLst>
-            <pc:docMk/>
-            <pc:sldMk cId="2702369679" sldId="258"/>
-            <ac:cxnSpMk id="58" creationId="{46A4A85B-776E-45C3-B275-47BC3A7F0BA5}"/>
-          </ac:cxnSpMkLst>
-        </pc:cxnChg>
-        <pc:cxnChg chg="add mod ord">
-          <ac:chgData name="Tobias Stadtfeld" userId="7e695269987144e5" providerId="LiveId" clId="{055BA477-D279-4748-ADB5-E1B4BBCA5B92}" dt="2024-11-22T07:25:49.686" v="2745" actId="208"/>
-          <ac:cxnSpMkLst>
-            <pc:docMk/>
-            <pc:sldMk cId="2702369679" sldId="258"/>
-            <ac:cxnSpMk id="61" creationId="{7AB23E59-27B5-B8EF-B8D2-828117A5B96C}"/>
-          </ac:cxnSpMkLst>
-        </pc:cxnChg>
       </pc:sldChg>
       <pc:sldChg chg="addSp delSp modSp new mod setBg delDesignElem">
         <pc:chgData name="Tobias Stadtfeld" userId="7e695269987144e5" providerId="LiveId" clId="{055BA477-D279-4748-ADB5-E1B4BBCA5B92}" dt="2024-11-22T08:01:01.236" v="3051" actId="20577"/>
@@ -557,166 +230,6 @@
           <pc:docMk/>
           <pc:sldMk cId="840078680" sldId="259"/>
         </pc:sldMkLst>
-        <pc:spChg chg="add mod ord">
-          <ac:chgData name="Tobias Stadtfeld" userId="7e695269987144e5" providerId="LiveId" clId="{055BA477-D279-4748-ADB5-E1B4BBCA5B92}" dt="2024-11-22T08:01:01.236" v="3051" actId="20577"/>
-          <ac:spMkLst>
-            <pc:docMk/>
-            <pc:sldMk cId="840078680" sldId="259"/>
-            <ac:spMk id="4" creationId="{47EE1A41-5F6A-9C19-0C0D-CFD30DFF74D1}"/>
-          </ac:spMkLst>
-        </pc:spChg>
-        <pc:spChg chg="add mod">
-          <ac:chgData name="Tobias Stadtfeld" userId="7e695269987144e5" providerId="LiveId" clId="{055BA477-D279-4748-ADB5-E1B4BBCA5B92}" dt="2024-11-22T07:37:21.437" v="2908" actId="1076"/>
-          <ac:spMkLst>
-            <pc:docMk/>
-            <pc:sldMk cId="840078680" sldId="259"/>
-            <ac:spMk id="9" creationId="{11A3C1DC-B4FC-E586-3064-95830B3B9590}"/>
-          </ac:spMkLst>
-        </pc:spChg>
-        <pc:spChg chg="add mod">
-          <ac:chgData name="Tobias Stadtfeld" userId="7e695269987144e5" providerId="LiveId" clId="{055BA477-D279-4748-ADB5-E1B4BBCA5B92}" dt="2024-11-22T07:37:21.437" v="2908" actId="1076"/>
-          <ac:spMkLst>
-            <pc:docMk/>
-            <pc:sldMk cId="840078680" sldId="259"/>
-            <ac:spMk id="12" creationId="{28C16F1C-BD4F-210A-F748-1F27493E3C54}"/>
-          </ac:spMkLst>
-        </pc:spChg>
-        <pc:spChg chg="add mod ord">
-          <ac:chgData name="Tobias Stadtfeld" userId="7e695269987144e5" providerId="LiveId" clId="{055BA477-D279-4748-ADB5-E1B4BBCA5B92}" dt="2024-11-22T07:48:46.871" v="3041" actId="166"/>
-          <ac:spMkLst>
-            <pc:docMk/>
-            <pc:sldMk cId="840078680" sldId="259"/>
-            <ac:spMk id="18" creationId="{E4D375FE-10C7-0FFD-7C56-46A44C357BD0}"/>
-          </ac:spMkLst>
-        </pc:spChg>
-        <pc:spChg chg="add mod">
-          <ac:chgData name="Tobias Stadtfeld" userId="7e695269987144e5" providerId="LiveId" clId="{055BA477-D279-4748-ADB5-E1B4BBCA5B92}" dt="2024-11-22T07:37:21.437" v="2908" actId="1076"/>
-          <ac:spMkLst>
-            <pc:docMk/>
-            <pc:sldMk cId="840078680" sldId="259"/>
-            <ac:spMk id="19" creationId="{DDF8D875-62BC-434A-8BC4-E424BDBF726C}"/>
-          </ac:spMkLst>
-        </pc:spChg>
-        <pc:spChg chg="add mod">
-          <ac:chgData name="Tobias Stadtfeld" userId="7e695269987144e5" providerId="LiveId" clId="{055BA477-D279-4748-ADB5-E1B4BBCA5B92}" dt="2024-11-22T07:37:21.437" v="2908" actId="1076"/>
-          <ac:spMkLst>
-            <pc:docMk/>
-            <pc:sldMk cId="840078680" sldId="259"/>
-            <ac:spMk id="24" creationId="{FBFB13DB-E4D1-3048-35FB-A31C45E38FB2}"/>
-          </ac:spMkLst>
-        </pc:spChg>
-        <pc:spChg chg="add mod">
-          <ac:chgData name="Tobias Stadtfeld" userId="7e695269987144e5" providerId="LiveId" clId="{055BA477-D279-4748-ADB5-E1B4BBCA5B92}" dt="2024-11-22T07:43:22.374" v="3013" actId="1076"/>
-          <ac:spMkLst>
-            <pc:docMk/>
-            <pc:sldMk cId="840078680" sldId="259"/>
-            <ac:spMk id="28" creationId="{7BE2D2F2-1C4A-4345-5589-2A6C5A019C75}"/>
-          </ac:spMkLst>
-        </pc:spChg>
-        <pc:spChg chg="add mod">
-          <ac:chgData name="Tobias Stadtfeld" userId="7e695269987144e5" providerId="LiveId" clId="{055BA477-D279-4748-ADB5-E1B4BBCA5B92}" dt="2024-11-22T07:43:13.749" v="3010" actId="1076"/>
-          <ac:spMkLst>
-            <pc:docMk/>
-            <pc:sldMk cId="840078680" sldId="259"/>
-            <ac:spMk id="29" creationId="{BBF203C7-ACA6-1AEC-D14D-5548C506F5BC}"/>
-          </ac:spMkLst>
-        </pc:spChg>
-        <pc:picChg chg="add mod ord">
-          <ac:chgData name="Tobias Stadtfeld" userId="7e695269987144e5" providerId="LiveId" clId="{055BA477-D279-4748-ADB5-E1B4BBCA5B92}" dt="2024-11-22T07:43:16.425" v="3012" actId="1076"/>
-          <ac:picMkLst>
-            <pc:docMk/>
-            <pc:sldMk cId="840078680" sldId="259"/>
-            <ac:picMk id="1026" creationId="{26306C1D-954D-B4D5-FFD9-25FD518A2A11}"/>
-          </ac:picMkLst>
-        </pc:picChg>
-        <pc:inkChg chg="add">
-          <ac:chgData name="Tobias Stadtfeld" userId="7e695269987144e5" providerId="LiveId" clId="{055BA477-D279-4748-ADB5-E1B4BBCA5B92}" dt="2024-11-22T07:44:14.798" v="3014" actId="9405"/>
-          <ac:inkMkLst>
-            <pc:docMk/>
-            <pc:sldMk cId="840078680" sldId="259"/>
-            <ac:inkMk id="40" creationId="{FA4BE521-04C2-DD66-4D83-B525FAAE914D}"/>
-          </ac:inkMkLst>
-        </pc:inkChg>
-        <pc:inkChg chg="add">
-          <ac:chgData name="Tobias Stadtfeld" userId="7e695269987144e5" providerId="LiveId" clId="{055BA477-D279-4748-ADB5-E1B4BBCA5B92}" dt="2024-11-22T07:45:19.238" v="3021" actId="9405"/>
-          <ac:inkMkLst>
-            <pc:docMk/>
-            <pc:sldMk cId="840078680" sldId="259"/>
-            <ac:inkMk id="44" creationId="{27A91773-B16F-9422-7C1E-289F65FBA799}"/>
-          </ac:inkMkLst>
-        </pc:inkChg>
-        <pc:inkChg chg="add">
-          <ac:chgData name="Tobias Stadtfeld" userId="7e695269987144e5" providerId="LiveId" clId="{055BA477-D279-4748-ADB5-E1B4BBCA5B92}" dt="2024-11-22T07:45:26.758" v="3022" actId="9405"/>
-          <ac:inkMkLst>
-            <pc:docMk/>
-            <pc:sldMk cId="840078680" sldId="259"/>
-            <ac:inkMk id="45" creationId="{585D2968-4F19-9076-F499-B1555836522C}"/>
-          </ac:inkMkLst>
-        </pc:inkChg>
-        <pc:inkChg chg="add">
-          <ac:chgData name="Tobias Stadtfeld" userId="7e695269987144e5" providerId="LiveId" clId="{055BA477-D279-4748-ADB5-E1B4BBCA5B92}" dt="2024-11-22T07:45:28.730" v="3023" actId="9405"/>
-          <ac:inkMkLst>
-            <pc:docMk/>
-            <pc:sldMk cId="840078680" sldId="259"/>
-            <ac:inkMk id="46" creationId="{B98B776D-B49A-5D9C-387C-9A87183CA018}"/>
-          </ac:inkMkLst>
-        </pc:inkChg>
-        <pc:inkChg chg="add">
-          <ac:chgData name="Tobias Stadtfeld" userId="7e695269987144e5" providerId="LiveId" clId="{055BA477-D279-4748-ADB5-E1B4BBCA5B92}" dt="2024-11-22T07:45:38.952" v="3024" actId="9405"/>
-          <ac:inkMkLst>
-            <pc:docMk/>
-            <pc:sldMk cId="840078680" sldId="259"/>
-            <ac:inkMk id="47" creationId="{313EDB93-3648-75BA-0BB8-AB2E3F714C27}"/>
-          </ac:inkMkLst>
-        </pc:inkChg>
-        <pc:cxnChg chg="add mod">
-          <ac:chgData name="Tobias Stadtfeld" userId="7e695269987144e5" providerId="LiveId" clId="{055BA477-D279-4748-ADB5-E1B4BBCA5B92}" dt="2024-11-22T07:37:21.437" v="2908" actId="1076"/>
-          <ac:cxnSpMkLst>
-            <pc:docMk/>
-            <pc:sldMk cId="840078680" sldId="259"/>
-            <ac:cxnSpMk id="7" creationId="{949B4222-21A3-ACC6-6C8B-C8618A0DC3C3}"/>
-          </ac:cxnSpMkLst>
-        </pc:cxnChg>
-        <pc:cxnChg chg="add mod ord">
-          <ac:chgData name="Tobias Stadtfeld" userId="7e695269987144e5" providerId="LiveId" clId="{055BA477-D279-4748-ADB5-E1B4BBCA5B92}" dt="2024-11-22T07:48:46.871" v="3041" actId="166"/>
-          <ac:cxnSpMkLst>
-            <pc:docMk/>
-            <pc:sldMk cId="840078680" sldId="259"/>
-            <ac:cxnSpMk id="13" creationId="{616448E4-4F95-67CA-7786-06E833A42CF8}"/>
-          </ac:cxnSpMkLst>
-        </pc:cxnChg>
-        <pc:cxnChg chg="add mod">
-          <ac:chgData name="Tobias Stadtfeld" userId="7e695269987144e5" providerId="LiveId" clId="{055BA477-D279-4748-ADB5-E1B4BBCA5B92}" dt="2024-11-22T07:37:21.437" v="2908" actId="1076"/>
-          <ac:cxnSpMkLst>
-            <pc:docMk/>
-            <pc:sldMk cId="840078680" sldId="259"/>
-            <ac:cxnSpMk id="20" creationId="{B7D9C921-F338-29D9-2590-64DDAE747064}"/>
-          </ac:cxnSpMkLst>
-        </pc:cxnChg>
-        <pc:cxnChg chg="add mod">
-          <ac:chgData name="Tobias Stadtfeld" userId="7e695269987144e5" providerId="LiveId" clId="{055BA477-D279-4748-ADB5-E1B4BBCA5B92}" dt="2024-11-22T07:37:21.437" v="2908" actId="1076"/>
-          <ac:cxnSpMkLst>
-            <pc:docMk/>
-            <pc:sldMk cId="840078680" sldId="259"/>
-            <ac:cxnSpMk id="25" creationId="{E32D56C6-CE7A-71AF-D45F-C092B4A26E9E}"/>
-          </ac:cxnSpMkLst>
-        </pc:cxnChg>
-        <pc:cxnChg chg="add mod">
-          <ac:chgData name="Tobias Stadtfeld" userId="7e695269987144e5" providerId="LiveId" clId="{055BA477-D279-4748-ADB5-E1B4BBCA5B92}" dt="2024-11-22T07:38:43.511" v="2980" actId="1076"/>
-          <ac:cxnSpMkLst>
-            <pc:docMk/>
-            <pc:sldMk cId="840078680" sldId="259"/>
-            <ac:cxnSpMk id="30" creationId="{5B618541-9F43-CFAC-C76C-9BFA0F1F5C61}"/>
-          </ac:cxnSpMkLst>
-        </pc:cxnChg>
-        <pc:cxnChg chg="add mod">
-          <ac:chgData name="Tobias Stadtfeld" userId="7e695269987144e5" providerId="LiveId" clId="{055BA477-D279-4748-ADB5-E1B4BBCA5B92}" dt="2024-11-22T07:40:34.011" v="2987" actId="1076"/>
-          <ac:cxnSpMkLst>
-            <pc:docMk/>
-            <pc:sldMk cId="840078680" sldId="259"/>
-            <ac:cxnSpMk id="32" creationId="{6A1FAAA0-3456-3C07-67B2-0DEF5982AE3C}"/>
-          </ac:cxnSpMkLst>
-        </pc:cxnChg>
       </pc:sldChg>
       <pc:sldChg chg="addSp delSp modSp new mod">
         <pc:chgData name="Tobias Stadtfeld" userId="7e695269987144e5" providerId="LiveId" clId="{055BA477-D279-4748-ADB5-E1B4BBCA5B92}" dt="2024-11-23T11:36:50.926" v="3086" actId="1076"/>
@@ -724,126 +237,6 @@
           <pc:docMk/>
           <pc:sldMk cId="3962241421" sldId="260"/>
         </pc:sldMkLst>
-        <pc:spChg chg="add mod">
-          <ac:chgData name="Tobias Stadtfeld" userId="7e695269987144e5" providerId="LiveId" clId="{055BA477-D279-4748-ADB5-E1B4BBCA5B92}" dt="2024-11-23T11:36:50.926" v="3086" actId="1076"/>
-          <ac:spMkLst>
-            <pc:docMk/>
-            <pc:sldMk cId="3962241421" sldId="260"/>
-            <ac:spMk id="4" creationId="{4D651401-1172-DC7E-7735-47E8A1B58AFF}"/>
-          </ac:spMkLst>
-        </pc:spChg>
-        <pc:spChg chg="add mod">
-          <ac:chgData name="Tobias Stadtfeld" userId="7e695269987144e5" providerId="LiveId" clId="{055BA477-D279-4748-ADB5-E1B4BBCA5B92}" dt="2024-11-23T11:36:50.926" v="3086" actId="1076"/>
-          <ac:spMkLst>
-            <pc:docMk/>
-            <pc:sldMk cId="3962241421" sldId="260"/>
-            <ac:spMk id="5" creationId="{6F95DB02-754F-FEA1-2476-5BCEBA6F4EA2}"/>
-          </ac:spMkLst>
-        </pc:spChg>
-        <pc:spChg chg="add mod">
-          <ac:chgData name="Tobias Stadtfeld" userId="7e695269987144e5" providerId="LiveId" clId="{055BA477-D279-4748-ADB5-E1B4BBCA5B92}" dt="2024-11-23T11:36:50.926" v="3086" actId="1076"/>
-          <ac:spMkLst>
-            <pc:docMk/>
-            <pc:sldMk cId="3962241421" sldId="260"/>
-            <ac:spMk id="6" creationId="{325A1F77-8213-4F2B-6B26-22EC77DBA266}"/>
-          </ac:spMkLst>
-        </pc:spChg>
-        <pc:spChg chg="add mod">
-          <ac:chgData name="Tobias Stadtfeld" userId="7e695269987144e5" providerId="LiveId" clId="{055BA477-D279-4748-ADB5-E1B4BBCA5B92}" dt="2024-11-23T11:36:50.926" v="3086" actId="1076"/>
-          <ac:spMkLst>
-            <pc:docMk/>
-            <pc:sldMk cId="3962241421" sldId="260"/>
-            <ac:spMk id="7" creationId="{3B9437D0-CCF4-7987-E54C-20F9E447573C}"/>
-          </ac:spMkLst>
-        </pc:spChg>
-        <pc:spChg chg="add mod">
-          <ac:chgData name="Tobias Stadtfeld" userId="7e695269987144e5" providerId="LiveId" clId="{055BA477-D279-4748-ADB5-E1B4BBCA5B92}" dt="2024-11-23T11:36:50.926" v="3086" actId="1076"/>
-          <ac:spMkLst>
-            <pc:docMk/>
-            <pc:sldMk cId="3962241421" sldId="260"/>
-            <ac:spMk id="8" creationId="{F45C9EEE-A777-8329-A1E5-EC79A3087C1F}"/>
-          </ac:spMkLst>
-        </pc:spChg>
-        <pc:spChg chg="add mod">
-          <ac:chgData name="Tobias Stadtfeld" userId="7e695269987144e5" providerId="LiveId" clId="{055BA477-D279-4748-ADB5-E1B4BBCA5B92}" dt="2024-11-23T11:36:50.926" v="3086" actId="1076"/>
-          <ac:spMkLst>
-            <pc:docMk/>
-            <pc:sldMk cId="3962241421" sldId="260"/>
-            <ac:spMk id="9" creationId="{57C32D45-2D57-621B-99EC-861CDFB90B9E}"/>
-          </ac:spMkLst>
-        </pc:spChg>
-        <pc:spChg chg="add mod">
-          <ac:chgData name="Tobias Stadtfeld" userId="7e695269987144e5" providerId="LiveId" clId="{055BA477-D279-4748-ADB5-E1B4BBCA5B92}" dt="2024-11-23T11:36:50.926" v="3086" actId="1076"/>
-          <ac:spMkLst>
-            <pc:docMk/>
-            <pc:sldMk cId="3962241421" sldId="260"/>
-            <ac:spMk id="18" creationId="{188331B5-5144-8AD0-6135-5690F5E8F126}"/>
-          </ac:spMkLst>
-        </pc:spChg>
-        <pc:cxnChg chg="add mod">
-          <ac:chgData name="Tobias Stadtfeld" userId="7e695269987144e5" providerId="LiveId" clId="{055BA477-D279-4748-ADB5-E1B4BBCA5B92}" dt="2024-11-23T11:36:50.926" v="3086" actId="1076"/>
-          <ac:cxnSpMkLst>
-            <pc:docMk/>
-            <pc:sldMk cId="3962241421" sldId="260"/>
-            <ac:cxnSpMk id="10" creationId="{3EA993FD-D984-0012-179A-1807ACCEBFC5}"/>
-          </ac:cxnSpMkLst>
-        </pc:cxnChg>
-        <pc:cxnChg chg="add mod">
-          <ac:chgData name="Tobias Stadtfeld" userId="7e695269987144e5" providerId="LiveId" clId="{055BA477-D279-4748-ADB5-E1B4BBCA5B92}" dt="2024-11-23T11:36:50.926" v="3086" actId="1076"/>
-          <ac:cxnSpMkLst>
-            <pc:docMk/>
-            <pc:sldMk cId="3962241421" sldId="260"/>
-            <ac:cxnSpMk id="11" creationId="{E8541BFD-3520-EE74-53BD-3DC9F647BB74}"/>
-          </ac:cxnSpMkLst>
-        </pc:cxnChg>
-        <pc:cxnChg chg="add mod">
-          <ac:chgData name="Tobias Stadtfeld" userId="7e695269987144e5" providerId="LiveId" clId="{055BA477-D279-4748-ADB5-E1B4BBCA5B92}" dt="2024-11-23T11:36:50.926" v="3086" actId="1076"/>
-          <ac:cxnSpMkLst>
-            <pc:docMk/>
-            <pc:sldMk cId="3962241421" sldId="260"/>
-            <ac:cxnSpMk id="12" creationId="{5CFFD42E-A19B-0F79-3F6A-076FC8E01177}"/>
-          </ac:cxnSpMkLst>
-        </pc:cxnChg>
-        <pc:cxnChg chg="add mod">
-          <ac:chgData name="Tobias Stadtfeld" userId="7e695269987144e5" providerId="LiveId" clId="{055BA477-D279-4748-ADB5-E1B4BBCA5B92}" dt="2024-11-23T11:36:50.926" v="3086" actId="1076"/>
-          <ac:cxnSpMkLst>
-            <pc:docMk/>
-            <pc:sldMk cId="3962241421" sldId="260"/>
-            <ac:cxnSpMk id="13" creationId="{5D70862A-2B04-540E-2B7B-E5557AD5AEF9}"/>
-          </ac:cxnSpMkLst>
-        </pc:cxnChg>
-        <pc:cxnChg chg="add mod">
-          <ac:chgData name="Tobias Stadtfeld" userId="7e695269987144e5" providerId="LiveId" clId="{055BA477-D279-4748-ADB5-E1B4BBCA5B92}" dt="2024-11-23T11:36:50.926" v="3086" actId="1076"/>
-          <ac:cxnSpMkLst>
-            <pc:docMk/>
-            <pc:sldMk cId="3962241421" sldId="260"/>
-            <ac:cxnSpMk id="14" creationId="{51C37E39-4083-5528-6BB9-FA87AB75E332}"/>
-          </ac:cxnSpMkLst>
-        </pc:cxnChg>
-        <pc:cxnChg chg="add mod">
-          <ac:chgData name="Tobias Stadtfeld" userId="7e695269987144e5" providerId="LiveId" clId="{055BA477-D279-4748-ADB5-E1B4BBCA5B92}" dt="2024-11-23T11:36:50.926" v="3086" actId="1076"/>
-          <ac:cxnSpMkLst>
-            <pc:docMk/>
-            <pc:sldMk cId="3962241421" sldId="260"/>
-            <ac:cxnSpMk id="15" creationId="{1099A063-45B2-DC30-28A4-6F0ED6AE965F}"/>
-          </ac:cxnSpMkLst>
-        </pc:cxnChg>
-        <pc:cxnChg chg="add mod">
-          <ac:chgData name="Tobias Stadtfeld" userId="7e695269987144e5" providerId="LiveId" clId="{055BA477-D279-4748-ADB5-E1B4BBCA5B92}" dt="2024-11-23T11:36:50.926" v="3086" actId="1076"/>
-          <ac:cxnSpMkLst>
-            <pc:docMk/>
-            <pc:sldMk cId="3962241421" sldId="260"/>
-            <ac:cxnSpMk id="16" creationId="{355F3C3C-9B98-2674-34C7-78D96E4AD862}"/>
-          </ac:cxnSpMkLst>
-        </pc:cxnChg>
-        <pc:cxnChg chg="add mod">
-          <ac:chgData name="Tobias Stadtfeld" userId="7e695269987144e5" providerId="LiveId" clId="{055BA477-D279-4748-ADB5-E1B4BBCA5B92}" dt="2024-11-23T11:36:50.926" v="3086" actId="1076"/>
-          <ac:cxnSpMkLst>
-            <pc:docMk/>
-            <pc:sldMk cId="3962241421" sldId="260"/>
-            <ac:cxnSpMk id="17" creationId="{C585C00C-A60B-62A5-CBE2-5DC056D37B7A}"/>
-          </ac:cxnSpMkLst>
-        </pc:cxnChg>
       </pc:sldChg>
     </pc:docChg>
   </pc:docChgLst>
@@ -875,22 +268,6 @@
           <pc:docMk/>
           <pc:sldMk cId="2530979781" sldId="262"/>
         </pc:sldMkLst>
-        <pc:spChg chg="del">
-          <ac:chgData name="Tobias Stadtfeld" userId="7e695269987144e5" providerId="LiveId" clId="{85484BEE-13EB-4DC1-8A3C-773F2E1512DB}" dt="2025-02-11T11:02:03.618" v="2" actId="478"/>
-          <ac:spMkLst>
-            <pc:docMk/>
-            <pc:sldMk cId="2530979781" sldId="262"/>
-            <ac:spMk id="2" creationId="{F158939A-D07B-DF3A-25AA-CDFBE53B6E59}"/>
-          </ac:spMkLst>
-        </pc:spChg>
-        <pc:spChg chg="del">
-          <ac:chgData name="Tobias Stadtfeld" userId="7e695269987144e5" providerId="LiveId" clId="{85484BEE-13EB-4DC1-8A3C-773F2E1512DB}" dt="2025-02-11T11:02:02.669" v="1" actId="478"/>
-          <ac:spMkLst>
-            <pc:docMk/>
-            <pc:sldMk cId="2530979781" sldId="262"/>
-            <ac:spMk id="3" creationId="{A3D7455C-A459-1BB9-39AB-ECD06CED2353}"/>
-          </ac:spMkLst>
-        </pc:spChg>
         <pc:spChg chg="add mod">
           <ac:chgData name="Tobias Stadtfeld" userId="7e695269987144e5" providerId="LiveId" clId="{85484BEE-13EB-4DC1-8A3C-773F2E1512DB}" dt="2025-02-11T11:06:30.427" v="108" actId="1076"/>
           <ac:spMkLst>
@@ -939,14 +316,6 @@
             <ac:spMk id="12" creationId="{4C809CCB-6BC6-07E8-7235-540A50D6CE39}"/>
           </ac:spMkLst>
         </pc:spChg>
-        <pc:spChg chg="add del mod">
-          <ac:chgData name="Tobias Stadtfeld" userId="7e695269987144e5" providerId="LiveId" clId="{85484BEE-13EB-4DC1-8A3C-773F2E1512DB}" dt="2025-02-11T11:05:01.454" v="92" actId="478"/>
-          <ac:spMkLst>
-            <pc:docMk/>
-            <pc:sldMk cId="2530979781" sldId="262"/>
-            <ac:spMk id="14" creationId="{6F278F12-6079-B7E4-CC65-C60034676908}"/>
-          </ac:spMkLst>
-        </pc:spChg>
         <pc:spChg chg="add mod">
           <ac:chgData name="Tobias Stadtfeld" userId="7e695269987144e5" providerId="LiveId" clId="{85484BEE-13EB-4DC1-8A3C-773F2E1512DB}" dt="2025-02-11T11:06:30.427" v="108" actId="1076"/>
           <ac:spMkLst>
@@ -955,36 +324,12 @@
             <ac:spMk id="15" creationId="{276A596B-570A-8BA7-ABBB-B570A57DCA65}"/>
           </ac:spMkLst>
         </pc:spChg>
-        <pc:spChg chg="add del mod">
-          <ac:chgData name="Tobias Stadtfeld" userId="7e695269987144e5" providerId="LiveId" clId="{85484BEE-13EB-4DC1-8A3C-773F2E1512DB}" dt="2025-02-11T11:07:25.066" v="118" actId="478"/>
-          <ac:spMkLst>
-            <pc:docMk/>
-            <pc:sldMk cId="2530979781" sldId="262"/>
-            <ac:spMk id="27" creationId="{358C1A27-C507-D57F-398C-871F09AC8B1A}"/>
-          </ac:spMkLst>
-        </pc:spChg>
         <pc:spChg chg="add mod">
           <ac:chgData name="Tobias Stadtfeld" userId="7e695269987144e5" providerId="LiveId" clId="{85484BEE-13EB-4DC1-8A3C-773F2E1512DB}" dt="2025-02-11T11:31:54.682" v="613" actId="20577"/>
           <ac:spMkLst>
             <pc:docMk/>
             <pc:sldMk cId="2530979781" sldId="262"/>
             <ac:spMk id="28" creationId="{FCC5C015-6BF2-F8D4-1392-402425460E6E}"/>
-          </ac:spMkLst>
-        </pc:spChg>
-        <pc:spChg chg="add del mod">
-          <ac:chgData name="Tobias Stadtfeld" userId="7e695269987144e5" providerId="LiveId" clId="{85484BEE-13EB-4DC1-8A3C-773F2E1512DB}" dt="2025-02-11T11:06:49.966" v="111" actId="478"/>
-          <ac:spMkLst>
-            <pc:docMk/>
-            <pc:sldMk cId="2530979781" sldId="262"/>
-            <ac:spMk id="29" creationId="{B1796D1F-A385-A10C-A816-4EC77A3344D7}"/>
-          </ac:spMkLst>
-        </pc:spChg>
-        <pc:spChg chg="add del mod">
-          <ac:chgData name="Tobias Stadtfeld" userId="7e695269987144e5" providerId="LiveId" clId="{85484BEE-13EB-4DC1-8A3C-773F2E1512DB}" dt="2025-02-11T11:06:51.508" v="112" actId="478"/>
-          <ac:spMkLst>
-            <pc:docMk/>
-            <pc:sldMk cId="2530979781" sldId="262"/>
-            <ac:spMk id="30" creationId="{FD450736-EA98-B8F1-F3AD-43F29CA46282}"/>
           </ac:spMkLst>
         </pc:spChg>
         <pc:spChg chg="add mod">
@@ -1035,36 +380,12 @@
             <ac:spMk id="44" creationId="{BA5BE049-8380-69F9-0DDB-64FE3B37A8B0}"/>
           </ac:spMkLst>
         </pc:spChg>
-        <pc:spChg chg="add del mod">
-          <ac:chgData name="Tobias Stadtfeld" userId="7e695269987144e5" providerId="LiveId" clId="{85484BEE-13EB-4DC1-8A3C-773F2E1512DB}" dt="2025-02-11T11:19:42.738" v="414" actId="478"/>
-          <ac:spMkLst>
-            <pc:docMk/>
-            <pc:sldMk cId="2530979781" sldId="262"/>
-            <ac:spMk id="67" creationId="{FFB229A0-0AD4-7349-2A76-84FF955333E5}"/>
-          </ac:spMkLst>
-        </pc:spChg>
-        <pc:spChg chg="add del mod">
-          <ac:chgData name="Tobias Stadtfeld" userId="7e695269987144e5" providerId="LiveId" clId="{85484BEE-13EB-4DC1-8A3C-773F2E1512DB}" dt="2025-02-11T11:25:30.698" v="579" actId="478"/>
-          <ac:spMkLst>
-            <pc:docMk/>
-            <pc:sldMk cId="2530979781" sldId="262"/>
-            <ac:spMk id="68" creationId="{4E6AA008-1F5E-0C0B-2B65-79B2817761F3}"/>
-          </ac:spMkLst>
-        </pc:spChg>
         <pc:spChg chg="add mod ord">
           <ac:chgData name="Tobias Stadtfeld" userId="7e695269987144e5" providerId="LiveId" clId="{85484BEE-13EB-4DC1-8A3C-773F2E1512DB}" dt="2025-02-11T11:26:12.721" v="584" actId="1076"/>
           <ac:spMkLst>
             <pc:docMk/>
             <pc:sldMk cId="2530979781" sldId="262"/>
             <ac:spMk id="69" creationId="{FE7AE69D-1EA2-DA51-7332-85F08F7DD8C0}"/>
-          </ac:spMkLst>
-        </pc:spChg>
-        <pc:spChg chg="add del mod">
-          <ac:chgData name="Tobias Stadtfeld" userId="7e695269987144e5" providerId="LiveId" clId="{85484BEE-13EB-4DC1-8A3C-773F2E1512DB}" dt="2025-02-11T11:31:29.656" v="609" actId="478"/>
-          <ac:spMkLst>
-            <pc:docMk/>
-            <pc:sldMk cId="2530979781" sldId="262"/>
-            <ac:spMk id="70" creationId="{5065FDAB-65F2-4EBD-1036-400702CEFF44}"/>
           </ac:spMkLst>
         </pc:spChg>
         <pc:spChg chg="add mod">
@@ -1089,14 +410,6 @@
             <pc:docMk/>
             <pc:sldMk cId="2530979781" sldId="262"/>
             <ac:spMk id="73" creationId="{BCC6B6A0-B266-4660-5E86-2541976493D6}"/>
-          </ac:spMkLst>
-        </pc:spChg>
-        <pc:spChg chg="add del mod">
-          <ac:chgData name="Tobias Stadtfeld" userId="7e695269987144e5" providerId="LiveId" clId="{85484BEE-13EB-4DC1-8A3C-773F2E1512DB}" dt="2025-02-11T11:33:08.644" v="740"/>
-          <ac:spMkLst>
-            <pc:docMk/>
-            <pc:sldMk cId="2530979781" sldId="262"/>
-            <ac:spMk id="74" creationId="{087D3E48-E478-F9C4-4345-D8B3F6DD476C}"/>
           </ac:spMkLst>
         </pc:spChg>
         <pc:spChg chg="add mod">
@@ -1131,14 +444,6 @@
             <ac:cxnSpMk id="13" creationId="{BB6012DF-0515-8EB9-6530-0B104705AC32}"/>
           </ac:cxnSpMkLst>
         </pc:cxnChg>
-        <pc:cxnChg chg="add del mod">
-          <ac:chgData name="Tobias Stadtfeld" userId="7e695269987144e5" providerId="LiveId" clId="{85484BEE-13EB-4DC1-8A3C-773F2E1512DB}" dt="2025-02-11T11:33:29.113" v="742" actId="478"/>
-          <ac:cxnSpMkLst>
-            <pc:docMk/>
-            <pc:sldMk cId="2530979781" sldId="262"/>
-            <ac:cxnSpMk id="21" creationId="{36269760-325C-A3F0-B949-27FC74654EDF}"/>
-          </ac:cxnSpMkLst>
-        </pc:cxnChg>
         <pc:cxnChg chg="add mod">
           <ac:chgData name="Tobias Stadtfeld" userId="7e695269987144e5" providerId="LiveId" clId="{85484BEE-13EB-4DC1-8A3C-773F2E1512DB}" dt="2025-02-11T11:07:10.244" v="115" actId="1076"/>
           <ac:cxnSpMkLst>
@@ -1163,70 +468,6 @@
             <ac:cxnSpMk id="36" creationId="{D5D65B22-0C4A-9277-C80D-0979140B5CAA}"/>
           </ac:cxnSpMkLst>
         </pc:cxnChg>
-        <pc:cxnChg chg="add del mod">
-          <ac:chgData name="Tobias Stadtfeld" userId="7e695269987144e5" providerId="LiveId" clId="{85484BEE-13EB-4DC1-8A3C-773F2E1512DB}" dt="2025-02-11T11:19:04.837" v="405" actId="478"/>
-          <ac:cxnSpMkLst>
-            <pc:docMk/>
-            <pc:sldMk cId="2530979781" sldId="262"/>
-            <ac:cxnSpMk id="40" creationId="{B9E53AC0-3DE5-3992-E1E4-150B0B053E85}"/>
-          </ac:cxnSpMkLst>
-        </pc:cxnChg>
-        <pc:cxnChg chg="add del">
-          <ac:chgData name="Tobias Stadtfeld" userId="7e695269987144e5" providerId="LiveId" clId="{85484BEE-13EB-4DC1-8A3C-773F2E1512DB}" dt="2025-02-11T11:17:26.021" v="377" actId="11529"/>
-          <ac:cxnSpMkLst>
-            <pc:docMk/>
-            <pc:sldMk cId="2530979781" sldId="262"/>
-            <ac:cxnSpMk id="46" creationId="{C3D9BD12-CE54-1147-CA57-AB4762538CAD}"/>
-          </ac:cxnSpMkLst>
-        </pc:cxnChg>
-        <pc:cxnChg chg="add del mod">
-          <ac:chgData name="Tobias Stadtfeld" userId="7e695269987144e5" providerId="LiveId" clId="{85484BEE-13EB-4DC1-8A3C-773F2E1512DB}" dt="2025-02-11T11:21:21.776" v="498" actId="478"/>
-          <ac:cxnSpMkLst>
-            <pc:docMk/>
-            <pc:sldMk cId="2530979781" sldId="262"/>
-            <ac:cxnSpMk id="48" creationId="{EC4079C3-E9FA-1ED2-A0C0-2B58A555CE62}"/>
-          </ac:cxnSpMkLst>
-        </pc:cxnChg>
-        <pc:cxnChg chg="add del mod">
-          <ac:chgData name="Tobias Stadtfeld" userId="7e695269987144e5" providerId="LiveId" clId="{85484BEE-13EB-4DC1-8A3C-773F2E1512DB}" dt="2025-02-11T11:17:49.233" v="386" actId="478"/>
-          <ac:cxnSpMkLst>
-            <pc:docMk/>
-            <pc:sldMk cId="2530979781" sldId="262"/>
-            <ac:cxnSpMk id="52" creationId="{638CCFC4-06F2-1352-34FC-D1AE27AE2229}"/>
-          </ac:cxnSpMkLst>
-        </pc:cxnChg>
-        <pc:cxnChg chg="add del mod">
-          <ac:chgData name="Tobias Stadtfeld" userId="7e695269987144e5" providerId="LiveId" clId="{85484BEE-13EB-4DC1-8A3C-773F2E1512DB}" dt="2025-02-11T11:17:49.934" v="387" actId="478"/>
-          <ac:cxnSpMkLst>
-            <pc:docMk/>
-            <pc:sldMk cId="2530979781" sldId="262"/>
-            <ac:cxnSpMk id="53" creationId="{2A2ECBBF-820B-8A87-266C-749F9745B64B}"/>
-          </ac:cxnSpMkLst>
-        </pc:cxnChg>
-        <pc:cxnChg chg="add del mod">
-          <ac:chgData name="Tobias Stadtfeld" userId="7e695269987144e5" providerId="LiveId" clId="{85484BEE-13EB-4DC1-8A3C-773F2E1512DB}" dt="2025-02-11T11:21:21.776" v="498" actId="478"/>
-          <ac:cxnSpMkLst>
-            <pc:docMk/>
-            <pc:sldMk cId="2530979781" sldId="262"/>
-            <ac:cxnSpMk id="55" creationId="{F921931F-2138-7844-CE50-EF682C368BAD}"/>
-          </ac:cxnSpMkLst>
-        </pc:cxnChg>
-        <pc:cxnChg chg="add del mod">
-          <ac:chgData name="Tobias Stadtfeld" userId="7e695269987144e5" providerId="LiveId" clId="{85484BEE-13EB-4DC1-8A3C-773F2E1512DB}" dt="2025-02-11T11:21:21.776" v="498" actId="478"/>
-          <ac:cxnSpMkLst>
-            <pc:docMk/>
-            <pc:sldMk cId="2530979781" sldId="262"/>
-            <ac:cxnSpMk id="63" creationId="{AA918F4D-AD8E-4F1A-A2C5-3DA9C3CE1F96}"/>
-          </ac:cxnSpMkLst>
-        </pc:cxnChg>
-        <pc:cxnChg chg="add del mod">
-          <ac:chgData name="Tobias Stadtfeld" userId="7e695269987144e5" providerId="LiveId" clId="{85484BEE-13EB-4DC1-8A3C-773F2E1512DB}" dt="2025-02-11T11:21:21.776" v="498" actId="478"/>
-          <ac:cxnSpMkLst>
-            <pc:docMk/>
-            <pc:sldMk cId="2530979781" sldId="262"/>
-            <ac:cxnSpMk id="64" creationId="{216CE356-CFFC-4DE3-6147-88C57FE86A7C}"/>
-          </ac:cxnSpMkLst>
-        </pc:cxnChg>
         <pc:cxnChg chg="add mod">
           <ac:chgData name="Tobias Stadtfeld" userId="7e695269987144e5" providerId="LiveId" clId="{85484BEE-13EB-4DC1-8A3C-773F2E1512DB}" dt="2025-02-11T11:33:41.845" v="745" actId="1076"/>
           <ac:cxnSpMkLst>
@@ -1242,30 +483,6 @@
           <pc:docMk/>
           <pc:sldMk cId="2846740160" sldId="263"/>
         </pc:sldMkLst>
-        <pc:spChg chg="del">
-          <ac:chgData name="Tobias Stadtfeld" userId="7e695269987144e5" providerId="LiveId" clId="{85484BEE-13EB-4DC1-8A3C-773F2E1512DB}" dt="2025-02-11T11:56:04.094" v="958" actId="478"/>
-          <ac:spMkLst>
-            <pc:docMk/>
-            <pc:sldMk cId="2846740160" sldId="263"/>
-            <ac:spMk id="2" creationId="{F6DC9067-4B87-2151-124B-9691E29D8294}"/>
-          </ac:spMkLst>
-        </pc:spChg>
-        <pc:spChg chg="del mod">
-          <ac:chgData name="Tobias Stadtfeld" userId="7e695269987144e5" providerId="LiveId" clId="{85484BEE-13EB-4DC1-8A3C-773F2E1512DB}" dt="2025-02-11T11:56:00.303" v="956" actId="478"/>
-          <ac:spMkLst>
-            <pc:docMk/>
-            <pc:sldMk cId="2846740160" sldId="263"/>
-            <ac:spMk id="3" creationId="{218AA77E-E818-CA4D-CF5D-0E11EE230B4C}"/>
-          </ac:spMkLst>
-        </pc:spChg>
-        <pc:spChg chg="add del mod">
-          <ac:chgData name="Tobias Stadtfeld" userId="7e695269987144e5" providerId="LiveId" clId="{85484BEE-13EB-4DC1-8A3C-773F2E1512DB}" dt="2025-02-11T11:56:02.164" v="957" actId="478"/>
-          <ac:spMkLst>
-            <pc:docMk/>
-            <pc:sldMk cId="2846740160" sldId="263"/>
-            <ac:spMk id="5" creationId="{795AB991-382C-59FC-FCDF-23559834AE0D}"/>
-          </ac:spMkLst>
-        </pc:spChg>
         <pc:spChg chg="add mod ord">
           <ac:chgData name="Tobias Stadtfeld" userId="7e695269987144e5" providerId="LiveId" clId="{85484BEE-13EB-4DC1-8A3C-773F2E1512DB}" dt="2025-02-11T11:57:36.038" v="975" actId="166"/>
           <ac:spMkLst>
@@ -1322,6 +539,102 @@
             <ac:spMk id="12" creationId="{49A083F3-17D1-0113-1E17-538CDD51D470}"/>
           </ac:spMkLst>
         </pc:spChg>
+      </pc:sldChg>
+    </pc:docChg>
+  </pc:docChgLst>
+  <pc:docChgLst>
+    <pc:chgData name="Tobias Stadtfeld" userId="7e695269987144e5" providerId="LiveId" clId="{5A3E4B72-B451-4BC5-82B0-62F0F952E08E}"/>
+    <pc:docChg chg="undo custSel addSld modSld">
+      <pc:chgData name="Tobias Stadtfeld" userId="7e695269987144e5" providerId="LiveId" clId="{5A3E4B72-B451-4BC5-82B0-62F0F952E08E}" dt="2025-03-02T22:37:03.285" v="1407" actId="1076"/>
+      <pc:docMkLst>
+        <pc:docMk/>
+      </pc:docMkLst>
+      <pc:sldChg chg="addSp delSp modSp new mod">
+        <pc:chgData name="Tobias Stadtfeld" userId="7e695269987144e5" providerId="LiveId" clId="{5A3E4B72-B451-4BC5-82B0-62F0F952E08E}" dt="2025-03-02T22:37:03.285" v="1407" actId="1076"/>
+        <pc:sldMkLst>
+          <pc:docMk/>
+          <pc:sldMk cId="932289418" sldId="264"/>
+        </pc:sldMkLst>
+        <pc:spChg chg="del">
+          <ac:chgData name="Tobias Stadtfeld" userId="7e695269987144e5" providerId="LiveId" clId="{5A3E4B72-B451-4BC5-82B0-62F0F952E08E}" dt="2025-03-02T22:03:50.522" v="2" actId="478"/>
+          <ac:spMkLst>
+            <pc:docMk/>
+            <pc:sldMk cId="932289418" sldId="264"/>
+            <ac:spMk id="2" creationId="{EE251D99-982D-6F2A-4641-09A86A88518A}"/>
+          </ac:spMkLst>
+        </pc:spChg>
+        <pc:spChg chg="del">
+          <ac:chgData name="Tobias Stadtfeld" userId="7e695269987144e5" providerId="LiveId" clId="{5A3E4B72-B451-4BC5-82B0-62F0F952E08E}" dt="2025-03-02T22:03:47.134" v="1" actId="478"/>
+          <ac:spMkLst>
+            <pc:docMk/>
+            <pc:sldMk cId="932289418" sldId="264"/>
+            <ac:spMk id="3" creationId="{223DF76B-4723-A6E2-9238-AFB809EED434}"/>
+          </ac:spMkLst>
+        </pc:spChg>
+        <pc:spChg chg="add mod">
+          <ac:chgData name="Tobias Stadtfeld" userId="7e695269987144e5" providerId="LiveId" clId="{5A3E4B72-B451-4BC5-82B0-62F0F952E08E}" dt="2025-03-02T22:32:04.450" v="1075" actId="1076"/>
+          <ac:spMkLst>
+            <pc:docMk/>
+            <pc:sldMk cId="932289418" sldId="264"/>
+            <ac:spMk id="4" creationId="{307F03CC-B7A4-BA08-CDE6-28349B3B6F9D}"/>
+          </ac:spMkLst>
+        </pc:spChg>
+        <pc:spChg chg="add mod">
+          <ac:chgData name="Tobias Stadtfeld" userId="7e695269987144e5" providerId="LiveId" clId="{5A3E4B72-B451-4BC5-82B0-62F0F952E08E}" dt="2025-03-02T22:32:04.450" v="1075" actId="1076"/>
+          <ac:spMkLst>
+            <pc:docMk/>
+            <pc:sldMk cId="932289418" sldId="264"/>
+            <ac:spMk id="5" creationId="{8AE8C023-0A3A-27F3-364C-1D1830FE66BB}"/>
+          </ac:spMkLst>
+        </pc:spChg>
+        <pc:spChg chg="add del mod">
+          <ac:chgData name="Tobias Stadtfeld" userId="7e695269987144e5" providerId="LiveId" clId="{5A3E4B72-B451-4BC5-82B0-62F0F952E08E}" dt="2025-03-02T22:09:23.602" v="543" actId="478"/>
+          <ac:spMkLst>
+            <pc:docMk/>
+            <pc:sldMk cId="932289418" sldId="264"/>
+            <ac:spMk id="6" creationId="{8C6514B1-AA46-D19C-0AF7-5449763F50CD}"/>
+          </ac:spMkLst>
+        </pc:spChg>
+        <pc:spChg chg="add mod">
+          <ac:chgData name="Tobias Stadtfeld" userId="7e695269987144e5" providerId="LiveId" clId="{5A3E4B72-B451-4BC5-82B0-62F0F952E08E}" dt="2025-03-02T22:36:01.386" v="1404" actId="1076"/>
+          <ac:spMkLst>
+            <pc:docMk/>
+            <pc:sldMk cId="932289418" sldId="264"/>
+            <ac:spMk id="6" creationId="{9D825E68-55F4-63F6-F313-45E50EF1BF2F}"/>
+          </ac:spMkLst>
+        </pc:spChg>
+        <pc:spChg chg="add del mod">
+          <ac:chgData name="Tobias Stadtfeld" userId="7e695269987144e5" providerId="LiveId" clId="{5A3E4B72-B451-4BC5-82B0-62F0F952E08E}" dt="2025-03-02T22:09:09.740" v="538" actId="478"/>
+          <ac:spMkLst>
+            <pc:docMk/>
+            <pc:sldMk cId="932289418" sldId="264"/>
+            <ac:spMk id="7" creationId="{A964BDC4-5DCD-93AF-AFBC-EAC66A1FD62F}"/>
+          </ac:spMkLst>
+        </pc:spChg>
+        <pc:spChg chg="add mod">
+          <ac:chgData name="Tobias Stadtfeld" userId="7e695269987144e5" providerId="LiveId" clId="{5A3E4B72-B451-4BC5-82B0-62F0F952E08E}" dt="2025-03-02T22:32:11.796" v="1077" actId="1076"/>
+          <ac:spMkLst>
+            <pc:docMk/>
+            <pc:sldMk cId="932289418" sldId="264"/>
+            <ac:spMk id="8" creationId="{5CBAEB6D-309A-302C-E02A-99C0BBF8393B}"/>
+          </ac:spMkLst>
+        </pc:spChg>
+        <pc:spChg chg="add mod">
+          <ac:chgData name="Tobias Stadtfeld" userId="7e695269987144e5" providerId="LiveId" clId="{5A3E4B72-B451-4BC5-82B0-62F0F952E08E}" dt="2025-03-02T22:34:17.812" v="1186" actId="1076"/>
+          <ac:spMkLst>
+            <pc:docMk/>
+            <pc:sldMk cId="932289418" sldId="264"/>
+            <ac:spMk id="9" creationId="{DADF283A-24D0-330D-73C5-840F0794E6D9}"/>
+          </ac:spMkLst>
+        </pc:spChg>
+        <pc:picChg chg="add mod">
+          <ac:chgData name="Tobias Stadtfeld" userId="7e695269987144e5" providerId="LiveId" clId="{5A3E4B72-B451-4BC5-82B0-62F0F952E08E}" dt="2025-03-02T22:37:03.285" v="1407" actId="1076"/>
+          <ac:picMkLst>
+            <pc:docMk/>
+            <pc:sldMk cId="932289418" sldId="264"/>
+            <ac:picMk id="3" creationId="{1DF7E1D4-6C97-7EDD-F195-E0ED3EEB4C38}"/>
+          </ac:picMkLst>
+        </pc:picChg>
       </pc:sldChg>
     </pc:docChg>
   </pc:docChgLst>
@@ -1674,7 +987,7 @@
           <a:p>
             <a:fld id="{4B7C8FB9-FAD6-4748-B71C-FAE8C47BD55A}" type="datetimeFigureOut">
               <a:rPr lang="en-US" smtClean="0"/>
-              <a:t>2/11/2025</a:t>
+              <a:t>3/2/2025</a:t>
             </a:fld>
             <a:endParaRPr lang="en-US"/>
           </a:p>
@@ -2265,7 +1578,7 @@
           <a:p>
             <a:fld id="{5DF6A792-334E-478A-AAEA-36BB888C9834}" type="datetimeFigureOut">
               <a:rPr lang="en-US" smtClean="0"/>
-              <a:t>2/11/2025</a:t>
+              <a:t>3/2/2025</a:t>
             </a:fld>
             <a:endParaRPr lang="en-US"/>
           </a:p>
@@ -2435,7 +1748,7 @@
           <a:p>
             <a:fld id="{5DF6A792-334E-478A-AAEA-36BB888C9834}" type="datetimeFigureOut">
               <a:rPr lang="en-US" smtClean="0"/>
-              <a:t>2/11/2025</a:t>
+              <a:t>3/2/2025</a:t>
             </a:fld>
             <a:endParaRPr lang="en-US"/>
           </a:p>
@@ -2615,7 +1928,7 @@
           <a:p>
             <a:fld id="{5DF6A792-334E-478A-AAEA-36BB888C9834}" type="datetimeFigureOut">
               <a:rPr lang="en-US" smtClean="0"/>
-              <a:t>2/11/2025</a:t>
+              <a:t>3/2/2025</a:t>
             </a:fld>
             <a:endParaRPr lang="en-US"/>
           </a:p>
@@ -2785,7 +2098,7 @@
           <a:p>
             <a:fld id="{5DF6A792-334E-478A-AAEA-36BB888C9834}" type="datetimeFigureOut">
               <a:rPr lang="en-US" smtClean="0"/>
-              <a:t>2/11/2025</a:t>
+              <a:t>3/2/2025</a:t>
             </a:fld>
             <a:endParaRPr lang="en-US"/>
           </a:p>
@@ -3031,7 +2344,7 @@
           <a:p>
             <a:fld id="{5DF6A792-334E-478A-AAEA-36BB888C9834}" type="datetimeFigureOut">
               <a:rPr lang="en-US" smtClean="0"/>
-              <a:t>2/11/2025</a:t>
+              <a:t>3/2/2025</a:t>
             </a:fld>
             <a:endParaRPr lang="en-US"/>
           </a:p>
@@ -3263,7 +2576,7 @@
           <a:p>
             <a:fld id="{5DF6A792-334E-478A-AAEA-36BB888C9834}" type="datetimeFigureOut">
               <a:rPr lang="en-US" smtClean="0"/>
-              <a:t>2/11/2025</a:t>
+              <a:t>3/2/2025</a:t>
             </a:fld>
             <a:endParaRPr lang="en-US"/>
           </a:p>
@@ -3630,7 +2943,7 @@
           <a:p>
             <a:fld id="{5DF6A792-334E-478A-AAEA-36BB888C9834}" type="datetimeFigureOut">
               <a:rPr lang="en-US" smtClean="0"/>
-              <a:t>2/11/2025</a:t>
+              <a:t>3/2/2025</a:t>
             </a:fld>
             <a:endParaRPr lang="en-US"/>
           </a:p>
@@ -3748,7 +3061,7 @@
           <a:p>
             <a:fld id="{5DF6A792-334E-478A-AAEA-36BB888C9834}" type="datetimeFigureOut">
               <a:rPr lang="en-US" smtClean="0"/>
-              <a:t>2/11/2025</a:t>
+              <a:t>3/2/2025</a:t>
             </a:fld>
             <a:endParaRPr lang="en-US"/>
           </a:p>
@@ -3843,7 +3156,7 @@
           <a:p>
             <a:fld id="{5DF6A792-334E-478A-AAEA-36BB888C9834}" type="datetimeFigureOut">
               <a:rPr lang="en-US" smtClean="0"/>
-              <a:t>2/11/2025</a:t>
+              <a:t>3/2/2025</a:t>
             </a:fld>
             <a:endParaRPr lang="en-US"/>
           </a:p>
@@ -4120,7 +3433,7 @@
           <a:p>
             <a:fld id="{5DF6A792-334E-478A-AAEA-36BB888C9834}" type="datetimeFigureOut">
               <a:rPr lang="en-US" smtClean="0"/>
-              <a:t>2/11/2025</a:t>
+              <a:t>3/2/2025</a:t>
             </a:fld>
             <a:endParaRPr lang="en-US"/>
           </a:p>
@@ -4377,7 +3690,7 @@
           <a:p>
             <a:fld id="{5DF6A792-334E-478A-AAEA-36BB888C9834}" type="datetimeFigureOut">
               <a:rPr lang="en-US" smtClean="0"/>
-              <a:t>2/11/2025</a:t>
+              <a:t>3/2/2025</a:t>
             </a:fld>
             <a:endParaRPr lang="en-US"/>
           </a:p>
@@ -4590,7 +3903,7 @@
           <a:p>
             <a:fld id="{5DF6A792-334E-478A-AAEA-36BB888C9834}" type="datetimeFigureOut">
               <a:rPr lang="en-US" smtClean="0"/>
-              <a:t>2/11/2025</a:t>
+              <a:t>3/2/2025</a:t>
             </a:fld>
             <a:endParaRPr lang="en-US"/>
           </a:p>
@@ -13437,6 +12750,353 @@
     <p:extLst>
       <p:ext uri="{BB962C8B-B14F-4D97-AF65-F5344CB8AC3E}">
         <p14:creationId xmlns:p14="http://schemas.microsoft.com/office/powerpoint/2010/main" val="2846740160"/>
+      </p:ext>
+    </p:extLst>
+  </p:cSld>
+  <p:clrMapOvr>
+    <a:masterClrMapping/>
+  </p:clrMapOvr>
+</p:sld>
+</file>
+
+<file path=ppt/slides/slide8.xml><?xml version="1.0" encoding="utf-8"?>
+<p:sld xmlns:a="http://schemas.openxmlformats.org/drawingml/2006/main" xmlns:r="http://schemas.openxmlformats.org/officeDocument/2006/relationships" xmlns:p="http://schemas.openxmlformats.org/presentationml/2006/main">
+  <p:cSld>
+    <p:spTree>
+      <p:nvGrpSpPr>
+        <p:cNvPr id="1" name=""/>
+        <p:cNvGrpSpPr/>
+        <p:nvPr/>
+      </p:nvGrpSpPr>
+      <p:grpSpPr>
+        <a:xfrm>
+          <a:off x="0" y="0"/>
+          <a:ext cx="0" cy="0"/>
+          <a:chOff x="0" y="0"/>
+          <a:chExt cx="0" cy="0"/>
+        </a:xfrm>
+      </p:grpSpPr>
+      <p:sp>
+        <p:nvSpPr>
+          <p:cNvPr id="4" name="Ellipse 3">
+            <a:extLst>
+              <a:ext uri="{FF2B5EF4-FFF2-40B4-BE49-F238E27FC236}">
+                <a16:creationId xmlns:a16="http://schemas.microsoft.com/office/drawing/2014/main" id="{307F03CC-B7A4-BA08-CDE6-28349B3B6F9D}"/>
+              </a:ext>
+            </a:extLst>
+          </p:cNvPr>
+          <p:cNvSpPr/>
+          <p:nvPr/>
+        </p:nvSpPr>
+        <p:spPr>
+          <a:xfrm>
+            <a:off x="7853083" y="165395"/>
+            <a:ext cx="3345628" cy="2829261"/>
+          </a:xfrm>
+          <a:prstGeom prst="ellipse">
+            <a:avLst/>
+          </a:prstGeom>
+        </p:spPr>
+        <p:style>
+          <a:lnRef idx="2">
+            <a:schemeClr val="accent1">
+              <a:shade val="15000"/>
+            </a:schemeClr>
+          </a:lnRef>
+          <a:fillRef idx="1">
+            <a:schemeClr val="accent1"/>
+          </a:fillRef>
+          <a:effectRef idx="0">
+            <a:schemeClr val="accent1"/>
+          </a:effectRef>
+          <a:fontRef idx="minor">
+            <a:schemeClr val="lt1"/>
+          </a:fontRef>
+        </p:style>
+        <p:txBody>
+          <a:bodyPr rtlCol="0" anchor="ctr"/>
+          <a:lstStyle/>
+          <a:p>
+            <a:pPr algn="ctr"/>
+            <a:endParaRPr lang="de-DE"/>
+          </a:p>
+        </p:txBody>
+      </p:sp>
+      <p:sp>
+        <p:nvSpPr>
+          <p:cNvPr id="5" name="Ellipse 4">
+            <a:extLst>
+              <a:ext uri="{FF2B5EF4-FFF2-40B4-BE49-F238E27FC236}">
+                <a16:creationId xmlns:a16="http://schemas.microsoft.com/office/drawing/2014/main" id="{8AE8C023-0A3A-27F3-364C-1D1830FE66BB}"/>
+              </a:ext>
+            </a:extLst>
+          </p:cNvPr>
+          <p:cNvSpPr/>
+          <p:nvPr/>
+        </p:nvSpPr>
+        <p:spPr>
+          <a:xfrm>
+            <a:off x="8931537" y="1013004"/>
+            <a:ext cx="1188720" cy="995083"/>
+          </a:xfrm>
+          <a:prstGeom prst="ellipse">
+            <a:avLst/>
+          </a:prstGeom>
+          <a:solidFill>
+            <a:srgbClr val="FFFF81"/>
+          </a:solidFill>
+          <a:ln w="76200">
+            <a:solidFill>
+              <a:schemeClr val="accent3">
+                <a:lumMod val="60000"/>
+                <a:lumOff val="40000"/>
+              </a:schemeClr>
+            </a:solidFill>
+            <a:prstDash val="sysDot"/>
+          </a:ln>
+        </p:spPr>
+        <p:style>
+          <a:lnRef idx="2">
+            <a:schemeClr val="accent1">
+              <a:shade val="15000"/>
+            </a:schemeClr>
+          </a:lnRef>
+          <a:fillRef idx="1">
+            <a:schemeClr val="accent1"/>
+          </a:fillRef>
+          <a:effectRef idx="0">
+            <a:schemeClr val="accent1"/>
+          </a:effectRef>
+          <a:fontRef idx="minor">
+            <a:schemeClr val="lt1"/>
+          </a:fontRef>
+        </p:style>
+        <p:txBody>
+          <a:bodyPr rtlCol="0" anchor="ctr"/>
+          <a:lstStyle/>
+          <a:p>
+            <a:pPr algn="ctr"/>
+            <a:endParaRPr lang="de-DE"/>
+          </a:p>
+        </p:txBody>
+      </p:sp>
+      <p:sp>
+        <p:nvSpPr>
+          <p:cNvPr id="8" name="Textfeld 7">
+            <a:extLst>
+              <a:ext uri="{FF2B5EF4-FFF2-40B4-BE49-F238E27FC236}">
+                <a16:creationId xmlns:a16="http://schemas.microsoft.com/office/drawing/2014/main" id="{5CBAEB6D-309A-302C-E02A-99C0BBF8393B}"/>
+              </a:ext>
+            </a:extLst>
+          </p:cNvPr>
+          <p:cNvSpPr txBox="1"/>
+          <p:nvPr/>
+        </p:nvSpPr>
+        <p:spPr>
+          <a:xfrm flipH="1">
+            <a:off x="597049" y="669681"/>
+            <a:ext cx="6018904" cy="2031325"/>
+          </a:xfrm>
+          <a:prstGeom prst="rect">
+            <a:avLst/>
+          </a:prstGeom>
+          <a:noFill/>
+        </p:spPr>
+        <p:txBody>
+          <a:bodyPr wrap="square" rtlCol="0">
+            <a:spAutoFit/>
+          </a:bodyPr>
+          <a:lstStyle/>
+          <a:p>
+            <a:r>
+              <a:rPr lang="de-DE" dirty="0"/>
+              <a:t>Das Produkt aus Hilbert Space (Gott) und Universum (Hirn) ergibt ein neues emergentes System (mein Bewusstsein). </a:t>
+            </a:r>
+          </a:p>
+          <a:p>
+            <a:r>
+              <a:rPr lang="de-DE" dirty="0"/>
+              <a:t>Es entsteht eine GRENZE/ein ÜBERGANG zwischen Gott und meinem Bewusstsein. </a:t>
+            </a:r>
+            <a:br>
+              <a:rPr lang="de-DE" dirty="0"/>
+            </a:br>
+            <a:r>
+              <a:rPr lang="de-DE" dirty="0"/>
+              <a:t>(Grüner Übergang von Blau zu Gelb)</a:t>
+            </a:r>
+          </a:p>
+          <a:p>
+            <a:r>
+              <a:rPr lang="de-DE" dirty="0"/>
+              <a:t>Diese Grenze ist mein Bewusstsein/der freie Wille -&gt; Das Produkt aus Gott und dem physischen Universum.</a:t>
+            </a:r>
+          </a:p>
+        </p:txBody>
+      </p:sp>
+      <p:sp>
+        <p:nvSpPr>
+          <p:cNvPr id="9" name="Textfeld 8">
+            <a:extLst>
+              <a:ext uri="{FF2B5EF4-FFF2-40B4-BE49-F238E27FC236}">
+                <a16:creationId xmlns:a16="http://schemas.microsoft.com/office/drawing/2014/main" id="{DADF283A-24D0-330D-73C5-840F0794E6D9}"/>
+              </a:ext>
+            </a:extLst>
+          </p:cNvPr>
+          <p:cNvSpPr txBox="1"/>
+          <p:nvPr/>
+        </p:nvSpPr>
+        <p:spPr>
+          <a:xfrm>
+            <a:off x="597049" y="3505884"/>
+            <a:ext cx="6508377" cy="1477328"/>
+          </a:xfrm>
+          <a:prstGeom prst="rect">
+            <a:avLst/>
+          </a:prstGeom>
+          <a:noFill/>
+        </p:spPr>
+        <p:txBody>
+          <a:bodyPr wrap="square" rtlCol="0">
+            <a:spAutoFit/>
+          </a:bodyPr>
+          <a:lstStyle/>
+          <a:p>
+            <a:r>
+              <a:rPr lang="de-DE" dirty="0"/>
+              <a:t>Gott ist auch ein Teil mein Inneres (Gelb), aber nicht des Übergangs (Bewusstsein, ohne Neuronen).</a:t>
+            </a:r>
+          </a:p>
+          <a:p>
+            <a:r>
+              <a:rPr lang="de-DE" b="1" dirty="0"/>
+              <a:t>Der Übergang bin ich. „The </a:t>
+            </a:r>
+            <a:r>
+              <a:rPr lang="de-DE" b="1" dirty="0" err="1"/>
+              <a:t>collapse</a:t>
+            </a:r>
+            <a:r>
+              <a:rPr lang="de-DE" b="1" dirty="0"/>
+              <a:t> </a:t>
+            </a:r>
+            <a:r>
+              <a:rPr lang="de-DE" b="1" dirty="0" err="1"/>
+              <a:t>of</a:t>
+            </a:r>
+            <a:r>
+              <a:rPr lang="de-DE" b="1" dirty="0"/>
+              <a:t> </a:t>
+            </a:r>
+            <a:r>
+              <a:rPr lang="de-DE" b="1" dirty="0" err="1"/>
+              <a:t>the</a:t>
+            </a:r>
+            <a:r>
+              <a:rPr lang="de-DE" b="1" dirty="0"/>
+              <a:t> </a:t>
+            </a:r>
+            <a:r>
+              <a:rPr lang="de-DE" b="1" dirty="0" err="1"/>
+              <a:t>wave</a:t>
+            </a:r>
+            <a:r>
+              <a:rPr lang="de-DE" b="1" dirty="0"/>
+              <a:t> </a:t>
+            </a:r>
+            <a:r>
+              <a:rPr lang="de-DE" b="1" dirty="0" err="1"/>
+              <a:t>function</a:t>
+            </a:r>
+            <a:r>
+              <a:rPr lang="de-DE" b="1" dirty="0"/>
+              <a:t>!“</a:t>
+            </a:r>
+          </a:p>
+          <a:p>
+            <a:r>
+              <a:rPr lang="de-DE" dirty="0"/>
+              <a:t>Gott kann nur Vorahnen, was ich denke (aufgrund Neuronen), aber nicht mit 100% Sicherheit vorhersagen.</a:t>
+            </a:r>
+          </a:p>
+        </p:txBody>
+      </p:sp>
+      <p:pic>
+        <p:nvPicPr>
+          <p:cNvPr id="3" name="Grafik 2" descr="Ein Bild, das Ball, Kunst, Kreis, Kugel enthält.&#10;&#10;KI-generierte Inhalte können fehlerhaft sein.">
+            <a:extLst>
+              <a:ext uri="{FF2B5EF4-FFF2-40B4-BE49-F238E27FC236}">
+                <a16:creationId xmlns:a16="http://schemas.microsoft.com/office/drawing/2014/main" id="{1DF7E1D4-6C97-7EDD-F195-E0ED3EEB4C38}"/>
+              </a:ext>
+            </a:extLst>
+          </p:cNvPr>
+          <p:cNvPicPr>
+            <a:picLocks noChangeAspect="1"/>
+          </p:cNvPicPr>
+          <p:nvPr/>
+        </p:nvPicPr>
+        <p:blipFill>
+          <a:blip r:embed="rId2"/>
+          <a:stretch>
+            <a:fillRect/>
+          </a:stretch>
+        </p:blipFill>
+        <p:spPr>
+          <a:xfrm>
+            <a:off x="8062857" y="3468232"/>
+            <a:ext cx="2926079" cy="2926079"/>
+          </a:xfrm>
+          <a:prstGeom prst="rect">
+            <a:avLst/>
+          </a:prstGeom>
+        </p:spPr>
+      </p:pic>
+      <p:sp>
+        <p:nvSpPr>
+          <p:cNvPr id="6" name="Textfeld 5">
+            <a:extLst>
+              <a:ext uri="{FF2B5EF4-FFF2-40B4-BE49-F238E27FC236}">
+                <a16:creationId xmlns:a16="http://schemas.microsoft.com/office/drawing/2014/main" id="{9D825E68-55F4-63F6-F313-45E50EF1BF2F}"/>
+              </a:ext>
+            </a:extLst>
+          </p:cNvPr>
+          <p:cNvSpPr txBox="1"/>
+          <p:nvPr/>
+        </p:nvSpPr>
+        <p:spPr>
+          <a:xfrm>
+            <a:off x="597049" y="4983688"/>
+            <a:ext cx="5368065" cy="1477328"/>
+          </a:xfrm>
+          <a:prstGeom prst="rect">
+            <a:avLst/>
+          </a:prstGeom>
+          <a:noFill/>
+        </p:spPr>
+        <p:txBody>
+          <a:bodyPr wrap="square" rtlCol="0">
+            <a:spAutoFit/>
+          </a:bodyPr>
+          <a:lstStyle/>
+          <a:p>
+            <a:r>
+              <a:rPr lang="de-DE" dirty="0"/>
+              <a:t>Oder ich bin Gott, der durch das Universum überhaupt erst selbst zu Bewusstsein gelangt!</a:t>
+            </a:r>
+            <a:br>
+              <a:rPr lang="de-DE" dirty="0"/>
+            </a:br>
+            <a:r>
+              <a:rPr lang="de-DE" dirty="0"/>
+              <a:t>Die Frage dabei ist, ob der Übergang als emergentes System erzeugt wird oder bereits ein Teil Gottes war, welches sich mit dem Universum verbindet.</a:t>
+            </a:r>
+          </a:p>
+        </p:txBody>
+      </p:sp>
+    </p:spTree>
+    <p:extLst>
+      <p:ext uri="{BB962C8B-B14F-4D97-AF65-F5344CB8AC3E}">
+        <p14:creationId xmlns:p14="http://schemas.microsoft.com/office/powerpoint/2010/main" val="932289418"/>
       </p:ext>
     </p:extLst>
   </p:cSld>
